--- a/files/Poster Final Project 2022.pptx
+++ b/files/Poster Final Project 2022.pptx
@@ -243,7 +243,7 @@
           <a:p>
             <a:fld id="{73EE89F4-C31D-45E3-BFAA-D8E8790DFB86}" type="datetimeFigureOut">
               <a:rPr lang="en-US" smtClean="0"/>
-              <a:t>5/20/2022</a:t>
+              <a:t>5/22/2022</a:t>
             </a:fld>
             <a:endParaRPr lang="en-US"/>
           </a:p>
@@ -413,7 +413,7 @@
           <a:p>
             <a:fld id="{73EE89F4-C31D-45E3-BFAA-D8E8790DFB86}" type="datetimeFigureOut">
               <a:rPr lang="en-US" smtClean="0"/>
-              <a:t>5/20/2022</a:t>
+              <a:t>5/22/2022</a:t>
             </a:fld>
             <a:endParaRPr lang="en-US"/>
           </a:p>
@@ -593,7 +593,7 @@
           <a:p>
             <a:fld id="{73EE89F4-C31D-45E3-BFAA-D8E8790DFB86}" type="datetimeFigureOut">
               <a:rPr lang="en-US" smtClean="0"/>
-              <a:t>5/20/2022</a:t>
+              <a:t>5/22/2022</a:t>
             </a:fld>
             <a:endParaRPr lang="en-US"/>
           </a:p>
@@ -763,7 +763,7 @@
           <a:p>
             <a:fld id="{73EE89F4-C31D-45E3-BFAA-D8E8790DFB86}" type="datetimeFigureOut">
               <a:rPr lang="en-US" smtClean="0"/>
-              <a:t>5/20/2022</a:t>
+              <a:t>5/22/2022</a:t>
             </a:fld>
             <a:endParaRPr lang="en-US"/>
           </a:p>
@@ -1007,7 +1007,7 @@
           <a:p>
             <a:fld id="{73EE89F4-C31D-45E3-BFAA-D8E8790DFB86}" type="datetimeFigureOut">
               <a:rPr lang="en-US" smtClean="0"/>
-              <a:t>5/20/2022</a:t>
+              <a:t>5/22/2022</a:t>
             </a:fld>
             <a:endParaRPr lang="en-US"/>
           </a:p>
@@ -1239,7 +1239,7 @@
           <a:p>
             <a:fld id="{73EE89F4-C31D-45E3-BFAA-D8E8790DFB86}" type="datetimeFigureOut">
               <a:rPr lang="en-US" smtClean="0"/>
-              <a:t>5/20/2022</a:t>
+              <a:t>5/22/2022</a:t>
             </a:fld>
             <a:endParaRPr lang="en-US"/>
           </a:p>
@@ -1606,7 +1606,7 @@
           <a:p>
             <a:fld id="{73EE89F4-C31D-45E3-BFAA-D8E8790DFB86}" type="datetimeFigureOut">
               <a:rPr lang="en-US" smtClean="0"/>
-              <a:t>5/20/2022</a:t>
+              <a:t>5/22/2022</a:t>
             </a:fld>
             <a:endParaRPr lang="en-US"/>
           </a:p>
@@ -1724,7 +1724,7 @@
           <a:p>
             <a:fld id="{73EE89F4-C31D-45E3-BFAA-D8E8790DFB86}" type="datetimeFigureOut">
               <a:rPr lang="en-US" smtClean="0"/>
-              <a:t>5/20/2022</a:t>
+              <a:t>5/22/2022</a:t>
             </a:fld>
             <a:endParaRPr lang="en-US"/>
           </a:p>
@@ -1819,7 +1819,7 @@
           <a:p>
             <a:fld id="{73EE89F4-C31D-45E3-BFAA-D8E8790DFB86}" type="datetimeFigureOut">
               <a:rPr lang="en-US" smtClean="0"/>
-              <a:t>5/20/2022</a:t>
+              <a:t>5/22/2022</a:t>
             </a:fld>
             <a:endParaRPr lang="en-US"/>
           </a:p>
@@ -2096,7 +2096,7 @@
           <a:p>
             <a:fld id="{73EE89F4-C31D-45E3-BFAA-D8E8790DFB86}" type="datetimeFigureOut">
               <a:rPr lang="en-US" smtClean="0"/>
-              <a:t>5/20/2022</a:t>
+              <a:t>5/22/2022</a:t>
             </a:fld>
             <a:endParaRPr lang="en-US"/>
           </a:p>
@@ -2353,7 +2353,7 @@
           <a:p>
             <a:fld id="{73EE89F4-C31D-45E3-BFAA-D8E8790DFB86}" type="datetimeFigureOut">
               <a:rPr lang="en-US" smtClean="0"/>
-              <a:t>5/20/2022</a:t>
+              <a:t>5/22/2022</a:t>
             </a:fld>
             <a:endParaRPr lang="en-US"/>
           </a:p>
@@ -2566,7 +2566,7 @@
           <a:p>
             <a:fld id="{73EE89F4-C31D-45E3-BFAA-D8E8790DFB86}" type="datetimeFigureOut">
               <a:rPr lang="en-US" smtClean="0"/>
-              <a:t>5/20/2022</a:t>
+              <a:t>5/22/2022</a:t>
             </a:fld>
             <a:endParaRPr lang="en-US"/>
           </a:p>
@@ -3004,7 +3004,7 @@
         </p:style>
         <p:txBody>
           <a:bodyPr>
-            <a:normAutofit fontScale="92500" lnSpcReduction="10000"/>
+            <a:normAutofit fontScale="92500" lnSpcReduction="20000"/>
           </a:bodyPr>
           <a:lstStyle/>
           <a:p>
@@ -3012,7 +3012,7 @@
             <a:br>
               <a:rPr lang="en-US" sz="1307" b="1" dirty="0">
                 <a:solidFill>
-                  <a:srgbClr val="FF0000"/>
+                  <a:schemeClr val="tx1"/>
                 </a:solidFill>
                 <a:latin typeface="Calibri"/>
                 <a:cs typeface="Arial"/>
@@ -3038,27 +3038,47 @@
               <a:t>       </a:t>
             </a:r>
             <a:r>
-              <a:rPr lang="en-US" b="1" dirty="0">
+              <a:rPr lang="en-US" sz="1900" b="1" dirty="0">
                 <a:solidFill>
                   <a:schemeClr val="tx1"/>
                 </a:solidFill>
                 <a:latin typeface="Calibri"/>
                 <a:cs typeface="Arial"/>
               </a:rPr>
-              <a:t>Data Compression – Comparing </a:t>
-            </a:r>
-            <a:r>
-              <a:rPr lang="en-US" b="1" dirty="0" err="1">
+              <a:t>Data Compression – </a:t>
+            </a:r>
+            <a:r>
+              <a:rPr lang="en-US" b="1" dirty="0">
                 <a:solidFill>
                   <a:schemeClr val="tx1"/>
                 </a:solidFill>
                 <a:latin typeface="Calibri"/>
                 <a:cs typeface="Arial"/>
               </a:rPr>
+              <a:t>Comparing</a:t>
+            </a:r>
+            <a:r>
+              <a:rPr lang="en-US" sz="1900" b="1" dirty="0">
+                <a:solidFill>
+                  <a:schemeClr val="tx1"/>
+                </a:solidFill>
+                <a:latin typeface="Calibri"/>
+                <a:cs typeface="Arial"/>
+              </a:rPr>
+              <a:t> </a:t>
+            </a:r>
+            <a:r>
+              <a:rPr lang="en-US" sz="1900" b="1" dirty="0" err="1">
+                <a:solidFill>
+                  <a:schemeClr val="tx1"/>
+                </a:solidFill>
+                <a:latin typeface="Calibri"/>
+                <a:cs typeface="Arial"/>
+              </a:rPr>
               <a:t>Haar’s</a:t>
             </a:r>
             <a:r>
-              <a:rPr lang="en-US" b="1" dirty="0">
+              <a:rPr lang="en-US" sz="1900" b="1" dirty="0">
                 <a:solidFill>
                   <a:schemeClr val="tx1"/>
                 </a:solidFill>
@@ -3178,7 +3198,7 @@
             <a:br>
               <a:rPr lang="en-US" sz="1307" b="1" dirty="0">
                 <a:solidFill>
-                  <a:srgbClr val="FF0000"/>
+                  <a:schemeClr val="tx1"/>
                 </a:solidFill>
                 <a:latin typeface="Calibri"/>
                 <a:cs typeface="Arial"/>
@@ -3186,7 +3206,7 @@
             </a:br>
             <a:endParaRPr lang="he-IL" sz="1307" b="1" dirty="0">
               <a:solidFill>
-                <a:srgbClr val="FF0000"/>
+                <a:schemeClr val="tx1"/>
               </a:solidFill>
               <a:latin typeface="Calibri"/>
               <a:cs typeface="Arial"/>
@@ -3280,7 +3300,149 @@
             <a:pPr>
               <a:defRPr/>
             </a:pPr>
-            <a:endParaRPr lang="en-US" sz="1400" dirty="0">
+            <a:r>
+              <a:rPr lang="en-US" sz="1050" i="0" dirty="0">
+                <a:solidFill>
+                  <a:srgbClr val="202124"/>
+                </a:solidFill>
+                <a:effectLst/>
+                <a:latin typeface="Arial" panose="020B0604020202020204" pitchFamily="34" charset="0"/>
+                <a:cs typeface="Arial" panose="020B0604020202020204" pitchFamily="34" charset="0"/>
+              </a:rPr>
+              <a:t>Data compression is the process of encoding, restructuring or otherwise modifying data in order to reduce its size</a:t>
+            </a:r>
+            <a:r>
+              <a:rPr lang="en-US" sz="1050" i="0" dirty="0">
+                <a:solidFill>
+                  <a:prstClr val="black"/>
+                </a:solidFill>
+                <a:effectLst/>
+                <a:latin typeface="Arial" panose="020B0604020202020204" pitchFamily="34" charset="0"/>
+                <a:ea typeface="Tahoma" pitchFamily="34" charset="0"/>
+                <a:cs typeface="Arial" pitchFamily="34" charset="0"/>
+              </a:rPr>
+              <a:t>.</a:t>
+            </a:r>
+          </a:p>
+          <a:p>
+            <a:pPr>
+              <a:defRPr/>
+            </a:pPr>
+            <a:r>
+              <a:rPr lang="en-US" sz="1050" dirty="0">
+                <a:solidFill>
+                  <a:prstClr val="black"/>
+                </a:solidFill>
+                <a:latin typeface="Arial" panose="020B0604020202020204" pitchFamily="34" charset="0"/>
+                <a:ea typeface="Tahoma" pitchFamily="34" charset="0"/>
+                <a:cs typeface="Arial" pitchFamily="34" charset="0"/>
+              </a:rPr>
+              <a:t>In our </a:t>
+            </a:r>
+            <a:r>
+              <a:rPr lang="en-US" sz="1050" i="0" dirty="0">
+                <a:solidFill>
+                  <a:srgbClr val="202124"/>
+                </a:solidFill>
+                <a:effectLst/>
+                <a:latin typeface="Arial" panose="020B0604020202020204" pitchFamily="34" charset="0"/>
+                <a:cs typeface="Arial" panose="020B0604020202020204" pitchFamily="34" charset="0"/>
+              </a:rPr>
+              <a:t>Data compression </a:t>
+            </a:r>
+            <a:r>
+              <a:rPr lang="en-US" sz="1050" dirty="0">
+                <a:solidFill>
+                  <a:prstClr val="black"/>
+                </a:solidFill>
+                <a:latin typeface="Arial" panose="020B0604020202020204" pitchFamily="34" charset="0"/>
+                <a:ea typeface="Tahoma" pitchFamily="34" charset="0"/>
+                <a:cs typeface="Arial" pitchFamily="34" charset="0"/>
+              </a:rPr>
+              <a:t>research we specified at the </a:t>
+            </a:r>
+            <a:r>
+              <a:rPr lang="en-US" sz="1050" i="0" u="none" strike="noStrike" baseline="0" dirty="0" err="1">
+                <a:latin typeface="Arial" panose="020B0604020202020204" pitchFamily="34" charset="0"/>
+                <a:cs typeface="Arial" panose="020B0604020202020204" pitchFamily="34" charset="0"/>
+              </a:rPr>
+              <a:t>Haar</a:t>
+            </a:r>
+            <a:r>
+              <a:rPr lang="en-US" sz="1050" i="0" u="none" strike="noStrike" baseline="0" dirty="0">
+                <a:latin typeface="Arial" panose="020B0604020202020204" pitchFamily="34" charset="0"/>
+                <a:cs typeface="Arial" panose="020B0604020202020204" pitchFamily="34" charset="0"/>
+              </a:rPr>
+              <a:t> wavelet transform ,which is a simple discrete transform.</a:t>
+            </a:r>
+          </a:p>
+          <a:p>
+            <a:pPr>
+              <a:defRPr/>
+            </a:pPr>
+            <a:r>
+              <a:rPr lang="en-US" sz="1050" dirty="0">
+                <a:solidFill>
+                  <a:prstClr val="black"/>
+                </a:solidFill>
+                <a:latin typeface="Arial" panose="020B0604020202020204" pitchFamily="34" charset="0"/>
+                <a:ea typeface="Tahoma" pitchFamily="34" charset="0"/>
+                <a:cs typeface="Arial" panose="020B0604020202020204" pitchFamily="34" charset="0"/>
+              </a:rPr>
+              <a:t>We compare 2 main </a:t>
+            </a:r>
+            <a:r>
+              <a:rPr lang="en-US" sz="1050" dirty="0" err="1">
+                <a:solidFill>
+                  <a:prstClr val="black"/>
+                </a:solidFill>
+                <a:latin typeface="Arial" panose="020B0604020202020204" pitchFamily="34" charset="0"/>
+                <a:ea typeface="Tahoma" pitchFamily="34" charset="0"/>
+                <a:cs typeface="Arial" panose="020B0604020202020204" pitchFamily="34" charset="0"/>
+              </a:rPr>
+              <a:t>Haar</a:t>
+            </a:r>
+            <a:r>
+              <a:rPr lang="en-US" sz="1050" dirty="0">
+                <a:solidFill>
+                  <a:prstClr val="black"/>
+                </a:solidFill>
+                <a:latin typeface="Arial" panose="020B0604020202020204" pitchFamily="34" charset="0"/>
+                <a:ea typeface="Tahoma" pitchFamily="34" charset="0"/>
+                <a:cs typeface="Arial" panose="020B0604020202020204" pitchFamily="34" charset="0"/>
+              </a:rPr>
+              <a:t> </a:t>
+            </a:r>
+            <a:r>
+              <a:rPr lang="en-US" sz="1050" dirty="0" err="1">
+                <a:solidFill>
+                  <a:prstClr val="black"/>
+                </a:solidFill>
+                <a:latin typeface="Arial" panose="020B0604020202020204" pitchFamily="34" charset="0"/>
+                <a:ea typeface="Tahoma" pitchFamily="34" charset="0"/>
+                <a:cs typeface="Arial" panose="020B0604020202020204" pitchFamily="34" charset="0"/>
+              </a:rPr>
+              <a:t>algorithems</a:t>
+            </a:r>
+            <a:r>
+              <a:rPr lang="en-US" sz="1050" dirty="0">
+                <a:solidFill>
+                  <a:prstClr val="black"/>
+                </a:solidFill>
+                <a:latin typeface="Arial" panose="020B0604020202020204" pitchFamily="34" charset="0"/>
+                <a:ea typeface="Tahoma" pitchFamily="34" charset="0"/>
+                <a:cs typeface="Arial" panose="020B0604020202020204" pitchFamily="34" charset="0"/>
+              </a:rPr>
+              <a:t> which </a:t>
+            </a:r>
+            <a:r>
+              <a:rPr lang="en-US" sz="1050" i="0" u="none" strike="noStrike" baseline="0" dirty="0">
+                <a:latin typeface="Arial" panose="020B0604020202020204" pitchFamily="34" charset="0"/>
+                <a:cs typeface="Arial" panose="020B0604020202020204" pitchFamily="34" charset="0"/>
+              </a:rPr>
+              <a:t>applied for lossless compression of integer sequences.</a:t>
+            </a:r>
+            <a:endParaRPr lang="en-US" sz="1050" dirty="0">
               <a:solidFill>
                 <a:prstClr val="black"/>
               </a:solidFill>
@@ -3294,7 +3456,40 @@
               <a:defRPr/>
             </a:pPr>
             <a:r>
-              <a:rPr lang="en-US" sz="1400" dirty="0">
+              <a:rPr lang="en-US" sz="1050" dirty="0" err="1">
+                <a:solidFill>
+                  <a:prstClr val="black"/>
+                </a:solidFill>
+                <a:latin typeface="Arial" panose="020B0604020202020204" pitchFamily="34" charset="0"/>
+                <a:ea typeface="Tahoma" pitchFamily="34" charset="0"/>
+                <a:cs typeface="Arial" pitchFamily="34" charset="0"/>
+              </a:rPr>
+              <a:t>Haar</a:t>
+            </a:r>
+            <a:r>
+              <a:rPr lang="en-US" sz="1050" dirty="0">
+                <a:solidFill>
+                  <a:prstClr val="black"/>
+                </a:solidFill>
+                <a:latin typeface="Arial" panose="020B0604020202020204" pitchFamily="34" charset="0"/>
+                <a:ea typeface="Tahoma" pitchFamily="34" charset="0"/>
+                <a:cs typeface="Arial" pitchFamily="34" charset="0"/>
+              </a:rPr>
+              <a:t> Integer and </a:t>
+            </a:r>
+            <a:r>
+              <a:rPr lang="en-US" sz="1050" dirty="0" err="1">
+                <a:solidFill>
+                  <a:prstClr val="black"/>
+                </a:solidFill>
+                <a:latin typeface="Arial" panose="020B0604020202020204" pitchFamily="34" charset="0"/>
+                <a:ea typeface="Tahoma" pitchFamily="34" charset="0"/>
+                <a:cs typeface="Arial" pitchFamily="34" charset="0"/>
+              </a:rPr>
+              <a:t>Haar</a:t>
+            </a:r>
+            <a:r>
+              <a:rPr lang="en-US" sz="1050" dirty="0">
                 <a:solidFill>
                   <a:prstClr val="black"/>
                 </a:solidFill>
@@ -3302,7 +3497,7 @@
                 <a:ea typeface="Tahoma" pitchFamily="34" charset="0"/>
                 <a:cs typeface="Arial" pitchFamily="34" charset="0"/>
               </a:rPr>
-              <a:t>Our project subject, is comparing 2 central data compression algorithms:</a:t>
+              <a:t> New Transform.</a:t>
             </a:r>
           </a:p>
           <a:p>
@@ -3310,7 +3505,7 @@
               <a:defRPr/>
             </a:pPr>
             <a:r>
-              <a:rPr lang="en-US" sz="1400" dirty="0" err="1">
+              <a:rPr lang="en-US" sz="1050" dirty="0">
                 <a:solidFill>
                   <a:prstClr val="black"/>
                 </a:solidFill>
@@ -3318,58 +3513,9 @@
                 <a:ea typeface="Tahoma" pitchFamily="34" charset="0"/>
                 <a:cs typeface="Arial" pitchFamily="34" charset="0"/>
               </a:rPr>
-              <a:t>Haar</a:t>
-            </a:r>
-            <a:r>
-              <a:rPr lang="en-US" sz="1400" dirty="0">
-                <a:solidFill>
-                  <a:prstClr val="black"/>
-                </a:solidFill>
-                <a:latin typeface="Arial" pitchFamily="34" charset="0"/>
-                <a:ea typeface="Tahoma" pitchFamily="34" charset="0"/>
-                <a:cs typeface="Arial" pitchFamily="34" charset="0"/>
-              </a:rPr>
-              <a:t> Integer and </a:t>
-            </a:r>
-            <a:r>
-              <a:rPr lang="en-US" sz="1400" dirty="0" err="1">
-                <a:solidFill>
-                  <a:prstClr val="black"/>
-                </a:solidFill>
-                <a:latin typeface="Arial" pitchFamily="34" charset="0"/>
-                <a:ea typeface="Tahoma" pitchFamily="34" charset="0"/>
-                <a:cs typeface="Arial" pitchFamily="34" charset="0"/>
-              </a:rPr>
-              <a:t>Haar</a:t>
-            </a:r>
-            <a:r>
-              <a:rPr lang="en-US" sz="1400" dirty="0">
-                <a:solidFill>
-                  <a:prstClr val="black"/>
-                </a:solidFill>
-                <a:latin typeface="Arial" pitchFamily="34" charset="0"/>
-                <a:ea typeface="Tahoma" pitchFamily="34" charset="0"/>
-                <a:cs typeface="Arial" pitchFamily="34" charset="0"/>
-              </a:rPr>
-              <a:t> New Transform.</a:t>
-            </a:r>
-          </a:p>
-          <a:p>
-            <a:pPr>
-              <a:defRPr/>
-            </a:pPr>
-            <a:r>
-              <a:rPr lang="en-US" sz="1400" dirty="0">
-                <a:solidFill>
-                  <a:prstClr val="black"/>
-                </a:solidFill>
-                <a:latin typeface="Arial" pitchFamily="34" charset="0"/>
-                <a:ea typeface="Tahoma" pitchFamily="34" charset="0"/>
-                <a:cs typeface="Arial" pitchFamily="34" charset="0"/>
-              </a:rPr>
               <a:t>In discover of the optimal algorithms in different aspects.</a:t>
             </a:r>
-            <a:endParaRPr lang="he-IL" sz="1400" dirty="0">
+            <a:endParaRPr lang="he-IL" sz="1050" dirty="0">
               <a:solidFill>
                 <a:prstClr val="black"/>
               </a:solidFill>
@@ -3456,8 +3602,39 @@
               <a:defRPr/>
             </a:pPr>
             <a:r>
-              <a:rPr lang="en-US" sz="1200" dirty="0"/>
-              <a:t>The algorithms we chose are the algorithms we research. </a:t>
+              <a:rPr lang="en-US" sz="1200" dirty="0">
+                <a:latin typeface="Arial" panose="020B0604020202020204" pitchFamily="34" charset="0"/>
+                <a:cs typeface="Arial" panose="020B0604020202020204" pitchFamily="34" charset="0"/>
+              </a:rPr>
+              <a:t>The Method we chose to implement the different </a:t>
+            </a:r>
+            <a:r>
+              <a:rPr lang="en-US" sz="1200" dirty="0" err="1">
+                <a:latin typeface="Arial" panose="020B0604020202020204" pitchFamily="34" charset="0"/>
+                <a:cs typeface="Arial" panose="020B0604020202020204" pitchFamily="34" charset="0"/>
+              </a:rPr>
+              <a:t>Haar</a:t>
+            </a:r>
+            <a:r>
+              <a:rPr lang="en-US" sz="1200" dirty="0">
+                <a:latin typeface="Arial" panose="020B0604020202020204" pitchFamily="34" charset="0"/>
+                <a:cs typeface="Arial" panose="020B0604020202020204" pitchFamily="34" charset="0"/>
+              </a:rPr>
+              <a:t> </a:t>
+            </a:r>
+            <a:r>
+              <a:rPr lang="en-US" sz="1200" dirty="0" err="1">
+                <a:latin typeface="Arial" panose="020B0604020202020204" pitchFamily="34" charset="0"/>
+                <a:cs typeface="Arial" panose="020B0604020202020204" pitchFamily="34" charset="0"/>
+              </a:rPr>
+              <a:t>algorithems</a:t>
+            </a:r>
+            <a:r>
+              <a:rPr lang="en-US" sz="1200" dirty="0">
+                <a:latin typeface="Arial" panose="020B0604020202020204" pitchFamily="34" charset="0"/>
+                <a:cs typeface="Arial" panose="020B0604020202020204" pitchFamily="34" charset="0"/>
+              </a:rPr>
+              <a:t> were based on the article “New Compression Schemes for Natural Number Sequences” by Prof. Dana Shapira.</a:t>
             </a:r>
           </a:p>
           <a:p>
@@ -3465,16 +3642,124 @@
               <a:defRPr/>
             </a:pPr>
             <a:r>
-              <a:rPr lang="en-US" sz="1200" dirty="0"/>
-              <a:t>The method that we selected for our research is reviewing an article that deal with our subject (“New Compression Schemes for Natural Number Sequences” by Prof. Dana Shapira), and analyzed the algorithms that appear in this article</a:t>
-            </a:r>
-          </a:p>
-          <a:p>
-            <a:pPr>
-              <a:defRPr/>
-            </a:pPr>
-            <a:endParaRPr lang="en-US" sz="1200" b="1" dirty="0">
-              <a:latin typeface="Arial" pitchFamily="34" charset="0"/>
+              <a:rPr lang="en-US" sz="1200" dirty="0">
+                <a:latin typeface="Arial" panose="020B0604020202020204" pitchFamily="34" charset="0"/>
+                <a:ea typeface="Tahoma" pitchFamily="34" charset="0"/>
+                <a:cs typeface="Arial" pitchFamily="34" charset="0"/>
+              </a:rPr>
+              <a:t>The method to compare the </a:t>
+            </a:r>
+            <a:r>
+              <a:rPr lang="en-US" sz="1200" b="0" i="0" dirty="0">
+                <a:solidFill>
+                  <a:srgbClr val="333333"/>
+                </a:solidFill>
+                <a:effectLst/>
+                <a:latin typeface="Arial" panose="020B0604020202020204" pitchFamily="34" charset="0"/>
+                <a:cs typeface="Arial" panose="020B0604020202020204" pitchFamily="34" charset="0"/>
+              </a:rPr>
+              <a:t>efficiency</a:t>
+            </a:r>
+            <a:r>
+              <a:rPr lang="en-US" sz="1200" dirty="0">
+                <a:solidFill>
+                  <a:srgbClr val="333333"/>
+                </a:solidFill>
+                <a:latin typeface="Arial" panose="020B0604020202020204" pitchFamily="34" charset="0"/>
+                <a:ea typeface="Tahoma" pitchFamily="34" charset="0"/>
+                <a:cs typeface="Arial" pitchFamily="34" charset="0"/>
+              </a:rPr>
+              <a:t> of the </a:t>
+            </a:r>
+            <a:r>
+              <a:rPr lang="en-US" sz="1200" dirty="0" err="1">
+                <a:solidFill>
+                  <a:srgbClr val="333333"/>
+                </a:solidFill>
+                <a:latin typeface="Arial" panose="020B0604020202020204" pitchFamily="34" charset="0"/>
+                <a:ea typeface="Tahoma" pitchFamily="34" charset="0"/>
+                <a:cs typeface="Arial" pitchFamily="34" charset="0"/>
+              </a:rPr>
+              <a:t>algorihems</a:t>
+            </a:r>
+            <a:r>
+              <a:rPr lang="en-US" sz="1200" dirty="0">
+                <a:solidFill>
+                  <a:srgbClr val="333333"/>
+                </a:solidFill>
+                <a:latin typeface="Arial" panose="020B0604020202020204" pitchFamily="34" charset="0"/>
+                <a:ea typeface="Tahoma" pitchFamily="34" charset="0"/>
+                <a:cs typeface="Arial" pitchFamily="34" charset="0"/>
+              </a:rPr>
+              <a:t> were to measure the bit size </a:t>
+            </a:r>
+            <a:r>
+              <a:rPr lang="en-US" sz="1200" dirty="0" err="1">
+                <a:solidFill>
+                  <a:srgbClr val="333333"/>
+                </a:solidFill>
+                <a:latin typeface="Arial" panose="020B0604020202020204" pitchFamily="34" charset="0"/>
+                <a:ea typeface="Tahoma" pitchFamily="34" charset="0"/>
+                <a:cs typeface="Arial" pitchFamily="34" charset="0"/>
+              </a:rPr>
+              <a:t>compresed</a:t>
+            </a:r>
+            <a:r>
+              <a:rPr lang="en-US" sz="1200" dirty="0">
+                <a:solidFill>
+                  <a:srgbClr val="333333"/>
+                </a:solidFill>
+                <a:latin typeface="Arial" panose="020B0604020202020204" pitchFamily="34" charset="0"/>
+                <a:ea typeface="Tahoma" pitchFamily="34" charset="0"/>
+                <a:cs typeface="Arial" pitchFamily="34" charset="0"/>
+              </a:rPr>
+              <a:t> massage each </a:t>
+            </a:r>
+            <a:r>
+              <a:rPr lang="en-US" sz="1200" dirty="0" err="1">
+                <a:solidFill>
+                  <a:srgbClr val="333333"/>
+                </a:solidFill>
+                <a:latin typeface="Arial" panose="020B0604020202020204" pitchFamily="34" charset="0"/>
+                <a:ea typeface="Tahoma" pitchFamily="34" charset="0"/>
+                <a:cs typeface="Arial" pitchFamily="34" charset="0"/>
+              </a:rPr>
+              <a:t>algorithem</a:t>
+            </a:r>
+            <a:r>
+              <a:rPr lang="en-US" sz="1200" dirty="0">
+                <a:solidFill>
+                  <a:srgbClr val="333333"/>
+                </a:solidFill>
+                <a:latin typeface="Arial" panose="020B0604020202020204" pitchFamily="34" charset="0"/>
+                <a:ea typeface="Tahoma" pitchFamily="34" charset="0"/>
+                <a:cs typeface="Arial" pitchFamily="34" charset="0"/>
+              </a:rPr>
+              <a:t> </a:t>
+            </a:r>
+            <a:r>
+              <a:rPr lang="en-US" sz="1200" b="0" i="0" dirty="0">
+                <a:solidFill>
+                  <a:srgbClr val="333333"/>
+                </a:solidFill>
+                <a:effectLst/>
+                <a:latin typeface="Arial" panose="020B0604020202020204" pitchFamily="34" charset="0"/>
+                <a:cs typeface="Arial" panose="020B0604020202020204" pitchFamily="34" charset="0"/>
+              </a:rPr>
+              <a:t>produce</a:t>
+            </a:r>
+            <a:r>
+              <a:rPr lang="en-US" sz="1200" dirty="0">
+                <a:solidFill>
+                  <a:srgbClr val="333333"/>
+                </a:solidFill>
+                <a:latin typeface="Arial" panose="020B0604020202020204" pitchFamily="34" charset="0"/>
+                <a:cs typeface="Arial" panose="020B0604020202020204" pitchFamily="34" charset="0"/>
+              </a:rPr>
+              <a:t>d</a:t>
+            </a:r>
+            <a:endParaRPr lang="en-US" sz="1200" dirty="0">
+              <a:latin typeface="Arial" panose="020B0604020202020204" pitchFamily="34" charset="0"/>
               <a:ea typeface="Tahoma" pitchFamily="34" charset="0"/>
               <a:cs typeface="Arial" pitchFamily="34" charset="0"/>
             </a:endParaRPr>
@@ -3583,9 +3868,150 @@
             <a:pPr algn="l">
               <a:defRPr/>
             </a:pPr>
+            <a:r>
+              <a:rPr lang="en-US" sz="1200" dirty="0">
+                <a:solidFill>
+                  <a:schemeClr val="tx1"/>
+                </a:solidFill>
+                <a:latin typeface="Arial" pitchFamily="34" charset="0"/>
+                <a:ea typeface="Tahoma" pitchFamily="34" charset="0"/>
+                <a:cs typeface="Arial" pitchFamily="34" charset="0"/>
+              </a:rPr>
+              <a:t>The </a:t>
+            </a:r>
+            <a:r>
+              <a:rPr lang="en-US" sz="1200" dirty="0" err="1">
+                <a:solidFill>
+                  <a:schemeClr val="tx1"/>
+                </a:solidFill>
+                <a:latin typeface="Arial" pitchFamily="34" charset="0"/>
+                <a:ea typeface="Tahoma" pitchFamily="34" charset="0"/>
+                <a:cs typeface="Arial" pitchFamily="34" charset="0"/>
+              </a:rPr>
+              <a:t>Haar</a:t>
+            </a:r>
+            <a:r>
+              <a:rPr lang="en-US" sz="1200" dirty="0">
+                <a:solidFill>
+                  <a:schemeClr val="tx1"/>
+                </a:solidFill>
+                <a:latin typeface="Arial" pitchFamily="34" charset="0"/>
+                <a:ea typeface="Tahoma" pitchFamily="34" charset="0"/>
+                <a:cs typeface="Arial" pitchFamily="34" charset="0"/>
+              </a:rPr>
+              <a:t> </a:t>
+            </a:r>
+            <a:r>
+              <a:rPr lang="en-US" sz="1200" dirty="0" err="1">
+                <a:solidFill>
+                  <a:schemeClr val="tx1"/>
+                </a:solidFill>
+                <a:latin typeface="Arial" pitchFamily="34" charset="0"/>
+                <a:ea typeface="Tahoma" pitchFamily="34" charset="0"/>
+                <a:cs typeface="Arial" pitchFamily="34" charset="0"/>
+              </a:rPr>
+              <a:t>algorithems</a:t>
+            </a:r>
+            <a:r>
+              <a:rPr lang="en-US" sz="1200" dirty="0">
+                <a:solidFill>
+                  <a:schemeClr val="tx1"/>
+                </a:solidFill>
+                <a:latin typeface="Arial" pitchFamily="34" charset="0"/>
+                <a:ea typeface="Tahoma" pitchFamily="34" charset="0"/>
+                <a:cs typeface="Arial" pitchFamily="34" charset="0"/>
+              </a:rPr>
+              <a:t> </a:t>
+            </a:r>
+            <a:r>
+              <a:rPr lang="en-US" sz="1200" i="0" dirty="0">
+                <a:solidFill>
+                  <a:schemeClr val="tx1"/>
+                </a:solidFill>
+                <a:effectLst/>
+                <a:latin typeface="Assistant" pitchFamily="2" charset="-79"/>
+                <a:cs typeface="Assistant" pitchFamily="2" charset="-79"/>
+              </a:rPr>
+              <a:t>outcome were </a:t>
+            </a:r>
+            <a:r>
+              <a:rPr lang="en-US" sz="1200" i="0" dirty="0" err="1">
+                <a:solidFill>
+                  <a:schemeClr val="tx1"/>
+                </a:solidFill>
+                <a:effectLst/>
+                <a:latin typeface="Assistant" pitchFamily="2" charset="-79"/>
+                <a:cs typeface="Assistant" pitchFamily="2" charset="-79"/>
+              </a:rPr>
+              <a:t>compresed</a:t>
+            </a:r>
+            <a:r>
+              <a:rPr lang="en-US" sz="1200" i="0" dirty="0">
+                <a:solidFill>
+                  <a:schemeClr val="tx1"/>
+                </a:solidFill>
+                <a:effectLst/>
+                <a:latin typeface="Assistant" pitchFamily="2" charset="-79"/>
+                <a:cs typeface="Assistant" pitchFamily="2" charset="-79"/>
+              </a:rPr>
+              <a:t> by several different </a:t>
+            </a:r>
+            <a:r>
+              <a:rPr lang="en-US" sz="1200" i="0" dirty="0" err="1">
+                <a:solidFill>
+                  <a:schemeClr val="tx1"/>
+                </a:solidFill>
+                <a:effectLst/>
+                <a:latin typeface="Assistant" pitchFamily="2" charset="-79"/>
+                <a:cs typeface="Assistant" pitchFamily="2" charset="-79"/>
+              </a:rPr>
+              <a:t>compertion</a:t>
+            </a:r>
+            <a:r>
+              <a:rPr lang="en-US" sz="1200" i="0" dirty="0">
+                <a:solidFill>
+                  <a:schemeClr val="tx1"/>
+                </a:solidFill>
+                <a:effectLst/>
+                <a:latin typeface="Assistant" pitchFamily="2" charset="-79"/>
+                <a:cs typeface="Assistant" pitchFamily="2" charset="-79"/>
+              </a:rPr>
+              <a:t> </a:t>
+            </a:r>
+            <a:r>
+              <a:rPr lang="en-US" sz="1200" i="0" dirty="0" err="1">
+                <a:solidFill>
+                  <a:schemeClr val="tx1"/>
+                </a:solidFill>
+                <a:effectLst/>
+                <a:latin typeface="Assistant" pitchFamily="2" charset="-79"/>
+                <a:cs typeface="Assistant" pitchFamily="2" charset="-79"/>
+              </a:rPr>
+              <a:t>algorithems</a:t>
+            </a:r>
+            <a:r>
+              <a:rPr lang="en-US" sz="1200" i="0" dirty="0">
+                <a:solidFill>
+                  <a:schemeClr val="tx1"/>
+                </a:solidFill>
+                <a:effectLst/>
+                <a:latin typeface="Assistant" pitchFamily="2" charset="-79"/>
+                <a:cs typeface="Assistant" pitchFamily="2" charset="-79"/>
+              </a:rPr>
+              <a:t> such as : Elias code </a:t>
+            </a:r>
+            <a:r>
+              <a:rPr lang="en-US" sz="1200" i="0" u="none" strike="noStrike" baseline="0" dirty="0">
+                <a:solidFill>
+                  <a:schemeClr val="tx1"/>
+                </a:solidFill>
+                <a:latin typeface="CambriaMath"/>
+              </a:rPr>
+              <a:t>𝑪𝜹 , binary coding and unary coding</a:t>
+            </a:r>
             <a:endParaRPr lang="en-US" sz="1200" dirty="0">
               <a:solidFill>
-                <a:prstClr val="black"/>
+                <a:schemeClr val="tx1"/>
               </a:solidFill>
               <a:latin typeface="Arial" pitchFamily="34" charset="0"/>
               <a:ea typeface="Tahoma" pitchFamily="34" charset="0"/>
@@ -3605,7 +4031,7 @@
                 <a:ea typeface="Tahoma" pitchFamily="34" charset="0"/>
                 <a:cs typeface="Arial" pitchFamily="34" charset="0"/>
               </a:rPr>
-              <a:t>We implemented C++ program, that compares between the algorithms, by the  byte’s number of the compress data, </a:t>
+              <a:t>All the implementation were made in C</a:t>
             </a:r>
             <a:r>
               <a:rPr lang="en-US" sz="1200">
@@ -3616,18 +4042,7 @@
                 <a:ea typeface="Tahoma" pitchFamily="34" charset="0"/>
                 <a:cs typeface="Arial" pitchFamily="34" charset="0"/>
               </a:rPr>
-              <a:t>from the different </a:t>
-            </a:r>
-            <a:r>
-              <a:rPr lang="en-US" sz="1200" dirty="0">
-                <a:solidFill>
-                  <a:prstClr val="black"/>
-                </a:solidFill>
-                <a:latin typeface="Arial" pitchFamily="34" charset="0"/>
-                <a:ea typeface="Tahoma" pitchFamily="34" charset="0"/>
-                <a:cs typeface="Arial" pitchFamily="34" charset="0"/>
-              </a:rPr>
-              <a:t>algorithms</a:t>
+              <a:t>++ </a:t>
             </a:r>
             <a:endParaRPr lang="he-IL" sz="1200" dirty="0">
               <a:solidFill>
@@ -4034,7 +4449,7 @@
             </a:pPr>
             <a:r>
               <a:rPr lang="en-US" sz="1600" dirty="0"/>
-              <a:t>Contribution/project goal:</a:t>
+              <a:t>Contribution/project goal:   </a:t>
             </a:r>
           </a:p>
           <a:p>
@@ -4042,25 +4457,36 @@
               <a:defRPr/>
             </a:pPr>
             <a:r>
-              <a:rPr lang="en-US" sz="1600" dirty="0"/>
-              <a:t>      </a:t>
-            </a:r>
-          </a:p>
-          <a:p>
-            <a:pPr>
-              <a:defRPr/>
-            </a:pPr>
-            <a:r>
-              <a:rPr lang="en-US" sz="1600" dirty="0">
+              <a:rPr lang="en-US" sz="1400" dirty="0">
                 <a:solidFill>
                   <a:prstClr val="black"/>
                 </a:solidFill>
                 <a:latin typeface="Arial" pitchFamily="34" charset="0"/>
                 <a:ea typeface="Tahoma" pitchFamily="34" charset="0"/>
               </a:rPr>
-              <a:t>Discover optimal algorithms of data compression</a:t>
-            </a:r>
-            <a:endParaRPr lang="he-IL" sz="1600" dirty="0">
+              <a:t>Compare between different </a:t>
+            </a:r>
+            <a:r>
+              <a:rPr lang="en-US" sz="1400" dirty="0" err="1">
+                <a:solidFill>
+                  <a:prstClr val="black"/>
+                </a:solidFill>
+                <a:latin typeface="Arial" pitchFamily="34" charset="0"/>
+                <a:ea typeface="Tahoma" pitchFamily="34" charset="0"/>
+              </a:rPr>
+              <a:t>Haar</a:t>
+            </a:r>
+            <a:r>
+              <a:rPr lang="en-US" sz="1400" dirty="0">
+                <a:solidFill>
+                  <a:prstClr val="black"/>
+                </a:solidFill>
+                <a:latin typeface="Arial" pitchFamily="34" charset="0"/>
+                <a:ea typeface="Tahoma" pitchFamily="34" charset="0"/>
+              </a:rPr>
+              <a:t> algorithms in data compression and Discover the optimal one</a:t>
+            </a:r>
+            <a:endParaRPr lang="he-IL" sz="1400" dirty="0">
               <a:solidFill>
                 <a:prstClr val="black"/>
               </a:solidFill>
@@ -4170,36 +4596,6 @@
           </a:p>
         </p:txBody>
       </p:sp>
-      <p:pic>
-        <p:nvPicPr>
-          <p:cNvPr id="11" name="Picture 10">
-            <a:extLst>
-              <a:ext uri="{FF2B5EF4-FFF2-40B4-BE49-F238E27FC236}">
-                <a16:creationId xmlns:a16="http://schemas.microsoft.com/office/drawing/2014/main" id="{D64C4E1C-6FAC-4FBD-8F18-F52604BE0CA8}"/>
-              </a:ext>
-            </a:extLst>
-          </p:cNvPr>
-          <p:cNvPicPr>
-            <a:picLocks noChangeAspect="1"/>
-          </p:cNvPicPr>
-          <p:nvPr/>
-        </p:nvPicPr>
-        <p:blipFill>
-          <a:blip r:embed="rId2"/>
-          <a:stretch>
-            <a:fillRect/>
-          </a:stretch>
-        </p:blipFill>
-        <p:spPr>
-          <a:xfrm>
-            <a:off x="5703396" y="9279979"/>
-            <a:ext cx="456453" cy="467864"/>
-          </a:xfrm>
-          <a:prstGeom prst="rect">
-            <a:avLst/>
-          </a:prstGeom>
-        </p:spPr>
-      </p:pic>
       <p:sp>
         <p:nvSpPr>
           <p:cNvPr id="2" name="Rectangle 1">
@@ -4214,8 +4610,8 @@
         </p:nvSpPr>
         <p:spPr>
           <a:xfrm>
-            <a:off x="6114757" y="190326"/>
-            <a:ext cx="623538" cy="555884"/>
+            <a:off x="5940055" y="240873"/>
+            <a:ext cx="845495" cy="727874"/>
           </a:xfrm>
           <a:prstGeom prst="rect">
             <a:avLst/>
@@ -4308,15 +4704,51 @@
       </p:sp>
       <p:pic>
         <p:nvPicPr>
-          <p:cNvPr id="1026" name="Picture 2" descr="Image title">
+          <p:cNvPr id="6" name="תמונה 5">
             <a:extLst>
               <a:ext uri="{FF2B5EF4-FFF2-40B4-BE49-F238E27FC236}">
-                <a16:creationId xmlns:a16="http://schemas.microsoft.com/office/drawing/2014/main" id="{4A87B5F7-01E2-5E8F-9C0B-6B1CCD69BBDC}"/>
+                <a16:creationId xmlns:a16="http://schemas.microsoft.com/office/drawing/2014/main" id="{E6E5B8AC-6650-0A12-96E1-68DED619F65F}"/>
               </a:ext>
             </a:extLst>
           </p:cNvPr>
           <p:cNvPicPr>
-            <a:picLocks noChangeAspect="1" noChangeArrowheads="1"/>
+            <a:picLocks noChangeAspect="1"/>
+          </p:cNvPicPr>
+          <p:nvPr/>
+        </p:nvPicPr>
+        <p:blipFill>
+          <a:blip r:embed="rId2">
+            <a:extLst>
+              <a:ext uri="{28A0092B-C50C-407E-A947-70E740481C1C}">
+                <a14:useLocalDpi xmlns:a14="http://schemas.microsoft.com/office/drawing/2010/main" val="0"/>
+              </a:ext>
+            </a:extLst>
+          </a:blip>
+          <a:stretch>
+            <a:fillRect/>
+          </a:stretch>
+        </p:blipFill>
+        <p:spPr>
+          <a:xfrm>
+            <a:off x="0" y="85641"/>
+            <a:ext cx="1158240" cy="883105"/>
+          </a:xfrm>
+          <a:prstGeom prst="rect">
+            <a:avLst/>
+          </a:prstGeom>
+        </p:spPr>
+      </p:pic>
+      <p:pic>
+        <p:nvPicPr>
+          <p:cNvPr id="19" name="תמונה 18">
+            <a:extLst>
+              <a:ext uri="{FF2B5EF4-FFF2-40B4-BE49-F238E27FC236}">
+                <a16:creationId xmlns:a16="http://schemas.microsoft.com/office/drawing/2014/main" id="{C73F2B34-3D9E-0918-6D79-A9E4F2151378}"/>
+              </a:ext>
+            </a:extLst>
+          </p:cNvPr>
+          <p:cNvPicPr>
+            <a:picLocks noChangeAspect="1"/>
           </p:cNvPicPr>
           <p:nvPr/>
         </p:nvPicPr>
@@ -4328,29 +4760,18 @@
               </a:ext>
             </a:extLst>
           </a:blip>
-          <a:srcRect/>
           <a:stretch>
             <a:fillRect/>
           </a:stretch>
         </p:blipFill>
-        <p:spPr bwMode="auto">
+        <p:spPr>
           <a:xfrm>
-            <a:off x="119705" y="32925"/>
-            <a:ext cx="1119472" cy="935822"/>
+            <a:off x="5706123" y="9314163"/>
+            <a:ext cx="467864" cy="467864"/>
           </a:xfrm>
           <a:prstGeom prst="rect">
             <a:avLst/>
           </a:prstGeom>
-          <a:noFill/>
-          <a:extLst>
-            <a:ext uri="{909E8E84-426E-40DD-AFC4-6F175D3DCCD1}">
-              <a14:hiddenFill xmlns:a14="http://schemas.microsoft.com/office/drawing/2010/main">
-                <a:solidFill>
-                  <a:srgbClr val="FFFFFF"/>
-                </a:solidFill>
-              </a14:hiddenFill>
-            </a:ext>
-          </a:extLst>
         </p:spPr>
       </p:pic>
     </p:spTree>

--- a/files/Poster Final Project 2022.pptx
+++ b/files/Poster Final Project 2022.pptx
@@ -4031,18 +4031,7 @@
                 <a:ea typeface="Tahoma" pitchFamily="34" charset="0"/>
                 <a:cs typeface="Arial" pitchFamily="34" charset="0"/>
               </a:rPr>
-              <a:t>All the implementation were made in C</a:t>
-            </a:r>
-            <a:r>
-              <a:rPr lang="en-US" sz="1200">
-                <a:solidFill>
-                  <a:prstClr val="black"/>
-                </a:solidFill>
-                <a:latin typeface="Arial" pitchFamily="34" charset="0"/>
-                <a:ea typeface="Tahoma" pitchFamily="34" charset="0"/>
-                <a:cs typeface="Arial" pitchFamily="34" charset="0"/>
-              </a:rPr>
-              <a:t>++ </a:t>
+              <a:t>All the implementation were made in C++ </a:t>
             </a:r>
             <a:endParaRPr lang="he-IL" sz="1200" dirty="0">
               <a:solidFill>
@@ -4774,6 +4763,131 @@
           </a:prstGeom>
         </p:spPr>
       </p:pic>
+      <p:pic>
+        <p:nvPicPr>
+          <p:cNvPr id="21" name="תמונה 20">
+            <a:extLst>
+              <a:ext uri="{FF2B5EF4-FFF2-40B4-BE49-F238E27FC236}">
+                <a16:creationId xmlns:a16="http://schemas.microsoft.com/office/drawing/2014/main" id="{A6E5B8EA-65D1-9B0F-5F4E-ADB541E06667}"/>
+              </a:ext>
+            </a:extLst>
+          </p:cNvPr>
+          <p:cNvPicPr>
+            <a:picLocks noChangeAspect="1"/>
+          </p:cNvPicPr>
+          <p:nvPr/>
+        </p:nvPicPr>
+        <p:blipFill>
+          <a:blip r:embed="rId4"/>
+          <a:stretch>
+            <a:fillRect/>
+          </a:stretch>
+        </p:blipFill>
+        <p:spPr>
+          <a:xfrm>
+            <a:off x="228957" y="6421352"/>
+            <a:ext cx="1472843" cy="792863"/>
+          </a:xfrm>
+          <a:prstGeom prst="rect">
+            <a:avLst/>
+          </a:prstGeom>
+        </p:spPr>
+      </p:pic>
+      <p:pic>
+        <p:nvPicPr>
+          <p:cNvPr id="23" name="תמונה 22">
+            <a:extLst>
+              <a:ext uri="{FF2B5EF4-FFF2-40B4-BE49-F238E27FC236}">
+                <a16:creationId xmlns:a16="http://schemas.microsoft.com/office/drawing/2014/main" id="{E7670314-2C54-21E1-3D5F-EECD027606CF}"/>
+              </a:ext>
+            </a:extLst>
+          </p:cNvPr>
+          <p:cNvPicPr>
+            <a:picLocks noChangeAspect="1"/>
+          </p:cNvPicPr>
+          <p:nvPr/>
+        </p:nvPicPr>
+        <p:blipFill>
+          <a:blip r:embed="rId5"/>
+          <a:stretch>
+            <a:fillRect/>
+          </a:stretch>
+        </p:blipFill>
+        <p:spPr>
+          <a:xfrm>
+            <a:off x="205551" y="7352693"/>
+            <a:ext cx="1519653" cy="792862"/>
+          </a:xfrm>
+          <a:prstGeom prst="rect">
+            <a:avLst/>
+          </a:prstGeom>
+        </p:spPr>
+      </p:pic>
+      <p:sp>
+        <p:nvSpPr>
+          <p:cNvPr id="24" name="תיבת טקסט 23">
+            <a:extLst>
+              <a:ext uri="{FF2B5EF4-FFF2-40B4-BE49-F238E27FC236}">
+                <a16:creationId xmlns:a16="http://schemas.microsoft.com/office/drawing/2014/main" id="{6AC2373D-D0B4-FDB4-7211-627A5538DE79}"/>
+              </a:ext>
+            </a:extLst>
+          </p:cNvPr>
+          <p:cNvSpPr txBox="1"/>
+          <p:nvPr/>
+        </p:nvSpPr>
+        <p:spPr>
+          <a:xfrm>
+            <a:off x="1915148" y="6421352"/>
+            <a:ext cx="4368399" cy="1015663"/>
+          </a:xfrm>
+          <a:prstGeom prst="rect">
+            <a:avLst/>
+          </a:prstGeom>
+          <a:noFill/>
+        </p:spPr>
+        <p:txBody>
+          <a:bodyPr wrap="square" rtlCol="0">
+            <a:spAutoFit/>
+          </a:bodyPr>
+          <a:lstStyle/>
+          <a:p>
+            <a:r>
+              <a:rPr lang="en-US" sz="1200" dirty="0"/>
+              <a:t>We had </a:t>
+            </a:r>
+            <a:r>
+              <a:rPr lang="en-US" sz="1200" dirty="0" err="1"/>
+              <a:t>varius</a:t>
+            </a:r>
+            <a:r>
+              <a:rPr lang="en-US" sz="1200" dirty="0"/>
+              <a:t> outcomes, each type of data that we use while examining the size of the </a:t>
+            </a:r>
+            <a:r>
+              <a:rPr lang="en-US" sz="1200" dirty="0" err="1"/>
+              <a:t>compresed</a:t>
+            </a:r>
+            <a:r>
+              <a:rPr lang="en-US" sz="1200" dirty="0"/>
+              <a:t> massage gave a different answer. </a:t>
+            </a:r>
+          </a:p>
+          <a:p>
+            <a:r>
+              <a:rPr lang="en-US" sz="1200" dirty="0"/>
+              <a:t>The program that create a random numbers and sort them </a:t>
+            </a:r>
+            <a:r>
+              <a:rPr lang="en-US" sz="1200"/>
+              <a:t>in an </a:t>
+            </a:r>
+            <a:r>
+              <a:rPr lang="en-US" sz="1200" dirty="0"/>
+              <a:t>array </a:t>
+            </a:r>
+          </a:p>
+        </p:txBody>
+      </p:sp>
     </p:spTree>
     <p:extLst>
       <p:ext uri="{BB962C8B-B14F-4D97-AF65-F5344CB8AC3E}">

--- a/files/Poster Final Project 2022.pptx
+++ b/files/Poster Final Project 2022.pptx
@@ -3249,8 +3249,8 @@
         </p:nvSpPr>
         <p:spPr>
           <a:xfrm>
-            <a:off x="3539366" y="1502750"/>
-            <a:ext cx="3152036" cy="2349321"/>
+            <a:off x="3539366" y="1473105"/>
+            <a:ext cx="3246184" cy="2451121"/>
           </a:xfrm>
           <a:prstGeom prst="roundRect">
             <a:avLst/>
@@ -3285,7 +3285,7 @@
               <a:defRPr/>
             </a:pPr>
             <a:r>
-              <a:rPr lang="en-US" sz="1400" dirty="0">
+              <a:rPr lang="en-US" sz="1210" dirty="0">
                 <a:solidFill>
                   <a:prstClr val="black"/>
                 </a:solidFill>
@@ -3293,156 +3293,41 @@
                 <a:ea typeface="Tahoma" pitchFamily="34" charset="0"/>
                 <a:cs typeface="Arial" pitchFamily="34" charset="0"/>
               </a:rPr>
-              <a:t>2. Introduction:</a:t>
-            </a:r>
-          </a:p>
-          <a:p>
-            <a:pPr>
-              <a:defRPr/>
-            </a:pPr>
-            <a:r>
-              <a:rPr lang="en-US" sz="1050" i="0" dirty="0">
-                <a:solidFill>
-                  <a:srgbClr val="202124"/>
-                </a:solidFill>
-                <a:effectLst/>
-                <a:latin typeface="Arial" panose="020B0604020202020204" pitchFamily="34" charset="0"/>
-                <a:cs typeface="Arial" panose="020B0604020202020204" pitchFamily="34" charset="0"/>
-              </a:rPr>
-              <a:t>Data compression is the process of encoding, restructuring or otherwise modifying data in order to reduce its size</a:t>
-            </a:r>
-            <a:r>
-              <a:rPr lang="en-US" sz="1050" i="0" dirty="0">
+              <a:t>2</a:t>
+            </a:r>
+            <a:r>
+              <a:rPr lang="en-US" sz="1400" dirty="0">
                 <a:solidFill>
                   <a:prstClr val="black"/>
                 </a:solidFill>
-                <a:effectLst/>
-                <a:latin typeface="Arial" panose="020B0604020202020204" pitchFamily="34" charset="0"/>
+                <a:latin typeface="Arial" pitchFamily="34" charset="0"/>
                 <a:ea typeface="Tahoma" pitchFamily="34" charset="0"/>
                 <a:cs typeface="Arial" pitchFamily="34" charset="0"/>
               </a:rPr>
-              <a:t>.</a:t>
-            </a:r>
-          </a:p>
-          <a:p>
-            <a:pPr>
-              <a:defRPr/>
-            </a:pPr>
-            <a:r>
-              <a:rPr lang="en-US" sz="1050" dirty="0">
+              <a:t>. </a:t>
+            </a:r>
+            <a:r>
+              <a:rPr lang="en-US" sz="1400" u="sng" dirty="0">
                 <a:solidFill>
                   <a:prstClr val="black"/>
                 </a:solidFill>
-                <a:latin typeface="Arial" panose="020B0604020202020204" pitchFamily="34" charset="0"/>
+                <a:latin typeface="Arial" pitchFamily="34" charset="0"/>
                 <a:ea typeface="Tahoma" pitchFamily="34" charset="0"/>
                 <a:cs typeface="Arial" pitchFamily="34" charset="0"/>
               </a:rPr>
-              <a:t>In our </a:t>
-            </a:r>
-            <a:r>
-              <a:rPr lang="en-US" sz="1050" i="0" dirty="0">
-                <a:solidFill>
-                  <a:srgbClr val="202124"/>
-                </a:solidFill>
-                <a:effectLst/>
-                <a:latin typeface="Arial" panose="020B0604020202020204" pitchFamily="34" charset="0"/>
-                <a:cs typeface="Arial" panose="020B0604020202020204" pitchFamily="34" charset="0"/>
-              </a:rPr>
-              <a:t>Data compression </a:t>
-            </a:r>
-            <a:r>
-              <a:rPr lang="en-US" sz="1050" dirty="0">
+              <a:t>Introduction:</a:t>
+            </a:r>
+            <a:br>
+              <a:rPr lang="en-US" sz="1250" u="sng" dirty="0">
                 <a:solidFill>
                   <a:prstClr val="black"/>
                 </a:solidFill>
-                <a:latin typeface="Arial" panose="020B0604020202020204" pitchFamily="34" charset="0"/>
+                <a:latin typeface="Arial" pitchFamily="34" charset="0"/>
                 <a:ea typeface="Tahoma" pitchFamily="34" charset="0"/>
                 <a:cs typeface="Arial" pitchFamily="34" charset="0"/>
               </a:rPr>
-              <a:t>research we specified at the </a:t>
-            </a:r>
-            <a:r>
-              <a:rPr lang="en-US" sz="1050" i="0" u="none" strike="noStrike" baseline="0" dirty="0" err="1">
-                <a:latin typeface="Arial" panose="020B0604020202020204" pitchFamily="34" charset="0"/>
-                <a:cs typeface="Arial" panose="020B0604020202020204" pitchFamily="34" charset="0"/>
-              </a:rPr>
-              <a:t>Haar</a:t>
-            </a:r>
-            <a:r>
-              <a:rPr lang="en-US" sz="1050" i="0" u="none" strike="noStrike" baseline="0" dirty="0">
-                <a:latin typeface="Arial" panose="020B0604020202020204" pitchFamily="34" charset="0"/>
-                <a:cs typeface="Arial" panose="020B0604020202020204" pitchFamily="34" charset="0"/>
-              </a:rPr>
-              <a:t> wavelet transform ,which is a simple discrete transform.</a:t>
-            </a:r>
-          </a:p>
-          <a:p>
-            <a:pPr>
-              <a:defRPr/>
-            </a:pPr>
-            <a:r>
-              <a:rPr lang="en-US" sz="1050" dirty="0">
-                <a:solidFill>
-                  <a:prstClr val="black"/>
-                </a:solidFill>
-                <a:latin typeface="Arial" panose="020B0604020202020204" pitchFamily="34" charset="0"/>
-                <a:ea typeface="Tahoma" pitchFamily="34" charset="0"/>
-                <a:cs typeface="Arial" panose="020B0604020202020204" pitchFamily="34" charset="0"/>
-              </a:rPr>
-              <a:t>We compare 2 main </a:t>
-            </a:r>
-            <a:r>
-              <a:rPr lang="en-US" sz="1050" dirty="0" err="1">
-                <a:solidFill>
-                  <a:prstClr val="black"/>
-                </a:solidFill>
-                <a:latin typeface="Arial" panose="020B0604020202020204" pitchFamily="34" charset="0"/>
-                <a:ea typeface="Tahoma" pitchFamily="34" charset="0"/>
-                <a:cs typeface="Arial" panose="020B0604020202020204" pitchFamily="34" charset="0"/>
-              </a:rPr>
-              <a:t>Haar</a:t>
-            </a:r>
-            <a:r>
-              <a:rPr lang="en-US" sz="1050" dirty="0">
-                <a:solidFill>
-                  <a:prstClr val="black"/>
-                </a:solidFill>
-                <a:latin typeface="Arial" panose="020B0604020202020204" pitchFamily="34" charset="0"/>
-                <a:ea typeface="Tahoma" pitchFamily="34" charset="0"/>
-                <a:cs typeface="Arial" panose="020B0604020202020204" pitchFamily="34" charset="0"/>
-              </a:rPr>
-              <a:t> </a:t>
-            </a:r>
-            <a:r>
-              <a:rPr lang="en-US" sz="1050" dirty="0" err="1">
-                <a:solidFill>
-                  <a:prstClr val="black"/>
-                </a:solidFill>
-                <a:latin typeface="Arial" panose="020B0604020202020204" pitchFamily="34" charset="0"/>
-                <a:ea typeface="Tahoma" pitchFamily="34" charset="0"/>
-                <a:cs typeface="Arial" panose="020B0604020202020204" pitchFamily="34" charset="0"/>
-              </a:rPr>
-              <a:t>algorithems</a:t>
-            </a:r>
-            <a:r>
-              <a:rPr lang="en-US" sz="1050" dirty="0">
-                <a:solidFill>
-                  <a:prstClr val="black"/>
-                </a:solidFill>
-                <a:latin typeface="Arial" panose="020B0604020202020204" pitchFamily="34" charset="0"/>
-                <a:ea typeface="Tahoma" pitchFamily="34" charset="0"/>
-                <a:cs typeface="Arial" panose="020B0604020202020204" pitchFamily="34" charset="0"/>
-              </a:rPr>
-              <a:t> which </a:t>
-            </a:r>
-            <a:r>
-              <a:rPr lang="en-US" sz="1050" i="0" u="none" strike="noStrike" baseline="0" dirty="0">
-                <a:latin typeface="Arial" panose="020B0604020202020204" pitchFamily="34" charset="0"/>
-                <a:cs typeface="Arial" panose="020B0604020202020204" pitchFamily="34" charset="0"/>
-              </a:rPr>
-              <a:t>applied for lossless compression of integer sequences.</a:t>
-            </a:r>
-            <a:endParaRPr lang="en-US" sz="1050" dirty="0">
+            </a:br>
+            <a:endParaRPr lang="en-US" sz="1250" u="sng" dirty="0">
               <a:solidFill>
                 <a:prstClr val="black"/>
               </a:solidFill>
@@ -3452,76 +3337,168 @@
             </a:endParaRPr>
           </a:p>
           <a:p>
-            <a:pPr>
-              <a:defRPr/>
+            <a:pPr marL="0" algn="l" rtl="0" latinLnBrk="0">
+              <a:spcBef>
+                <a:spcPts val="0"/>
+              </a:spcBef>
+              <a:spcAft>
+                <a:spcPts val="0"/>
+              </a:spcAft>
             </a:pPr>
             <a:r>
-              <a:rPr lang="en-US" sz="1050" dirty="0" err="1">
-                <a:solidFill>
-                  <a:prstClr val="black"/>
-                </a:solidFill>
+              <a:rPr lang="en-US" sz="1050" b="0" i="0" dirty="0">
+                <a:solidFill>
+                  <a:srgbClr val="202124"/>
+                </a:solidFill>
+                <a:effectLst/>
                 <a:latin typeface="Arial" panose="020B0604020202020204" pitchFamily="34" charset="0"/>
-                <a:ea typeface="Tahoma" pitchFamily="34" charset="0"/>
-                <a:cs typeface="Arial" pitchFamily="34" charset="0"/>
-              </a:rPr>
-              <a:t>Haar</a:t>
-            </a:r>
-            <a:r>
-              <a:rPr lang="en-US" sz="1050" dirty="0">
-                <a:solidFill>
-                  <a:prstClr val="black"/>
-                </a:solidFill>
+              </a:rPr>
+              <a:t>Data compression is the process of encoding, restructuring, or otherwise modifying data in order to reduce its size</a:t>
+            </a:r>
+            <a:r>
+              <a:rPr lang="en-US" sz="1050" b="0" i="0" dirty="0">
+                <a:solidFill>
+                  <a:srgbClr val="000000"/>
+                </a:solidFill>
+                <a:effectLst/>
                 <a:latin typeface="Arial" panose="020B0604020202020204" pitchFamily="34" charset="0"/>
-                <a:ea typeface="Tahoma" pitchFamily="34" charset="0"/>
-                <a:cs typeface="Arial" pitchFamily="34" charset="0"/>
-              </a:rPr>
-              <a:t> Integer and </a:t>
-            </a:r>
-            <a:r>
-              <a:rPr lang="en-US" sz="1050" dirty="0" err="1">
-                <a:solidFill>
-                  <a:prstClr val="black"/>
-                </a:solidFill>
+              </a:rPr>
+              <a:t>.</a:t>
+            </a:r>
+            <a:endParaRPr lang="en-US" sz="1050" b="0" i="0" dirty="0">
+              <a:solidFill>
+                <a:srgbClr val="222222"/>
+              </a:solidFill>
+              <a:effectLst/>
+              <a:latin typeface="Arial" panose="020B0604020202020204" pitchFamily="34" charset="0"/>
+            </a:endParaRPr>
+          </a:p>
+          <a:p>
+            <a:pPr marL="0" algn="l" rtl="0" latinLnBrk="0">
+              <a:spcBef>
+                <a:spcPts val="0"/>
+              </a:spcBef>
+              <a:spcAft>
+                <a:spcPts val="0"/>
+              </a:spcAft>
+            </a:pPr>
+            <a:r>
+              <a:rPr lang="en-US" sz="1050" b="0" i="0" dirty="0">
+                <a:solidFill>
+                  <a:srgbClr val="000000"/>
+                </a:solidFill>
+                <a:effectLst/>
                 <a:latin typeface="Arial" panose="020B0604020202020204" pitchFamily="34" charset="0"/>
-                <a:ea typeface="Tahoma" pitchFamily="34" charset="0"/>
-                <a:cs typeface="Arial" pitchFamily="34" charset="0"/>
-              </a:rPr>
-              <a:t>Haar</a:t>
-            </a:r>
-            <a:r>
-              <a:rPr lang="en-US" sz="1050" dirty="0">
-                <a:solidFill>
-                  <a:prstClr val="black"/>
-                </a:solidFill>
-                <a:latin typeface="Arial" pitchFamily="34" charset="0"/>
-                <a:ea typeface="Tahoma" pitchFamily="34" charset="0"/>
-                <a:cs typeface="Arial" pitchFamily="34" charset="0"/>
-              </a:rPr>
-              <a:t> New Transform.</a:t>
-            </a:r>
-          </a:p>
-          <a:p>
-            <a:pPr>
-              <a:defRPr/>
+              </a:rPr>
+              <a:t>In our </a:t>
+            </a:r>
+            <a:r>
+              <a:rPr lang="en-US" sz="1050" b="0" i="0" dirty="0">
+                <a:solidFill>
+                  <a:srgbClr val="202124"/>
+                </a:solidFill>
+                <a:effectLst/>
+                <a:latin typeface="Arial" panose="020B0604020202020204" pitchFamily="34" charset="0"/>
+              </a:rPr>
+              <a:t>Data compression </a:t>
+            </a:r>
+            <a:r>
+              <a:rPr lang="en-US" sz="1050" b="0" i="0" dirty="0">
+                <a:solidFill>
+                  <a:srgbClr val="000000"/>
+                </a:solidFill>
+                <a:effectLst/>
+                <a:latin typeface="Arial" panose="020B0604020202020204" pitchFamily="34" charset="0"/>
+              </a:rPr>
+              <a:t>research, we specified the Haar wavelet transform, which is a simple discrete transform.</a:t>
+            </a:r>
+            <a:endParaRPr lang="en-US" sz="1050" b="0" i="0" dirty="0">
+              <a:solidFill>
+                <a:srgbClr val="222222"/>
+              </a:solidFill>
+              <a:effectLst/>
+              <a:latin typeface="Arial" panose="020B0604020202020204" pitchFamily="34" charset="0"/>
+            </a:endParaRPr>
+          </a:p>
+          <a:p>
+            <a:pPr marL="0" algn="l" rtl="0" latinLnBrk="0">
+              <a:spcBef>
+                <a:spcPts val="0"/>
+              </a:spcBef>
+              <a:spcAft>
+                <a:spcPts val="0"/>
+              </a:spcAft>
             </a:pPr>
             <a:r>
-              <a:rPr lang="en-US" sz="1050" dirty="0">
-                <a:solidFill>
-                  <a:prstClr val="black"/>
-                </a:solidFill>
-                <a:latin typeface="Arial" pitchFamily="34" charset="0"/>
-                <a:ea typeface="Tahoma" pitchFamily="34" charset="0"/>
-                <a:cs typeface="Arial" pitchFamily="34" charset="0"/>
-              </a:rPr>
-              <a:t>In discover of the optimal algorithms in different aspects.</a:t>
-            </a:r>
-            <a:endParaRPr lang="he-IL" sz="1050" dirty="0">
+              <a:rPr lang="en-US" sz="1050" b="0" i="0" dirty="0">
+                <a:solidFill>
+                  <a:srgbClr val="000000"/>
+                </a:solidFill>
+                <a:effectLst/>
+                <a:latin typeface="Arial" panose="020B0604020202020204" pitchFamily="34" charset="0"/>
+              </a:rPr>
+              <a:t>We compare 2 main Haar algorithms applied for lossless compression of integer sequences.</a:t>
+            </a:r>
+            <a:endParaRPr lang="en-US" sz="1050" b="0" i="0" dirty="0">
               <a:solidFill>
-                <a:prstClr val="black"/>
+                <a:srgbClr val="222222"/>
               </a:solidFill>
-              <a:latin typeface="Arial" pitchFamily="34" charset="0"/>
-              <a:ea typeface="Tahoma" pitchFamily="34" charset="0"/>
-              <a:cs typeface="Arial" pitchFamily="34" charset="0"/>
+              <a:effectLst/>
+              <a:latin typeface="Arial" panose="020B0604020202020204" pitchFamily="34" charset="0"/>
+            </a:endParaRPr>
+          </a:p>
+          <a:p>
+            <a:pPr marL="0" algn="l" rtl="0" latinLnBrk="0">
+              <a:spcBef>
+                <a:spcPts val="0"/>
+              </a:spcBef>
+              <a:spcAft>
+                <a:spcPts val="0"/>
+              </a:spcAft>
+            </a:pPr>
+            <a:r>
+              <a:rPr lang="en-US" sz="1050" b="0" i="0" dirty="0">
+                <a:solidFill>
+                  <a:srgbClr val="000000"/>
+                </a:solidFill>
+                <a:effectLst/>
+                <a:latin typeface="Arial" panose="020B0604020202020204" pitchFamily="34" charset="0"/>
+              </a:rPr>
+              <a:t>Haar Integer and Haar New Transform.</a:t>
+            </a:r>
+            <a:endParaRPr lang="en-US" sz="1050" b="0" i="0" dirty="0">
+              <a:solidFill>
+                <a:srgbClr val="222222"/>
+              </a:solidFill>
+              <a:effectLst/>
+              <a:latin typeface="Arial" panose="020B0604020202020204" pitchFamily="34" charset="0"/>
+            </a:endParaRPr>
+          </a:p>
+          <a:p>
+            <a:pPr marL="0" algn="l" rtl="0" latinLnBrk="0">
+              <a:spcBef>
+                <a:spcPts val="0"/>
+              </a:spcBef>
+              <a:spcAft>
+                <a:spcPts val="0"/>
+              </a:spcAft>
+            </a:pPr>
+            <a:r>
+              <a:rPr lang="en-US" sz="1050" b="0" i="0" dirty="0">
+                <a:solidFill>
+                  <a:srgbClr val="000000"/>
+                </a:solidFill>
+                <a:effectLst/>
+                <a:latin typeface="Arial" panose="020B0604020202020204" pitchFamily="34" charset="0"/>
+              </a:rPr>
+              <a:t>To discover the optimal algorithms in different aspects.</a:t>
+            </a:r>
+            <a:endParaRPr lang="en-US" sz="1050" b="0" i="0" dirty="0">
+              <a:solidFill>
+                <a:srgbClr val="222222"/>
+              </a:solidFill>
+              <a:effectLst/>
+              <a:latin typeface="Arial" panose="020B0604020202020204" pitchFamily="34" charset="0"/>
             </a:endParaRPr>
           </a:p>
         </p:txBody>
@@ -3534,8 +3511,8 @@
         </p:nvSpPr>
         <p:spPr>
           <a:xfrm>
-            <a:off x="166596" y="2841385"/>
-            <a:ext cx="2944178" cy="2624578"/>
+            <a:off x="72450" y="2841385"/>
+            <a:ext cx="3038324" cy="2624578"/>
           </a:xfrm>
           <a:prstGeom prst="roundRect">
             <a:avLst/>
@@ -3565,7 +3542,7 @@
             </a:pPr>
             <a:r>
               <a:rPr lang="he-IL" sz="1200" b="1" dirty="0">
-                <a:latin typeface="Arial" pitchFamily="34" charset="0"/>
+                <a:latin typeface="Arial" panose="020B0604020202020204" pitchFamily="34" charset="0"/>
                 <a:ea typeface="Tahoma" pitchFamily="34" charset="0"/>
                 <a:cs typeface="Arial" pitchFamily="34" charset="0"/>
               </a:rPr>
@@ -3573,21 +3550,30 @@
             </a:r>
             <a:r>
               <a:rPr lang="en-US" sz="1200" b="1" dirty="0">
-                <a:latin typeface="Arial" pitchFamily="34" charset="0"/>
+                <a:latin typeface="Arial" panose="020B0604020202020204" pitchFamily="34" charset="0"/>
                 <a:ea typeface="Tahoma" pitchFamily="34" charset="0"/>
                 <a:cs typeface="Arial" pitchFamily="34" charset="0"/>
               </a:rPr>
               <a:t>. </a:t>
             </a:r>
             <a:r>
-              <a:rPr lang="en-US" sz="1200" dirty="0"/>
+              <a:rPr lang="en-US" sz="1200" u="sng" dirty="0">
+                <a:latin typeface="Arial" panose="020B0604020202020204" pitchFamily="34" charset="0"/>
+                <a:cs typeface="Arial" panose="020B0604020202020204" pitchFamily="34" charset="0"/>
+              </a:rPr>
               <a:t>Methods/algorithms/Alternatives or</a:t>
             </a:r>
             <a:br>
-              <a:rPr lang="en-US" sz="1200" dirty="0"/>
+              <a:rPr lang="en-US" sz="1200" u="sng" dirty="0">
+                <a:latin typeface="Arial" panose="020B0604020202020204" pitchFamily="34" charset="0"/>
+                <a:cs typeface="Arial" panose="020B0604020202020204" pitchFamily="34" charset="0"/>
+              </a:rPr>
             </a:br>
             <a:r>
-              <a:rPr lang="en-US" sz="1200" dirty="0"/>
+              <a:rPr lang="en-US" sz="1200" u="sng" dirty="0">
+                <a:latin typeface="Arial" panose="020B0604020202020204" pitchFamily="34" charset="0"/>
+                <a:cs typeface="Arial" panose="020B0604020202020204" pitchFamily="34" charset="0"/>
+              </a:rPr>
               <a:t>     Design Considerations:</a:t>
             </a:r>
           </a:p>
@@ -3595,174 +3581,73 @@
             <a:pPr>
               <a:defRPr/>
             </a:pPr>
-            <a:endParaRPr lang="en-US" sz="1200" dirty="0"/>
-          </a:p>
-          <a:p>
-            <a:pPr>
-              <a:defRPr/>
+            <a:endParaRPr lang="en-US" sz="1200" dirty="0">
+              <a:solidFill>
+                <a:schemeClr val="tx1"/>
+              </a:solidFill>
+              <a:latin typeface="Arial" panose="020B0604020202020204" pitchFamily="34" charset="0"/>
+              <a:cs typeface="Arial" panose="020B0604020202020204" pitchFamily="34" charset="0"/>
+            </a:endParaRPr>
+          </a:p>
+          <a:p>
+            <a:pPr marL="0" algn="l" rtl="0" latinLnBrk="0">
+              <a:spcBef>
+                <a:spcPts val="0"/>
+              </a:spcBef>
+              <a:spcAft>
+                <a:spcPts val="0"/>
+              </a:spcAft>
             </a:pPr>
             <a:r>
-              <a:rPr lang="en-US" sz="1200" dirty="0">
-                <a:latin typeface="Arial" panose="020B0604020202020204" pitchFamily="34" charset="0"/>
-                <a:cs typeface="Arial" panose="020B0604020202020204" pitchFamily="34" charset="0"/>
-              </a:rPr>
-              <a:t>The Method we chose to implement the different </a:t>
-            </a:r>
-            <a:r>
-              <a:rPr lang="en-US" sz="1200" dirty="0" err="1">
-                <a:latin typeface="Arial" panose="020B0604020202020204" pitchFamily="34" charset="0"/>
-                <a:cs typeface="Arial" panose="020B0604020202020204" pitchFamily="34" charset="0"/>
-              </a:rPr>
-              <a:t>Haar</a:t>
-            </a:r>
-            <a:r>
-              <a:rPr lang="en-US" sz="1200" dirty="0">
-                <a:latin typeface="Arial" panose="020B0604020202020204" pitchFamily="34" charset="0"/>
-                <a:cs typeface="Arial" panose="020B0604020202020204" pitchFamily="34" charset="0"/>
-              </a:rPr>
-              <a:t> </a:t>
-            </a:r>
-            <a:r>
-              <a:rPr lang="en-US" sz="1200" dirty="0" err="1">
-                <a:latin typeface="Arial" panose="020B0604020202020204" pitchFamily="34" charset="0"/>
-                <a:cs typeface="Arial" panose="020B0604020202020204" pitchFamily="34" charset="0"/>
-              </a:rPr>
-              <a:t>algorithems</a:t>
-            </a:r>
-            <a:r>
-              <a:rPr lang="en-US" sz="1200" dirty="0">
-                <a:latin typeface="Arial" panose="020B0604020202020204" pitchFamily="34" charset="0"/>
-                <a:cs typeface="Arial" panose="020B0604020202020204" pitchFamily="34" charset="0"/>
-              </a:rPr>
-              <a:t> were based on the article “New Compression Schemes for Natural Number Sequences” by Prof. Dana Shapira.</a:t>
-            </a:r>
-          </a:p>
-          <a:p>
-            <a:pPr>
-              <a:defRPr/>
-            </a:pPr>
-            <a:r>
-              <a:rPr lang="en-US" sz="1200" dirty="0">
-                <a:latin typeface="Arial" panose="020B0604020202020204" pitchFamily="34" charset="0"/>
-                <a:ea typeface="Tahoma" pitchFamily="34" charset="0"/>
-                <a:cs typeface="Arial" pitchFamily="34" charset="0"/>
-              </a:rPr>
-              <a:t>The method to compare the </a:t>
-            </a:r>
-            <a:r>
               <a:rPr lang="en-US" sz="1200" b="0" i="0" dirty="0">
                 <a:solidFill>
-                  <a:srgbClr val="333333"/>
+                  <a:schemeClr val="tx1"/>
                 </a:solidFill>
                 <a:effectLst/>
                 <a:latin typeface="Arial" panose="020B0604020202020204" pitchFamily="34" charset="0"/>
-                <a:cs typeface="Arial" panose="020B0604020202020204" pitchFamily="34" charset="0"/>
-              </a:rPr>
-              <a:t>efficiency</a:t>
-            </a:r>
-            <a:r>
-              <a:rPr lang="en-US" sz="1200" dirty="0">
-                <a:solidFill>
-                  <a:srgbClr val="333333"/>
-                </a:solidFill>
-                <a:latin typeface="Arial" panose="020B0604020202020204" pitchFamily="34" charset="0"/>
-                <a:ea typeface="Tahoma" pitchFamily="34" charset="0"/>
-                <a:cs typeface="Arial" pitchFamily="34" charset="0"/>
-              </a:rPr>
-              <a:t> of the </a:t>
-            </a:r>
-            <a:r>
-              <a:rPr lang="en-US" sz="1200" dirty="0" err="1">
-                <a:solidFill>
-                  <a:srgbClr val="333333"/>
-                </a:solidFill>
-                <a:latin typeface="Arial" panose="020B0604020202020204" pitchFamily="34" charset="0"/>
-                <a:ea typeface="Tahoma" pitchFamily="34" charset="0"/>
-                <a:cs typeface="Arial" pitchFamily="34" charset="0"/>
-              </a:rPr>
-              <a:t>algorihems</a:t>
-            </a:r>
-            <a:r>
-              <a:rPr lang="en-US" sz="1200" dirty="0">
-                <a:solidFill>
-                  <a:srgbClr val="333333"/>
-                </a:solidFill>
-                <a:latin typeface="Arial" panose="020B0604020202020204" pitchFamily="34" charset="0"/>
-                <a:ea typeface="Tahoma" pitchFamily="34" charset="0"/>
-                <a:cs typeface="Arial" pitchFamily="34" charset="0"/>
-              </a:rPr>
-              <a:t> were to measure the bit size </a:t>
-            </a:r>
-            <a:r>
-              <a:rPr lang="en-US" sz="1200" dirty="0" err="1">
-                <a:solidFill>
-                  <a:srgbClr val="333333"/>
-                </a:solidFill>
-                <a:latin typeface="Arial" panose="020B0604020202020204" pitchFamily="34" charset="0"/>
-                <a:ea typeface="Tahoma" pitchFamily="34" charset="0"/>
-                <a:cs typeface="Arial" pitchFamily="34" charset="0"/>
-              </a:rPr>
-              <a:t>compresed</a:t>
-            </a:r>
-            <a:r>
-              <a:rPr lang="en-US" sz="1200" dirty="0">
-                <a:solidFill>
-                  <a:srgbClr val="333333"/>
-                </a:solidFill>
-                <a:latin typeface="Arial" panose="020B0604020202020204" pitchFamily="34" charset="0"/>
-                <a:ea typeface="Tahoma" pitchFamily="34" charset="0"/>
-                <a:cs typeface="Arial" pitchFamily="34" charset="0"/>
-              </a:rPr>
-              <a:t> massage each </a:t>
-            </a:r>
-            <a:r>
-              <a:rPr lang="en-US" sz="1200" dirty="0" err="1">
-                <a:solidFill>
-                  <a:srgbClr val="333333"/>
-                </a:solidFill>
-                <a:latin typeface="Arial" panose="020B0604020202020204" pitchFamily="34" charset="0"/>
-                <a:ea typeface="Tahoma" pitchFamily="34" charset="0"/>
-                <a:cs typeface="Arial" pitchFamily="34" charset="0"/>
-              </a:rPr>
-              <a:t>algorithem</a:t>
-            </a:r>
-            <a:r>
-              <a:rPr lang="en-US" sz="1200" dirty="0">
-                <a:solidFill>
-                  <a:srgbClr val="333333"/>
-                </a:solidFill>
-                <a:latin typeface="Arial" panose="020B0604020202020204" pitchFamily="34" charset="0"/>
-                <a:ea typeface="Tahoma" pitchFamily="34" charset="0"/>
-                <a:cs typeface="Arial" pitchFamily="34" charset="0"/>
-              </a:rPr>
-              <a:t> </a:t>
-            </a:r>
+              </a:rPr>
+              <a:t>The Method we chose to implement the different Haar algorithms was based on the article “New Compression Schemes for Natural Number Sequences” by Prof. Dana Shapira.</a:t>
+            </a:r>
+          </a:p>
+          <a:p>
+            <a:pPr marL="0" algn="l" rtl="0" latinLnBrk="0">
+              <a:spcBef>
+                <a:spcPts val="0"/>
+              </a:spcBef>
+              <a:spcAft>
+                <a:spcPts val="0"/>
+              </a:spcAft>
+            </a:pPr>
             <a:r>
               <a:rPr lang="en-US" sz="1200" b="0" i="0" dirty="0">
                 <a:solidFill>
-                  <a:srgbClr val="333333"/>
+                  <a:schemeClr val="tx1"/>
                 </a:solidFill>
                 <a:effectLst/>
                 <a:latin typeface="Arial" panose="020B0604020202020204" pitchFamily="34" charset="0"/>
-                <a:cs typeface="Arial" panose="020B0604020202020204" pitchFamily="34" charset="0"/>
-              </a:rPr>
-              <a:t>produce</a:t>
-            </a:r>
-            <a:r>
-              <a:rPr lang="en-US" sz="1200" dirty="0">
-                <a:solidFill>
-                  <a:srgbClr val="333333"/>
-                </a:solidFill>
+              </a:rPr>
+              <a:t>The method to compare the efficiency of the algorithms was to measure the bit size compressed </a:t>
+            </a:r>
+            <a:r>
+              <a:rPr lang="he-IL" sz="1200" b="0" i="0" dirty="0">
+                <a:solidFill>
+                  <a:schemeClr val="tx1"/>
+                </a:solidFill>
+                <a:effectLst/>
                 <a:latin typeface="Arial" panose="020B0604020202020204" pitchFamily="34" charset="0"/>
-                <a:cs typeface="Arial" panose="020B0604020202020204" pitchFamily="34" charset="0"/>
-              </a:rPr>
-              <a:t>d</a:t>
-            </a:r>
-            <a:endParaRPr lang="en-US" sz="1200" dirty="0">
-              <a:latin typeface="Arial" panose="020B0604020202020204" pitchFamily="34" charset="0"/>
-              <a:ea typeface="Tahoma" pitchFamily="34" charset="0"/>
-              <a:cs typeface="Arial" pitchFamily="34" charset="0"/>
-            </a:endParaRPr>
+              </a:rPr>
+              <a:t> </a:t>
+            </a:r>
+            <a:r>
+              <a:rPr lang="en-US" sz="1200" b="0" i="0" dirty="0">
+                <a:solidFill>
+                  <a:schemeClr val="tx1"/>
+                </a:solidFill>
+                <a:effectLst/>
+                <a:latin typeface="Arial" panose="020B0604020202020204" pitchFamily="34" charset="0"/>
+              </a:rPr>
+              <a:t>message each algorithm produced</a:t>
+            </a:r>
           </a:p>
           <a:p>
             <a:pPr>
@@ -3817,8 +3702,8 @@
         </p:nvSpPr>
         <p:spPr>
           <a:xfrm>
-            <a:off x="3575954" y="4065750"/>
-            <a:ext cx="3115448" cy="1466925"/>
+            <a:off x="3575953" y="4065750"/>
+            <a:ext cx="3115449" cy="1537719"/>
           </a:xfrm>
           <a:prstGeom prst="roundRect">
             <a:avLst/>
@@ -3861,185 +3746,94 @@
                 <a:ea typeface="Tahoma" pitchFamily="34" charset="0"/>
                 <a:cs typeface="Arial" pitchFamily="34" charset="0"/>
               </a:rPr>
-              <a:t>4. Selected Approach: </a:t>
-            </a:r>
-          </a:p>
-          <a:p>
-            <a:pPr algn="l">
-              <a:defRPr/>
-            </a:pPr>
-            <a:r>
-              <a:rPr lang="en-US" sz="1200" dirty="0">
-                <a:solidFill>
-                  <a:schemeClr val="tx1"/>
+              <a:t>4. </a:t>
+            </a:r>
+            <a:r>
+              <a:rPr lang="en-US" sz="1400" u="sng" dirty="0">
+                <a:solidFill>
+                  <a:prstClr val="black"/>
                 </a:solidFill>
                 <a:latin typeface="Arial" pitchFamily="34" charset="0"/>
                 <a:ea typeface="Tahoma" pitchFamily="34" charset="0"/>
                 <a:cs typeface="Arial" pitchFamily="34" charset="0"/>
               </a:rPr>
-              <a:t>The </a:t>
-            </a:r>
-            <a:r>
-              <a:rPr lang="en-US" sz="1200" dirty="0" err="1">
-                <a:solidFill>
-                  <a:schemeClr val="tx1"/>
+              <a:t>Selected Approach: </a:t>
+            </a:r>
+            <a:br>
+              <a:rPr lang="en-US" sz="1200" u="sng" dirty="0">
+                <a:solidFill>
+                  <a:prstClr val="black"/>
                 </a:solidFill>
                 <a:latin typeface="Arial" pitchFamily="34" charset="0"/>
                 <a:ea typeface="Tahoma" pitchFamily="34" charset="0"/>
                 <a:cs typeface="Arial" pitchFamily="34" charset="0"/>
               </a:rPr>
-              <a:t>Haar</a:t>
-            </a:r>
-            <a:r>
-              <a:rPr lang="en-US" sz="1200" dirty="0">
-                <a:solidFill>
-                  <a:schemeClr val="tx1"/>
-                </a:solidFill>
-                <a:latin typeface="Arial" pitchFamily="34" charset="0"/>
-                <a:ea typeface="Tahoma" pitchFamily="34" charset="0"/>
-                <a:cs typeface="Arial" pitchFamily="34" charset="0"/>
-              </a:rPr>
-              <a:t> </a:t>
-            </a:r>
-            <a:r>
-              <a:rPr lang="en-US" sz="1200" dirty="0" err="1">
-                <a:solidFill>
-                  <a:schemeClr val="tx1"/>
-                </a:solidFill>
-                <a:latin typeface="Arial" pitchFamily="34" charset="0"/>
-                <a:ea typeface="Tahoma" pitchFamily="34" charset="0"/>
-                <a:cs typeface="Arial" pitchFamily="34" charset="0"/>
-              </a:rPr>
-              <a:t>algorithems</a:t>
-            </a:r>
-            <a:r>
-              <a:rPr lang="en-US" sz="1200" dirty="0">
-                <a:solidFill>
-                  <a:schemeClr val="tx1"/>
-                </a:solidFill>
-                <a:latin typeface="Arial" pitchFamily="34" charset="0"/>
-                <a:ea typeface="Tahoma" pitchFamily="34" charset="0"/>
-                <a:cs typeface="Arial" pitchFamily="34" charset="0"/>
-              </a:rPr>
-              <a:t> </a:t>
-            </a:r>
-            <a:r>
-              <a:rPr lang="en-US" sz="1200" i="0" dirty="0">
-                <a:solidFill>
-                  <a:schemeClr val="tx1"/>
-                </a:solidFill>
-                <a:effectLst/>
-                <a:latin typeface="Assistant" pitchFamily="2" charset="-79"/>
-                <a:cs typeface="Assistant" pitchFamily="2" charset="-79"/>
-              </a:rPr>
-              <a:t>outcome were </a:t>
-            </a:r>
-            <a:r>
-              <a:rPr lang="en-US" sz="1200" i="0" dirty="0" err="1">
-                <a:solidFill>
-                  <a:schemeClr val="tx1"/>
-                </a:solidFill>
-                <a:effectLst/>
-                <a:latin typeface="Assistant" pitchFamily="2" charset="-79"/>
-                <a:cs typeface="Assistant" pitchFamily="2" charset="-79"/>
-              </a:rPr>
-              <a:t>compresed</a:t>
-            </a:r>
-            <a:r>
-              <a:rPr lang="en-US" sz="1200" i="0" dirty="0">
-                <a:solidFill>
-                  <a:schemeClr val="tx1"/>
-                </a:solidFill>
-                <a:effectLst/>
-                <a:latin typeface="Assistant" pitchFamily="2" charset="-79"/>
-                <a:cs typeface="Assistant" pitchFamily="2" charset="-79"/>
-              </a:rPr>
-              <a:t> by several different </a:t>
-            </a:r>
-            <a:r>
-              <a:rPr lang="en-US" sz="1200" i="0" dirty="0" err="1">
-                <a:solidFill>
-                  <a:schemeClr val="tx1"/>
-                </a:solidFill>
-                <a:effectLst/>
-                <a:latin typeface="Assistant" pitchFamily="2" charset="-79"/>
-                <a:cs typeface="Assistant" pitchFamily="2" charset="-79"/>
-              </a:rPr>
-              <a:t>compertion</a:t>
-            </a:r>
-            <a:r>
-              <a:rPr lang="en-US" sz="1200" i="0" dirty="0">
-                <a:solidFill>
-                  <a:schemeClr val="tx1"/>
-                </a:solidFill>
-                <a:effectLst/>
-                <a:latin typeface="Assistant" pitchFamily="2" charset="-79"/>
-                <a:cs typeface="Assistant" pitchFamily="2" charset="-79"/>
-              </a:rPr>
-              <a:t> </a:t>
-            </a:r>
-            <a:r>
-              <a:rPr lang="en-US" sz="1200" i="0" dirty="0" err="1">
-                <a:solidFill>
-                  <a:schemeClr val="tx1"/>
-                </a:solidFill>
-                <a:effectLst/>
-                <a:latin typeface="Assistant" pitchFamily="2" charset="-79"/>
-                <a:cs typeface="Assistant" pitchFamily="2" charset="-79"/>
-              </a:rPr>
-              <a:t>algorithems</a:t>
-            </a:r>
-            <a:r>
-              <a:rPr lang="en-US" sz="1200" i="0" dirty="0">
-                <a:solidFill>
-                  <a:schemeClr val="tx1"/>
-                </a:solidFill>
-                <a:effectLst/>
-                <a:latin typeface="Assistant" pitchFamily="2" charset="-79"/>
-                <a:cs typeface="Assistant" pitchFamily="2" charset="-79"/>
-              </a:rPr>
-              <a:t> such as : Elias code </a:t>
-            </a:r>
-            <a:r>
-              <a:rPr lang="en-US" sz="1200" i="0" u="none" strike="noStrike" baseline="0" dirty="0">
-                <a:solidFill>
-                  <a:schemeClr val="tx1"/>
-                </a:solidFill>
-                <a:latin typeface="CambriaMath"/>
-              </a:rPr>
-              <a:t>𝑪𝜹 , binary coding and unary coding</a:t>
-            </a:r>
-            <a:endParaRPr lang="en-US" sz="1200" dirty="0">
-              <a:solidFill>
-                <a:schemeClr val="tx1"/>
-              </a:solidFill>
-              <a:latin typeface="Arial" pitchFamily="34" charset="0"/>
-              <a:ea typeface="Tahoma" pitchFamily="34" charset="0"/>
-              <a:cs typeface="Arial" pitchFamily="34" charset="0"/>
-            </a:endParaRPr>
-          </a:p>
-          <a:p>
-            <a:pPr algn="l">
-              <a:defRPr/>
-            </a:pPr>
-            <a:r>
-              <a:rPr lang="en-US" sz="1200" dirty="0">
-                <a:solidFill>
-                  <a:prstClr val="black"/>
-                </a:solidFill>
-                <a:latin typeface="Arial" pitchFamily="34" charset="0"/>
-                <a:ea typeface="Tahoma" pitchFamily="34" charset="0"/>
-                <a:cs typeface="Arial" pitchFamily="34" charset="0"/>
-              </a:rPr>
-              <a:t>All the implementation were made in C++ </a:t>
-            </a:r>
-            <a:endParaRPr lang="he-IL" sz="1200" dirty="0">
+            </a:br>
+            <a:endParaRPr lang="en-US" sz="1200" u="sng" dirty="0">
               <a:solidFill>
                 <a:prstClr val="black"/>
               </a:solidFill>
               <a:latin typeface="Arial" pitchFamily="34" charset="0"/>
               <a:ea typeface="Tahoma" pitchFamily="34" charset="0"/>
               <a:cs typeface="Arial" pitchFamily="34" charset="0"/>
+            </a:endParaRPr>
+          </a:p>
+          <a:p>
+            <a:pPr marL="0" algn="l" rtl="0" latinLnBrk="0">
+              <a:spcBef>
+                <a:spcPts val="0"/>
+              </a:spcBef>
+              <a:spcAft>
+                <a:spcPts val="0"/>
+              </a:spcAft>
+            </a:pPr>
+            <a:r>
+              <a:rPr lang="en-US" sz="1100" b="0" i="0" dirty="0">
+                <a:solidFill>
+                  <a:srgbClr val="000000"/>
+                </a:solidFill>
+                <a:effectLst/>
+                <a:latin typeface="Arial" panose="020B0604020202020204" pitchFamily="34" charset="0"/>
+                <a:cs typeface="Arial" panose="020B0604020202020204" pitchFamily="34" charset="0"/>
+              </a:rPr>
+              <a:t>The Haar algorithms outcome were compressed by several different compression algorithms such as Elias code 𝑪𝜹, binary coding, and unary coding.</a:t>
+            </a:r>
+            <a:endParaRPr lang="en-US" sz="1100" b="0" i="0" dirty="0">
+              <a:solidFill>
+                <a:srgbClr val="222222"/>
+              </a:solidFill>
+              <a:effectLst/>
+              <a:latin typeface="Arial" panose="020B0604020202020204" pitchFamily="34" charset="0"/>
+              <a:cs typeface="Arial" panose="020B0604020202020204" pitchFamily="34" charset="0"/>
+            </a:endParaRPr>
+          </a:p>
+          <a:p>
+            <a:pPr marL="0" algn="l" rtl="0" latinLnBrk="0">
+              <a:spcBef>
+                <a:spcPts val="0"/>
+              </a:spcBef>
+              <a:spcAft>
+                <a:spcPts val="0"/>
+              </a:spcAft>
+            </a:pPr>
+            <a:r>
+              <a:rPr lang="en-US" sz="1100" b="0" i="0" dirty="0">
+                <a:solidFill>
+                  <a:srgbClr val="000000"/>
+                </a:solidFill>
+                <a:effectLst/>
+                <a:latin typeface="Arial" panose="020B0604020202020204" pitchFamily="34" charset="0"/>
+                <a:cs typeface="Arial" panose="020B0604020202020204" pitchFamily="34" charset="0"/>
+              </a:rPr>
+              <a:t>All the implementations were made in C++ </a:t>
+            </a:r>
+            <a:endParaRPr lang="en-US" sz="1100" b="0" i="0" dirty="0">
+              <a:solidFill>
+                <a:srgbClr val="222222"/>
+              </a:solidFill>
+              <a:effectLst/>
+              <a:latin typeface="Arial" panose="020B0604020202020204" pitchFamily="34" charset="0"/>
+              <a:cs typeface="Arial" panose="020B0604020202020204" pitchFamily="34" charset="0"/>
             </a:endParaRPr>
           </a:p>
         </p:txBody>
@@ -4090,10 +3884,10 @@
                 <a:ea typeface="Tahoma" pitchFamily="34" charset="0"/>
                 <a:cs typeface="Arial" pitchFamily="34" charset="0"/>
               </a:rPr>
-              <a:t>5. Solution Description (Algorithms, Modulation, Patterns, Infrastructure, UI</a:t>
-            </a:r>
-            <a:r>
-              <a:rPr lang="en-US" sz="1200">
+              <a:t>5. </a:t>
+            </a:r>
+            <a:r>
+              <a:rPr lang="en-US" sz="1200" u="sng" dirty="0">
                 <a:solidFill>
                   <a:prstClr val="black"/>
                 </a:solidFill>
@@ -4101,10 +3895,10 @@
                 <a:ea typeface="Tahoma" pitchFamily="34" charset="0"/>
                 <a:cs typeface="Arial" pitchFamily="34" charset="0"/>
               </a:rPr>
-              <a:t>,   </a:t>
+              <a:t>Solution Description (Algorithms, Modulation, Patterns, Infrastructure, UI,   </a:t>
             </a:r>
             <a:br>
-              <a:rPr lang="en-US" sz="1200">
+              <a:rPr lang="en-US" sz="1200" u="sng" dirty="0">
                 <a:solidFill>
                   <a:prstClr val="black"/>
                 </a:solidFill>
@@ -4114,7 +3908,7 @@
               </a:rPr>
             </a:br>
             <a:r>
-              <a:rPr lang="en-US" sz="1200">
+              <a:rPr lang="en-US" sz="1200" u="sng" dirty="0">
                 <a:solidFill>
                   <a:prstClr val="black"/>
                 </a:solidFill>
@@ -4122,20 +3916,9 @@
                 <a:ea typeface="Tahoma" pitchFamily="34" charset="0"/>
                 <a:cs typeface="Arial" pitchFamily="34" charset="0"/>
               </a:rPr>
-              <a:t>     Functionality</a:t>
-            </a:r>
-            <a:r>
-              <a:rPr lang="en-US" sz="1200" dirty="0">
-                <a:solidFill>
-                  <a:prstClr val="black"/>
-                </a:solidFill>
-                <a:latin typeface="Arial" pitchFamily="34" charset="0"/>
-                <a:ea typeface="Tahoma" pitchFamily="34" charset="0"/>
-                <a:cs typeface="Arial" pitchFamily="34" charset="0"/>
-              </a:rPr>
-              <a:t>)</a:t>
-            </a:r>
-            <a:endParaRPr lang="he-IL" sz="1200" dirty="0">
+              <a:t>     Functionality)</a:t>
+            </a:r>
+            <a:endParaRPr lang="he-IL" sz="1200" u="sng" dirty="0">
               <a:solidFill>
                 <a:prstClr val="black"/>
               </a:solidFill>
@@ -4437,8 +4220,24 @@
               <a:defRPr/>
             </a:pPr>
             <a:r>
-              <a:rPr lang="en-US" sz="1600" dirty="0"/>
-              <a:t>Contribution/project goal:   </a:t>
+              <a:rPr lang="en-US" sz="1400" u="sng" dirty="0">
+                <a:latin typeface="Arial" panose="020B0604020202020204" pitchFamily="34" charset="0"/>
+                <a:cs typeface="Arial" panose="020B0604020202020204" pitchFamily="34" charset="0"/>
+              </a:rPr>
+              <a:t>Contribution/project goal:  </a:t>
+            </a:r>
+            <a:br>
+              <a:rPr lang="en-US" sz="1400" u="sng" dirty="0">
+                <a:latin typeface="Arial" panose="020B0604020202020204" pitchFamily="34" charset="0"/>
+                <a:cs typeface="Arial" panose="020B0604020202020204" pitchFamily="34" charset="0"/>
+              </a:rPr>
+            </a:br>
+            <a:r>
+              <a:rPr lang="en-US" sz="1400" u="sng" dirty="0">
+                <a:latin typeface="Arial" panose="020B0604020202020204" pitchFamily="34" charset="0"/>
+                <a:cs typeface="Arial" panose="020B0604020202020204" pitchFamily="34" charset="0"/>
+              </a:rPr>
+              <a:t> </a:t>
             </a:r>
           </a:p>
           <a:p>
@@ -4446,47 +4245,15 @@
               <a:defRPr/>
             </a:pPr>
             <a:r>
-              <a:rPr lang="en-US" sz="1400" dirty="0">
-                <a:solidFill>
-                  <a:prstClr val="black"/>
-                </a:solidFill>
-                <a:latin typeface="Arial" pitchFamily="34" charset="0"/>
-                <a:ea typeface="Tahoma" pitchFamily="34" charset="0"/>
-              </a:rPr>
-              <a:t>Compare between different </a:t>
-            </a:r>
-            <a:r>
-              <a:rPr lang="en-US" sz="1400" dirty="0" err="1">
-                <a:solidFill>
-                  <a:prstClr val="black"/>
-                </a:solidFill>
-                <a:latin typeface="Arial" pitchFamily="34" charset="0"/>
-                <a:ea typeface="Tahoma" pitchFamily="34" charset="0"/>
-              </a:rPr>
-              <a:t>Haar</a:t>
-            </a:r>
-            <a:r>
-              <a:rPr lang="en-US" sz="1400" dirty="0">
-                <a:solidFill>
-                  <a:prstClr val="black"/>
-                </a:solidFill>
-                <a:latin typeface="Arial" pitchFamily="34" charset="0"/>
-                <a:ea typeface="Tahoma" pitchFamily="34" charset="0"/>
-              </a:rPr>
-              <a:t> algorithms in data compression and Discover the optimal one</a:t>
-            </a:r>
-            <a:endParaRPr lang="he-IL" sz="1400" dirty="0">
-              <a:solidFill>
-                <a:prstClr val="black"/>
-              </a:solidFill>
-              <a:latin typeface="Arial" pitchFamily="34" charset="0"/>
-              <a:ea typeface="Tahoma" pitchFamily="34" charset="0"/>
-            </a:endParaRPr>
-          </a:p>
-          <a:p>
-            <a:pPr>
-              <a:defRPr/>
-            </a:pPr>
+              <a:rPr lang="en-US" sz="1200" b="0" i="0" dirty="0">
+                <a:solidFill>
+                  <a:srgbClr val="000000"/>
+                </a:solidFill>
+                <a:effectLst/>
+                <a:latin typeface="Arial" panose="020B0604020202020204" pitchFamily="34" charset="0"/>
+              </a:rPr>
+              <a:t>Compare different Haar algorithms in data compression and Discover the optimal one </a:t>
+            </a:r>
             <a:endParaRPr lang="en-US" sz="1200" dirty="0"/>
           </a:p>
         </p:txBody>
@@ -4534,59 +4301,6 @@
       </p:cxnSp>
       <p:sp>
         <p:nvSpPr>
-          <p:cNvPr id="9" name="TextBox 8">
-            <a:extLst>
-              <a:ext uri="{FF2B5EF4-FFF2-40B4-BE49-F238E27FC236}">
-                <a16:creationId xmlns:a16="http://schemas.microsoft.com/office/drawing/2014/main" id="{EF3F334E-0FC7-49AB-A5E6-5E33276B81C9}"/>
-              </a:ext>
-            </a:extLst>
-          </p:cNvPr>
-          <p:cNvSpPr txBox="1"/>
-          <p:nvPr/>
-        </p:nvSpPr>
-        <p:spPr>
-          <a:xfrm>
-            <a:off x="2680469" y="9383106"/>
-            <a:ext cx="2515432" cy="261610"/>
-          </a:xfrm>
-          <a:prstGeom prst="rect">
-            <a:avLst/>
-          </a:prstGeom>
-          <a:noFill/>
-        </p:spPr>
-        <p:txBody>
-          <a:bodyPr wrap="none" rtlCol="0">
-            <a:spAutoFit/>
-          </a:bodyPr>
-          <a:lstStyle/>
-          <a:p>
-            <a:pPr algn="r" rtl="1"/>
-            <a:r>
-              <a:rPr lang="en-US" sz="1100" dirty="0"/>
-              <a:t>Scan </a:t>
-            </a:r>
-            <a:r>
-              <a:rPr lang="en-US" sz="1100" dirty="0" err="1"/>
-              <a:t>QRCode</a:t>
-            </a:r>
-            <a:r>
-              <a:rPr lang="en-US" sz="1100" dirty="0"/>
-              <a:t> for full Instructions(</a:t>
-            </a:r>
-            <a:r>
-              <a:rPr lang="en-US" sz="1100" dirty="0" err="1"/>
-              <a:t>github</a:t>
-            </a:r>
-            <a:r>
-              <a:rPr lang="en-US" sz="1100"/>
-              <a:t>)</a:t>
-            </a:r>
-            <a:endParaRPr lang="en-US" sz="1100" dirty="0"/>
-          </a:p>
-        </p:txBody>
-      </p:sp>
-      <p:sp>
-        <p:nvSpPr>
           <p:cNvPr id="2" name="Rectangle 1">
             <a:extLst>
               <a:ext uri="{FF2B5EF4-FFF2-40B4-BE49-F238E27FC236}">
@@ -4693,42 +4407,6 @@
       </p:sp>
       <p:pic>
         <p:nvPicPr>
-          <p:cNvPr id="6" name="תמונה 5">
-            <a:extLst>
-              <a:ext uri="{FF2B5EF4-FFF2-40B4-BE49-F238E27FC236}">
-                <a16:creationId xmlns:a16="http://schemas.microsoft.com/office/drawing/2014/main" id="{E6E5B8AC-6650-0A12-96E1-68DED619F65F}"/>
-              </a:ext>
-            </a:extLst>
-          </p:cNvPr>
-          <p:cNvPicPr>
-            <a:picLocks noChangeAspect="1"/>
-          </p:cNvPicPr>
-          <p:nvPr/>
-        </p:nvPicPr>
-        <p:blipFill>
-          <a:blip r:embed="rId2">
-            <a:extLst>
-              <a:ext uri="{28A0092B-C50C-407E-A947-70E740481C1C}">
-                <a14:useLocalDpi xmlns:a14="http://schemas.microsoft.com/office/drawing/2010/main" val="0"/>
-              </a:ext>
-            </a:extLst>
-          </a:blip>
-          <a:stretch>
-            <a:fillRect/>
-          </a:stretch>
-        </p:blipFill>
-        <p:spPr>
-          <a:xfrm>
-            <a:off x="0" y="85641"/>
-            <a:ext cx="1158240" cy="883105"/>
-          </a:xfrm>
-          <a:prstGeom prst="rect">
-            <a:avLst/>
-          </a:prstGeom>
-        </p:spPr>
-      </p:pic>
-      <p:pic>
-        <p:nvPicPr>
           <p:cNvPr id="19" name="תמונה 18">
             <a:extLst>
               <a:ext uri="{FF2B5EF4-FFF2-40B4-BE49-F238E27FC236}">
@@ -4742,7 +4420,7 @@
           <p:nvPr/>
         </p:nvPicPr>
         <p:blipFill>
-          <a:blip r:embed="rId3">
+          <a:blip r:embed="rId2">
             <a:extLst>
               <a:ext uri="{28A0092B-C50C-407E-A947-70E740481C1C}">
                 <a14:useLocalDpi xmlns:a14="http://schemas.microsoft.com/office/drawing/2010/main" val="0"/>
@@ -4778,7 +4456,7 @@
           <p:nvPr/>
         </p:nvPicPr>
         <p:blipFill>
-          <a:blip r:embed="rId4"/>
+          <a:blip r:embed="rId3"/>
           <a:stretch>
             <a:fillRect/>
           </a:stretch>
@@ -4808,14 +4486,14 @@
           <p:nvPr/>
         </p:nvPicPr>
         <p:blipFill>
-          <a:blip r:embed="rId5"/>
+          <a:blip r:embed="rId4"/>
           <a:stretch>
             <a:fillRect/>
           </a:stretch>
         </p:blipFill>
         <p:spPr>
           <a:xfrm>
-            <a:off x="205551" y="7352693"/>
+            <a:off x="228957" y="7352693"/>
             <a:ext cx="1519653" cy="792862"/>
           </a:xfrm>
           <a:prstGeom prst="rect">
@@ -4837,8 +4515,8 @@
         </p:nvSpPr>
         <p:spPr>
           <a:xfrm>
-            <a:off x="1915148" y="6421352"/>
-            <a:ext cx="4368399" cy="1015663"/>
+            <a:off x="1926877" y="6325400"/>
+            <a:ext cx="4241854" cy="2970044"/>
           </a:xfrm>
           <a:prstGeom prst="rect">
             <a:avLst/>
@@ -4851,43 +4529,405 @@
           </a:bodyPr>
           <a:lstStyle/>
           <a:p>
-            <a:r>
-              <a:rPr lang="en-US" sz="1200" dirty="0"/>
-              <a:t>We had </a:t>
-            </a:r>
-            <a:r>
-              <a:rPr lang="en-US" sz="1200" dirty="0" err="1"/>
-              <a:t>varius</a:t>
-            </a:r>
-            <a:r>
-              <a:rPr lang="en-US" sz="1200" dirty="0"/>
-              <a:t> outcomes, each type of data that we use while examining the size of the </a:t>
-            </a:r>
-            <a:r>
-              <a:rPr lang="en-US" sz="1200" dirty="0" err="1"/>
-              <a:t>compresed</a:t>
-            </a:r>
-            <a:r>
-              <a:rPr lang="en-US" sz="1200" dirty="0"/>
-              <a:t> massage gave a different answer. </a:t>
-            </a:r>
-          </a:p>
-          <a:p>
-            <a:r>
-              <a:rPr lang="en-US" sz="1200" dirty="0"/>
-              <a:t>The program that create a random numbers and sort them </a:t>
-            </a:r>
-            <a:r>
-              <a:rPr lang="en-US" sz="1200"/>
-              <a:t>in an </a:t>
-            </a:r>
-            <a:r>
-              <a:rPr lang="en-US" sz="1200" dirty="0"/>
-              <a:t>array </a:t>
-            </a:r>
-          </a:p>
-        </p:txBody>
-      </p:sp>
+            <a:pPr marL="0" rtl="0" latinLnBrk="0">
+              <a:spcBef>
+                <a:spcPts val="0"/>
+              </a:spcBef>
+              <a:spcAft>
+                <a:spcPts val="0"/>
+              </a:spcAft>
+            </a:pPr>
+            <a:r>
+              <a:rPr lang="en-US" sz="1100" dirty="0">
+                <a:effectLst/>
+                <a:latin typeface="Arial" panose="020B0604020202020204" pitchFamily="34" charset="0"/>
+              </a:rPr>
+              <a:t>We had various outcomes, each type of data that we use while examining the size of the compressed message gave a different answer. </a:t>
+            </a:r>
+            <a:endParaRPr lang="en-US" sz="1100" dirty="0">
+              <a:effectLst/>
+            </a:endParaRPr>
+          </a:p>
+          <a:p>
+            <a:pPr marL="0" rtl="0" latinLnBrk="0">
+              <a:spcBef>
+                <a:spcPts val="0"/>
+              </a:spcBef>
+              <a:spcAft>
+                <a:spcPts val="0"/>
+              </a:spcAft>
+            </a:pPr>
+            <a:r>
+              <a:rPr lang="en-US" sz="1100" dirty="0">
+                <a:effectLst/>
+                <a:latin typeface="Arial" panose="020B0604020202020204" pitchFamily="34" charset="0"/>
+              </a:rPr>
+              <a:t>In the program that creates random numbers and sorts them in an array, each time we used a different compression algorithm.</a:t>
+            </a:r>
+            <a:br>
+              <a:rPr lang="en-US" sz="1100" dirty="0">
+                <a:effectLst/>
+                <a:latin typeface="Arial" panose="020B0604020202020204" pitchFamily="34" charset="0"/>
+              </a:rPr>
+            </a:br>
+            <a:r>
+              <a:rPr lang="en-US" sz="1100" dirty="0">
+                <a:effectLst/>
+                <a:latin typeface="Arial" panose="020B0604020202020204" pitchFamily="34" charset="0"/>
+              </a:rPr>
+              <a:t>when we used the unary coding, the result shows that the Haar Integer will be more efficient in almost 100% of the attempts</a:t>
+            </a:r>
+            <a:endParaRPr lang="en-US" sz="1100" dirty="0">
+              <a:effectLst/>
+            </a:endParaRPr>
+          </a:p>
+          <a:p>
+            <a:pPr marL="0" rtl="0" latinLnBrk="0">
+              <a:spcBef>
+                <a:spcPts val="0"/>
+              </a:spcBef>
+              <a:spcAft>
+                <a:spcPts val="0"/>
+              </a:spcAft>
+            </a:pPr>
+            <a:r>
+              <a:rPr lang="en-US" sz="1100" dirty="0">
+                <a:effectLst/>
+                <a:latin typeface="Arial" panose="020B0604020202020204" pitchFamily="34" charset="0"/>
+              </a:rPr>
+              <a:t>when we used the binary coding, the result shows that the Haar Integer and the Haar Integer had the same bit size compressed massage for all the attempts.</a:t>
+            </a:r>
+            <a:endParaRPr lang="en-US" sz="1100" dirty="0">
+              <a:effectLst/>
+            </a:endParaRPr>
+          </a:p>
+          <a:p>
+            <a:pPr marL="0" rtl="0" latinLnBrk="0">
+              <a:spcBef>
+                <a:spcPts val="0"/>
+              </a:spcBef>
+              <a:spcAft>
+                <a:spcPts val="0"/>
+              </a:spcAft>
+            </a:pPr>
+            <a:r>
+              <a:rPr lang="en-US" sz="1100" dirty="0">
+                <a:effectLst/>
+                <a:latin typeface="Arial" panose="020B0604020202020204" pitchFamily="34" charset="0"/>
+              </a:rPr>
+              <a:t>But when we used the: Elias code 𝑪𝜹, the result shows that the Haar New Transform will be more efficient in almost 80% of the attempts</a:t>
+            </a:r>
+            <a:br>
+              <a:rPr lang="en-US" sz="1200" b="0" i="0" dirty="0">
+                <a:solidFill>
+                  <a:srgbClr val="333333"/>
+                </a:solidFill>
+                <a:effectLst/>
+                <a:latin typeface="Arial" panose="020B0604020202020204" pitchFamily="34" charset="0"/>
+                <a:cs typeface="Arial" panose="020B0604020202020204" pitchFamily="34" charset="0"/>
+              </a:rPr>
+            </a:br>
+            <a:r>
+              <a:rPr lang="en-US" sz="1200" b="0" i="0" dirty="0">
+                <a:solidFill>
+                  <a:srgbClr val="333333"/>
+                </a:solidFill>
+                <a:effectLst/>
+                <a:latin typeface="Arial" panose="020B0604020202020204" pitchFamily="34" charset="0"/>
+                <a:cs typeface="Arial" panose="020B0604020202020204" pitchFamily="34" charset="0"/>
+              </a:rPr>
+              <a:t> </a:t>
+            </a:r>
+            <a:br>
+              <a:rPr lang="en-US" sz="1200" b="0" i="0" dirty="0">
+                <a:solidFill>
+                  <a:srgbClr val="333333"/>
+                </a:solidFill>
+                <a:effectLst/>
+                <a:latin typeface="Arial" panose="020B0604020202020204" pitchFamily="34" charset="0"/>
+                <a:cs typeface="Arial" panose="020B0604020202020204" pitchFamily="34" charset="0"/>
+              </a:rPr>
+            </a:br>
+            <a:r>
+              <a:rPr lang="en-US" sz="800" dirty="0">
+                <a:solidFill>
+                  <a:srgbClr val="000000"/>
+                </a:solidFill>
+                <a:effectLst/>
+                <a:latin typeface="Arial" panose="020B0604020202020204" pitchFamily="34" charset="0"/>
+              </a:rPr>
+              <a:t>* in the example at the left corner, you can see the result of running the program on 100k ordered arrays, in the size of 2^3.</a:t>
+            </a:r>
+            <a:endParaRPr lang="en-US" sz="800" dirty="0">
+              <a:effectLst/>
+            </a:endParaRPr>
+          </a:p>
+          <a:p>
+            <a:pPr marL="0" rtl="0" latinLnBrk="0">
+              <a:spcBef>
+                <a:spcPts val="0"/>
+              </a:spcBef>
+              <a:spcAft>
+                <a:spcPts val="0"/>
+              </a:spcAft>
+            </a:pPr>
+            <a:r>
+              <a:rPr lang="en-US" sz="800" dirty="0">
+                <a:solidFill>
+                  <a:srgbClr val="000000"/>
+                </a:solidFill>
+                <a:effectLst/>
+                <a:latin typeface="Arial" panose="020B0604020202020204" pitchFamily="34" charset="0"/>
+              </a:rPr>
+              <a:t>In 79.8% the Haar New Transform  is more efficient and in the rest 20.2% they had the same bit size compressed massage </a:t>
+            </a:r>
+            <a:endParaRPr lang="en-US" sz="800" dirty="0">
+              <a:effectLst/>
+            </a:endParaRPr>
+          </a:p>
+        </p:txBody>
+      </p:sp>
+      <p:pic>
+        <p:nvPicPr>
+          <p:cNvPr id="26" name="תמונה 25">
+            <a:extLst>
+              <a:ext uri="{FF2B5EF4-FFF2-40B4-BE49-F238E27FC236}">
+                <a16:creationId xmlns:a16="http://schemas.microsoft.com/office/drawing/2014/main" id="{F5FC3768-88F9-ADA2-3E03-E5382278FA93}"/>
+              </a:ext>
+            </a:extLst>
+          </p:cNvPr>
+          <p:cNvPicPr>
+            <a:picLocks noChangeAspect="1"/>
+          </p:cNvPicPr>
+          <p:nvPr/>
+        </p:nvPicPr>
+        <p:blipFill>
+          <a:blip r:embed="rId5"/>
+          <a:stretch>
+            <a:fillRect/>
+          </a:stretch>
+        </p:blipFill>
+        <p:spPr>
+          <a:xfrm>
+            <a:off x="350120" y="8204740"/>
+            <a:ext cx="1612005" cy="1231609"/>
+          </a:xfrm>
+          <a:prstGeom prst="rect">
+            <a:avLst/>
+          </a:prstGeom>
+        </p:spPr>
+      </p:pic>
+      <p:sp>
+        <p:nvSpPr>
+          <p:cNvPr id="27" name="מלבן 26">
+            <a:extLst>
+              <a:ext uri="{FF2B5EF4-FFF2-40B4-BE49-F238E27FC236}">
+                <a16:creationId xmlns:a16="http://schemas.microsoft.com/office/drawing/2014/main" id="{FBE142B5-9FA1-A490-362F-2DCE6F1DC1C7}"/>
+              </a:ext>
+            </a:extLst>
+          </p:cNvPr>
+          <p:cNvSpPr/>
+          <p:nvPr/>
+        </p:nvSpPr>
+        <p:spPr>
+          <a:xfrm>
+            <a:off x="2531915" y="9438330"/>
+            <a:ext cx="2670402" cy="208367"/>
+          </a:xfrm>
+          <a:prstGeom prst="rect">
+            <a:avLst/>
+          </a:prstGeom>
+          <a:solidFill>
+            <a:schemeClr val="accent1">
+              <a:lumMod val="60000"/>
+              <a:lumOff val="40000"/>
+            </a:schemeClr>
+          </a:solidFill>
+          <a:ln>
+            <a:solidFill>
+              <a:schemeClr val="accent1">
+                <a:lumMod val="60000"/>
+                <a:lumOff val="40000"/>
+              </a:schemeClr>
+            </a:solidFill>
+          </a:ln>
+        </p:spPr>
+        <p:style>
+          <a:lnRef idx="2">
+            <a:schemeClr val="accent1">
+              <a:shade val="50000"/>
+            </a:schemeClr>
+          </a:lnRef>
+          <a:fillRef idx="1">
+            <a:schemeClr val="accent1"/>
+          </a:fillRef>
+          <a:effectRef idx="0">
+            <a:schemeClr val="accent1"/>
+          </a:effectRef>
+          <a:fontRef idx="minor">
+            <a:schemeClr val="lt1"/>
+          </a:fontRef>
+        </p:style>
+        <p:txBody>
+          <a:bodyPr rtlCol="0" anchor="ctr"/>
+          <a:lstStyle/>
+          <a:p>
+            <a:pPr algn="ctr"/>
+            <a:endParaRPr lang="en-US">
+              <a:ln w="0"/>
+              <a:solidFill>
+                <a:schemeClr val="tx1"/>
+              </a:solidFill>
+              <a:effectLst>
+                <a:outerShdw blurRad="38100" dist="19050" dir="2700000" algn="tl" rotWithShape="0">
+                  <a:schemeClr val="dk1">
+                    <a:alpha val="40000"/>
+                  </a:schemeClr>
+                </a:outerShdw>
+              </a:effectLst>
+            </a:endParaRPr>
+          </a:p>
+        </p:txBody>
+      </p:sp>
+      <p:sp>
+        <p:nvSpPr>
+          <p:cNvPr id="28" name="תיבת טקסט 27">
+            <a:extLst>
+              <a:ext uri="{FF2B5EF4-FFF2-40B4-BE49-F238E27FC236}">
+                <a16:creationId xmlns:a16="http://schemas.microsoft.com/office/drawing/2014/main" id="{6790A299-C0EF-1437-C729-6EA6F571CDC8}"/>
+              </a:ext>
+            </a:extLst>
+          </p:cNvPr>
+          <p:cNvSpPr txBox="1"/>
+          <p:nvPr/>
+        </p:nvSpPr>
+        <p:spPr>
+          <a:xfrm>
+            <a:off x="2398951" y="9415555"/>
+            <a:ext cx="2687397" cy="253916"/>
+          </a:xfrm>
+          <a:prstGeom prst="rect">
+            <a:avLst/>
+          </a:prstGeom>
+          <a:noFill/>
+        </p:spPr>
+        <p:txBody>
+          <a:bodyPr wrap="square" rtlCol="0">
+            <a:spAutoFit/>
+          </a:bodyPr>
+          <a:lstStyle/>
+          <a:p>
+            <a:pPr algn="r" rtl="1"/>
+            <a:r>
+              <a:rPr lang="en-US" sz="1050" dirty="0"/>
+              <a:t>Scan </a:t>
+            </a:r>
+            <a:r>
+              <a:rPr lang="en-US" sz="1050" dirty="0" err="1"/>
+              <a:t>QRCode</a:t>
+            </a:r>
+            <a:r>
+              <a:rPr lang="en-US" sz="1050" dirty="0"/>
+              <a:t> for full Instructions(</a:t>
+            </a:r>
+            <a:r>
+              <a:rPr lang="en-US" sz="1050" dirty="0" err="1"/>
+              <a:t>github</a:t>
+            </a:r>
+            <a:r>
+              <a:rPr lang="en-US" sz="1050" dirty="0"/>
+              <a:t>)</a:t>
+            </a:r>
+          </a:p>
+        </p:txBody>
+      </p:sp>
+      <p:sp>
+        <p:nvSpPr>
+          <p:cNvPr id="33" name="Arrow: Right 14">
+            <a:extLst>
+              <a:ext uri="{FF2B5EF4-FFF2-40B4-BE49-F238E27FC236}">
+                <a16:creationId xmlns:a16="http://schemas.microsoft.com/office/drawing/2014/main" id="{6CD3830D-8A8C-2A44-5F9F-0C0208762F96}"/>
+              </a:ext>
+            </a:extLst>
+          </p:cNvPr>
+          <p:cNvSpPr/>
+          <p:nvPr/>
+        </p:nvSpPr>
+        <p:spPr>
+          <a:xfrm rot="10800000">
+            <a:off x="1748610" y="8820544"/>
+            <a:ext cx="226710" cy="164123"/>
+          </a:xfrm>
+          <a:prstGeom prst="rightArrow">
+            <a:avLst/>
+          </a:prstGeom>
+        </p:spPr>
+        <p:style>
+          <a:lnRef idx="2">
+            <a:schemeClr val="accent1">
+              <a:shade val="50000"/>
+            </a:schemeClr>
+          </a:lnRef>
+          <a:fillRef idx="1">
+            <a:schemeClr val="accent1"/>
+          </a:fillRef>
+          <a:effectRef idx="0">
+            <a:schemeClr val="accent1"/>
+          </a:effectRef>
+          <a:fontRef idx="minor">
+            <a:schemeClr val="lt1"/>
+          </a:fontRef>
+        </p:style>
+        <p:txBody>
+          <a:bodyPr rot="0" spcFirstLastPara="0" vertOverflow="overflow" horzOverflow="overflow" vert="horz" wrap="square" lIns="24882" tIns="12440" rIns="24882" bIns="12440" numCol="1" spcCol="0" rtlCol="0" fromWordArt="0" anchor="ctr" anchorCtr="0" forceAA="0" compatLnSpc="1">
+            <a:prstTxWarp prst="textNoShape">
+              <a:avLst/>
+            </a:prstTxWarp>
+            <a:noAutofit/>
+          </a:bodyPr>
+          <a:lstStyle/>
+          <a:p>
+            <a:pPr algn="r" rtl="1"/>
+            <a:endParaRPr lang="en-US" sz="490"/>
+          </a:p>
+        </p:txBody>
+      </p:sp>
+      <p:pic>
+        <p:nvPicPr>
+          <p:cNvPr id="31" name="תמונה 30">
+            <a:extLst>
+              <a:ext uri="{FF2B5EF4-FFF2-40B4-BE49-F238E27FC236}">
+                <a16:creationId xmlns:a16="http://schemas.microsoft.com/office/drawing/2014/main" id="{E47411B7-9390-F743-2C58-728A9F442C10}"/>
+              </a:ext>
+            </a:extLst>
+          </p:cNvPr>
+          <p:cNvPicPr>
+            <a:picLocks noChangeAspect="1"/>
+          </p:cNvPicPr>
+          <p:nvPr/>
+        </p:nvPicPr>
+        <p:blipFill>
+          <a:blip r:embed="rId6">
+            <a:extLst>
+              <a:ext uri="{28A0092B-C50C-407E-A947-70E740481C1C}">
+                <a14:useLocalDpi xmlns:a14="http://schemas.microsoft.com/office/drawing/2010/main" val="0"/>
+              </a:ext>
+            </a:extLst>
+          </a:blip>
+          <a:stretch>
+            <a:fillRect/>
+          </a:stretch>
+        </p:blipFill>
+        <p:spPr>
+          <a:xfrm>
+            <a:off x="0" y="210867"/>
+            <a:ext cx="1211580" cy="680080"/>
+          </a:xfrm>
+          <a:prstGeom prst="rect">
+            <a:avLst/>
+          </a:prstGeom>
+        </p:spPr>
+      </p:pic>
     </p:spTree>
     <p:extLst>
       <p:ext uri="{BB962C8B-B14F-4D97-AF65-F5344CB8AC3E}">

--- a/files/Poster Final Project 2022.pptx
+++ b/files/Poster Final Project 2022.pptx
@@ -243,7 +243,7 @@
           <a:p>
             <a:fld id="{73EE89F4-C31D-45E3-BFAA-D8E8790DFB86}" type="datetimeFigureOut">
               <a:rPr lang="en-US" smtClean="0"/>
-              <a:t>5/22/2022</a:t>
+              <a:t>5/25/2022</a:t>
             </a:fld>
             <a:endParaRPr lang="en-US"/>
           </a:p>
@@ -413,7 +413,7 @@
           <a:p>
             <a:fld id="{73EE89F4-C31D-45E3-BFAA-D8E8790DFB86}" type="datetimeFigureOut">
               <a:rPr lang="en-US" smtClean="0"/>
-              <a:t>5/22/2022</a:t>
+              <a:t>5/25/2022</a:t>
             </a:fld>
             <a:endParaRPr lang="en-US"/>
           </a:p>
@@ -593,7 +593,7 @@
           <a:p>
             <a:fld id="{73EE89F4-C31D-45E3-BFAA-D8E8790DFB86}" type="datetimeFigureOut">
               <a:rPr lang="en-US" smtClean="0"/>
-              <a:t>5/22/2022</a:t>
+              <a:t>5/25/2022</a:t>
             </a:fld>
             <a:endParaRPr lang="en-US"/>
           </a:p>
@@ -763,7 +763,7 @@
           <a:p>
             <a:fld id="{73EE89F4-C31D-45E3-BFAA-D8E8790DFB86}" type="datetimeFigureOut">
               <a:rPr lang="en-US" smtClean="0"/>
-              <a:t>5/22/2022</a:t>
+              <a:t>5/25/2022</a:t>
             </a:fld>
             <a:endParaRPr lang="en-US"/>
           </a:p>
@@ -1007,7 +1007,7 @@
           <a:p>
             <a:fld id="{73EE89F4-C31D-45E3-BFAA-D8E8790DFB86}" type="datetimeFigureOut">
               <a:rPr lang="en-US" smtClean="0"/>
-              <a:t>5/22/2022</a:t>
+              <a:t>5/25/2022</a:t>
             </a:fld>
             <a:endParaRPr lang="en-US"/>
           </a:p>
@@ -1239,7 +1239,7 @@
           <a:p>
             <a:fld id="{73EE89F4-C31D-45E3-BFAA-D8E8790DFB86}" type="datetimeFigureOut">
               <a:rPr lang="en-US" smtClean="0"/>
-              <a:t>5/22/2022</a:t>
+              <a:t>5/25/2022</a:t>
             </a:fld>
             <a:endParaRPr lang="en-US"/>
           </a:p>
@@ -1606,7 +1606,7 @@
           <a:p>
             <a:fld id="{73EE89F4-C31D-45E3-BFAA-D8E8790DFB86}" type="datetimeFigureOut">
               <a:rPr lang="en-US" smtClean="0"/>
-              <a:t>5/22/2022</a:t>
+              <a:t>5/25/2022</a:t>
             </a:fld>
             <a:endParaRPr lang="en-US"/>
           </a:p>
@@ -1724,7 +1724,7 @@
           <a:p>
             <a:fld id="{73EE89F4-C31D-45E3-BFAA-D8E8790DFB86}" type="datetimeFigureOut">
               <a:rPr lang="en-US" smtClean="0"/>
-              <a:t>5/22/2022</a:t>
+              <a:t>5/25/2022</a:t>
             </a:fld>
             <a:endParaRPr lang="en-US"/>
           </a:p>
@@ -1819,7 +1819,7 @@
           <a:p>
             <a:fld id="{73EE89F4-C31D-45E3-BFAA-D8E8790DFB86}" type="datetimeFigureOut">
               <a:rPr lang="en-US" smtClean="0"/>
-              <a:t>5/22/2022</a:t>
+              <a:t>5/25/2022</a:t>
             </a:fld>
             <a:endParaRPr lang="en-US"/>
           </a:p>
@@ -2096,7 +2096,7 @@
           <a:p>
             <a:fld id="{73EE89F4-C31D-45E3-BFAA-D8E8790DFB86}" type="datetimeFigureOut">
               <a:rPr lang="en-US" smtClean="0"/>
-              <a:t>5/22/2022</a:t>
+              <a:t>5/25/2022</a:t>
             </a:fld>
             <a:endParaRPr lang="en-US"/>
           </a:p>
@@ -2353,7 +2353,7 @@
           <a:p>
             <a:fld id="{73EE89F4-C31D-45E3-BFAA-D8E8790DFB86}" type="datetimeFigureOut">
               <a:rPr lang="en-US" smtClean="0"/>
-              <a:t>5/22/2022</a:t>
+              <a:t>5/25/2022</a:t>
             </a:fld>
             <a:endParaRPr lang="en-US"/>
           </a:p>
@@ -2566,7 +2566,7 @@
           <a:p>
             <a:fld id="{73EE89F4-C31D-45E3-BFAA-D8E8790DFB86}" type="datetimeFigureOut">
               <a:rPr lang="en-US" smtClean="0"/>
-              <a:t>5/22/2022</a:t>
+              <a:t>5/25/2022</a:t>
             </a:fld>
             <a:endParaRPr lang="en-US"/>
           </a:p>
@@ -3249,8 +3249,8 @@
         </p:nvSpPr>
         <p:spPr>
           <a:xfrm>
-            <a:off x="3539366" y="1473105"/>
-            <a:ext cx="3246184" cy="2451121"/>
+            <a:off x="3554669" y="1306524"/>
+            <a:ext cx="3230880" cy="2327963"/>
           </a:xfrm>
           <a:prstGeom prst="roundRect">
             <a:avLst/>
@@ -3307,7 +3307,7 @@
               <a:t>. </a:t>
             </a:r>
             <a:r>
-              <a:rPr lang="en-US" sz="1400" u="sng" dirty="0">
+              <a:rPr lang="en-US" sz="1200" u="sng" dirty="0">
                 <a:solidFill>
                   <a:prstClr val="black"/>
                 </a:solidFill>
@@ -3315,10 +3315,10 @@
                 <a:ea typeface="Tahoma" pitchFamily="34" charset="0"/>
                 <a:cs typeface="Arial" pitchFamily="34" charset="0"/>
               </a:rPr>
-              <a:t>Introduction:</a:t>
-            </a:r>
-            <a:br>
-              <a:rPr lang="en-US" sz="1250" u="sng" dirty="0">
+              <a:t>Introduction</a:t>
+            </a:r>
+            <a:r>
+              <a:rPr lang="en-US" sz="1400" u="sng" dirty="0">
                 <a:solidFill>
                   <a:prstClr val="black"/>
                 </a:solidFill>
@@ -3326,7 +3326,8 @@
                 <a:ea typeface="Tahoma" pitchFamily="34" charset="0"/>
                 <a:cs typeface="Arial" pitchFamily="34" charset="0"/>
               </a:rPr>
-            </a:br>
+              <a:t>:</a:t>
+            </a:r>
             <a:endParaRPr lang="en-US" sz="1250" u="sng" dirty="0">
               <a:solidFill>
                 <a:prstClr val="black"/>
@@ -3346,7 +3347,7 @@
               </a:spcAft>
             </a:pPr>
             <a:r>
-              <a:rPr lang="en-US" sz="1050" b="0" i="0" dirty="0">
+              <a:rPr lang="en-US" sz="1100" b="0" i="0" dirty="0">
                 <a:solidFill>
                   <a:srgbClr val="202124"/>
                 </a:solidFill>
@@ -3356,7 +3357,7 @@
               <a:t>Data compression is the process of encoding, restructuring, or otherwise modifying data in order to reduce its size</a:t>
             </a:r>
             <a:r>
-              <a:rPr lang="en-US" sz="1050" b="0" i="0" dirty="0">
+              <a:rPr lang="en-US" sz="1100" b="0" i="0" dirty="0">
                 <a:solidFill>
                   <a:srgbClr val="000000"/>
                 </a:solidFill>
@@ -3365,7 +3366,7 @@
               </a:rPr>
               <a:t>.</a:t>
             </a:r>
-            <a:endParaRPr lang="en-US" sz="1050" b="0" i="0" dirty="0">
+            <a:endParaRPr lang="en-US" sz="1100" b="0" i="0" dirty="0">
               <a:solidFill>
                 <a:srgbClr val="222222"/>
               </a:solidFill>
@@ -3383,7 +3384,7 @@
               </a:spcAft>
             </a:pPr>
             <a:r>
-              <a:rPr lang="en-US" sz="1050" b="0" i="0" dirty="0">
+              <a:rPr lang="en-US" sz="1100" b="0" i="0" dirty="0">
                 <a:solidFill>
                   <a:srgbClr val="000000"/>
                 </a:solidFill>
@@ -3393,7 +3394,7 @@
               <a:t>In our </a:t>
             </a:r>
             <a:r>
-              <a:rPr lang="en-US" sz="1050" b="0" i="0" dirty="0">
+              <a:rPr lang="en-US" sz="1100" b="0" i="0" dirty="0">
                 <a:solidFill>
                   <a:srgbClr val="202124"/>
                 </a:solidFill>
@@ -3403,7 +3404,7 @@
               <a:t>Data compression </a:t>
             </a:r>
             <a:r>
-              <a:rPr lang="en-US" sz="1050" b="0" i="0" dirty="0">
+              <a:rPr lang="en-US" sz="1100" b="0" i="0" dirty="0">
                 <a:solidFill>
                   <a:srgbClr val="000000"/>
                 </a:solidFill>
@@ -3412,7 +3413,7 @@
               </a:rPr>
               <a:t>research, we specified the Haar wavelet transform, which is a simple discrete transform.</a:t>
             </a:r>
-            <a:endParaRPr lang="en-US" sz="1050" b="0" i="0" dirty="0">
+            <a:endParaRPr lang="en-US" sz="1100" b="0" i="0" dirty="0">
               <a:solidFill>
                 <a:srgbClr val="222222"/>
               </a:solidFill>
@@ -3430,16 +3431,16 @@
               </a:spcAft>
             </a:pPr>
             <a:r>
-              <a:rPr lang="en-US" sz="1050" b="0" i="0" dirty="0">
+              <a:rPr lang="en-US" sz="1100" b="0" i="0" dirty="0">
                 <a:solidFill>
                   <a:srgbClr val="000000"/>
                 </a:solidFill>
                 <a:effectLst/>
                 <a:latin typeface="Arial" panose="020B0604020202020204" pitchFamily="34" charset="0"/>
               </a:rPr>
-              <a:t>We compare 2 main Haar algorithms applied for lossless compression of integer sequences.</a:t>
-            </a:r>
-            <a:endParaRPr lang="en-US" sz="1050" b="0" i="0" dirty="0">
+              <a:t>We compare the compression performance of two main Haar algorithms applied for lossless compression of integer sequences.</a:t>
+            </a:r>
+            <a:endParaRPr lang="en-US" sz="1100" b="0" i="0" dirty="0">
               <a:solidFill>
                 <a:srgbClr val="222222"/>
               </a:solidFill>
@@ -3457,16 +3458,46 @@
               </a:spcAft>
             </a:pPr>
             <a:r>
-              <a:rPr lang="en-US" sz="1050" b="0" i="0" dirty="0">
+              <a:rPr lang="en-US" sz="1100" b="0" i="1" dirty="0">
                 <a:solidFill>
                   <a:srgbClr val="000000"/>
                 </a:solidFill>
                 <a:effectLst/>
                 <a:latin typeface="Arial" panose="020B0604020202020204" pitchFamily="34" charset="0"/>
               </a:rPr>
-              <a:t>Haar Integer and Haar New Transform.</a:t>
-            </a:r>
-            <a:endParaRPr lang="en-US" sz="1050" b="0" i="0" dirty="0">
+              <a:t>Haar Integer </a:t>
+            </a:r>
+            <a:r>
+              <a:rPr lang="en-US" sz="1100" b="0" i="0" dirty="0">
+                <a:solidFill>
+                  <a:srgbClr val="000000"/>
+                </a:solidFill>
+                <a:effectLst/>
+                <a:latin typeface="Arial" panose="020B0604020202020204" pitchFamily="34" charset="0"/>
+              </a:rPr>
+              <a:t>and </a:t>
+            </a:r>
+            <a:r>
+              <a:rPr lang="en-US" sz="1100" b="0" i="1" dirty="0">
+                <a:solidFill>
+                  <a:srgbClr val="000000"/>
+                </a:solidFill>
+                <a:effectLst/>
+                <a:latin typeface="Arial" panose="020B0604020202020204" pitchFamily="34" charset="0"/>
+              </a:rPr>
+              <a:t>Haar New Transform</a:t>
+            </a:r>
+            <a:r>
+              <a:rPr lang="en-US" sz="1100" b="0" i="0" dirty="0">
+                <a:solidFill>
+                  <a:srgbClr val="000000"/>
+                </a:solidFill>
+                <a:effectLst/>
+                <a:latin typeface="Arial" panose="020B0604020202020204" pitchFamily="34" charset="0"/>
+              </a:rPr>
+              <a:t>.</a:t>
+            </a:r>
+            <a:endParaRPr lang="en-US" sz="1100" b="0" i="0" dirty="0">
               <a:solidFill>
                 <a:srgbClr val="222222"/>
               </a:solidFill>
@@ -3474,33 +3505,6 @@
               <a:latin typeface="Arial" panose="020B0604020202020204" pitchFamily="34" charset="0"/>
             </a:endParaRPr>
           </a:p>
-          <a:p>
-            <a:pPr marL="0" algn="l" rtl="0" latinLnBrk="0">
-              <a:spcBef>
-                <a:spcPts val="0"/>
-              </a:spcBef>
-              <a:spcAft>
-                <a:spcPts val="0"/>
-              </a:spcAft>
-            </a:pPr>
-            <a:r>
-              <a:rPr lang="en-US" sz="1050" b="0" i="0" dirty="0">
-                <a:solidFill>
-                  <a:srgbClr val="000000"/>
-                </a:solidFill>
-                <a:effectLst/>
-                <a:latin typeface="Arial" panose="020B0604020202020204" pitchFamily="34" charset="0"/>
-              </a:rPr>
-              <a:t>To discover the optimal algorithms in different aspects.</a:t>
-            </a:r>
-            <a:endParaRPr lang="en-US" sz="1050" b="0" i="0" dirty="0">
-              <a:solidFill>
-                <a:srgbClr val="222222"/>
-              </a:solidFill>
-              <a:effectLst/>
-              <a:latin typeface="Arial" panose="020B0604020202020204" pitchFamily="34" charset="0"/>
-            </a:endParaRPr>
-          </a:p>
         </p:txBody>
       </p:sp>
       <p:sp>
@@ -3511,8 +3515,8 @@
         </p:nvSpPr>
         <p:spPr>
           <a:xfrm>
-            <a:off x="72450" y="2841385"/>
-            <a:ext cx="3038324" cy="2624578"/>
+            <a:off x="72451" y="3324859"/>
+            <a:ext cx="2929204" cy="2517852"/>
           </a:xfrm>
           <a:prstGeom prst="roundRect">
             <a:avLst/>
@@ -3561,33 +3565,26 @@
                 <a:latin typeface="Arial" panose="020B0604020202020204" pitchFamily="34" charset="0"/>
                 <a:cs typeface="Arial" panose="020B0604020202020204" pitchFamily="34" charset="0"/>
               </a:rPr>
-              <a:t>Methods/algorithms/Alternatives or</a:t>
-            </a:r>
-            <a:br>
+              <a:t>Methods and </a:t>
+            </a:r>
+            <a:r>
+              <a:rPr lang="en-US" sz="1200" u="sng" dirty="0">
+                <a:solidFill>
+                  <a:prstClr val="black"/>
+                </a:solidFill>
+                <a:latin typeface="Arial" pitchFamily="34" charset="0"/>
+                <a:ea typeface="Tahoma" pitchFamily="34" charset="0"/>
+                <a:cs typeface="Arial" pitchFamily="34" charset="0"/>
+              </a:rPr>
+              <a:t>Selected Approach </a:t>
+            </a:r>
+            <a:r>
               <a:rPr lang="en-US" sz="1200" u="sng" dirty="0">
                 <a:latin typeface="Arial" panose="020B0604020202020204" pitchFamily="34" charset="0"/>
                 <a:cs typeface="Arial" panose="020B0604020202020204" pitchFamily="34" charset="0"/>
               </a:rPr>
-            </a:br>
-            <a:r>
-              <a:rPr lang="en-US" sz="1200" u="sng" dirty="0">
-                <a:latin typeface="Arial" panose="020B0604020202020204" pitchFamily="34" charset="0"/>
-                <a:cs typeface="Arial" panose="020B0604020202020204" pitchFamily="34" charset="0"/>
-              </a:rPr>
-              <a:t>     Design Considerations:</a:t>
-            </a:r>
-          </a:p>
-          <a:p>
-            <a:pPr>
-              <a:defRPr/>
-            </a:pPr>
-            <a:endParaRPr lang="en-US" sz="1200" dirty="0">
-              <a:solidFill>
-                <a:schemeClr val="tx1"/>
-              </a:solidFill>
-              <a:latin typeface="Arial" panose="020B0604020202020204" pitchFamily="34" charset="0"/>
-              <a:cs typeface="Arial" panose="020B0604020202020204" pitchFamily="34" charset="0"/>
-            </a:endParaRPr>
+              <a:t>: </a:t>
+            </a:r>
           </a:p>
           <a:p>
             <a:pPr marL="0" algn="l" rtl="0" latinLnBrk="0">
@@ -3599,14 +3596,34 @@
               </a:spcAft>
             </a:pPr>
             <a:r>
-              <a:rPr lang="en-US" sz="1200" b="0" i="0" dirty="0">
+              <a:rPr lang="en-US" sz="1100" b="0" i="0" dirty="0">
                 <a:solidFill>
                   <a:schemeClr val="tx1"/>
                 </a:solidFill>
                 <a:effectLst/>
                 <a:latin typeface="Arial" panose="020B0604020202020204" pitchFamily="34" charset="0"/>
               </a:rPr>
-              <a:t>The Method we chose to implement the different Haar algorithms was based on the article “New Compression Schemes for Natural Number Sequences” by Prof. Dana Shapira.</a:t>
+              <a:t>The method to compare the efficiency of the  algorithms was to measure the bit size compressed </a:t>
+            </a:r>
+            <a:r>
+              <a:rPr lang="he-IL" sz="1100" b="0" i="0" dirty="0">
+                <a:solidFill>
+                  <a:schemeClr val="tx1"/>
+                </a:solidFill>
+                <a:effectLst/>
+                <a:latin typeface="Arial" panose="020B0604020202020204" pitchFamily="34" charset="0"/>
+              </a:rPr>
+              <a:t> </a:t>
+            </a:r>
+            <a:r>
+              <a:rPr lang="en-US" sz="1100" b="0" i="0" dirty="0">
+                <a:solidFill>
+                  <a:schemeClr val="tx1"/>
+                </a:solidFill>
+                <a:effectLst/>
+                <a:latin typeface="Arial" panose="020B0604020202020204" pitchFamily="34" charset="0"/>
+              </a:rPr>
+              <a:t>message. </a:t>
             </a:r>
           </a:p>
           <a:p>
@@ -3618,42 +3635,157 @@
                 <a:spcPts val="0"/>
               </a:spcAft>
             </a:pPr>
-            <a:r>
-              <a:rPr lang="en-US" sz="1200" b="0" i="0" dirty="0">
+            <a:endParaRPr lang="en-US" sz="1000" b="0" i="0" dirty="0">
+              <a:solidFill>
+                <a:schemeClr val="tx1"/>
+              </a:solidFill>
+              <a:effectLst/>
+              <a:latin typeface="Arial" panose="020B0604020202020204" pitchFamily="34" charset="0"/>
+            </a:endParaRPr>
+          </a:p>
+          <a:p>
+            <a:pPr marL="0" algn="l" rtl="0" latinLnBrk="0">
+              <a:spcBef>
+                <a:spcPts val="0"/>
+              </a:spcBef>
+              <a:spcAft>
+                <a:spcPts val="0"/>
+              </a:spcAft>
+            </a:pPr>
+            <a:endParaRPr lang="en-US" sz="1000" b="0" i="0" dirty="0">
+              <a:solidFill>
+                <a:schemeClr val="tx1"/>
+              </a:solidFill>
+              <a:effectLst/>
+              <a:latin typeface="Arial" panose="020B0604020202020204" pitchFamily="34" charset="0"/>
+            </a:endParaRPr>
+          </a:p>
+          <a:p>
+            <a:pPr marL="0" algn="l" rtl="0" latinLnBrk="0">
+              <a:spcBef>
+                <a:spcPts val="0"/>
+              </a:spcBef>
+              <a:spcAft>
+                <a:spcPts val="0"/>
+              </a:spcAft>
+            </a:pPr>
+            <a:endParaRPr lang="en-US" sz="1000" dirty="0">
+              <a:solidFill>
+                <a:schemeClr val="tx1"/>
+              </a:solidFill>
+              <a:latin typeface="Arial" panose="020B0604020202020204" pitchFamily="34" charset="0"/>
+            </a:endParaRPr>
+          </a:p>
+          <a:p>
+            <a:pPr marL="0" algn="l" rtl="0" latinLnBrk="0">
+              <a:spcBef>
+                <a:spcPts val="0"/>
+              </a:spcBef>
+              <a:spcAft>
+                <a:spcPts val="0"/>
+              </a:spcAft>
+            </a:pPr>
+            <a:endParaRPr lang="en-US" sz="1000" b="0" i="0" dirty="0">
+              <a:solidFill>
+                <a:schemeClr val="tx1"/>
+              </a:solidFill>
+              <a:effectLst/>
+              <a:latin typeface="Arial" panose="020B0604020202020204" pitchFamily="34" charset="0"/>
+            </a:endParaRPr>
+          </a:p>
+          <a:p>
+            <a:pPr marL="0" algn="l" rtl="0" latinLnBrk="0">
+              <a:spcBef>
+                <a:spcPts val="0"/>
+              </a:spcBef>
+              <a:spcAft>
+                <a:spcPts val="0"/>
+              </a:spcAft>
+            </a:pPr>
+            <a:endParaRPr lang="en-US" sz="1000" dirty="0">
+              <a:solidFill>
+                <a:schemeClr val="tx1"/>
+              </a:solidFill>
+              <a:latin typeface="Arial" panose="020B0604020202020204" pitchFamily="34" charset="0"/>
+            </a:endParaRPr>
+          </a:p>
+          <a:p>
+            <a:pPr marL="0" algn="l" rtl="0" latinLnBrk="0">
+              <a:spcBef>
+                <a:spcPts val="0"/>
+              </a:spcBef>
+              <a:spcAft>
+                <a:spcPts val="0"/>
+              </a:spcAft>
+            </a:pPr>
+            <a:endParaRPr lang="en-US" sz="1000" b="0" i="0" dirty="0">
+              <a:solidFill>
+                <a:schemeClr val="tx1"/>
+              </a:solidFill>
+              <a:effectLst/>
+              <a:latin typeface="Arial" panose="020B0604020202020204" pitchFamily="34" charset="0"/>
+            </a:endParaRPr>
+          </a:p>
+          <a:p>
+            <a:pPr marL="0" algn="l" rtl="0" latinLnBrk="0">
+              <a:spcBef>
+                <a:spcPts val="0"/>
+              </a:spcBef>
+              <a:spcAft>
+                <a:spcPts val="0"/>
+              </a:spcAft>
+            </a:pPr>
+            <a:endParaRPr lang="en-US" sz="1000" b="0" i="0" dirty="0">
+              <a:solidFill>
+                <a:schemeClr val="tx1"/>
+              </a:solidFill>
+              <a:effectLst/>
+              <a:latin typeface="Arial" panose="020B0604020202020204" pitchFamily="34" charset="0"/>
+            </a:endParaRPr>
+          </a:p>
+          <a:p>
+            <a:pPr marL="0" algn="l" rtl="0" latinLnBrk="0">
+              <a:spcBef>
+                <a:spcPts val="0"/>
+              </a:spcBef>
+              <a:spcAft>
+                <a:spcPts val="0"/>
+              </a:spcAft>
+            </a:pPr>
+            <a:br>
+              <a:rPr lang="en-US" sz="1000" b="0" i="0" dirty="0">
                 <a:solidFill>
                   <a:schemeClr val="tx1"/>
                 </a:solidFill>
                 <a:effectLst/>
                 <a:latin typeface="Arial" panose="020B0604020202020204" pitchFamily="34" charset="0"/>
               </a:rPr>
-              <a:t>The method to compare the efficiency of the algorithms was to measure the bit size compressed </a:t>
-            </a:r>
-            <a:r>
-              <a:rPr lang="he-IL" sz="1200" b="0" i="0" dirty="0">
-                <a:solidFill>
-                  <a:schemeClr val="tx1"/>
+            </a:br>
+            <a:r>
+              <a:rPr lang="en-US" sz="1000" b="0" i="0" dirty="0">
+                <a:solidFill>
+                  <a:srgbClr val="000000"/>
                 </a:solidFill>
                 <a:effectLst/>
                 <a:latin typeface="Arial" panose="020B0604020202020204" pitchFamily="34" charset="0"/>
-              </a:rPr>
-              <a:t> </a:t>
-            </a:r>
-            <a:r>
-              <a:rPr lang="en-US" sz="1200" b="0" i="0" dirty="0">
-                <a:solidFill>
-                  <a:schemeClr val="tx1"/>
-                </a:solidFill>
-                <a:effectLst/>
-                <a:latin typeface="Arial" panose="020B0604020202020204" pitchFamily="34" charset="0"/>
-              </a:rPr>
-              <a:t>message each algorithm produced</a:t>
-            </a:r>
+                <a:cs typeface="Arial" panose="020B0604020202020204" pitchFamily="34" charset="0"/>
+              </a:rPr>
+              <a:t>All the implementations were made in C++ </a:t>
+            </a:r>
+            <a:endParaRPr lang="en-US" sz="1000" b="0" i="0" dirty="0">
+              <a:solidFill>
+                <a:srgbClr val="222222"/>
+              </a:solidFill>
+              <a:effectLst/>
+              <a:latin typeface="Arial" panose="020B0604020202020204" pitchFamily="34" charset="0"/>
+              <a:cs typeface="Arial" panose="020B0604020202020204" pitchFamily="34" charset="0"/>
+            </a:endParaRPr>
           </a:p>
           <a:p>
             <a:pPr>
               <a:defRPr/>
             </a:pPr>
-            <a:endParaRPr lang="en-US" sz="1200" b="1" dirty="0">
+            <a:endParaRPr lang="en-US" sz="1000" b="1" dirty="0">
               <a:latin typeface="Arial" pitchFamily="34" charset="0"/>
               <a:ea typeface="Tahoma" pitchFamily="34" charset="0"/>
               <a:cs typeface="Arial" pitchFamily="34" charset="0"/>
@@ -3664,7 +3796,7 @@
               <a:defRPr/>
             </a:pPr>
             <a:r>
-              <a:rPr lang="en-US" sz="1200" b="1" dirty="0">
+              <a:rPr lang="en-US" sz="1000" b="1" dirty="0">
                 <a:latin typeface="Arial" pitchFamily="34" charset="0"/>
                 <a:ea typeface="Tahoma" pitchFamily="34" charset="0"/>
                 <a:cs typeface="Arial" pitchFamily="34" charset="0"/>
@@ -3672,21 +3804,21 @@
               <a:t>   </a:t>
             </a:r>
             <a:br>
-              <a:rPr lang="en-US" sz="1200" b="1" dirty="0">
+              <a:rPr lang="en-US" sz="1000" b="1" dirty="0">
                 <a:latin typeface="Arial" pitchFamily="34" charset="0"/>
                 <a:ea typeface="Tahoma" pitchFamily="34" charset="0"/>
                 <a:cs typeface="Arial" pitchFamily="34" charset="0"/>
               </a:rPr>
             </a:br>
             <a:r>
-              <a:rPr lang="he-IL" sz="1200" b="1" dirty="0">
+              <a:rPr lang="he-IL" sz="1000" b="1" dirty="0">
                 <a:latin typeface="Arial" pitchFamily="34" charset="0"/>
                 <a:ea typeface="Tahoma" pitchFamily="34" charset="0"/>
                 <a:cs typeface="Arial" pitchFamily="34" charset="0"/>
               </a:rPr>
               <a:t> </a:t>
             </a:r>
-            <a:endParaRPr lang="en-US" sz="1200" b="1" dirty="0">
+            <a:endParaRPr lang="en-US" sz="1000" b="1" dirty="0">
               <a:latin typeface="Arial" pitchFamily="34" charset="0"/>
               <a:ea typeface="Tahoma" pitchFamily="34" charset="0"/>
               <a:cs typeface="Arial" pitchFamily="34" charset="0"/>
@@ -3702,8 +3834,8 @@
         </p:nvSpPr>
         <p:spPr>
           <a:xfrm>
-            <a:off x="3575953" y="4065750"/>
-            <a:ext cx="3115449" cy="1537719"/>
+            <a:off x="3141382" y="3857549"/>
+            <a:ext cx="3686927" cy="2341578"/>
           </a:xfrm>
           <a:prstGeom prst="roundRect">
             <a:avLst/>
@@ -3749,7 +3881,37 @@
               <a:t>4. </a:t>
             </a:r>
             <a:r>
-              <a:rPr lang="en-US" sz="1400" u="sng" dirty="0">
+              <a:rPr lang="en-US" sz="1100" b="0" i="1" u="sng" dirty="0">
+                <a:solidFill>
+                  <a:srgbClr val="000000"/>
+                </a:solidFill>
+                <a:effectLst/>
+                <a:latin typeface="Arial" panose="020B0604020202020204" pitchFamily="34" charset="0"/>
+              </a:rPr>
+              <a:t>Haar Integer </a:t>
+            </a:r>
+            <a:r>
+              <a:rPr lang="en-US" sz="1100" b="0" i="0" u="sng" dirty="0">
+                <a:solidFill>
+                  <a:srgbClr val="000000"/>
+                </a:solidFill>
+                <a:effectLst/>
+                <a:latin typeface="Arial" panose="020B0604020202020204" pitchFamily="34" charset="0"/>
+              </a:rPr>
+              <a:t>and </a:t>
+            </a:r>
+            <a:r>
+              <a:rPr lang="en-US" sz="1100" b="0" i="1" u="sng" dirty="0">
+                <a:solidFill>
+                  <a:srgbClr val="000000"/>
+                </a:solidFill>
+                <a:effectLst/>
+                <a:latin typeface="Arial" panose="020B0604020202020204" pitchFamily="34" charset="0"/>
+              </a:rPr>
+              <a:t>Haar New Transform pseudo codes</a:t>
+            </a:r>
+            <a:r>
+              <a:rPr lang="en-US" sz="1100" u="sng" dirty="0">
                 <a:solidFill>
                   <a:prstClr val="black"/>
                 </a:solidFill>
@@ -3757,7 +3919,7 @@
                 <a:ea typeface="Tahoma" pitchFamily="34" charset="0"/>
                 <a:cs typeface="Arial" pitchFamily="34" charset="0"/>
               </a:rPr>
-              <a:t>Selected Approach: </a:t>
+              <a:t>: </a:t>
             </a:r>
             <a:br>
               <a:rPr lang="en-US" sz="1200" u="sng" dirty="0">
@@ -3778,64 +3940,6 @@
               <a:cs typeface="Arial" pitchFamily="34" charset="0"/>
             </a:endParaRPr>
           </a:p>
-          <a:p>
-            <a:pPr marL="0" algn="l" rtl="0" latinLnBrk="0">
-              <a:spcBef>
-                <a:spcPts val="0"/>
-              </a:spcBef>
-              <a:spcAft>
-                <a:spcPts val="0"/>
-              </a:spcAft>
-            </a:pPr>
-            <a:r>
-              <a:rPr lang="en-US" sz="1100" b="0" i="0" dirty="0">
-                <a:solidFill>
-                  <a:srgbClr val="000000"/>
-                </a:solidFill>
-                <a:effectLst/>
-                <a:latin typeface="Arial" panose="020B0604020202020204" pitchFamily="34" charset="0"/>
-                <a:cs typeface="Arial" panose="020B0604020202020204" pitchFamily="34" charset="0"/>
-              </a:rPr>
-              <a:t>The Haar algorithms outcome were compressed by several different compression algorithms such as Elias code 𝑪𝜹, binary coding, and unary coding.</a:t>
-            </a:r>
-            <a:endParaRPr lang="en-US" sz="1100" b="0" i="0" dirty="0">
-              <a:solidFill>
-                <a:srgbClr val="222222"/>
-              </a:solidFill>
-              <a:effectLst/>
-              <a:latin typeface="Arial" panose="020B0604020202020204" pitchFamily="34" charset="0"/>
-              <a:cs typeface="Arial" panose="020B0604020202020204" pitchFamily="34" charset="0"/>
-            </a:endParaRPr>
-          </a:p>
-          <a:p>
-            <a:pPr marL="0" algn="l" rtl="0" latinLnBrk="0">
-              <a:spcBef>
-                <a:spcPts val="0"/>
-              </a:spcBef>
-              <a:spcAft>
-                <a:spcPts val="0"/>
-              </a:spcAft>
-            </a:pPr>
-            <a:r>
-              <a:rPr lang="en-US" sz="1100" b="0" i="0" dirty="0">
-                <a:solidFill>
-                  <a:srgbClr val="000000"/>
-                </a:solidFill>
-                <a:effectLst/>
-                <a:latin typeface="Arial" panose="020B0604020202020204" pitchFamily="34" charset="0"/>
-                <a:cs typeface="Arial" panose="020B0604020202020204" pitchFamily="34" charset="0"/>
-              </a:rPr>
-              <a:t>All the implementations were made in C++ </a:t>
-            </a:r>
-            <a:endParaRPr lang="en-US" sz="1100" b="0" i="0" dirty="0">
-              <a:solidFill>
-                <a:srgbClr val="222222"/>
-              </a:solidFill>
-              <a:effectLst/>
-              <a:latin typeface="Arial" panose="020B0604020202020204" pitchFamily="34" charset="0"/>
-              <a:cs typeface="Arial" panose="020B0604020202020204" pitchFamily="34" charset="0"/>
-            </a:endParaRPr>
-          </a:p>
         </p:txBody>
       </p:sp>
       <p:sp>
@@ -3846,8 +3950,8 @@
         </p:nvSpPr>
         <p:spPr>
           <a:xfrm>
-            <a:off x="166597" y="5746355"/>
-            <a:ext cx="6524805" cy="4123403"/>
+            <a:off x="166597" y="6399415"/>
+            <a:ext cx="6524805" cy="3470344"/>
           </a:xfrm>
           <a:prstGeom prst="roundRect">
             <a:avLst/>
@@ -3895,7 +3999,7 @@
                 <a:ea typeface="Tahoma" pitchFamily="34" charset="0"/>
                 <a:cs typeface="Arial" pitchFamily="34" charset="0"/>
               </a:rPr>
-              <a:t>Solution Description (Algorithms, Modulation, Patterns, Infrastructure, UI,   </a:t>
+              <a:t>Solution Description (Algorithms, Modulation, Patterns, Infrastructure,   </a:t>
             </a:r>
             <a:br>
               <a:rPr lang="en-US" sz="1200" u="sng" dirty="0">
@@ -4035,8 +4139,8 @@
         </p:nvSpPr>
         <p:spPr>
           <a:xfrm rot="10800000">
-            <a:off x="3141382" y="3221338"/>
-            <a:ext cx="397984" cy="241727"/>
+            <a:off x="2980026" y="3347632"/>
+            <a:ext cx="677573" cy="336883"/>
           </a:xfrm>
           <a:prstGeom prst="rightArrow">
             <a:avLst/>
@@ -4068,7 +4172,7 @@
           <a:lstStyle/>
           <a:p>
             <a:pPr algn="r" rtl="1"/>
-            <a:endParaRPr lang="en-US" sz="490"/>
+            <a:endParaRPr lang="en-US" sz="490" dirty="0"/>
           </a:p>
         </p:txBody>
       </p:sp>
@@ -4085,9 +4189,9 @@
           <p:nvPr/>
         </p:nvSpPr>
         <p:spPr>
-          <a:xfrm rot="10800000">
-            <a:off x="3126077" y="4436621"/>
-            <a:ext cx="434574" cy="241728"/>
+          <a:xfrm rot="16200000">
+            <a:off x="4754479" y="3604407"/>
+            <a:ext cx="200287" cy="260445"/>
           </a:xfrm>
           <a:prstGeom prst="leftArrow">
             <a:avLst/>
@@ -4137,8 +4241,8 @@
         </p:nvSpPr>
         <p:spPr>
           <a:xfrm>
-            <a:off x="1701800" y="5446552"/>
-            <a:ext cx="236752" cy="299810"/>
+            <a:off x="1211580" y="5883447"/>
+            <a:ext cx="184328" cy="402890"/>
           </a:xfrm>
           <a:prstGeom prst="downArrow">
             <a:avLst/>
@@ -4188,8 +4292,8 @@
         </p:nvSpPr>
         <p:spPr>
           <a:xfrm>
-            <a:off x="197204" y="1516650"/>
-            <a:ext cx="2944177" cy="1105544"/>
+            <a:off x="121537" y="1375548"/>
+            <a:ext cx="3004541" cy="1749023"/>
           </a:xfrm>
           <a:prstGeom prst="roundRect">
             <a:avLst/>
@@ -4224,20 +4328,7 @@
                 <a:latin typeface="Arial" panose="020B0604020202020204" pitchFamily="34" charset="0"/>
                 <a:cs typeface="Arial" panose="020B0604020202020204" pitchFamily="34" charset="0"/>
               </a:rPr>
-              <a:t>Contribution/project goal:  </a:t>
-            </a:r>
-            <a:br>
-              <a:rPr lang="en-US" sz="1400" u="sng" dirty="0">
-                <a:latin typeface="Arial" panose="020B0604020202020204" pitchFamily="34" charset="0"/>
-                <a:cs typeface="Arial" panose="020B0604020202020204" pitchFamily="34" charset="0"/>
-              </a:rPr>
-            </a:br>
-            <a:r>
-              <a:rPr lang="en-US" sz="1400" u="sng" dirty="0">
-                <a:latin typeface="Arial" panose="020B0604020202020204" pitchFamily="34" charset="0"/>
-                <a:cs typeface="Arial" panose="020B0604020202020204" pitchFamily="34" charset="0"/>
-              </a:rPr>
-              <a:t> </a:t>
+              <a:t>project goal:  </a:t>
             </a:r>
           </a:p>
           <a:p>
@@ -4245,16 +4336,36 @@
               <a:defRPr/>
             </a:pPr>
             <a:r>
-              <a:rPr lang="en-US" sz="1200" b="0" i="0" dirty="0">
+              <a:rPr lang="en-US" sz="1250" b="0" i="0" dirty="0">
                 <a:solidFill>
                   <a:srgbClr val="000000"/>
                 </a:solidFill>
                 <a:effectLst/>
                 <a:latin typeface="Arial" panose="020B0604020202020204" pitchFamily="34" charset="0"/>
               </a:rPr>
-              <a:t>Compare different Haar algorithms in data compression and Discover the optimal one </a:t>
-            </a:r>
-            <a:endParaRPr lang="en-US" sz="1200" dirty="0"/>
+              <a:t>Analyze and compare different  algorithms presented in the paper </a:t>
+            </a:r>
+            <a:r>
+              <a:rPr lang="en-US" sz="1250" b="0" i="0" dirty="0">
+                <a:solidFill>
+                  <a:schemeClr val="tx1"/>
+                </a:solidFill>
+                <a:effectLst/>
+                <a:latin typeface="Arial" panose="020B0604020202020204" pitchFamily="34" charset="0"/>
+              </a:rPr>
+              <a:t> “New Compression Schemes for Natural Number Sequences” ,</a:t>
+            </a:r>
+            <a:r>
+              <a:rPr lang="en-US" sz="1250" b="0" i="0" dirty="0">
+                <a:solidFill>
+                  <a:srgbClr val="000000"/>
+                </a:solidFill>
+                <a:effectLst/>
+                <a:latin typeface="Arial" panose="020B0604020202020204" pitchFamily="34" charset="0"/>
+              </a:rPr>
+              <a:t> that use the Haar transform for data compression. </a:t>
+            </a:r>
+            <a:endParaRPr lang="en-US" sz="1250" dirty="0"/>
           </a:p>
         </p:txBody>
       </p:sp>
@@ -4463,8 +4574,8 @@
         </p:blipFill>
         <p:spPr>
           <a:xfrm>
-            <a:off x="228957" y="6421352"/>
-            <a:ext cx="1472843" cy="792863"/>
+            <a:off x="3173486" y="4413540"/>
+            <a:ext cx="1912862" cy="1469906"/>
           </a:xfrm>
           <a:prstGeom prst="rect">
             <a:avLst/>
@@ -4493,8 +4604,8 @@
         </p:blipFill>
         <p:spPr>
           <a:xfrm>
-            <a:off x="228957" y="7352693"/>
-            <a:ext cx="1519653" cy="792862"/>
+            <a:off x="4964353" y="4442386"/>
+            <a:ext cx="1851906" cy="1450419"/>
           </a:xfrm>
           <a:prstGeom prst="rect">
             <a:avLst/>
@@ -4595,7 +4706,34 @@
                 <a:effectLst/>
                 <a:latin typeface="Arial" panose="020B0604020202020204" pitchFamily="34" charset="0"/>
               </a:rPr>
-              <a:t>when we used the binary coding, the result shows that the Haar Integer and the Haar Integer had the same bit size compressed massage for all the attempts.</a:t>
+              <a:t>when we used the binary coding, the result shows that the Haar Integer and the </a:t>
+            </a:r>
+            <a:r>
+              <a:rPr lang="en-US" sz="1100" dirty="0" err="1">
+                <a:effectLst/>
+                <a:latin typeface="Arial" panose="020B0604020202020204" pitchFamily="34" charset="0"/>
+              </a:rPr>
+              <a:t>Haar</a:t>
+            </a:r>
+            <a:r>
+              <a:rPr lang="en-US" sz="1100" dirty="0">
+                <a:effectLst/>
+                <a:latin typeface="Arial" panose="020B0604020202020204" pitchFamily="34" charset="0"/>
+              </a:rPr>
+              <a:t> </a:t>
+            </a:r>
+            <a:r>
+              <a:rPr lang="en-US" sz="1100" dirty="0">
+                <a:latin typeface="Arial" panose="020B0604020202020204" pitchFamily="34" charset="0"/>
+              </a:rPr>
+              <a:t>new transform</a:t>
+            </a:r>
+            <a:r>
+              <a:rPr lang="en-US" sz="1100" dirty="0">
+                <a:effectLst/>
+                <a:latin typeface="Arial" panose="020B0604020202020204" pitchFamily="34" charset="0"/>
+              </a:rPr>
+              <a:t> had the same bit size compressed massage for all the attempts.</a:t>
             </a:r>
             <a:endParaRPr lang="en-US" sz="1100" dirty="0">
               <a:effectLst/>
@@ -4709,7 +4847,7 @@
         </p:blipFill>
         <p:spPr>
           <a:xfrm>
-            <a:off x="350120" y="8204740"/>
+            <a:off x="363315" y="8183946"/>
             <a:ext cx="1612005" cy="1231609"/>
           </a:xfrm>
           <a:prstGeom prst="rect">
@@ -4928,6 +5066,288 @@
           </a:prstGeom>
         </p:spPr>
       </p:pic>
+      <p:graphicFrame>
+        <p:nvGraphicFramePr>
+          <p:cNvPr id="4" name="טבלה 3">
+            <a:extLst>
+              <a:ext uri="{FF2B5EF4-FFF2-40B4-BE49-F238E27FC236}">
+                <a16:creationId xmlns:a16="http://schemas.microsoft.com/office/drawing/2014/main" id="{BFB8E754-438B-1640-27C4-B36173B30ABC}"/>
+              </a:ext>
+            </a:extLst>
+          </p:cNvPr>
+          <p:cNvGraphicFramePr>
+            <a:graphicFrameLocks noGrp="1"/>
+          </p:cNvGraphicFramePr>
+          <p:nvPr>
+            <p:extLst>
+              <p:ext uri="{D42A27DB-BD31-4B8C-83A1-F6EECF244321}">
+                <p14:modId xmlns:p14="http://schemas.microsoft.com/office/powerpoint/2010/main" val="2096382133"/>
+              </p:ext>
+            </p:extLst>
+          </p:nvPr>
+        </p:nvGraphicFramePr>
+        <p:xfrm>
+          <a:off x="121537" y="4273341"/>
+          <a:ext cx="2817788" cy="1007677"/>
+        </p:xfrm>
+        <a:graphic>
+          <a:graphicData uri="http://schemas.openxmlformats.org/drawingml/2006/table">
+            <a:tbl>
+              <a:tblPr firstRow="1" firstCol="1" bandRow="1">
+                <a:tableStyleId>{5C22544A-7EE6-4342-B048-85BDC9FD1C3A}</a:tableStyleId>
+              </a:tblPr>
+              <a:tblGrid>
+                <a:gridCol w="1180185">
+                  <a:extLst>
+                    <a:ext uri="{9D8B030D-6E8A-4147-A177-3AD203B41FA5}">
+                      <a16:colId xmlns:a16="http://schemas.microsoft.com/office/drawing/2014/main" val="399169425"/>
+                    </a:ext>
+                  </a:extLst>
+                </a:gridCol>
+                <a:gridCol w="1637603">
+                  <a:extLst>
+                    <a:ext uri="{9D8B030D-6E8A-4147-A177-3AD203B41FA5}">
+                      <a16:colId xmlns:a16="http://schemas.microsoft.com/office/drawing/2014/main" val="2319214804"/>
+                    </a:ext>
+                  </a:extLst>
+                </a:gridCol>
+              </a:tblGrid>
+              <a:tr h="298064">
+                <a:tc>
+                  <a:txBody>
+                    <a:bodyPr/>
+                    <a:lstStyle/>
+                    <a:p>
+                      <a:pPr marL="0" marR="0">
+                        <a:lnSpc>
+                          <a:spcPct val="107000"/>
+                        </a:lnSpc>
+                        <a:spcBef>
+                          <a:spcPts val="0"/>
+                        </a:spcBef>
+                        <a:spcAft>
+                          <a:spcPts val="0"/>
+                        </a:spcAft>
+                      </a:pPr>
+                      <a:r>
+                        <a:rPr lang="en-US" sz="1100" dirty="0">
+                          <a:effectLst/>
+                        </a:rPr>
+                        <a:t>Algorithms:</a:t>
+                      </a:r>
+                      <a:endParaRPr lang="en-US" sz="1100" dirty="0">
+                        <a:effectLst/>
+                        <a:latin typeface="Calibri" panose="020F0502020204030204" pitchFamily="34" charset="0"/>
+                        <a:ea typeface="Calibri" panose="020F0502020204030204" pitchFamily="34" charset="0"/>
+                        <a:cs typeface="Arial" panose="020B0604020202020204" pitchFamily="34" charset="0"/>
+                      </a:endParaRPr>
+                    </a:p>
+                  </a:txBody>
+                  <a:tcPr marL="68580" marR="68580" marT="0" marB="0"/>
+                </a:tc>
+                <a:tc>
+                  <a:txBody>
+                    <a:bodyPr/>
+                    <a:lstStyle/>
+                    <a:p>
+                      <a:pPr marL="0" marR="0">
+                        <a:lnSpc>
+                          <a:spcPct val="107000"/>
+                        </a:lnSpc>
+                        <a:spcBef>
+                          <a:spcPts val="0"/>
+                        </a:spcBef>
+                        <a:spcAft>
+                          <a:spcPts val="0"/>
+                        </a:spcAft>
+                      </a:pPr>
+                      <a:r>
+                        <a:rPr lang="en-US" sz="1100">
+                          <a:effectLst/>
+                        </a:rPr>
+                        <a:t>compression algorithms :</a:t>
+                      </a:r>
+                      <a:endParaRPr lang="en-US" sz="1100">
+                        <a:effectLst/>
+                        <a:latin typeface="Calibri" panose="020F0502020204030204" pitchFamily="34" charset="0"/>
+                        <a:ea typeface="Calibri" panose="020F0502020204030204" pitchFamily="34" charset="0"/>
+                        <a:cs typeface="Arial" panose="020B0604020202020204" pitchFamily="34" charset="0"/>
+                      </a:endParaRPr>
+                    </a:p>
+                  </a:txBody>
+                  <a:tcPr marL="68580" marR="68580" marT="0" marB="0"/>
+                </a:tc>
+                <a:extLst>
+                  <a:ext uri="{0D108BD9-81ED-4DB2-BD59-A6C34878D82A}">
+                    <a16:rowId xmlns:a16="http://schemas.microsoft.com/office/drawing/2014/main" val="4074764049"/>
+                  </a:ext>
+                </a:extLst>
+              </a:tr>
+              <a:tr h="145660">
+                <a:tc>
+                  <a:txBody>
+                    <a:bodyPr/>
+                    <a:lstStyle/>
+                    <a:p>
+                      <a:pPr marL="0" marR="0">
+                        <a:lnSpc>
+                          <a:spcPct val="107000"/>
+                        </a:lnSpc>
+                        <a:spcBef>
+                          <a:spcPts val="0"/>
+                        </a:spcBef>
+                        <a:spcAft>
+                          <a:spcPts val="0"/>
+                        </a:spcAft>
+                      </a:pPr>
+                      <a:r>
+                        <a:rPr lang="en-US" sz="1100">
+                          <a:effectLst/>
+                        </a:rPr>
+                        <a:t>Haar integer </a:t>
+                      </a:r>
+                      <a:endParaRPr lang="en-US" sz="1100">
+                        <a:effectLst/>
+                        <a:latin typeface="Calibri" panose="020F0502020204030204" pitchFamily="34" charset="0"/>
+                        <a:ea typeface="Calibri" panose="020F0502020204030204" pitchFamily="34" charset="0"/>
+                        <a:cs typeface="Arial" panose="020B0604020202020204" pitchFamily="34" charset="0"/>
+                      </a:endParaRPr>
+                    </a:p>
+                  </a:txBody>
+                  <a:tcPr marL="68580" marR="68580" marT="0" marB="0"/>
+                </a:tc>
+                <a:tc rowSpan="2">
+                  <a:txBody>
+                    <a:bodyPr/>
+                    <a:lstStyle/>
+                    <a:p>
+                      <a:pPr marL="0" marR="0">
+                        <a:lnSpc>
+                          <a:spcPct val="107000"/>
+                        </a:lnSpc>
+                        <a:spcBef>
+                          <a:spcPts val="0"/>
+                        </a:spcBef>
+                        <a:spcAft>
+                          <a:spcPts val="0"/>
+                        </a:spcAft>
+                      </a:pPr>
+                      <a:r>
+                        <a:rPr lang="en-US" sz="1100" dirty="0">
+                          <a:effectLst/>
+                        </a:rPr>
+                        <a:t> *Elias code 𝑪𝜹</a:t>
+                      </a:r>
+                      <a:br>
+                        <a:rPr lang="en-US" sz="1100" dirty="0">
+                          <a:effectLst/>
+                        </a:rPr>
+                      </a:br>
+                      <a:r>
+                        <a:rPr lang="en-US" sz="1100" dirty="0">
+                          <a:effectLst/>
+                        </a:rPr>
+                        <a:t>* binary coding</a:t>
+                      </a:r>
+                      <a:br>
+                        <a:rPr lang="en-US" sz="1100" dirty="0">
+                          <a:effectLst/>
+                        </a:rPr>
+                      </a:br>
+                      <a:r>
+                        <a:rPr lang="en-US" sz="1100" dirty="0">
+                          <a:effectLst/>
+                        </a:rPr>
+                        <a:t>* unary coding.</a:t>
+                      </a:r>
+                    </a:p>
+                    <a:p>
+                      <a:pPr marL="0" marR="0">
+                        <a:lnSpc>
+                          <a:spcPct val="107000"/>
+                        </a:lnSpc>
+                        <a:spcBef>
+                          <a:spcPts val="0"/>
+                        </a:spcBef>
+                        <a:spcAft>
+                          <a:spcPts val="0"/>
+                        </a:spcAft>
+                      </a:pPr>
+                      <a:r>
+                        <a:rPr lang="en-US" sz="1100" dirty="0">
+                          <a:effectLst/>
+                        </a:rPr>
+                        <a:t> </a:t>
+                      </a:r>
+                      <a:endParaRPr lang="en-US" sz="1100" dirty="0">
+                        <a:effectLst/>
+                        <a:latin typeface="Calibri" panose="020F0502020204030204" pitchFamily="34" charset="0"/>
+                        <a:ea typeface="Calibri" panose="020F0502020204030204" pitchFamily="34" charset="0"/>
+                        <a:cs typeface="Arial" panose="020B0604020202020204" pitchFamily="34" charset="0"/>
+                      </a:endParaRPr>
+                    </a:p>
+                  </a:txBody>
+                  <a:tcPr marL="68580" marR="68580" marT="0" marB="0"/>
+                </a:tc>
+                <a:extLst>
+                  <a:ext uri="{0D108BD9-81ED-4DB2-BD59-A6C34878D82A}">
+                    <a16:rowId xmlns:a16="http://schemas.microsoft.com/office/drawing/2014/main" val="1707286652"/>
+                  </a:ext>
+                </a:extLst>
+              </a:tr>
+              <a:tr h="457212">
+                <a:tc>
+                  <a:txBody>
+                    <a:bodyPr/>
+                    <a:lstStyle/>
+                    <a:p>
+                      <a:pPr marL="0" marR="0">
+                        <a:lnSpc>
+                          <a:spcPct val="107000"/>
+                        </a:lnSpc>
+                        <a:spcBef>
+                          <a:spcPts val="0"/>
+                        </a:spcBef>
+                        <a:spcAft>
+                          <a:spcPts val="0"/>
+                        </a:spcAft>
+                      </a:pPr>
+                      <a:r>
+                        <a:rPr lang="en-US" sz="1100" u="sng" dirty="0">
+                          <a:effectLst/>
+                        </a:rPr>
+                        <a:t>Haar New Transform</a:t>
+                      </a:r>
+                      <a:endParaRPr lang="en-US" sz="1100" dirty="0">
+                        <a:effectLst/>
+                        <a:latin typeface="Calibri" panose="020F0502020204030204" pitchFamily="34" charset="0"/>
+                        <a:ea typeface="Calibri" panose="020F0502020204030204" pitchFamily="34" charset="0"/>
+                        <a:cs typeface="Arial" panose="020B0604020202020204" pitchFamily="34" charset="0"/>
+                      </a:endParaRPr>
+                    </a:p>
+                  </a:txBody>
+                  <a:tcPr marL="68580" marR="68580" marT="0" marB="0"/>
+                </a:tc>
+                <a:tc vMerge="1">
+                  <a:txBody>
+                    <a:bodyPr/>
+                    <a:lstStyle/>
+                    <a:p>
+                      <a:endParaRPr lang="en-US"/>
+                    </a:p>
+                  </a:txBody>
+                  <a:tcPr/>
+                </a:tc>
+                <a:extLst>
+                  <a:ext uri="{0D108BD9-81ED-4DB2-BD59-A6C34878D82A}">
+                    <a16:rowId xmlns:a16="http://schemas.microsoft.com/office/drawing/2014/main" val="3755727031"/>
+                  </a:ext>
+                </a:extLst>
+              </a:tr>
+            </a:tbl>
+          </a:graphicData>
+        </a:graphic>
+      </p:graphicFrame>
     </p:spTree>
     <p:extLst>
       <p:ext uri="{BB962C8B-B14F-4D97-AF65-F5344CB8AC3E}">

--- a/files/Poster Final Project 2022.pptx
+++ b/files/Poster Final Project 2022.pptx
@@ -2984,7 +2984,7 @@
         <p:spPr>
           <a:xfrm>
             <a:off x="1" y="0"/>
-            <a:ext cx="6857999" cy="1283749"/>
+            <a:ext cx="6857999" cy="1283747"/>
           </a:xfrm>
           <a:ln/>
         </p:spPr>
@@ -3249,8 +3249,8 @@
         </p:nvSpPr>
         <p:spPr>
           <a:xfrm>
-            <a:off x="3554669" y="1306524"/>
-            <a:ext cx="3230880" cy="2327963"/>
+            <a:off x="3554669" y="1306525"/>
+            <a:ext cx="3230880" cy="2154928"/>
           </a:xfrm>
           <a:prstGeom prst="roundRect">
             <a:avLst/>
@@ -3347,7 +3347,7 @@
               </a:spcAft>
             </a:pPr>
             <a:r>
-              <a:rPr lang="en-US" sz="1100" b="0" i="0" dirty="0">
+              <a:rPr lang="en-US" sz="1050" b="0" i="0" dirty="0">
                 <a:solidFill>
                   <a:srgbClr val="202124"/>
                 </a:solidFill>
@@ -3357,7 +3357,7 @@
               <a:t>Data compression is the process of encoding, restructuring, or otherwise modifying data in order to reduce its size</a:t>
             </a:r>
             <a:r>
-              <a:rPr lang="en-US" sz="1100" b="0" i="0" dirty="0">
+              <a:rPr lang="en-US" sz="1050" b="0" i="0" dirty="0">
                 <a:solidFill>
                   <a:srgbClr val="000000"/>
                 </a:solidFill>
@@ -3366,7 +3366,7 @@
               </a:rPr>
               <a:t>.</a:t>
             </a:r>
-            <a:endParaRPr lang="en-US" sz="1100" b="0" i="0" dirty="0">
+            <a:endParaRPr lang="en-US" sz="1050" b="0" i="0" dirty="0">
               <a:solidFill>
                 <a:srgbClr val="222222"/>
               </a:solidFill>
@@ -3384,7 +3384,7 @@
               </a:spcAft>
             </a:pPr>
             <a:r>
-              <a:rPr lang="en-US" sz="1100" b="0" i="0" dirty="0">
+              <a:rPr lang="en-US" sz="1050" b="0" i="0" dirty="0">
                 <a:solidFill>
                   <a:srgbClr val="000000"/>
                 </a:solidFill>
@@ -3394,7 +3394,7 @@
               <a:t>In our </a:t>
             </a:r>
             <a:r>
-              <a:rPr lang="en-US" sz="1100" b="0" i="0" dirty="0">
+              <a:rPr lang="en-US" sz="1050" b="0" i="0" dirty="0">
                 <a:solidFill>
                   <a:srgbClr val="202124"/>
                 </a:solidFill>
@@ -3404,7 +3404,7 @@
               <a:t>Data compression </a:t>
             </a:r>
             <a:r>
-              <a:rPr lang="en-US" sz="1100" b="0" i="0" dirty="0">
+              <a:rPr lang="en-US" sz="1050" b="0" i="0" dirty="0">
                 <a:solidFill>
                   <a:srgbClr val="000000"/>
                 </a:solidFill>
@@ -3413,7 +3413,7 @@
               </a:rPr>
               <a:t>research, we specified the Haar wavelet transform, which is a simple discrete transform.</a:t>
             </a:r>
-            <a:endParaRPr lang="en-US" sz="1100" b="0" i="0" dirty="0">
+            <a:endParaRPr lang="en-US" sz="1050" b="0" i="0" dirty="0">
               <a:solidFill>
                 <a:srgbClr val="222222"/>
               </a:solidFill>
@@ -3431,7 +3431,7 @@
               </a:spcAft>
             </a:pPr>
             <a:r>
-              <a:rPr lang="en-US" sz="1100" b="0" i="0" dirty="0">
+              <a:rPr lang="en-US" sz="1050" b="0" i="0" dirty="0">
                 <a:solidFill>
                   <a:srgbClr val="000000"/>
                 </a:solidFill>
@@ -3440,7 +3440,7 @@
               </a:rPr>
               <a:t>We compare the compression performance of two main Haar algorithms applied for lossless compression of integer sequences.</a:t>
             </a:r>
-            <a:endParaRPr lang="en-US" sz="1100" b="0" i="0" dirty="0">
+            <a:endParaRPr lang="en-US" sz="1050" b="0" i="0" dirty="0">
               <a:solidFill>
                 <a:srgbClr val="222222"/>
               </a:solidFill>
@@ -3458,7 +3458,7 @@
               </a:spcAft>
             </a:pPr>
             <a:r>
-              <a:rPr lang="en-US" sz="1100" b="0" i="1" dirty="0">
+              <a:rPr lang="en-US" sz="1050" b="0" i="1" dirty="0">
                 <a:solidFill>
                   <a:srgbClr val="000000"/>
                 </a:solidFill>
@@ -3468,7 +3468,7 @@
               <a:t>Haar Integer </a:t>
             </a:r>
             <a:r>
-              <a:rPr lang="en-US" sz="1100" b="0" i="0" dirty="0">
+              <a:rPr lang="en-US" sz="1050" b="0" i="0" dirty="0">
                 <a:solidFill>
                   <a:srgbClr val="000000"/>
                 </a:solidFill>
@@ -3478,7 +3478,7 @@
               <a:t>and </a:t>
             </a:r>
             <a:r>
-              <a:rPr lang="en-US" sz="1100" b="0" i="1" dirty="0">
+              <a:rPr lang="en-US" sz="1050" b="0" i="1" dirty="0">
                 <a:solidFill>
                   <a:srgbClr val="000000"/>
                 </a:solidFill>
@@ -3488,7 +3488,7 @@
               <a:t>Haar New Transform</a:t>
             </a:r>
             <a:r>
-              <a:rPr lang="en-US" sz="1100" b="0" i="0" dirty="0">
+              <a:rPr lang="en-US" sz="1050" b="0" i="0" dirty="0">
                 <a:solidFill>
                   <a:srgbClr val="000000"/>
                 </a:solidFill>
@@ -3497,7 +3497,7 @@
               </a:rPr>
               <a:t>.</a:t>
             </a:r>
-            <a:endParaRPr lang="en-US" sz="1100" b="0" i="0" dirty="0">
+            <a:endParaRPr lang="en-US" sz="1050" b="0" i="0" dirty="0">
               <a:solidFill>
                 <a:srgbClr val="222222"/>
               </a:solidFill>
@@ -3515,7 +3515,7 @@
         </p:nvSpPr>
         <p:spPr>
           <a:xfrm>
-            <a:off x="72451" y="3324859"/>
+            <a:off x="82404" y="3191636"/>
             <a:ext cx="2929204" cy="2517852"/>
           </a:xfrm>
           <a:prstGeom prst="roundRect">
@@ -3834,8 +3834,8 @@
         </p:nvSpPr>
         <p:spPr>
           <a:xfrm>
-            <a:off x="3141382" y="3857549"/>
-            <a:ext cx="3686927" cy="2341578"/>
+            <a:off x="3141382" y="3681209"/>
+            <a:ext cx="3686927" cy="2154928"/>
           </a:xfrm>
           <a:prstGeom prst="roundRect">
             <a:avLst/>
@@ -3950,8 +3950,8 @@
         </p:nvSpPr>
         <p:spPr>
           <a:xfrm>
-            <a:off x="166597" y="6399415"/>
-            <a:ext cx="6524805" cy="3470344"/>
+            <a:off x="99292" y="6006504"/>
+            <a:ext cx="6703145" cy="3943348"/>
           </a:xfrm>
           <a:prstGeom prst="roundRect">
             <a:avLst/>
@@ -4041,7 +4041,7 @@
         </p:nvSpPr>
         <p:spPr>
           <a:xfrm>
-            <a:off x="5556292" y="9124806"/>
+            <a:off x="5695404" y="9276783"/>
             <a:ext cx="750659" cy="209609"/>
           </a:xfrm>
           <a:prstGeom prst="rect">
@@ -4139,7 +4139,7 @@
         </p:nvSpPr>
         <p:spPr>
           <a:xfrm rot="10800000">
-            <a:off x="2980026" y="3347632"/>
+            <a:off x="2877095" y="3135956"/>
             <a:ext cx="677573" cy="336883"/>
           </a:xfrm>
           <a:prstGeom prst="rightArrow">
@@ -4190,7 +4190,7 @@
         </p:nvSpPr>
         <p:spPr>
           <a:xfrm rot="16200000">
-            <a:off x="4754479" y="3604407"/>
+            <a:off x="4773800" y="3429134"/>
             <a:ext cx="200287" cy="260445"/>
           </a:xfrm>
           <a:prstGeom prst="leftArrow">
@@ -4241,8 +4241,8 @@
         </p:nvSpPr>
         <p:spPr>
           <a:xfrm>
-            <a:off x="1211580" y="5883447"/>
-            <a:ext cx="184328" cy="402890"/>
+            <a:off x="1211580" y="5709488"/>
+            <a:ext cx="374849" cy="297016"/>
           </a:xfrm>
           <a:prstGeom prst="downArrow">
             <a:avLst/>
@@ -4292,8 +4292,8 @@
         </p:nvSpPr>
         <p:spPr>
           <a:xfrm>
-            <a:off x="121537" y="1375548"/>
-            <a:ext cx="3004541" cy="1749023"/>
+            <a:off x="121537" y="1375549"/>
+            <a:ext cx="3004541" cy="1692730"/>
           </a:xfrm>
           <a:prstGeom prst="roundRect">
             <a:avLst/>
@@ -4385,7 +4385,7 @@
         </p:nvCxnSpPr>
         <p:spPr>
           <a:xfrm>
-            <a:off x="5219312" y="9513911"/>
+            <a:off x="5331699" y="9669471"/>
             <a:ext cx="437261" cy="0"/>
           </a:xfrm>
           <a:prstGeom prst="straightConnector1">
@@ -4531,7 +4531,7 @@
           <p:nvPr/>
         </p:nvPicPr>
         <p:blipFill>
-          <a:blip r:embed="rId2">
+          <a:blip r:embed="rId3">
             <a:extLst>
               <a:ext uri="{28A0092B-C50C-407E-A947-70E740481C1C}">
                 <a14:useLocalDpi xmlns:a14="http://schemas.microsoft.com/office/drawing/2010/main" val="0"/>
@@ -4544,7 +4544,7 @@
         </p:blipFill>
         <p:spPr>
           <a:xfrm>
-            <a:off x="5706123" y="9314163"/>
+            <a:off x="5836802" y="9454826"/>
             <a:ext cx="467864" cy="467864"/>
           </a:xfrm>
           <a:prstGeom prst="rect">
@@ -4567,14 +4567,14 @@
           <p:nvPr/>
         </p:nvPicPr>
         <p:blipFill>
-          <a:blip r:embed="rId3"/>
+          <a:blip r:embed="rId4"/>
           <a:stretch>
             <a:fillRect/>
           </a:stretch>
         </p:blipFill>
         <p:spPr>
           <a:xfrm>
-            <a:off x="3173486" y="4413540"/>
+            <a:off x="3173486" y="4191126"/>
             <a:ext cx="1912862" cy="1469906"/>
           </a:xfrm>
           <a:prstGeom prst="rect">
@@ -4597,249 +4597,6 @@
           <p:nvPr/>
         </p:nvPicPr>
         <p:blipFill>
-          <a:blip r:embed="rId4"/>
-          <a:stretch>
-            <a:fillRect/>
-          </a:stretch>
-        </p:blipFill>
-        <p:spPr>
-          <a:xfrm>
-            <a:off x="4964353" y="4442386"/>
-            <a:ext cx="1851906" cy="1450419"/>
-          </a:xfrm>
-          <a:prstGeom prst="rect">
-            <a:avLst/>
-          </a:prstGeom>
-        </p:spPr>
-      </p:pic>
-      <p:sp>
-        <p:nvSpPr>
-          <p:cNvPr id="24" name="תיבת טקסט 23">
-            <a:extLst>
-              <a:ext uri="{FF2B5EF4-FFF2-40B4-BE49-F238E27FC236}">
-                <a16:creationId xmlns:a16="http://schemas.microsoft.com/office/drawing/2014/main" id="{6AC2373D-D0B4-FDB4-7211-627A5538DE79}"/>
-              </a:ext>
-            </a:extLst>
-          </p:cNvPr>
-          <p:cNvSpPr txBox="1"/>
-          <p:nvPr/>
-        </p:nvSpPr>
-        <p:spPr>
-          <a:xfrm>
-            <a:off x="1926877" y="6325400"/>
-            <a:ext cx="4241854" cy="2970044"/>
-          </a:xfrm>
-          <a:prstGeom prst="rect">
-            <a:avLst/>
-          </a:prstGeom>
-          <a:noFill/>
-        </p:spPr>
-        <p:txBody>
-          <a:bodyPr wrap="square" rtlCol="0">
-            <a:spAutoFit/>
-          </a:bodyPr>
-          <a:lstStyle/>
-          <a:p>
-            <a:pPr marL="0" rtl="0" latinLnBrk="0">
-              <a:spcBef>
-                <a:spcPts val="0"/>
-              </a:spcBef>
-              <a:spcAft>
-                <a:spcPts val="0"/>
-              </a:spcAft>
-            </a:pPr>
-            <a:r>
-              <a:rPr lang="en-US" sz="1100" dirty="0">
-                <a:effectLst/>
-                <a:latin typeface="Arial" panose="020B0604020202020204" pitchFamily="34" charset="0"/>
-              </a:rPr>
-              <a:t>We had various outcomes, each type of data that we use while examining the size of the compressed message gave a different answer. </a:t>
-            </a:r>
-            <a:endParaRPr lang="en-US" sz="1100" dirty="0">
-              <a:effectLst/>
-            </a:endParaRPr>
-          </a:p>
-          <a:p>
-            <a:pPr marL="0" rtl="0" latinLnBrk="0">
-              <a:spcBef>
-                <a:spcPts val="0"/>
-              </a:spcBef>
-              <a:spcAft>
-                <a:spcPts val="0"/>
-              </a:spcAft>
-            </a:pPr>
-            <a:r>
-              <a:rPr lang="en-US" sz="1100" dirty="0">
-                <a:effectLst/>
-                <a:latin typeface="Arial" panose="020B0604020202020204" pitchFamily="34" charset="0"/>
-              </a:rPr>
-              <a:t>In the program that creates random numbers and sorts them in an array, each time we used a different compression algorithm.</a:t>
-            </a:r>
-            <a:br>
-              <a:rPr lang="en-US" sz="1100" dirty="0">
-                <a:effectLst/>
-                <a:latin typeface="Arial" panose="020B0604020202020204" pitchFamily="34" charset="0"/>
-              </a:rPr>
-            </a:br>
-            <a:r>
-              <a:rPr lang="en-US" sz="1100" dirty="0">
-                <a:effectLst/>
-                <a:latin typeface="Arial" panose="020B0604020202020204" pitchFamily="34" charset="0"/>
-              </a:rPr>
-              <a:t>when we used the unary coding, the result shows that the Haar Integer will be more efficient in almost 100% of the attempts</a:t>
-            </a:r>
-            <a:endParaRPr lang="en-US" sz="1100" dirty="0">
-              <a:effectLst/>
-            </a:endParaRPr>
-          </a:p>
-          <a:p>
-            <a:pPr marL="0" rtl="0" latinLnBrk="0">
-              <a:spcBef>
-                <a:spcPts val="0"/>
-              </a:spcBef>
-              <a:spcAft>
-                <a:spcPts val="0"/>
-              </a:spcAft>
-            </a:pPr>
-            <a:r>
-              <a:rPr lang="en-US" sz="1100" dirty="0">
-                <a:effectLst/>
-                <a:latin typeface="Arial" panose="020B0604020202020204" pitchFamily="34" charset="0"/>
-              </a:rPr>
-              <a:t>when we used the binary coding, the result shows that the Haar Integer and the </a:t>
-            </a:r>
-            <a:r>
-              <a:rPr lang="en-US" sz="1100" dirty="0" err="1">
-                <a:effectLst/>
-                <a:latin typeface="Arial" panose="020B0604020202020204" pitchFamily="34" charset="0"/>
-              </a:rPr>
-              <a:t>Haar</a:t>
-            </a:r>
-            <a:r>
-              <a:rPr lang="en-US" sz="1100" dirty="0">
-                <a:effectLst/>
-                <a:latin typeface="Arial" panose="020B0604020202020204" pitchFamily="34" charset="0"/>
-              </a:rPr>
-              <a:t> </a:t>
-            </a:r>
-            <a:r>
-              <a:rPr lang="en-US" sz="1100" dirty="0">
-                <a:latin typeface="Arial" panose="020B0604020202020204" pitchFamily="34" charset="0"/>
-              </a:rPr>
-              <a:t>new transform</a:t>
-            </a:r>
-            <a:r>
-              <a:rPr lang="en-US" sz="1100" dirty="0">
-                <a:effectLst/>
-                <a:latin typeface="Arial" panose="020B0604020202020204" pitchFamily="34" charset="0"/>
-              </a:rPr>
-              <a:t> had the same bit size compressed massage for all the attempts.</a:t>
-            </a:r>
-            <a:endParaRPr lang="en-US" sz="1100" dirty="0">
-              <a:effectLst/>
-            </a:endParaRPr>
-          </a:p>
-          <a:p>
-            <a:pPr marL="0" rtl="0" latinLnBrk="0">
-              <a:spcBef>
-                <a:spcPts val="0"/>
-              </a:spcBef>
-              <a:spcAft>
-                <a:spcPts val="0"/>
-              </a:spcAft>
-            </a:pPr>
-            <a:r>
-              <a:rPr lang="en-US" sz="1100" dirty="0">
-                <a:effectLst/>
-                <a:latin typeface="Arial" panose="020B0604020202020204" pitchFamily="34" charset="0"/>
-              </a:rPr>
-              <a:t>But when we used the: Elias code 𝑪𝜹, the result shows that the Haar New Transform will be more efficient in almost 80% of the attempts</a:t>
-            </a:r>
-            <a:br>
-              <a:rPr lang="en-US" sz="1200" b="0" i="0" dirty="0">
-                <a:solidFill>
-                  <a:srgbClr val="333333"/>
-                </a:solidFill>
-                <a:effectLst/>
-                <a:latin typeface="Arial" panose="020B0604020202020204" pitchFamily="34" charset="0"/>
-                <a:cs typeface="Arial" panose="020B0604020202020204" pitchFamily="34" charset="0"/>
-              </a:rPr>
-            </a:br>
-            <a:r>
-              <a:rPr lang="en-US" sz="1200" b="0" i="0" dirty="0">
-                <a:solidFill>
-                  <a:srgbClr val="333333"/>
-                </a:solidFill>
-                <a:effectLst/>
-                <a:latin typeface="Arial" panose="020B0604020202020204" pitchFamily="34" charset="0"/>
-                <a:cs typeface="Arial" panose="020B0604020202020204" pitchFamily="34" charset="0"/>
-              </a:rPr>
-              <a:t> </a:t>
-            </a:r>
-            <a:br>
-              <a:rPr lang="en-US" sz="1200" b="0" i="0" dirty="0">
-                <a:solidFill>
-                  <a:srgbClr val="333333"/>
-                </a:solidFill>
-                <a:effectLst/>
-                <a:latin typeface="Arial" panose="020B0604020202020204" pitchFamily="34" charset="0"/>
-                <a:cs typeface="Arial" panose="020B0604020202020204" pitchFamily="34" charset="0"/>
-              </a:rPr>
-            </a:br>
-            <a:r>
-              <a:rPr lang="en-US" sz="800" dirty="0">
-                <a:solidFill>
-                  <a:srgbClr val="000000"/>
-                </a:solidFill>
-                <a:effectLst/>
-                <a:latin typeface="Arial" panose="020B0604020202020204" pitchFamily="34" charset="0"/>
-              </a:rPr>
-              <a:t>* in the example at the left corner, you can see the result of running the program on 100k ordered arrays, in the size of 2^3.</a:t>
-            </a:r>
-            <a:endParaRPr lang="en-US" sz="800" dirty="0">
-              <a:effectLst/>
-            </a:endParaRPr>
-          </a:p>
-          <a:p>
-            <a:pPr marL="0" rtl="0" latinLnBrk="0">
-              <a:spcBef>
-                <a:spcPts val="0"/>
-              </a:spcBef>
-              <a:spcAft>
-                <a:spcPts val="0"/>
-              </a:spcAft>
-            </a:pPr>
-            <a:r>
-              <a:rPr lang="en-US" sz="800" dirty="0">
-                <a:solidFill>
-                  <a:srgbClr val="000000"/>
-                </a:solidFill>
-                <a:effectLst/>
-                <a:latin typeface="Arial" panose="020B0604020202020204" pitchFamily="34" charset="0"/>
-              </a:rPr>
-              <a:t>In 79.8% the Haar New Transform  is more efficient and in the rest 20.2% they had the same bit size compressed massage </a:t>
-            </a:r>
-            <a:endParaRPr lang="en-US" sz="800" dirty="0">
-              <a:effectLst/>
-            </a:endParaRPr>
-          </a:p>
-        </p:txBody>
-      </p:sp>
-      <p:pic>
-        <p:nvPicPr>
-          <p:cNvPr id="26" name="תמונה 25">
-            <a:extLst>
-              <a:ext uri="{FF2B5EF4-FFF2-40B4-BE49-F238E27FC236}">
-                <a16:creationId xmlns:a16="http://schemas.microsoft.com/office/drawing/2014/main" id="{F5FC3768-88F9-ADA2-3E03-E5382278FA93}"/>
-              </a:ext>
-            </a:extLst>
-          </p:cNvPr>
-          <p:cNvPicPr>
-            <a:picLocks noChangeAspect="1"/>
-          </p:cNvPicPr>
-          <p:nvPr/>
-        </p:nvPicPr>
-        <p:blipFill>
           <a:blip r:embed="rId5"/>
           <a:stretch>
             <a:fillRect/>
@@ -4847,8 +4604,8 @@
         </p:blipFill>
         <p:spPr>
           <a:xfrm>
-            <a:off x="363315" y="8183946"/>
-            <a:ext cx="1612005" cy="1231609"/>
+            <a:off x="4933643" y="4188912"/>
+            <a:ext cx="1851906" cy="1450419"/>
           </a:xfrm>
           <a:prstGeom prst="rect">
             <a:avLst/>
@@ -4869,7 +4626,7 @@
         </p:nvSpPr>
         <p:spPr>
           <a:xfrm>
-            <a:off x="2531915" y="9438330"/>
+            <a:off x="2611788" y="9565287"/>
             <a:ext cx="2670402" cy="208367"/>
           </a:xfrm>
           <a:prstGeom prst="rect">
@@ -4941,7 +4698,7 @@
         </p:nvSpPr>
         <p:spPr>
           <a:xfrm>
-            <a:off x="2398951" y="9415555"/>
+            <a:off x="2603290" y="9542513"/>
             <a:ext cx="2687397" cy="253916"/>
           </a:xfrm>
           <a:prstGeom prst="rect">
@@ -4976,57 +4733,6 @@
               <a:rPr lang="en-US" sz="1050" dirty="0"/>
               <a:t>)</a:t>
             </a:r>
-          </a:p>
-        </p:txBody>
-      </p:sp>
-      <p:sp>
-        <p:nvSpPr>
-          <p:cNvPr id="33" name="Arrow: Right 14">
-            <a:extLst>
-              <a:ext uri="{FF2B5EF4-FFF2-40B4-BE49-F238E27FC236}">
-                <a16:creationId xmlns:a16="http://schemas.microsoft.com/office/drawing/2014/main" id="{6CD3830D-8A8C-2A44-5F9F-0C0208762F96}"/>
-              </a:ext>
-            </a:extLst>
-          </p:cNvPr>
-          <p:cNvSpPr/>
-          <p:nvPr/>
-        </p:nvSpPr>
-        <p:spPr>
-          <a:xfrm rot="10800000">
-            <a:off x="1748610" y="8820544"/>
-            <a:ext cx="226710" cy="164123"/>
-          </a:xfrm>
-          <a:prstGeom prst="rightArrow">
-            <a:avLst/>
-          </a:prstGeom>
-        </p:spPr>
-        <p:style>
-          <a:lnRef idx="2">
-            <a:schemeClr val="accent1">
-              <a:shade val="50000"/>
-            </a:schemeClr>
-          </a:lnRef>
-          <a:fillRef idx="1">
-            <a:schemeClr val="accent1"/>
-          </a:fillRef>
-          <a:effectRef idx="0">
-            <a:schemeClr val="accent1"/>
-          </a:effectRef>
-          <a:fontRef idx="minor">
-            <a:schemeClr val="lt1"/>
-          </a:fontRef>
-        </p:style>
-        <p:txBody>
-          <a:bodyPr rot="0" spcFirstLastPara="0" vertOverflow="overflow" horzOverflow="overflow" vert="horz" wrap="square" lIns="24882" tIns="12440" rIns="24882" bIns="12440" numCol="1" spcCol="0" rtlCol="0" fromWordArt="0" anchor="ctr" anchorCtr="0" forceAA="0" compatLnSpc="1">
-            <a:prstTxWarp prst="textNoShape">
-              <a:avLst/>
-            </a:prstTxWarp>
-            <a:noAutofit/>
-          </a:bodyPr>
-          <a:lstStyle/>
-          <a:p>
-            <a:pPr algn="r" rtl="1"/>
-            <a:endParaRPr lang="en-US" sz="490"/>
           </a:p>
         </p:txBody>
       </p:sp>
@@ -5081,13 +4787,13 @@
           <p:nvPr>
             <p:extLst>
               <p:ext uri="{D42A27DB-BD31-4B8C-83A1-F6EECF244321}">
-                <p14:modId xmlns:p14="http://schemas.microsoft.com/office/powerpoint/2010/main" val="2096382133"/>
+                <p14:modId xmlns:p14="http://schemas.microsoft.com/office/powerpoint/2010/main" val="1805272764"/>
               </p:ext>
             </p:extLst>
           </p:nvPr>
         </p:nvGraphicFramePr>
         <p:xfrm>
-          <a:off x="121537" y="4273341"/>
+          <a:off x="166597" y="4124487"/>
           <a:ext cx="2817788" cy="1007677"/>
         </p:xfrm>
         <a:graphic>
@@ -5162,12 +4868,12 @@
                         </a:spcAft>
                       </a:pPr>
                       <a:r>
-                        <a:rPr lang="en-US" sz="1100">
+                        <a:rPr lang="en-US" sz="1100" dirty="0">
                           <a:effectLst/>
                         </a:rPr>
                         <a:t>compression algorithms :</a:t>
                       </a:r>
-                      <a:endParaRPr lang="en-US" sz="1100">
+                      <a:endParaRPr lang="en-US" sz="1100" dirty="0">
                         <a:effectLst/>
                         <a:latin typeface="Calibri" panose="020F0502020204030204" pitchFamily="34" charset="0"/>
                         <a:ea typeface="Calibri" panose="020F0502020204030204" pitchFamily="34" charset="0"/>
@@ -5313,12 +5019,12 @@
                         </a:spcAft>
                       </a:pPr>
                       <a:r>
-                        <a:rPr lang="en-US" sz="1100" u="sng" dirty="0">
+                        <a:rPr lang="en-US" sz="1100" u="none" dirty="0">
                           <a:effectLst/>
                         </a:rPr>
                         <a:t>Haar New Transform</a:t>
                       </a:r>
-                      <a:endParaRPr lang="en-US" sz="1100" dirty="0">
+                      <a:endParaRPr lang="en-US" sz="1100" u="none" dirty="0">
                         <a:effectLst/>
                         <a:latin typeface="Calibri" panose="020F0502020204030204" pitchFamily="34" charset="0"/>
                         <a:ea typeface="Calibri" panose="020F0502020204030204" pitchFamily="34" charset="0"/>
@@ -5348,6 +5054,1753 @@
           </a:graphicData>
         </a:graphic>
       </p:graphicFrame>
+      <p:pic>
+        <p:nvPicPr>
+          <p:cNvPr id="9" name="תמונה 8">
+            <a:extLst>
+              <a:ext uri="{FF2B5EF4-FFF2-40B4-BE49-F238E27FC236}">
+                <a16:creationId xmlns:a16="http://schemas.microsoft.com/office/drawing/2014/main" id="{390C8447-A05E-F164-7728-C7F00286A420}"/>
+              </a:ext>
+            </a:extLst>
+          </p:cNvPr>
+          <p:cNvPicPr>
+            <a:picLocks noChangeAspect="1"/>
+          </p:cNvPicPr>
+          <p:nvPr/>
+        </p:nvPicPr>
+        <p:blipFill>
+          <a:blip r:embed="rId7"/>
+          <a:stretch>
+            <a:fillRect/>
+          </a:stretch>
+        </p:blipFill>
+        <p:spPr>
+          <a:xfrm>
+            <a:off x="437143" y="7150526"/>
+            <a:ext cx="1475463" cy="118787"/>
+          </a:xfrm>
+          <a:prstGeom prst="rect">
+            <a:avLst/>
+          </a:prstGeom>
+        </p:spPr>
+      </p:pic>
+      <p:sp>
+        <p:nvSpPr>
+          <p:cNvPr id="10" name="תיבת טקסט 9">
+            <a:extLst>
+              <a:ext uri="{FF2B5EF4-FFF2-40B4-BE49-F238E27FC236}">
+                <a16:creationId xmlns:a16="http://schemas.microsoft.com/office/drawing/2014/main" id="{AA55D936-FF51-0410-300D-75A20C5E0F9E}"/>
+              </a:ext>
+            </a:extLst>
+          </p:cNvPr>
+          <p:cNvSpPr txBox="1"/>
+          <p:nvPr/>
+        </p:nvSpPr>
+        <p:spPr>
+          <a:xfrm>
+            <a:off x="437143" y="7136618"/>
+            <a:ext cx="1457302" cy="154244"/>
+          </a:xfrm>
+          <a:prstGeom prst="rect">
+            <a:avLst/>
+          </a:prstGeom>
+          <a:noFill/>
+          <a:ln w="28575">
+            <a:solidFill>
+              <a:schemeClr val="accent1"/>
+            </a:solidFill>
+          </a:ln>
+        </p:spPr>
+        <p:txBody>
+          <a:bodyPr wrap="square" rtlCol="0">
+            <a:spAutoFit/>
+          </a:bodyPr>
+          <a:lstStyle/>
+          <a:p>
+            <a:endParaRPr lang="en-US" dirty="0"/>
+          </a:p>
+        </p:txBody>
+      </p:sp>
+      <p:sp>
+        <p:nvSpPr>
+          <p:cNvPr id="11" name="חץ: ימינה 10">
+            <a:extLst>
+              <a:ext uri="{FF2B5EF4-FFF2-40B4-BE49-F238E27FC236}">
+                <a16:creationId xmlns:a16="http://schemas.microsoft.com/office/drawing/2014/main" id="{78B7112A-AD3B-5275-1104-014E5B0E79DC}"/>
+              </a:ext>
+            </a:extLst>
+          </p:cNvPr>
+          <p:cNvSpPr/>
+          <p:nvPr/>
+        </p:nvSpPr>
+        <p:spPr>
+          <a:xfrm>
+            <a:off x="1980540" y="7176078"/>
+            <a:ext cx="639316" cy="145381"/>
+          </a:xfrm>
+          <a:prstGeom prst="rightArrow">
+            <a:avLst/>
+          </a:prstGeom>
+        </p:spPr>
+        <p:style>
+          <a:lnRef idx="2">
+            <a:schemeClr val="accent1">
+              <a:shade val="50000"/>
+            </a:schemeClr>
+          </a:lnRef>
+          <a:fillRef idx="1">
+            <a:schemeClr val="accent1"/>
+          </a:fillRef>
+          <a:effectRef idx="0">
+            <a:schemeClr val="accent1"/>
+          </a:effectRef>
+          <a:fontRef idx="minor">
+            <a:schemeClr val="lt1"/>
+          </a:fontRef>
+        </p:style>
+        <p:txBody>
+          <a:bodyPr rtlCol="0" anchor="ctr"/>
+          <a:lstStyle/>
+          <a:p>
+            <a:pPr algn="ctr"/>
+            <a:endParaRPr lang="en-US"/>
+          </a:p>
+        </p:txBody>
+      </p:sp>
+      <p:pic>
+        <p:nvPicPr>
+          <p:cNvPr id="22" name="תמונה 21">
+            <a:extLst>
+              <a:ext uri="{FF2B5EF4-FFF2-40B4-BE49-F238E27FC236}">
+                <a16:creationId xmlns:a16="http://schemas.microsoft.com/office/drawing/2014/main" id="{7C265335-37B6-A439-6B94-3DA612505698}"/>
+              </a:ext>
+            </a:extLst>
+          </p:cNvPr>
+          <p:cNvPicPr>
+            <a:picLocks noChangeAspect="1"/>
+          </p:cNvPicPr>
+          <p:nvPr/>
+        </p:nvPicPr>
+        <p:blipFill>
+          <a:blip r:embed="rId8"/>
+          <a:stretch>
+            <a:fillRect/>
+          </a:stretch>
+        </p:blipFill>
+        <p:spPr>
+          <a:xfrm>
+            <a:off x="2708184" y="6876847"/>
+            <a:ext cx="1976233" cy="660155"/>
+          </a:xfrm>
+          <a:prstGeom prst="rect">
+            <a:avLst/>
+          </a:prstGeom>
+        </p:spPr>
+      </p:pic>
+      <p:pic>
+        <p:nvPicPr>
+          <p:cNvPr id="30" name="תמונה 29">
+            <a:extLst>
+              <a:ext uri="{FF2B5EF4-FFF2-40B4-BE49-F238E27FC236}">
+                <a16:creationId xmlns:a16="http://schemas.microsoft.com/office/drawing/2014/main" id="{81E1AD87-4853-2C35-94C6-577ADCF1C458}"/>
+              </a:ext>
+            </a:extLst>
+          </p:cNvPr>
+          <p:cNvPicPr>
+            <a:picLocks noChangeAspect="1"/>
+          </p:cNvPicPr>
+          <p:nvPr/>
+        </p:nvPicPr>
+        <p:blipFill>
+          <a:blip r:embed="rId9"/>
+          <a:stretch>
+            <a:fillRect/>
+          </a:stretch>
+        </p:blipFill>
+        <p:spPr>
+          <a:xfrm>
+            <a:off x="4669131" y="6869799"/>
+            <a:ext cx="2052546" cy="689968"/>
+          </a:xfrm>
+          <a:prstGeom prst="rect">
+            <a:avLst/>
+          </a:prstGeom>
+        </p:spPr>
+      </p:pic>
+      <p:sp>
+        <p:nvSpPr>
+          <p:cNvPr id="32" name="תיבת טקסט 31">
+            <a:extLst>
+              <a:ext uri="{FF2B5EF4-FFF2-40B4-BE49-F238E27FC236}">
+                <a16:creationId xmlns:a16="http://schemas.microsoft.com/office/drawing/2014/main" id="{4501819F-64CC-D255-47C5-F30C52F64D57}"/>
+              </a:ext>
+            </a:extLst>
+          </p:cNvPr>
+          <p:cNvSpPr txBox="1"/>
+          <p:nvPr/>
+        </p:nvSpPr>
+        <p:spPr>
+          <a:xfrm>
+            <a:off x="4676008" y="6742710"/>
+            <a:ext cx="988202" cy="184666"/>
+          </a:xfrm>
+          <a:prstGeom prst="rect">
+            <a:avLst/>
+          </a:prstGeom>
+          <a:noFill/>
+        </p:spPr>
+        <p:txBody>
+          <a:bodyPr wrap="square" rtlCol="0">
+            <a:spAutoFit/>
+          </a:bodyPr>
+          <a:lstStyle/>
+          <a:p>
+            <a:r>
+              <a:rPr lang="en-US" sz="600" b="1" i="1" dirty="0" err="1">
+                <a:solidFill>
+                  <a:schemeClr val="accent1"/>
+                </a:solidFill>
+                <a:effectLst/>
+                <a:latin typeface="Arial" panose="020B0604020202020204" pitchFamily="34" charset="0"/>
+              </a:rPr>
+              <a:t>Haar</a:t>
+            </a:r>
+            <a:r>
+              <a:rPr lang="en-US" sz="600" b="1" i="1" dirty="0">
+                <a:solidFill>
+                  <a:schemeClr val="accent1"/>
+                </a:solidFill>
+                <a:effectLst/>
+                <a:latin typeface="Arial" panose="020B0604020202020204" pitchFamily="34" charset="0"/>
+              </a:rPr>
+              <a:t> New Transform</a:t>
+            </a:r>
+            <a:r>
+              <a:rPr lang="en-US" sz="600" b="1" i="0" strike="noStrike" baseline="0" dirty="0">
+                <a:solidFill>
+                  <a:schemeClr val="accent1"/>
+                </a:solidFill>
+                <a:latin typeface="SFSL1095"/>
+              </a:rPr>
+              <a:t>:</a:t>
+            </a:r>
+            <a:endParaRPr lang="en-US" sz="600" b="1" dirty="0">
+              <a:solidFill>
+                <a:schemeClr val="accent1"/>
+              </a:solidFill>
+            </a:endParaRPr>
+          </a:p>
+        </p:txBody>
+      </p:sp>
+      <p:sp>
+        <p:nvSpPr>
+          <p:cNvPr id="37" name="תיבת טקסט 36">
+            <a:extLst>
+              <a:ext uri="{FF2B5EF4-FFF2-40B4-BE49-F238E27FC236}">
+                <a16:creationId xmlns:a16="http://schemas.microsoft.com/office/drawing/2014/main" id="{05618B04-D8F7-8709-5260-01218EE688D4}"/>
+              </a:ext>
+            </a:extLst>
+          </p:cNvPr>
+          <p:cNvSpPr txBox="1"/>
+          <p:nvPr/>
+        </p:nvSpPr>
+        <p:spPr>
+          <a:xfrm>
+            <a:off x="2648072" y="6730587"/>
+            <a:ext cx="696050" cy="184666"/>
+          </a:xfrm>
+          <a:prstGeom prst="rect">
+            <a:avLst/>
+          </a:prstGeom>
+          <a:noFill/>
+        </p:spPr>
+        <p:txBody>
+          <a:bodyPr wrap="square" rtlCol="0">
+            <a:spAutoFit/>
+          </a:bodyPr>
+          <a:lstStyle/>
+          <a:p>
+            <a:r>
+              <a:rPr lang="en-US" sz="600" b="1" i="0" strike="noStrike" baseline="0" dirty="0">
+                <a:solidFill>
+                  <a:schemeClr val="accent1"/>
+                </a:solidFill>
+                <a:latin typeface="SFSL1095"/>
+              </a:rPr>
+              <a:t>Integer-</a:t>
+            </a:r>
+            <a:r>
+              <a:rPr lang="en-US" sz="600" b="1" i="0" strike="noStrike" baseline="0" dirty="0" err="1">
+                <a:solidFill>
+                  <a:schemeClr val="accent1"/>
+                </a:solidFill>
+                <a:latin typeface="SFSL1095"/>
+              </a:rPr>
+              <a:t>Haar</a:t>
+            </a:r>
+            <a:r>
+              <a:rPr lang="en-US" sz="600" b="1" i="0" strike="noStrike" baseline="0" dirty="0">
+                <a:solidFill>
+                  <a:schemeClr val="accent1"/>
+                </a:solidFill>
+                <a:latin typeface="SFSL1095"/>
+              </a:rPr>
+              <a:t>:</a:t>
+            </a:r>
+            <a:endParaRPr lang="en-US" sz="600" b="1" dirty="0">
+              <a:solidFill>
+                <a:schemeClr val="accent1"/>
+              </a:solidFill>
+            </a:endParaRPr>
+          </a:p>
+        </p:txBody>
+      </p:sp>
+      <p:sp>
+        <p:nvSpPr>
+          <p:cNvPr id="34" name="תיבת טקסט 33">
+            <a:extLst>
+              <a:ext uri="{FF2B5EF4-FFF2-40B4-BE49-F238E27FC236}">
+                <a16:creationId xmlns:a16="http://schemas.microsoft.com/office/drawing/2014/main" id="{C4210229-7C1D-DB97-0619-45ADC98C5627}"/>
+              </a:ext>
+            </a:extLst>
+          </p:cNvPr>
+          <p:cNvSpPr txBox="1"/>
+          <p:nvPr/>
+        </p:nvSpPr>
+        <p:spPr>
+          <a:xfrm>
+            <a:off x="2511290" y="9180722"/>
+            <a:ext cx="3841829" cy="769130"/>
+          </a:xfrm>
+          <a:prstGeom prst="rect">
+            <a:avLst/>
+          </a:prstGeom>
+          <a:noFill/>
+          <a:ln w="12700">
+            <a:solidFill>
+              <a:schemeClr val="accent1"/>
+            </a:solidFill>
+          </a:ln>
+        </p:spPr>
+        <p:txBody>
+          <a:bodyPr wrap="square" rtlCol="0">
+            <a:spAutoFit/>
+          </a:bodyPr>
+          <a:lstStyle/>
+          <a:p>
+            <a:endParaRPr lang="en-US" dirty="0"/>
+          </a:p>
+        </p:txBody>
+      </p:sp>
+      <p:sp>
+        <p:nvSpPr>
+          <p:cNvPr id="39" name="תיבת טקסט 38">
+            <a:extLst>
+              <a:ext uri="{FF2B5EF4-FFF2-40B4-BE49-F238E27FC236}">
+                <a16:creationId xmlns:a16="http://schemas.microsoft.com/office/drawing/2014/main" id="{75713DEC-AB2F-4F35-3570-1D0AC97B0784}"/>
+              </a:ext>
+            </a:extLst>
+          </p:cNvPr>
+          <p:cNvSpPr txBox="1"/>
+          <p:nvPr/>
+        </p:nvSpPr>
+        <p:spPr>
+          <a:xfrm>
+            <a:off x="2682673" y="6747769"/>
+            <a:ext cx="2018682" cy="794637"/>
+          </a:xfrm>
+          <a:prstGeom prst="rect">
+            <a:avLst/>
+          </a:prstGeom>
+          <a:noFill/>
+          <a:ln>
+            <a:solidFill>
+              <a:schemeClr val="accent1"/>
+            </a:solidFill>
+          </a:ln>
+        </p:spPr>
+        <p:txBody>
+          <a:bodyPr wrap="square" rtlCol="0">
+            <a:spAutoFit/>
+          </a:bodyPr>
+          <a:lstStyle/>
+          <a:p>
+            <a:endParaRPr lang="en-US" dirty="0"/>
+          </a:p>
+        </p:txBody>
+      </p:sp>
+      <p:sp>
+        <p:nvSpPr>
+          <p:cNvPr id="40" name="תיבת טקסט 39">
+            <a:extLst>
+              <a:ext uri="{FF2B5EF4-FFF2-40B4-BE49-F238E27FC236}">
+                <a16:creationId xmlns:a16="http://schemas.microsoft.com/office/drawing/2014/main" id="{16715C6A-BEE1-D487-8BE5-7A98AF5BCEE5}"/>
+              </a:ext>
+            </a:extLst>
+          </p:cNvPr>
+          <p:cNvSpPr txBox="1"/>
+          <p:nvPr/>
+        </p:nvSpPr>
+        <p:spPr>
+          <a:xfrm>
+            <a:off x="4713892" y="6705162"/>
+            <a:ext cx="2040717" cy="879852"/>
+          </a:xfrm>
+          <a:prstGeom prst="rect">
+            <a:avLst/>
+          </a:prstGeom>
+          <a:noFill/>
+          <a:ln>
+            <a:solidFill>
+              <a:schemeClr val="accent1"/>
+            </a:solidFill>
+          </a:ln>
+        </p:spPr>
+        <p:txBody>
+          <a:bodyPr wrap="square" rtlCol="0">
+            <a:spAutoFit/>
+          </a:bodyPr>
+          <a:lstStyle/>
+          <a:p>
+            <a:endParaRPr lang="en-US" dirty="0"/>
+          </a:p>
+        </p:txBody>
+      </p:sp>
+      <p:sp>
+        <p:nvSpPr>
+          <p:cNvPr id="41" name="חץ: למטה 40">
+            <a:extLst>
+              <a:ext uri="{FF2B5EF4-FFF2-40B4-BE49-F238E27FC236}">
+                <a16:creationId xmlns:a16="http://schemas.microsoft.com/office/drawing/2014/main" id="{3D45D43E-BA1B-F5B3-82A6-3936B3CA916A}"/>
+              </a:ext>
+            </a:extLst>
+          </p:cNvPr>
+          <p:cNvSpPr/>
+          <p:nvPr/>
+        </p:nvSpPr>
+        <p:spPr>
+          <a:xfrm>
+            <a:off x="5836802" y="7663177"/>
+            <a:ext cx="181975" cy="200931"/>
+          </a:xfrm>
+          <a:prstGeom prst="downArrow">
+            <a:avLst/>
+          </a:prstGeom>
+        </p:spPr>
+        <p:style>
+          <a:lnRef idx="2">
+            <a:schemeClr val="accent1">
+              <a:shade val="50000"/>
+            </a:schemeClr>
+          </a:lnRef>
+          <a:fillRef idx="1">
+            <a:schemeClr val="accent1"/>
+          </a:fillRef>
+          <a:effectRef idx="0">
+            <a:schemeClr val="accent1"/>
+          </a:effectRef>
+          <a:fontRef idx="minor">
+            <a:schemeClr val="lt1"/>
+          </a:fontRef>
+        </p:style>
+        <p:txBody>
+          <a:bodyPr rtlCol="0" anchor="ctr"/>
+          <a:lstStyle/>
+          <a:p>
+            <a:pPr algn="ctr"/>
+            <a:endParaRPr lang="en-US"/>
+          </a:p>
+        </p:txBody>
+      </p:sp>
+      <p:sp>
+        <p:nvSpPr>
+          <p:cNvPr id="43" name="תיבת טקסט 42">
+            <a:extLst>
+              <a:ext uri="{FF2B5EF4-FFF2-40B4-BE49-F238E27FC236}">
+                <a16:creationId xmlns:a16="http://schemas.microsoft.com/office/drawing/2014/main" id="{1CEF0392-AAA6-E2A3-22D8-968F8542214B}"/>
+              </a:ext>
+            </a:extLst>
+          </p:cNvPr>
+          <p:cNvSpPr txBox="1"/>
+          <p:nvPr/>
+        </p:nvSpPr>
+        <p:spPr>
+          <a:xfrm>
+            <a:off x="2642236" y="6705162"/>
+            <a:ext cx="4143313" cy="926443"/>
+          </a:xfrm>
+          <a:prstGeom prst="rect">
+            <a:avLst/>
+          </a:prstGeom>
+          <a:noFill/>
+          <a:ln w="38100">
+            <a:solidFill>
+              <a:schemeClr val="accent1"/>
+            </a:solidFill>
+          </a:ln>
+        </p:spPr>
+        <p:txBody>
+          <a:bodyPr wrap="square" rtlCol="0">
+            <a:spAutoFit/>
+          </a:bodyPr>
+          <a:lstStyle/>
+          <a:p>
+            <a:endParaRPr lang="en-US" dirty="0"/>
+          </a:p>
+        </p:txBody>
+      </p:sp>
+      <p:graphicFrame>
+        <p:nvGraphicFramePr>
+          <p:cNvPr id="58" name="טבלה 57">
+            <a:extLst>
+              <a:ext uri="{FF2B5EF4-FFF2-40B4-BE49-F238E27FC236}">
+                <a16:creationId xmlns:a16="http://schemas.microsoft.com/office/drawing/2014/main" id="{55A8135B-5488-A08D-716E-F0D0846E3332}"/>
+              </a:ext>
+            </a:extLst>
+          </p:cNvPr>
+          <p:cNvGraphicFramePr>
+            <a:graphicFrameLocks noGrp="1"/>
+          </p:cNvGraphicFramePr>
+          <p:nvPr>
+            <p:extLst>
+              <p:ext uri="{D42A27DB-BD31-4B8C-83A1-F6EECF244321}">
+                <p14:modId xmlns:p14="http://schemas.microsoft.com/office/powerpoint/2010/main" val="3728036311"/>
+              </p:ext>
+            </p:extLst>
+          </p:nvPr>
+        </p:nvGraphicFramePr>
+        <p:xfrm>
+          <a:off x="4255786" y="7881469"/>
+          <a:ext cx="2519810" cy="895994"/>
+        </p:xfrm>
+        <a:graphic>
+          <a:graphicData uri="http://schemas.openxmlformats.org/drawingml/2006/table">
+            <a:tbl>
+              <a:tblPr firstRow="1" firstCol="1" bandRow="1">
+                <a:tableStyleId>{5C22544A-7EE6-4342-B048-85BDC9FD1C3A}</a:tableStyleId>
+              </a:tblPr>
+              <a:tblGrid>
+                <a:gridCol w="1006299">
+                  <a:extLst>
+                    <a:ext uri="{9D8B030D-6E8A-4147-A177-3AD203B41FA5}">
+                      <a16:colId xmlns:a16="http://schemas.microsoft.com/office/drawing/2014/main" val="4031532458"/>
+                    </a:ext>
+                  </a:extLst>
+                </a:gridCol>
+                <a:gridCol w="586096">
+                  <a:extLst>
+                    <a:ext uri="{9D8B030D-6E8A-4147-A177-3AD203B41FA5}">
+                      <a16:colId xmlns:a16="http://schemas.microsoft.com/office/drawing/2014/main" val="1457485924"/>
+                    </a:ext>
+                  </a:extLst>
+                </a:gridCol>
+                <a:gridCol w="358140">
+                  <a:extLst>
+                    <a:ext uri="{9D8B030D-6E8A-4147-A177-3AD203B41FA5}">
+                      <a16:colId xmlns:a16="http://schemas.microsoft.com/office/drawing/2014/main" val="1973839703"/>
+                    </a:ext>
+                  </a:extLst>
+                </a:gridCol>
+                <a:gridCol w="569275">
+                  <a:extLst>
+                    <a:ext uri="{9D8B030D-6E8A-4147-A177-3AD203B41FA5}">
+                      <a16:colId xmlns:a16="http://schemas.microsoft.com/office/drawing/2014/main" val="1906404286"/>
+                    </a:ext>
+                  </a:extLst>
+                </a:gridCol>
+              </a:tblGrid>
+              <a:tr h="387806">
+                <a:tc>
+                  <a:txBody>
+                    <a:bodyPr/>
+                    <a:lstStyle/>
+                    <a:p>
+                      <a:pPr marL="0" marR="0" algn="l">
+                        <a:lnSpc>
+                          <a:spcPct val="107000"/>
+                        </a:lnSpc>
+                        <a:spcBef>
+                          <a:spcPts val="0"/>
+                        </a:spcBef>
+                        <a:spcAft>
+                          <a:spcPts val="0"/>
+                        </a:spcAft>
+                      </a:pPr>
+                      <a:r>
+                        <a:rPr lang="en-US" sz="900" dirty="0">
+                          <a:effectLst/>
+                        </a:rPr>
+                        <a:t>         </a:t>
+                      </a:r>
+                      <a:r>
+                        <a:rPr lang="en-US" sz="500" dirty="0">
+                          <a:effectLst/>
+                        </a:rPr>
+                        <a:t>Compression algorithm</a:t>
+                      </a:r>
+                    </a:p>
+                    <a:p>
+                      <a:pPr marL="0" marR="0" algn="l">
+                        <a:lnSpc>
+                          <a:spcPct val="107000"/>
+                        </a:lnSpc>
+                        <a:spcBef>
+                          <a:spcPts val="0"/>
+                        </a:spcBef>
+                        <a:spcAft>
+                          <a:spcPts val="0"/>
+                        </a:spcAft>
+                      </a:pPr>
+                      <a:br>
+                        <a:rPr lang="en-US" sz="500" dirty="0">
+                          <a:effectLst/>
+                        </a:rPr>
+                      </a:br>
+                      <a:r>
+                        <a:rPr lang="en-US" sz="500" dirty="0" err="1">
+                          <a:effectLst/>
+                        </a:rPr>
+                        <a:t>Haar</a:t>
+                      </a:r>
+                      <a:r>
+                        <a:rPr lang="en-US" sz="500" dirty="0">
+                          <a:effectLst/>
+                        </a:rPr>
+                        <a:t> algorithm</a:t>
+                      </a:r>
+                      <a:endParaRPr lang="en-US" sz="500" dirty="0">
+                        <a:effectLst/>
+                        <a:latin typeface="Calibri" panose="020F0502020204030204" pitchFamily="34" charset="0"/>
+                        <a:ea typeface="Calibri" panose="020F0502020204030204" pitchFamily="34" charset="0"/>
+                        <a:cs typeface="Arial" panose="020B0604020202020204" pitchFamily="34" charset="0"/>
+                      </a:endParaRPr>
+                    </a:p>
+                  </a:txBody>
+                  <a:tcPr marL="68580" marR="68580" marT="0" marB="0"/>
+                </a:tc>
+                <a:tc>
+                  <a:txBody>
+                    <a:bodyPr/>
+                    <a:lstStyle/>
+                    <a:p>
+                      <a:pPr marL="0" marR="0" algn="l">
+                        <a:lnSpc>
+                          <a:spcPct val="107000"/>
+                        </a:lnSpc>
+                        <a:spcBef>
+                          <a:spcPts val="0"/>
+                        </a:spcBef>
+                        <a:spcAft>
+                          <a:spcPts val="0"/>
+                        </a:spcAft>
+                      </a:pPr>
+                      <a:br>
+                        <a:rPr lang="en-US" sz="900" dirty="0">
+                          <a:effectLst/>
+                        </a:rPr>
+                      </a:br>
+                      <a:r>
+                        <a:rPr lang="en-US" sz="600" dirty="0">
+                          <a:effectLst/>
+                        </a:rPr>
+                        <a:t>Elias code 𝑪𝜹  </a:t>
+                      </a:r>
+                      <a:endParaRPr lang="en-US" sz="600" dirty="0">
+                        <a:effectLst/>
+                        <a:latin typeface="Calibri" panose="020F0502020204030204" pitchFamily="34" charset="0"/>
+                        <a:ea typeface="Calibri" panose="020F0502020204030204" pitchFamily="34" charset="0"/>
+                        <a:cs typeface="Arial" panose="020B0604020202020204" pitchFamily="34" charset="0"/>
+                      </a:endParaRPr>
+                    </a:p>
+                  </a:txBody>
+                  <a:tcPr marL="68580" marR="68580" marT="0" marB="0"/>
+                </a:tc>
+                <a:tc>
+                  <a:txBody>
+                    <a:bodyPr/>
+                    <a:lstStyle/>
+                    <a:p>
+                      <a:pPr marL="0" marR="0" algn="l">
+                        <a:lnSpc>
+                          <a:spcPct val="107000"/>
+                        </a:lnSpc>
+                        <a:spcBef>
+                          <a:spcPts val="0"/>
+                        </a:spcBef>
+                        <a:spcAft>
+                          <a:spcPts val="0"/>
+                        </a:spcAft>
+                      </a:pPr>
+                      <a:br>
+                        <a:rPr lang="en-US" sz="900" dirty="0">
+                          <a:effectLst/>
+                        </a:rPr>
+                      </a:br>
+                      <a:r>
+                        <a:rPr lang="en-US" sz="600" dirty="0">
+                          <a:effectLst/>
+                        </a:rPr>
+                        <a:t>binary coding</a:t>
+                      </a:r>
+                      <a:endParaRPr lang="en-US" sz="600" dirty="0">
+                        <a:effectLst/>
+                        <a:latin typeface="Calibri" panose="020F0502020204030204" pitchFamily="34" charset="0"/>
+                        <a:ea typeface="Calibri" panose="020F0502020204030204" pitchFamily="34" charset="0"/>
+                        <a:cs typeface="Arial" panose="020B0604020202020204" pitchFamily="34" charset="0"/>
+                      </a:endParaRPr>
+                    </a:p>
+                  </a:txBody>
+                  <a:tcPr marL="68580" marR="68580" marT="0" marB="0"/>
+                </a:tc>
+                <a:tc>
+                  <a:txBody>
+                    <a:bodyPr/>
+                    <a:lstStyle/>
+                    <a:p>
+                      <a:pPr marL="0" marR="0" algn="l">
+                        <a:lnSpc>
+                          <a:spcPct val="107000"/>
+                        </a:lnSpc>
+                        <a:spcBef>
+                          <a:spcPts val="0"/>
+                        </a:spcBef>
+                        <a:spcAft>
+                          <a:spcPts val="0"/>
+                        </a:spcAft>
+                      </a:pPr>
+                      <a:br>
+                        <a:rPr lang="en-US" sz="900" dirty="0">
+                          <a:effectLst/>
+                        </a:rPr>
+                      </a:br>
+                      <a:r>
+                        <a:rPr lang="en-US" sz="600" dirty="0">
+                          <a:effectLst/>
+                        </a:rPr>
+                        <a:t>unary coding</a:t>
+                      </a:r>
+                      <a:endParaRPr lang="en-US" sz="600" dirty="0">
+                        <a:effectLst/>
+                        <a:latin typeface="Calibri" panose="020F0502020204030204" pitchFamily="34" charset="0"/>
+                        <a:ea typeface="Calibri" panose="020F0502020204030204" pitchFamily="34" charset="0"/>
+                        <a:cs typeface="Arial" panose="020B0604020202020204" pitchFamily="34" charset="0"/>
+                      </a:endParaRPr>
+                    </a:p>
+                  </a:txBody>
+                  <a:tcPr marL="68580" marR="68580" marT="0" marB="0"/>
+                </a:tc>
+                <a:extLst>
+                  <a:ext uri="{0D108BD9-81ED-4DB2-BD59-A6C34878D82A}">
+                    <a16:rowId xmlns:a16="http://schemas.microsoft.com/office/drawing/2014/main" val="562124973"/>
+                  </a:ext>
+                </a:extLst>
+              </a:tr>
+              <a:tr h="192204">
+                <a:tc>
+                  <a:txBody>
+                    <a:bodyPr/>
+                    <a:lstStyle/>
+                    <a:p>
+                      <a:pPr marL="0" marR="0" algn="l">
+                        <a:lnSpc>
+                          <a:spcPct val="107000"/>
+                        </a:lnSpc>
+                        <a:spcBef>
+                          <a:spcPts val="0"/>
+                        </a:spcBef>
+                        <a:spcAft>
+                          <a:spcPts val="0"/>
+                        </a:spcAft>
+                      </a:pPr>
+                      <a:r>
+                        <a:rPr lang="en-US" sz="700" dirty="0" err="1">
+                          <a:effectLst/>
+                        </a:rPr>
+                        <a:t>Haar</a:t>
+                      </a:r>
+                      <a:r>
+                        <a:rPr lang="en-US" sz="700" dirty="0">
+                          <a:effectLst/>
+                        </a:rPr>
+                        <a:t> integer: </a:t>
+                      </a:r>
+                      <a:br>
+                        <a:rPr lang="en-US" sz="700" dirty="0">
+                          <a:effectLst/>
+                        </a:rPr>
+                      </a:br>
+                      <a:r>
+                        <a:rPr lang="en-US" sz="700" dirty="0">
+                          <a:effectLst/>
+                        </a:rPr>
+                        <a:t>bit size</a:t>
+                      </a:r>
+                      <a:endParaRPr lang="en-US" sz="700" dirty="0">
+                        <a:effectLst/>
+                        <a:latin typeface="Calibri" panose="020F0502020204030204" pitchFamily="34" charset="0"/>
+                        <a:ea typeface="Calibri" panose="020F0502020204030204" pitchFamily="34" charset="0"/>
+                        <a:cs typeface="Arial" panose="020B0604020202020204" pitchFamily="34" charset="0"/>
+                      </a:endParaRPr>
+                    </a:p>
+                  </a:txBody>
+                  <a:tcPr marL="68580" marR="68580" marT="0" marB="0"/>
+                </a:tc>
+                <a:tc>
+                  <a:txBody>
+                    <a:bodyPr/>
+                    <a:lstStyle/>
+                    <a:p>
+                      <a:pPr marL="0" marR="0" algn="l">
+                        <a:lnSpc>
+                          <a:spcPct val="107000"/>
+                        </a:lnSpc>
+                        <a:spcBef>
+                          <a:spcPts val="0"/>
+                        </a:spcBef>
+                        <a:spcAft>
+                          <a:spcPts val="0"/>
+                        </a:spcAft>
+                      </a:pPr>
+                      <a:r>
+                        <a:rPr lang="en-US" sz="900" dirty="0">
+                          <a:effectLst/>
+                        </a:rPr>
+                        <a:t>97</a:t>
+                      </a:r>
+                      <a:endParaRPr lang="en-US" sz="1100" dirty="0">
+                        <a:effectLst/>
+                        <a:latin typeface="Calibri" panose="020F0502020204030204" pitchFamily="34" charset="0"/>
+                        <a:ea typeface="Calibri" panose="020F0502020204030204" pitchFamily="34" charset="0"/>
+                        <a:cs typeface="Arial" panose="020B0604020202020204" pitchFamily="34" charset="0"/>
+                      </a:endParaRPr>
+                    </a:p>
+                  </a:txBody>
+                  <a:tcPr marL="68580" marR="68580" marT="0" marB="0"/>
+                </a:tc>
+                <a:tc>
+                  <a:txBody>
+                    <a:bodyPr/>
+                    <a:lstStyle/>
+                    <a:p>
+                      <a:pPr marL="0" marR="0" algn="l">
+                        <a:lnSpc>
+                          <a:spcPct val="107000"/>
+                        </a:lnSpc>
+                        <a:spcBef>
+                          <a:spcPts val="0"/>
+                        </a:spcBef>
+                        <a:spcAft>
+                          <a:spcPts val="0"/>
+                        </a:spcAft>
+                      </a:pPr>
+                      <a:r>
+                        <a:rPr lang="en-US" sz="900">
+                          <a:effectLst/>
+                        </a:rPr>
+                        <a:t>51</a:t>
+                      </a:r>
+                      <a:endParaRPr lang="en-US" sz="1100">
+                        <a:effectLst/>
+                        <a:latin typeface="Calibri" panose="020F0502020204030204" pitchFamily="34" charset="0"/>
+                        <a:ea typeface="Calibri" panose="020F0502020204030204" pitchFamily="34" charset="0"/>
+                        <a:cs typeface="Arial" panose="020B0604020202020204" pitchFamily="34" charset="0"/>
+                      </a:endParaRPr>
+                    </a:p>
+                  </a:txBody>
+                  <a:tcPr marL="68580" marR="68580" marT="0" marB="0"/>
+                </a:tc>
+                <a:tc>
+                  <a:txBody>
+                    <a:bodyPr/>
+                    <a:lstStyle/>
+                    <a:p>
+                      <a:pPr marL="0" marR="0" algn="l">
+                        <a:lnSpc>
+                          <a:spcPct val="107000"/>
+                        </a:lnSpc>
+                        <a:spcBef>
+                          <a:spcPts val="0"/>
+                        </a:spcBef>
+                        <a:spcAft>
+                          <a:spcPts val="0"/>
+                        </a:spcAft>
+                      </a:pPr>
+                      <a:r>
+                        <a:rPr lang="en-US" sz="900" dirty="0">
+                          <a:effectLst/>
+                        </a:rPr>
+                        <a:t>2,062</a:t>
+                      </a:r>
+                      <a:endParaRPr lang="en-US" sz="1100" dirty="0">
+                        <a:effectLst/>
+                        <a:latin typeface="Calibri" panose="020F0502020204030204" pitchFamily="34" charset="0"/>
+                        <a:ea typeface="Calibri" panose="020F0502020204030204" pitchFamily="34" charset="0"/>
+                        <a:cs typeface="Arial" panose="020B0604020202020204" pitchFamily="34" charset="0"/>
+                      </a:endParaRPr>
+                    </a:p>
+                  </a:txBody>
+                  <a:tcPr marL="68580" marR="68580" marT="0" marB="0"/>
+                </a:tc>
+                <a:extLst>
+                  <a:ext uri="{0D108BD9-81ED-4DB2-BD59-A6C34878D82A}">
+                    <a16:rowId xmlns:a16="http://schemas.microsoft.com/office/drawing/2014/main" val="206079145"/>
+                  </a:ext>
+                </a:extLst>
+              </a:tr>
+              <a:tr h="284858">
+                <a:tc>
+                  <a:txBody>
+                    <a:bodyPr/>
+                    <a:lstStyle/>
+                    <a:p>
+                      <a:pPr marL="0" marR="0" algn="l">
+                        <a:lnSpc>
+                          <a:spcPct val="107000"/>
+                        </a:lnSpc>
+                        <a:spcBef>
+                          <a:spcPts val="0"/>
+                        </a:spcBef>
+                        <a:spcAft>
+                          <a:spcPts val="0"/>
+                        </a:spcAft>
+                      </a:pPr>
+                      <a:r>
+                        <a:rPr lang="en-US" sz="700" u="sng" dirty="0" err="1">
+                          <a:effectLst/>
+                        </a:rPr>
+                        <a:t>Haar</a:t>
+                      </a:r>
+                      <a:r>
+                        <a:rPr lang="en-US" sz="700" u="sng" dirty="0">
+                          <a:effectLst/>
+                        </a:rPr>
+                        <a:t> New Transform:</a:t>
+                      </a:r>
+                      <a:br>
+                        <a:rPr lang="en-US" sz="700" u="sng" dirty="0">
+                          <a:effectLst/>
+                        </a:rPr>
+                      </a:br>
+                      <a:r>
+                        <a:rPr lang="en-US" sz="700" u="sng" dirty="0">
+                          <a:effectLst/>
+                        </a:rPr>
+                        <a:t> bit size</a:t>
+                      </a:r>
+                      <a:endParaRPr lang="en-US" sz="700" dirty="0">
+                        <a:effectLst/>
+                        <a:latin typeface="Calibri" panose="020F0502020204030204" pitchFamily="34" charset="0"/>
+                        <a:ea typeface="Calibri" panose="020F0502020204030204" pitchFamily="34" charset="0"/>
+                        <a:cs typeface="Arial" panose="020B0604020202020204" pitchFamily="34" charset="0"/>
+                      </a:endParaRPr>
+                    </a:p>
+                  </a:txBody>
+                  <a:tcPr marL="68580" marR="68580" marT="0" marB="0"/>
+                </a:tc>
+                <a:tc>
+                  <a:txBody>
+                    <a:bodyPr/>
+                    <a:lstStyle/>
+                    <a:p>
+                      <a:pPr marL="0" marR="0" algn="l">
+                        <a:lnSpc>
+                          <a:spcPct val="107000"/>
+                        </a:lnSpc>
+                        <a:spcBef>
+                          <a:spcPts val="0"/>
+                        </a:spcBef>
+                        <a:spcAft>
+                          <a:spcPts val="0"/>
+                        </a:spcAft>
+                      </a:pPr>
+                      <a:r>
+                        <a:rPr lang="en-US" sz="900">
+                          <a:effectLst/>
+                        </a:rPr>
+                        <a:t>87</a:t>
+                      </a:r>
+                      <a:endParaRPr lang="en-US" sz="1100">
+                        <a:effectLst/>
+                        <a:latin typeface="Calibri" panose="020F0502020204030204" pitchFamily="34" charset="0"/>
+                        <a:ea typeface="Calibri" panose="020F0502020204030204" pitchFamily="34" charset="0"/>
+                        <a:cs typeface="Arial" panose="020B0604020202020204" pitchFamily="34" charset="0"/>
+                      </a:endParaRPr>
+                    </a:p>
+                  </a:txBody>
+                  <a:tcPr marL="68580" marR="68580" marT="0" marB="0"/>
+                </a:tc>
+                <a:tc>
+                  <a:txBody>
+                    <a:bodyPr/>
+                    <a:lstStyle/>
+                    <a:p>
+                      <a:pPr marL="0" marR="0" algn="l">
+                        <a:lnSpc>
+                          <a:spcPct val="107000"/>
+                        </a:lnSpc>
+                        <a:spcBef>
+                          <a:spcPts val="0"/>
+                        </a:spcBef>
+                        <a:spcAft>
+                          <a:spcPts val="0"/>
+                        </a:spcAft>
+                      </a:pPr>
+                      <a:r>
+                        <a:rPr lang="en-US" sz="900">
+                          <a:effectLst/>
+                        </a:rPr>
+                        <a:t>51</a:t>
+                      </a:r>
+                      <a:endParaRPr lang="en-US" sz="1100">
+                        <a:effectLst/>
+                        <a:latin typeface="Calibri" panose="020F0502020204030204" pitchFamily="34" charset="0"/>
+                        <a:ea typeface="Calibri" panose="020F0502020204030204" pitchFamily="34" charset="0"/>
+                        <a:cs typeface="Arial" panose="020B0604020202020204" pitchFamily="34" charset="0"/>
+                      </a:endParaRPr>
+                    </a:p>
+                  </a:txBody>
+                  <a:tcPr marL="68580" marR="68580" marT="0" marB="0"/>
+                </a:tc>
+                <a:tc>
+                  <a:txBody>
+                    <a:bodyPr/>
+                    <a:lstStyle/>
+                    <a:p>
+                      <a:pPr marL="0" marR="0" algn="l">
+                        <a:lnSpc>
+                          <a:spcPct val="107000"/>
+                        </a:lnSpc>
+                        <a:spcBef>
+                          <a:spcPts val="0"/>
+                        </a:spcBef>
+                        <a:spcAft>
+                          <a:spcPts val="0"/>
+                        </a:spcAft>
+                      </a:pPr>
+                      <a:r>
+                        <a:rPr lang="en-US" sz="900" dirty="0">
+                          <a:effectLst/>
+                        </a:rPr>
+                        <a:t>14,386</a:t>
+                      </a:r>
+                      <a:endParaRPr lang="en-US" sz="1100" dirty="0">
+                        <a:effectLst/>
+                        <a:latin typeface="Calibri" panose="020F0502020204030204" pitchFamily="34" charset="0"/>
+                        <a:ea typeface="Calibri" panose="020F0502020204030204" pitchFamily="34" charset="0"/>
+                        <a:cs typeface="Arial" panose="020B0604020202020204" pitchFamily="34" charset="0"/>
+                      </a:endParaRPr>
+                    </a:p>
+                  </a:txBody>
+                  <a:tcPr marL="68580" marR="68580" marT="0" marB="0"/>
+                </a:tc>
+                <a:extLst>
+                  <a:ext uri="{0D108BD9-81ED-4DB2-BD59-A6C34878D82A}">
+                    <a16:rowId xmlns:a16="http://schemas.microsoft.com/office/drawing/2014/main" val="3287606008"/>
+                  </a:ext>
+                </a:extLst>
+              </a:tr>
+            </a:tbl>
+          </a:graphicData>
+        </a:graphic>
+      </p:graphicFrame>
+      <p:cxnSp>
+        <p:nvCxnSpPr>
+          <p:cNvPr id="60" name="מחבר ישר 59">
+            <a:extLst>
+              <a:ext uri="{FF2B5EF4-FFF2-40B4-BE49-F238E27FC236}">
+                <a16:creationId xmlns:a16="http://schemas.microsoft.com/office/drawing/2014/main" id="{FE74F668-A5AE-4F02-5A51-385504CC1FC0}"/>
+              </a:ext>
+            </a:extLst>
+          </p:cNvPr>
+          <p:cNvCxnSpPr>
+            <a:cxnSpLocks/>
+          </p:cNvCxnSpPr>
+          <p:nvPr/>
+        </p:nvCxnSpPr>
+        <p:spPr>
+          <a:xfrm>
+            <a:off x="4245833" y="7898725"/>
+            <a:ext cx="1036357" cy="345206"/>
+          </a:xfrm>
+          <a:prstGeom prst="line">
+            <a:avLst/>
+          </a:prstGeom>
+          <a:ln>
+            <a:solidFill>
+              <a:schemeClr val="bg1"/>
+            </a:solidFill>
+          </a:ln>
+        </p:spPr>
+        <p:style>
+          <a:lnRef idx="1">
+            <a:schemeClr val="accent1"/>
+          </a:lnRef>
+          <a:fillRef idx="0">
+            <a:schemeClr val="accent1"/>
+          </a:fillRef>
+          <a:effectRef idx="0">
+            <a:schemeClr val="accent1"/>
+          </a:effectRef>
+          <a:fontRef idx="minor">
+            <a:schemeClr val="tx1"/>
+          </a:fontRef>
+        </p:style>
+      </p:cxnSp>
+      <p:pic>
+        <p:nvPicPr>
+          <p:cNvPr id="63" name="תמונה 62">
+            <a:extLst>
+              <a:ext uri="{FF2B5EF4-FFF2-40B4-BE49-F238E27FC236}">
+                <a16:creationId xmlns:a16="http://schemas.microsoft.com/office/drawing/2014/main" id="{AAE3EFD4-8B7A-D61D-4963-451C6AE57890}"/>
+              </a:ext>
+            </a:extLst>
+          </p:cNvPr>
+          <p:cNvPicPr>
+            <a:picLocks noChangeAspect="1"/>
+          </p:cNvPicPr>
+          <p:nvPr/>
+        </p:nvPicPr>
+        <p:blipFill>
+          <a:blip r:embed="rId10"/>
+          <a:stretch>
+            <a:fillRect/>
+          </a:stretch>
+        </p:blipFill>
+        <p:spPr>
+          <a:xfrm>
+            <a:off x="266485" y="7845427"/>
+            <a:ext cx="1591928" cy="920384"/>
+          </a:xfrm>
+          <a:prstGeom prst="rect">
+            <a:avLst/>
+          </a:prstGeom>
+        </p:spPr>
+      </p:pic>
+      <p:pic>
+        <p:nvPicPr>
+          <p:cNvPr id="65" name="תמונה 64">
+            <a:extLst>
+              <a:ext uri="{FF2B5EF4-FFF2-40B4-BE49-F238E27FC236}">
+                <a16:creationId xmlns:a16="http://schemas.microsoft.com/office/drawing/2014/main" id="{7D6F228C-8C45-6060-E791-3920B7C70769}"/>
+              </a:ext>
+            </a:extLst>
+          </p:cNvPr>
+          <p:cNvPicPr>
+            <a:picLocks noChangeAspect="1"/>
+          </p:cNvPicPr>
+          <p:nvPr/>
+        </p:nvPicPr>
+        <p:blipFill>
+          <a:blip r:embed="rId11"/>
+          <a:stretch>
+            <a:fillRect/>
+          </a:stretch>
+        </p:blipFill>
+        <p:spPr>
+          <a:xfrm>
+            <a:off x="1907674" y="8171637"/>
+            <a:ext cx="1591909" cy="929012"/>
+          </a:xfrm>
+          <a:prstGeom prst="rect">
+            <a:avLst/>
+          </a:prstGeom>
+        </p:spPr>
+      </p:pic>
+      <p:pic>
+        <p:nvPicPr>
+          <p:cNvPr id="67" name="תמונה 66">
+            <a:extLst>
+              <a:ext uri="{FF2B5EF4-FFF2-40B4-BE49-F238E27FC236}">
+                <a16:creationId xmlns:a16="http://schemas.microsoft.com/office/drawing/2014/main" id="{9397ECB9-5758-A191-81B3-8B261CEE7BC3}"/>
+              </a:ext>
+            </a:extLst>
+          </p:cNvPr>
+          <p:cNvPicPr>
+            <a:picLocks noChangeAspect="1"/>
+          </p:cNvPicPr>
+          <p:nvPr/>
+        </p:nvPicPr>
+        <p:blipFill>
+          <a:blip r:embed="rId12"/>
+          <a:stretch>
+            <a:fillRect/>
+          </a:stretch>
+        </p:blipFill>
+        <p:spPr>
+          <a:xfrm>
+            <a:off x="196740" y="8813433"/>
+            <a:ext cx="1682717" cy="1036228"/>
+          </a:xfrm>
+          <a:prstGeom prst="rect">
+            <a:avLst/>
+          </a:prstGeom>
+        </p:spPr>
+      </p:pic>
+      <p:sp>
+        <p:nvSpPr>
+          <p:cNvPr id="71" name="תיבת טקסט 70">
+            <a:extLst>
+              <a:ext uri="{FF2B5EF4-FFF2-40B4-BE49-F238E27FC236}">
+                <a16:creationId xmlns:a16="http://schemas.microsoft.com/office/drawing/2014/main" id="{C20B6973-05F4-9406-F056-DA419740DA1D}"/>
+              </a:ext>
+            </a:extLst>
+          </p:cNvPr>
+          <p:cNvSpPr txBox="1"/>
+          <p:nvPr/>
+        </p:nvSpPr>
+        <p:spPr>
+          <a:xfrm>
+            <a:off x="240783" y="7827542"/>
+            <a:ext cx="1666891" cy="945935"/>
+          </a:xfrm>
+          <a:prstGeom prst="rect">
+            <a:avLst/>
+          </a:prstGeom>
+          <a:noFill/>
+          <a:ln w="12700">
+            <a:solidFill>
+              <a:schemeClr val="accent1"/>
+            </a:solidFill>
+          </a:ln>
+        </p:spPr>
+        <p:txBody>
+          <a:bodyPr wrap="square" rtlCol="0">
+            <a:spAutoFit/>
+          </a:bodyPr>
+          <a:lstStyle/>
+          <a:p>
+            <a:endParaRPr lang="en-US" dirty="0"/>
+          </a:p>
+        </p:txBody>
+      </p:sp>
+      <p:sp>
+        <p:nvSpPr>
+          <p:cNvPr id="72" name="תיבת טקסט 71">
+            <a:extLst>
+              <a:ext uri="{FF2B5EF4-FFF2-40B4-BE49-F238E27FC236}">
+                <a16:creationId xmlns:a16="http://schemas.microsoft.com/office/drawing/2014/main" id="{5D004286-7929-B811-B745-28ABE95BEB56}"/>
+              </a:ext>
+            </a:extLst>
+          </p:cNvPr>
+          <p:cNvSpPr txBox="1"/>
+          <p:nvPr/>
+        </p:nvSpPr>
+        <p:spPr>
+          <a:xfrm>
+            <a:off x="1904548" y="8143344"/>
+            <a:ext cx="1627306" cy="985597"/>
+          </a:xfrm>
+          <a:prstGeom prst="rect">
+            <a:avLst/>
+          </a:prstGeom>
+          <a:noFill/>
+          <a:ln w="12700">
+            <a:solidFill>
+              <a:schemeClr val="accent1"/>
+            </a:solidFill>
+          </a:ln>
+        </p:spPr>
+        <p:txBody>
+          <a:bodyPr wrap="square" rtlCol="0">
+            <a:spAutoFit/>
+          </a:bodyPr>
+          <a:lstStyle/>
+          <a:p>
+            <a:endParaRPr lang="en-US" dirty="0"/>
+          </a:p>
+        </p:txBody>
+      </p:sp>
+      <p:sp>
+        <p:nvSpPr>
+          <p:cNvPr id="73" name="תיבת טקסט 72">
+            <a:extLst>
+              <a:ext uri="{FF2B5EF4-FFF2-40B4-BE49-F238E27FC236}">
+                <a16:creationId xmlns:a16="http://schemas.microsoft.com/office/drawing/2014/main" id="{A77B09CA-3F6D-E66B-FFE4-32751CFB3740}"/>
+              </a:ext>
+            </a:extLst>
+          </p:cNvPr>
+          <p:cNvSpPr txBox="1"/>
+          <p:nvPr/>
+        </p:nvSpPr>
+        <p:spPr>
+          <a:xfrm>
+            <a:off x="217165" y="8791362"/>
+            <a:ext cx="1690509" cy="1072346"/>
+          </a:xfrm>
+          <a:prstGeom prst="rect">
+            <a:avLst/>
+          </a:prstGeom>
+          <a:noFill/>
+          <a:ln w="12700">
+            <a:solidFill>
+              <a:schemeClr val="accent1"/>
+            </a:solidFill>
+          </a:ln>
+        </p:spPr>
+        <p:txBody>
+          <a:bodyPr wrap="square" rtlCol="0">
+            <a:spAutoFit/>
+          </a:bodyPr>
+          <a:lstStyle/>
+          <a:p>
+            <a:endParaRPr lang="en-US" dirty="0"/>
+          </a:p>
+        </p:txBody>
+      </p:sp>
+      <p:sp>
+        <p:nvSpPr>
+          <p:cNvPr id="75" name="חץ: שמאלה-ימינה 74">
+            <a:extLst>
+              <a:ext uri="{FF2B5EF4-FFF2-40B4-BE49-F238E27FC236}">
+                <a16:creationId xmlns:a16="http://schemas.microsoft.com/office/drawing/2014/main" id="{22F7B87B-B4E4-3273-3223-2BB5CDB7A96C}"/>
+              </a:ext>
+            </a:extLst>
+          </p:cNvPr>
+          <p:cNvSpPr/>
+          <p:nvPr/>
+        </p:nvSpPr>
+        <p:spPr>
+          <a:xfrm>
+            <a:off x="3680460" y="8300509"/>
+            <a:ext cx="426720" cy="168007"/>
+          </a:xfrm>
+          <a:prstGeom prst="leftRightArrow">
+            <a:avLst/>
+          </a:prstGeom>
+        </p:spPr>
+        <p:style>
+          <a:lnRef idx="2">
+            <a:schemeClr val="accent1">
+              <a:shade val="50000"/>
+            </a:schemeClr>
+          </a:lnRef>
+          <a:fillRef idx="1">
+            <a:schemeClr val="accent1"/>
+          </a:fillRef>
+          <a:effectRef idx="0">
+            <a:schemeClr val="accent1"/>
+          </a:effectRef>
+          <a:fontRef idx="minor">
+            <a:schemeClr val="lt1"/>
+          </a:fontRef>
+        </p:style>
+        <p:txBody>
+          <a:bodyPr rtlCol="0" anchor="ctr"/>
+          <a:lstStyle/>
+          <a:p>
+            <a:pPr algn="ctr"/>
+            <a:endParaRPr lang="en-US"/>
+          </a:p>
+        </p:txBody>
+      </p:sp>
+      <p:sp>
+        <p:nvSpPr>
+          <p:cNvPr id="76" name="תיבת טקסט 75">
+            <a:extLst>
+              <a:ext uri="{FF2B5EF4-FFF2-40B4-BE49-F238E27FC236}">
+                <a16:creationId xmlns:a16="http://schemas.microsoft.com/office/drawing/2014/main" id="{8D7251EF-81EF-0993-0FE6-1580117FB3D8}"/>
+              </a:ext>
+            </a:extLst>
+          </p:cNvPr>
+          <p:cNvSpPr txBox="1"/>
+          <p:nvPr/>
+        </p:nvSpPr>
+        <p:spPr>
+          <a:xfrm>
+            <a:off x="508337" y="6830709"/>
+            <a:ext cx="910868" cy="230832"/>
+          </a:xfrm>
+          <a:prstGeom prst="rect">
+            <a:avLst/>
+          </a:prstGeom>
+          <a:noFill/>
+          <a:ln>
+            <a:solidFill>
+              <a:schemeClr val="accent1"/>
+            </a:solidFill>
+          </a:ln>
+        </p:spPr>
+        <p:txBody>
+          <a:bodyPr wrap="square" rtlCol="0">
+            <a:spAutoFit/>
+          </a:bodyPr>
+          <a:lstStyle/>
+          <a:p>
+            <a:r>
+              <a:rPr lang="en-US" sz="900" dirty="0">
+                <a:solidFill>
+                  <a:schemeClr val="accent1"/>
+                </a:solidFill>
+              </a:rPr>
+              <a:t>Array example:</a:t>
+            </a:r>
+          </a:p>
+        </p:txBody>
+      </p:sp>
+      <p:sp>
+        <p:nvSpPr>
+          <p:cNvPr id="78" name="תיבת טקסט 77">
+            <a:extLst>
+              <a:ext uri="{FF2B5EF4-FFF2-40B4-BE49-F238E27FC236}">
+                <a16:creationId xmlns:a16="http://schemas.microsoft.com/office/drawing/2014/main" id="{DBAD0773-92B1-AF77-87E2-FBCFC1ECB7CB}"/>
+              </a:ext>
+            </a:extLst>
+          </p:cNvPr>
+          <p:cNvSpPr txBox="1"/>
+          <p:nvPr/>
+        </p:nvSpPr>
+        <p:spPr>
+          <a:xfrm>
+            <a:off x="499220" y="7599682"/>
+            <a:ext cx="1799568" cy="200055"/>
+          </a:xfrm>
+          <a:prstGeom prst="rect">
+            <a:avLst/>
+          </a:prstGeom>
+          <a:noFill/>
+          <a:ln>
+            <a:solidFill>
+              <a:schemeClr val="accent1"/>
+            </a:solidFill>
+          </a:ln>
+        </p:spPr>
+        <p:txBody>
+          <a:bodyPr wrap="square" rtlCol="0">
+            <a:spAutoFit/>
+          </a:bodyPr>
+          <a:lstStyle/>
+          <a:p>
+            <a:r>
+              <a:rPr lang="en-US" sz="700" dirty="0">
+                <a:solidFill>
+                  <a:schemeClr val="accent1"/>
+                </a:solidFill>
+              </a:rPr>
+              <a:t>100K Array(2^3 </a:t>
+            </a:r>
+            <a:r>
+              <a:rPr lang="en-US" sz="700" dirty="0">
+                <a:solidFill>
+                  <a:schemeClr val="accent1"/>
+                </a:solidFill>
+                <a:latin typeface="Assistant" pitchFamily="2" charset="-79"/>
+                <a:cs typeface="Assistant" pitchFamily="2" charset="-79"/>
+              </a:rPr>
+              <a:t>variables)</a:t>
+            </a:r>
+            <a:r>
+              <a:rPr lang="en-US" sz="700" dirty="0">
+                <a:solidFill>
+                  <a:schemeClr val="accent1"/>
+                </a:solidFill>
+              </a:rPr>
+              <a:t> bit size  diagrams</a:t>
+            </a:r>
+          </a:p>
+        </p:txBody>
+      </p:sp>
+      <p:sp>
+        <p:nvSpPr>
+          <p:cNvPr id="79" name="מלבן 78">
+            <a:extLst>
+              <a:ext uri="{FF2B5EF4-FFF2-40B4-BE49-F238E27FC236}">
+                <a16:creationId xmlns:a16="http://schemas.microsoft.com/office/drawing/2014/main" id="{9BF92487-7D17-8541-6650-75DDF018007C}"/>
+              </a:ext>
+            </a:extLst>
+          </p:cNvPr>
+          <p:cNvSpPr/>
+          <p:nvPr/>
+        </p:nvSpPr>
+        <p:spPr>
+          <a:xfrm>
+            <a:off x="1980540" y="9224783"/>
+            <a:ext cx="127660" cy="131099"/>
+          </a:xfrm>
+          <a:prstGeom prst="rect">
+            <a:avLst/>
+          </a:prstGeom>
+          <a:solidFill>
+            <a:schemeClr val="accent1"/>
+          </a:solidFill>
+          <a:ln>
+            <a:solidFill>
+              <a:schemeClr val="bg1"/>
+            </a:solidFill>
+          </a:ln>
+        </p:spPr>
+        <p:style>
+          <a:lnRef idx="2">
+            <a:schemeClr val="accent1">
+              <a:shade val="50000"/>
+            </a:schemeClr>
+          </a:lnRef>
+          <a:fillRef idx="1">
+            <a:schemeClr val="accent1"/>
+          </a:fillRef>
+          <a:effectRef idx="0">
+            <a:schemeClr val="accent1"/>
+          </a:effectRef>
+          <a:fontRef idx="minor">
+            <a:schemeClr val="lt1"/>
+          </a:fontRef>
+        </p:style>
+        <p:txBody>
+          <a:bodyPr rtlCol="0" anchor="ctr"/>
+          <a:lstStyle/>
+          <a:p>
+            <a:pPr algn="ctr"/>
+            <a:endParaRPr lang="en-US"/>
+          </a:p>
+        </p:txBody>
+      </p:sp>
+      <p:sp>
+        <p:nvSpPr>
+          <p:cNvPr id="80" name="מלבן 79">
+            <a:extLst>
+              <a:ext uri="{FF2B5EF4-FFF2-40B4-BE49-F238E27FC236}">
+                <a16:creationId xmlns:a16="http://schemas.microsoft.com/office/drawing/2014/main" id="{E094B73C-97AD-2FDB-28EE-88A58914A178}"/>
+              </a:ext>
+            </a:extLst>
+          </p:cNvPr>
+          <p:cNvSpPr/>
+          <p:nvPr/>
+        </p:nvSpPr>
+        <p:spPr>
+          <a:xfrm>
+            <a:off x="1980540" y="9384174"/>
+            <a:ext cx="127660" cy="131099"/>
+          </a:xfrm>
+          <a:prstGeom prst="rect">
+            <a:avLst/>
+          </a:prstGeom>
+          <a:solidFill>
+            <a:schemeClr val="accent2"/>
+          </a:solidFill>
+          <a:ln>
+            <a:solidFill>
+              <a:schemeClr val="bg1"/>
+            </a:solidFill>
+          </a:ln>
+        </p:spPr>
+        <p:style>
+          <a:lnRef idx="2">
+            <a:schemeClr val="accent1">
+              <a:shade val="50000"/>
+            </a:schemeClr>
+          </a:lnRef>
+          <a:fillRef idx="1">
+            <a:schemeClr val="accent1"/>
+          </a:fillRef>
+          <a:effectRef idx="0">
+            <a:schemeClr val="accent1"/>
+          </a:effectRef>
+          <a:fontRef idx="minor">
+            <a:schemeClr val="lt1"/>
+          </a:fontRef>
+        </p:style>
+        <p:txBody>
+          <a:bodyPr rtlCol="0" anchor="ctr"/>
+          <a:lstStyle/>
+          <a:p>
+            <a:pPr algn="ctr"/>
+            <a:endParaRPr lang="en-US"/>
+          </a:p>
+        </p:txBody>
+      </p:sp>
+      <p:sp>
+        <p:nvSpPr>
+          <p:cNvPr id="81" name="מלבן 80">
+            <a:extLst>
+              <a:ext uri="{FF2B5EF4-FFF2-40B4-BE49-F238E27FC236}">
+                <a16:creationId xmlns:a16="http://schemas.microsoft.com/office/drawing/2014/main" id="{00008970-B621-B614-3C8E-F61F3E151A30}"/>
+              </a:ext>
+            </a:extLst>
+          </p:cNvPr>
+          <p:cNvSpPr/>
+          <p:nvPr/>
+        </p:nvSpPr>
+        <p:spPr>
+          <a:xfrm>
+            <a:off x="1980540" y="9548209"/>
+            <a:ext cx="127660" cy="121262"/>
+          </a:xfrm>
+          <a:prstGeom prst="rect">
+            <a:avLst/>
+          </a:prstGeom>
+          <a:solidFill>
+            <a:srgbClr val="389841"/>
+          </a:solidFill>
+          <a:ln>
+            <a:solidFill>
+              <a:schemeClr val="bg1"/>
+            </a:solidFill>
+          </a:ln>
+        </p:spPr>
+        <p:style>
+          <a:lnRef idx="2">
+            <a:schemeClr val="accent1">
+              <a:shade val="50000"/>
+            </a:schemeClr>
+          </a:lnRef>
+          <a:fillRef idx="1">
+            <a:schemeClr val="accent1"/>
+          </a:fillRef>
+          <a:effectRef idx="0">
+            <a:schemeClr val="accent1"/>
+          </a:effectRef>
+          <a:fontRef idx="minor">
+            <a:schemeClr val="lt1"/>
+          </a:fontRef>
+        </p:style>
+        <p:txBody>
+          <a:bodyPr rtlCol="0" anchor="ctr"/>
+          <a:lstStyle/>
+          <a:p>
+            <a:pPr algn="ctr"/>
+            <a:endParaRPr lang="en-US"/>
+          </a:p>
+        </p:txBody>
+      </p:sp>
+      <p:sp>
+        <p:nvSpPr>
+          <p:cNvPr id="82" name="תיבת טקסט 81">
+            <a:extLst>
+              <a:ext uri="{FF2B5EF4-FFF2-40B4-BE49-F238E27FC236}">
+                <a16:creationId xmlns:a16="http://schemas.microsoft.com/office/drawing/2014/main" id="{D547A08D-4467-491A-70CB-E1D85B0CF99A}"/>
+              </a:ext>
+            </a:extLst>
+          </p:cNvPr>
+          <p:cNvSpPr txBox="1"/>
+          <p:nvPr/>
+        </p:nvSpPr>
+        <p:spPr>
+          <a:xfrm>
+            <a:off x="2022909" y="9367085"/>
+            <a:ext cx="424252" cy="169277"/>
+          </a:xfrm>
+          <a:prstGeom prst="rect">
+            <a:avLst/>
+          </a:prstGeom>
+          <a:noFill/>
+        </p:spPr>
+        <p:txBody>
+          <a:bodyPr wrap="square" rtlCol="0">
+            <a:spAutoFit/>
+          </a:bodyPr>
+          <a:lstStyle/>
+          <a:p>
+            <a:r>
+              <a:rPr lang="en-US" sz="500" dirty="0"/>
+              <a:t> </a:t>
+            </a:r>
+            <a:r>
+              <a:rPr lang="en-US" sz="400" dirty="0"/>
+              <a:t>- Equals</a:t>
+            </a:r>
+          </a:p>
+        </p:txBody>
+      </p:sp>
+      <p:sp>
+        <p:nvSpPr>
+          <p:cNvPr id="83" name="תיבת טקסט 82">
+            <a:extLst>
+              <a:ext uri="{FF2B5EF4-FFF2-40B4-BE49-F238E27FC236}">
+                <a16:creationId xmlns:a16="http://schemas.microsoft.com/office/drawing/2014/main" id="{8182F867-0348-65F4-843E-A23D6A2D2AC5}"/>
+              </a:ext>
+            </a:extLst>
+          </p:cNvPr>
+          <p:cNvSpPr txBox="1"/>
+          <p:nvPr/>
+        </p:nvSpPr>
+        <p:spPr>
+          <a:xfrm>
+            <a:off x="2028852" y="9193808"/>
+            <a:ext cx="539871" cy="169277"/>
+          </a:xfrm>
+          <a:prstGeom prst="rect">
+            <a:avLst/>
+          </a:prstGeom>
+          <a:noFill/>
+        </p:spPr>
+        <p:txBody>
+          <a:bodyPr wrap="square" rtlCol="0">
+            <a:spAutoFit/>
+          </a:bodyPr>
+          <a:lstStyle/>
+          <a:p>
+            <a:r>
+              <a:rPr lang="en-US" sz="500" dirty="0"/>
+              <a:t> </a:t>
+            </a:r>
+            <a:r>
+              <a:rPr lang="en-US" sz="400" dirty="0"/>
+              <a:t>- </a:t>
+            </a:r>
+            <a:r>
+              <a:rPr lang="en-US" sz="400" dirty="0" err="1"/>
+              <a:t>Haar</a:t>
+            </a:r>
+            <a:r>
+              <a:rPr lang="en-US" sz="400" dirty="0"/>
+              <a:t> Integer</a:t>
+            </a:r>
+          </a:p>
+        </p:txBody>
+      </p:sp>
+      <p:sp>
+        <p:nvSpPr>
+          <p:cNvPr id="84" name="תיבת טקסט 83">
+            <a:extLst>
+              <a:ext uri="{FF2B5EF4-FFF2-40B4-BE49-F238E27FC236}">
+                <a16:creationId xmlns:a16="http://schemas.microsoft.com/office/drawing/2014/main" id="{DC5301D3-B7F2-2A2A-5AAA-62B01F8CAEA4}"/>
+              </a:ext>
+            </a:extLst>
+          </p:cNvPr>
+          <p:cNvSpPr txBox="1"/>
+          <p:nvPr/>
+        </p:nvSpPr>
+        <p:spPr>
+          <a:xfrm>
+            <a:off x="2044701" y="9515273"/>
+            <a:ext cx="668947" cy="230832"/>
+          </a:xfrm>
+          <a:prstGeom prst="rect">
+            <a:avLst/>
+          </a:prstGeom>
+          <a:noFill/>
+        </p:spPr>
+        <p:txBody>
+          <a:bodyPr wrap="square" rtlCol="0">
+            <a:spAutoFit/>
+          </a:bodyPr>
+          <a:lstStyle/>
+          <a:p>
+            <a:r>
+              <a:rPr lang="en-US" sz="500" dirty="0"/>
+              <a:t> </a:t>
+            </a:r>
+            <a:r>
+              <a:rPr lang="en-US" sz="400" dirty="0"/>
+              <a:t>- </a:t>
+            </a:r>
+            <a:r>
+              <a:rPr lang="en-US" sz="400" dirty="0" err="1"/>
+              <a:t>Haar</a:t>
+            </a:r>
+            <a:r>
+              <a:rPr lang="en-US" sz="400" dirty="0"/>
+              <a:t> New</a:t>
+            </a:r>
+            <a:br>
+              <a:rPr lang="en-US" sz="400" dirty="0"/>
+            </a:br>
+            <a:r>
+              <a:rPr lang="en-US" sz="400" dirty="0"/>
+              <a:t> Transform</a:t>
+            </a:r>
+          </a:p>
+        </p:txBody>
+      </p:sp>
     </p:spTree>
     <p:extLst>
       <p:ext uri="{BB962C8B-B14F-4D97-AF65-F5344CB8AC3E}">

--- a/files/Poster Final Project 2022.pptx
+++ b/files/Poster Final Project 2022.pptx
@@ -243,7 +243,7 @@
           <a:p>
             <a:fld id="{73EE89F4-C31D-45E3-BFAA-D8E8790DFB86}" type="datetimeFigureOut">
               <a:rPr lang="en-US" smtClean="0"/>
-              <a:t>5/25/2022</a:t>
+              <a:t>5/26/2022</a:t>
             </a:fld>
             <a:endParaRPr lang="en-US"/>
           </a:p>
@@ -413,7 +413,7 @@
           <a:p>
             <a:fld id="{73EE89F4-C31D-45E3-BFAA-D8E8790DFB86}" type="datetimeFigureOut">
               <a:rPr lang="en-US" smtClean="0"/>
-              <a:t>5/25/2022</a:t>
+              <a:t>5/26/2022</a:t>
             </a:fld>
             <a:endParaRPr lang="en-US"/>
           </a:p>
@@ -593,7 +593,7 @@
           <a:p>
             <a:fld id="{73EE89F4-C31D-45E3-BFAA-D8E8790DFB86}" type="datetimeFigureOut">
               <a:rPr lang="en-US" smtClean="0"/>
-              <a:t>5/25/2022</a:t>
+              <a:t>5/26/2022</a:t>
             </a:fld>
             <a:endParaRPr lang="en-US"/>
           </a:p>
@@ -763,7 +763,7 @@
           <a:p>
             <a:fld id="{73EE89F4-C31D-45E3-BFAA-D8E8790DFB86}" type="datetimeFigureOut">
               <a:rPr lang="en-US" smtClean="0"/>
-              <a:t>5/25/2022</a:t>
+              <a:t>5/26/2022</a:t>
             </a:fld>
             <a:endParaRPr lang="en-US"/>
           </a:p>
@@ -1007,7 +1007,7 @@
           <a:p>
             <a:fld id="{73EE89F4-C31D-45E3-BFAA-D8E8790DFB86}" type="datetimeFigureOut">
               <a:rPr lang="en-US" smtClean="0"/>
-              <a:t>5/25/2022</a:t>
+              <a:t>5/26/2022</a:t>
             </a:fld>
             <a:endParaRPr lang="en-US"/>
           </a:p>
@@ -1239,7 +1239,7 @@
           <a:p>
             <a:fld id="{73EE89F4-C31D-45E3-BFAA-D8E8790DFB86}" type="datetimeFigureOut">
               <a:rPr lang="en-US" smtClean="0"/>
-              <a:t>5/25/2022</a:t>
+              <a:t>5/26/2022</a:t>
             </a:fld>
             <a:endParaRPr lang="en-US"/>
           </a:p>
@@ -1606,7 +1606,7 @@
           <a:p>
             <a:fld id="{73EE89F4-C31D-45E3-BFAA-D8E8790DFB86}" type="datetimeFigureOut">
               <a:rPr lang="en-US" smtClean="0"/>
-              <a:t>5/25/2022</a:t>
+              <a:t>5/26/2022</a:t>
             </a:fld>
             <a:endParaRPr lang="en-US"/>
           </a:p>
@@ -1724,7 +1724,7 @@
           <a:p>
             <a:fld id="{73EE89F4-C31D-45E3-BFAA-D8E8790DFB86}" type="datetimeFigureOut">
               <a:rPr lang="en-US" smtClean="0"/>
-              <a:t>5/25/2022</a:t>
+              <a:t>5/26/2022</a:t>
             </a:fld>
             <a:endParaRPr lang="en-US"/>
           </a:p>
@@ -1819,7 +1819,7 @@
           <a:p>
             <a:fld id="{73EE89F4-C31D-45E3-BFAA-D8E8790DFB86}" type="datetimeFigureOut">
               <a:rPr lang="en-US" smtClean="0"/>
-              <a:t>5/25/2022</a:t>
+              <a:t>5/26/2022</a:t>
             </a:fld>
             <a:endParaRPr lang="en-US"/>
           </a:p>
@@ -2096,7 +2096,7 @@
           <a:p>
             <a:fld id="{73EE89F4-C31D-45E3-BFAA-D8E8790DFB86}" type="datetimeFigureOut">
               <a:rPr lang="en-US" smtClean="0"/>
-              <a:t>5/25/2022</a:t>
+              <a:t>5/26/2022</a:t>
             </a:fld>
             <a:endParaRPr lang="en-US"/>
           </a:p>
@@ -2353,7 +2353,7 @@
           <a:p>
             <a:fld id="{73EE89F4-C31D-45E3-BFAA-D8E8790DFB86}" type="datetimeFigureOut">
               <a:rPr lang="en-US" smtClean="0"/>
-              <a:t>5/25/2022</a:t>
+              <a:t>5/26/2022</a:t>
             </a:fld>
             <a:endParaRPr lang="en-US"/>
           </a:p>
@@ -2566,7 +2566,7 @@
           <a:p>
             <a:fld id="{73EE89F4-C31D-45E3-BFAA-D8E8790DFB86}" type="datetimeFigureOut">
               <a:rPr lang="en-US" smtClean="0"/>
-              <a:t>5/25/2022</a:t>
+              <a:t>5/26/2022</a:t>
             </a:fld>
             <a:endParaRPr lang="en-US"/>
           </a:p>
@@ -3515,7 +3515,7 @@
         </p:nvSpPr>
         <p:spPr>
           <a:xfrm>
-            <a:off x="82404" y="3191636"/>
+            <a:off x="79856" y="3318285"/>
             <a:ext cx="2929204" cy="2517852"/>
           </a:xfrm>
           <a:prstGeom prst="roundRect">
@@ -3950,8 +3950,8 @@
         </p:nvSpPr>
         <p:spPr>
           <a:xfrm>
-            <a:off x="99292" y="6006504"/>
-            <a:ext cx="6703145" cy="3943348"/>
+            <a:off x="98323" y="5934943"/>
+            <a:ext cx="6729986" cy="4011486"/>
           </a:xfrm>
           <a:prstGeom prst="roundRect">
             <a:avLst/>
@@ -3999,28 +3999,7 @@
                 <a:ea typeface="Tahoma" pitchFamily="34" charset="0"/>
                 <a:cs typeface="Arial" pitchFamily="34" charset="0"/>
               </a:rPr>
-              <a:t>Solution Description (Algorithms, Modulation, Patterns, Infrastructure,   </a:t>
-            </a:r>
-            <a:br>
-              <a:rPr lang="en-US" sz="1200" u="sng" dirty="0">
-                <a:solidFill>
-                  <a:prstClr val="black"/>
-                </a:solidFill>
-                <a:latin typeface="Arial" pitchFamily="34" charset="0"/>
-                <a:ea typeface="Tahoma" pitchFamily="34" charset="0"/>
-                <a:cs typeface="Arial" pitchFamily="34" charset="0"/>
-              </a:rPr>
-            </a:br>
-            <a:r>
-              <a:rPr lang="en-US" sz="1200" u="sng" dirty="0">
-                <a:solidFill>
-                  <a:prstClr val="black"/>
-                </a:solidFill>
-                <a:latin typeface="Arial" pitchFamily="34" charset="0"/>
-                <a:ea typeface="Tahoma" pitchFamily="34" charset="0"/>
-                <a:cs typeface="Arial" pitchFamily="34" charset="0"/>
-              </a:rPr>
-              <a:t>     Functionality)</a:t>
+              <a:t>Solution Description:</a:t>
             </a:r>
             <a:endParaRPr lang="he-IL" sz="1200" u="sng" dirty="0">
               <a:solidFill>
@@ -4531,7 +4510,7 @@
           <p:nvPr/>
         </p:nvPicPr>
         <p:blipFill>
-          <a:blip r:embed="rId3">
+          <a:blip r:embed="rId2">
             <a:extLst>
               <a:ext uri="{28A0092B-C50C-407E-A947-70E740481C1C}">
                 <a14:useLocalDpi xmlns:a14="http://schemas.microsoft.com/office/drawing/2010/main" val="0"/>
@@ -4567,7 +4546,7 @@
           <p:nvPr/>
         </p:nvPicPr>
         <p:blipFill>
-          <a:blip r:embed="rId4"/>
+          <a:blip r:embed="rId3"/>
           <a:stretch>
             <a:fillRect/>
           </a:stretch>
@@ -4597,7 +4576,7 @@
           <p:nvPr/>
         </p:nvPicPr>
         <p:blipFill>
-          <a:blip r:embed="rId5"/>
+          <a:blip r:embed="rId4"/>
           <a:stretch>
             <a:fillRect/>
           </a:stretch>
@@ -4751,7 +4730,7 @@
           <p:nvPr/>
         </p:nvPicPr>
         <p:blipFill>
-          <a:blip r:embed="rId6">
+          <a:blip r:embed="rId5">
             <a:extLst>
               <a:ext uri="{28A0092B-C50C-407E-A947-70E740481C1C}">
                 <a14:useLocalDpi xmlns:a14="http://schemas.microsoft.com/office/drawing/2010/main" val="0"/>
@@ -4787,13 +4766,13 @@
           <p:nvPr>
             <p:extLst>
               <p:ext uri="{D42A27DB-BD31-4B8C-83A1-F6EECF244321}">
-                <p14:modId xmlns:p14="http://schemas.microsoft.com/office/powerpoint/2010/main" val="1805272764"/>
+                <p14:modId xmlns:p14="http://schemas.microsoft.com/office/powerpoint/2010/main" val="3880125943"/>
               </p:ext>
             </p:extLst>
           </p:nvPr>
         </p:nvGraphicFramePr>
         <p:xfrm>
-          <a:off x="166597" y="4124487"/>
+          <a:off x="119440" y="4270756"/>
           <a:ext cx="2817788" cy="1007677"/>
         </p:xfrm>
         <a:graphic>
@@ -5069,7 +5048,7 @@
           <p:nvPr/>
         </p:nvPicPr>
         <p:blipFill>
-          <a:blip r:embed="rId7"/>
+          <a:blip r:embed="rId6"/>
           <a:stretch>
             <a:fillRect/>
           </a:stretch>
@@ -5182,14 +5161,14 @@
           <p:nvPr/>
         </p:nvPicPr>
         <p:blipFill>
-          <a:blip r:embed="rId8"/>
+          <a:blip r:embed="rId7"/>
           <a:stretch>
             <a:fillRect/>
           </a:stretch>
         </p:blipFill>
         <p:spPr>
           <a:xfrm>
-            <a:off x="2708184" y="6876847"/>
+            <a:off x="2699775" y="7242313"/>
             <a:ext cx="1976233" cy="660155"/>
           </a:xfrm>
           <a:prstGeom prst="rect">
@@ -5212,14 +5191,14 @@
           <p:nvPr/>
         </p:nvPicPr>
         <p:blipFill>
-          <a:blip r:embed="rId9"/>
+          <a:blip r:embed="rId8"/>
           <a:stretch>
             <a:fillRect/>
           </a:stretch>
         </p:blipFill>
         <p:spPr>
           <a:xfrm>
-            <a:off x="4669131" y="6869799"/>
+            <a:off x="4661084" y="7150637"/>
             <a:ext cx="2052546" cy="689968"/>
           </a:xfrm>
           <a:prstGeom prst="rect">
@@ -5241,7 +5220,7 @@
         </p:nvSpPr>
         <p:spPr>
           <a:xfrm>
-            <a:off x="4676008" y="6742710"/>
+            <a:off x="4699155" y="6996834"/>
             <a:ext cx="988202" cy="184666"/>
           </a:xfrm>
           <a:prstGeom prst="rect">
@@ -5306,7 +5285,7 @@
         </p:nvSpPr>
         <p:spPr>
           <a:xfrm>
-            <a:off x="2648072" y="6730587"/>
+            <a:off x="2707080" y="7083312"/>
             <a:ext cx="696050" cy="184666"/>
           </a:xfrm>
           <a:prstGeom prst="rect">
@@ -5406,7 +5385,7 @@
         </p:nvSpPr>
         <p:spPr>
           <a:xfrm>
-            <a:off x="2682673" y="6747769"/>
+            <a:off x="2680473" y="7067927"/>
             <a:ext cx="2018682" cy="794637"/>
           </a:xfrm>
           <a:prstGeom prst="rect">
@@ -5443,7 +5422,7 @@
         </p:nvSpPr>
         <p:spPr>
           <a:xfrm>
-            <a:off x="4713892" y="6705162"/>
+            <a:off x="4706460" y="7010454"/>
             <a:ext cx="2040717" cy="879852"/>
           </a:xfrm>
           <a:prstGeom prst="rect">
@@ -5480,8 +5459,8 @@
         </p:nvSpPr>
         <p:spPr>
           <a:xfrm>
-            <a:off x="5836802" y="7663177"/>
-            <a:ext cx="181975" cy="200931"/>
+            <a:off x="5768960" y="7903926"/>
+            <a:ext cx="171095" cy="267711"/>
           </a:xfrm>
           <a:prstGeom prst="downArrow">
             <a:avLst/>
@@ -5526,7 +5505,7 @@
         </p:nvSpPr>
         <p:spPr>
           <a:xfrm>
-            <a:off x="2642236" y="6705162"/>
+            <a:off x="2659125" y="6988259"/>
             <a:ext cx="4143313" cy="926443"/>
           </a:xfrm>
           <a:prstGeom prst="rect">
@@ -5564,13 +5543,13 @@
           <p:nvPr>
             <p:extLst>
               <p:ext uri="{D42A27DB-BD31-4B8C-83A1-F6EECF244321}">
-                <p14:modId xmlns:p14="http://schemas.microsoft.com/office/powerpoint/2010/main" val="3728036311"/>
+                <p14:modId xmlns:p14="http://schemas.microsoft.com/office/powerpoint/2010/main" val="1127495892"/>
               </p:ext>
             </p:extLst>
           </p:nvPr>
         </p:nvGraphicFramePr>
         <p:xfrm>
-          <a:off x="4255786" y="7881469"/>
+          <a:off x="4141450" y="8199267"/>
           <a:ext cx="2519810" cy="895994"/>
         </p:xfrm>
         <a:graphic>
@@ -6046,12 +6025,12 @@
                         </a:spcAft>
                       </a:pPr>
                       <a:r>
-                        <a:rPr lang="en-US" sz="900">
+                        <a:rPr lang="en-US" sz="900" dirty="0">
                           <a:effectLst/>
                         </a:rPr>
                         <a:t>51</a:t>
                       </a:r>
-                      <a:endParaRPr lang="en-US" sz="1100">
+                      <a:endParaRPr lang="en-US" sz="1100" dirty="0">
                         <a:effectLst/>
                         <a:latin typeface="Calibri" panose="020F0502020204030204" pitchFamily="34" charset="0"/>
                         <a:ea typeface="Calibri" panose="020F0502020204030204" pitchFamily="34" charset="0"/>
@@ -6119,7 +6098,7 @@
         </p:nvCxnSpPr>
         <p:spPr>
           <a:xfrm>
-            <a:off x="4245833" y="7898725"/>
+            <a:off x="4145243" y="8222861"/>
             <a:ext cx="1036357" cy="345206"/>
           </a:xfrm>
           <a:prstGeom prst="line">
@@ -6161,7 +6140,7 @@
           <p:nvPr/>
         </p:nvPicPr>
         <p:blipFill>
-          <a:blip r:embed="rId10"/>
+          <a:blip r:embed="rId9"/>
           <a:stretch>
             <a:fillRect/>
           </a:stretch>
@@ -6191,7 +6170,7 @@
           <p:nvPr/>
         </p:nvPicPr>
         <p:blipFill>
-          <a:blip r:embed="rId11"/>
+          <a:blip r:embed="rId10"/>
           <a:stretch>
             <a:fillRect/>
           </a:stretch>
@@ -6221,7 +6200,7 @@
           <p:nvPr/>
         </p:nvPicPr>
         <p:blipFill>
-          <a:blip r:embed="rId12"/>
+          <a:blip r:embed="rId11"/>
           <a:stretch>
             <a:fillRect/>
           </a:stretch>
@@ -6361,7 +6340,7 @@
         </p:nvSpPr>
         <p:spPr>
           <a:xfrm>
-            <a:off x="3680460" y="8300509"/>
+            <a:off x="3623292" y="8488610"/>
             <a:ext cx="426720" cy="168007"/>
           </a:xfrm>
           <a:prstGeom prst="leftRightArrow">
@@ -6407,8 +6386,8 @@
         </p:nvSpPr>
         <p:spPr>
           <a:xfrm>
-            <a:off x="508337" y="6830709"/>
-            <a:ext cx="910868" cy="230832"/>
+            <a:off x="539784" y="6877981"/>
+            <a:ext cx="1093068" cy="276999"/>
           </a:xfrm>
           <a:prstGeom prst="rect">
             <a:avLst/>
@@ -6427,12 +6406,20 @@
           <a:lstStyle/>
           <a:p>
             <a:r>
+              <a:rPr lang="en-US" sz="1200" dirty="0">
+                <a:solidFill>
+                  <a:schemeClr val="accent1"/>
+                </a:solidFill>
+              </a:rPr>
+              <a:t>(1)</a:t>
+            </a:r>
+            <a:r>
               <a:rPr lang="en-US" sz="900" dirty="0">
                 <a:solidFill>
                   <a:schemeClr val="accent1"/>
                 </a:solidFill>
               </a:rPr>
-              <a:t>Array example:</a:t>
+              <a:t>-Array example:</a:t>
             </a:r>
           </a:p>
         </p:txBody>
@@ -6451,8 +6438,8 @@
         </p:nvSpPr>
         <p:spPr>
           <a:xfrm>
-            <a:off x="499220" y="7599682"/>
-            <a:ext cx="1799568" cy="200055"/>
+            <a:off x="266485" y="7557225"/>
+            <a:ext cx="2055560" cy="276999"/>
           </a:xfrm>
           <a:prstGeom prst="rect">
             <a:avLst/>
@@ -6471,12 +6458,20 @@
           <a:lstStyle/>
           <a:p>
             <a:r>
+              <a:rPr lang="en-US" sz="1200" dirty="0">
+                <a:solidFill>
+                  <a:schemeClr val="accent1"/>
+                </a:solidFill>
+              </a:rPr>
+              <a:t>(4)</a:t>
+            </a:r>
+            <a:r>
               <a:rPr lang="en-US" sz="700" dirty="0">
                 <a:solidFill>
                   <a:schemeClr val="accent1"/>
                 </a:solidFill>
               </a:rPr>
-              <a:t>100K Array(2^3 </a:t>
+              <a:t>-100K Array(2^3 </a:t>
             </a:r>
             <a:r>
               <a:rPr lang="en-US" sz="700" dirty="0">
@@ -6797,6 +6792,210 @@
             <a:r>
               <a:rPr lang="en-US" sz="400" dirty="0"/>
               <a:t> Transform</a:t>
+            </a:r>
+          </a:p>
+        </p:txBody>
+      </p:sp>
+      <p:sp>
+        <p:nvSpPr>
+          <p:cNvPr id="6" name="תיבת טקסט 5">
+            <a:extLst>
+              <a:ext uri="{FF2B5EF4-FFF2-40B4-BE49-F238E27FC236}">
+                <a16:creationId xmlns:a16="http://schemas.microsoft.com/office/drawing/2014/main" id="{FC86673C-3D4D-8623-59AF-6CF2B403653D}"/>
+              </a:ext>
+            </a:extLst>
+          </p:cNvPr>
+          <p:cNvSpPr txBox="1"/>
+          <p:nvPr/>
+        </p:nvSpPr>
+        <p:spPr>
+          <a:xfrm>
+            <a:off x="3968459" y="6726168"/>
+            <a:ext cx="1213141" cy="276999"/>
+          </a:xfrm>
+          <a:prstGeom prst="rect">
+            <a:avLst/>
+          </a:prstGeom>
+          <a:noFill/>
+          <a:ln>
+            <a:solidFill>
+              <a:schemeClr val="accent1"/>
+            </a:solidFill>
+          </a:ln>
+        </p:spPr>
+        <p:txBody>
+          <a:bodyPr wrap="square" rtlCol="0">
+            <a:spAutoFit/>
+          </a:bodyPr>
+          <a:lstStyle/>
+          <a:p>
+            <a:r>
+              <a:rPr lang="en-US" sz="1200" dirty="0">
+                <a:solidFill>
+                  <a:schemeClr val="accent1"/>
+                </a:solidFill>
+              </a:rPr>
+              <a:t>(2)</a:t>
+            </a:r>
+            <a:r>
+              <a:rPr lang="en-US" sz="900" dirty="0">
+                <a:solidFill>
+                  <a:schemeClr val="accent1"/>
+                </a:solidFill>
+              </a:rPr>
+              <a:t>-</a:t>
+            </a:r>
+            <a:r>
+              <a:rPr lang="en-US" sz="900" dirty="0" err="1">
+                <a:solidFill>
+                  <a:schemeClr val="accent1"/>
+                </a:solidFill>
+              </a:rPr>
+              <a:t>Haar</a:t>
+            </a:r>
+            <a:r>
+              <a:rPr lang="en-US" sz="900" dirty="0">
+                <a:solidFill>
+                  <a:schemeClr val="accent1"/>
+                </a:solidFill>
+              </a:rPr>
+              <a:t> algorithms :</a:t>
+            </a:r>
+          </a:p>
+        </p:txBody>
+      </p:sp>
+      <p:sp>
+        <p:nvSpPr>
+          <p:cNvPr id="54" name="תיבת טקסט 53">
+            <a:extLst>
+              <a:ext uri="{FF2B5EF4-FFF2-40B4-BE49-F238E27FC236}">
+                <a16:creationId xmlns:a16="http://schemas.microsoft.com/office/drawing/2014/main" id="{C395D84B-7DC6-60C3-650A-1B4CC43A09CE}"/>
+              </a:ext>
+            </a:extLst>
+          </p:cNvPr>
+          <p:cNvSpPr txBox="1"/>
+          <p:nvPr/>
+        </p:nvSpPr>
+        <p:spPr>
+          <a:xfrm>
+            <a:off x="4644871" y="7971394"/>
+            <a:ext cx="1096769" cy="276999"/>
+          </a:xfrm>
+          <a:prstGeom prst="rect">
+            <a:avLst/>
+          </a:prstGeom>
+          <a:noFill/>
+          <a:ln>
+            <a:solidFill>
+              <a:schemeClr val="accent1"/>
+            </a:solidFill>
+          </a:ln>
+        </p:spPr>
+        <p:txBody>
+          <a:bodyPr wrap="square" rtlCol="0">
+            <a:spAutoFit/>
+          </a:bodyPr>
+          <a:lstStyle/>
+          <a:p>
+            <a:r>
+              <a:rPr lang="en-US" sz="1200" dirty="0">
+                <a:solidFill>
+                  <a:schemeClr val="accent1"/>
+                </a:solidFill>
+              </a:rPr>
+              <a:t>(3)</a:t>
+            </a:r>
+            <a:r>
+              <a:rPr lang="en-US" sz="700" dirty="0">
+                <a:solidFill>
+                  <a:schemeClr val="accent1"/>
+                </a:solidFill>
+              </a:rPr>
+              <a:t>-bit size result table</a:t>
+            </a:r>
+          </a:p>
+        </p:txBody>
+      </p:sp>
+      <p:sp>
+        <p:nvSpPr>
+          <p:cNvPr id="20" name="תיבת טקסט 19">
+            <a:extLst>
+              <a:ext uri="{FF2B5EF4-FFF2-40B4-BE49-F238E27FC236}">
+                <a16:creationId xmlns:a16="http://schemas.microsoft.com/office/drawing/2014/main" id="{B02828D1-38D0-0A55-B2D0-F69660C70F51}"/>
+              </a:ext>
+            </a:extLst>
+          </p:cNvPr>
+          <p:cNvSpPr txBox="1"/>
+          <p:nvPr/>
+        </p:nvSpPr>
+        <p:spPr>
+          <a:xfrm>
+            <a:off x="2070978" y="6097499"/>
+            <a:ext cx="4085981" cy="461665"/>
+          </a:xfrm>
+          <a:prstGeom prst="rect">
+            <a:avLst/>
+          </a:prstGeom>
+          <a:noFill/>
+          <a:ln>
+            <a:solidFill>
+              <a:schemeClr val="tx1"/>
+            </a:solidFill>
+          </a:ln>
+        </p:spPr>
+        <p:txBody>
+          <a:bodyPr wrap="square" rtlCol="0">
+            <a:spAutoFit/>
+          </a:bodyPr>
+          <a:lstStyle/>
+          <a:p>
+            <a:r>
+              <a:rPr lang="en-US" sz="800" b="1" dirty="0"/>
+              <a:t>(1) </a:t>
+            </a:r>
+            <a:r>
+              <a:rPr lang="en-US" sz="800" dirty="0"/>
+              <a:t>Is a example of an array </a:t>
+            </a:r>
+            <a:r>
+              <a:rPr lang="en-US" sz="800" b="1" dirty="0"/>
+              <a:t>,(2) </a:t>
+            </a:r>
+            <a:r>
+              <a:rPr lang="en-US" sz="800" dirty="0"/>
+              <a:t>is the changes that each </a:t>
+            </a:r>
+            <a:r>
+              <a:rPr lang="en-US" sz="800" dirty="0" err="1"/>
+              <a:t>haar</a:t>
+            </a:r>
+            <a:r>
+              <a:rPr lang="en-US" sz="800" dirty="0"/>
+              <a:t> algorithm performs on the array variables,</a:t>
+            </a:r>
+            <a:r>
+              <a:rPr lang="en-US" sz="800" b="1" dirty="0"/>
+              <a:t> (3) </a:t>
+            </a:r>
+            <a:r>
+              <a:rPr lang="en-US" sz="800" dirty="0"/>
+              <a:t>a table contain the size of the compressed massage for each algorithm ,</a:t>
+            </a:r>
+            <a:r>
+              <a:rPr lang="en-US" sz="800" b="1" dirty="0"/>
+              <a:t>(4) </a:t>
+            </a:r>
+            <a:r>
+              <a:rPr lang="en-US" sz="800" dirty="0"/>
+              <a:t>contain the result of the better </a:t>
+            </a:r>
+            <a:r>
+              <a:rPr lang="en-US" sz="800" dirty="0" err="1"/>
+              <a:t>Haar</a:t>
+            </a:r>
+            <a:r>
+              <a:rPr lang="en-US" sz="800" dirty="0"/>
+              <a:t> algorithm for each compression in a 100k random arrays</a:t>
             </a:r>
           </a:p>
         </p:txBody>

--- a/files/Poster Final Project 2022.pptx
+++ b/files/Poster Final Project 2022.pptx
@@ -2,12 +2,12 @@
 <file path=ppt/presentation.xml><?xml version="1.0" encoding="utf-8"?>
 <p:presentation xmlns:a="http://schemas.openxmlformats.org/drawingml/2006/main" xmlns:r="http://schemas.openxmlformats.org/officeDocument/2006/relationships" xmlns:p="http://schemas.openxmlformats.org/presentationml/2006/main" saveSubsetFonts="1">
   <p:sldMasterIdLst>
-    <p:sldMasterId id="2147483696" r:id="rId1"/>
+    <p:sldMasterId id="2147483708" r:id="rId1"/>
   </p:sldMasterIdLst>
   <p:sldIdLst>
     <p:sldId id="257" r:id="rId2"/>
   </p:sldIdLst>
-  <p:sldSz cx="6858000" cy="10080625"/>
+  <p:sldSz cx="19799300" cy="32399288"/>
   <p:notesSz cx="6858000" cy="9144000"/>
   <p:defaultTextStyle>
     <a:defPPr>
@@ -114,7 +114,7 @@
 
 <file path=ppt/slideLayouts/slideLayout1.xml><?xml version="1.0" encoding="utf-8"?>
 <p:sldLayout xmlns:a="http://schemas.openxmlformats.org/drawingml/2006/main" xmlns:r="http://schemas.openxmlformats.org/officeDocument/2006/relationships" xmlns:p="http://schemas.openxmlformats.org/presentationml/2006/main" type="title" preserve="1">
-  <p:cSld name="Title Slide">
+  <p:cSld name="שקופית כותרת">
     <p:spTree>
       <p:nvGrpSpPr>
         <p:cNvPr id="1" name=""/>
@@ -141,21 +141,21 @@
         </p:nvSpPr>
         <p:spPr>
           <a:xfrm>
-            <a:off x="514350" y="1649770"/>
-            <a:ext cx="5829300" cy="3509551"/>
+            <a:off x="1484948" y="5302386"/>
+            <a:ext cx="16829405" cy="11279752"/>
           </a:xfrm>
         </p:spPr>
         <p:txBody>
           <a:bodyPr anchor="b"/>
           <a:lstStyle>
             <a:lvl1pPr algn="ctr">
-              <a:defRPr sz="4500"/>
+              <a:defRPr sz="12992"/>
             </a:lvl1pPr>
           </a:lstStyle>
           <a:p>
             <a:r>
-              <a:rPr lang="en-US"/>
-              <a:t>Click to edit Master title style</a:t>
+              <a:rPr lang="he-IL"/>
+              <a:t>לחץ כדי לערוך סגנון כותרת של תבנית בסיס</a:t>
             </a:r>
             <a:endParaRPr lang="en-US" dirty="0"/>
           </a:p>
@@ -173,8 +173,8 @@
         </p:nvSpPr>
         <p:spPr>
           <a:xfrm>
-            <a:off x="857250" y="5294662"/>
-            <a:ext cx="5143500" cy="2433817"/>
+            <a:off x="2474913" y="17017128"/>
+            <a:ext cx="14849475" cy="7822326"/>
           </a:xfrm>
         </p:spPr>
         <p:txBody>
@@ -182,45 +182,45 @@
           <a:lstStyle>
             <a:lvl1pPr marL="0" indent="0" algn="ctr">
               <a:buNone/>
-              <a:defRPr sz="1800"/>
+              <a:defRPr sz="5197"/>
             </a:lvl1pPr>
-            <a:lvl2pPr marL="342900" indent="0" algn="ctr">
+            <a:lvl2pPr marL="989975" indent="0" algn="ctr">
               <a:buNone/>
-              <a:defRPr sz="1500"/>
+              <a:defRPr sz="4331"/>
             </a:lvl2pPr>
-            <a:lvl3pPr marL="685800" indent="0" algn="ctr">
+            <a:lvl3pPr marL="1979950" indent="0" algn="ctr">
               <a:buNone/>
-              <a:defRPr sz="1350"/>
+              <a:defRPr sz="3898"/>
             </a:lvl3pPr>
-            <a:lvl4pPr marL="1028700" indent="0" algn="ctr">
+            <a:lvl4pPr marL="2969925" indent="0" algn="ctr">
               <a:buNone/>
-              <a:defRPr sz="1200"/>
+              <a:defRPr sz="3464"/>
             </a:lvl4pPr>
-            <a:lvl5pPr marL="1371600" indent="0" algn="ctr">
+            <a:lvl5pPr marL="3959901" indent="0" algn="ctr">
               <a:buNone/>
-              <a:defRPr sz="1200"/>
+              <a:defRPr sz="3464"/>
             </a:lvl5pPr>
-            <a:lvl6pPr marL="1714500" indent="0" algn="ctr">
+            <a:lvl6pPr marL="4949876" indent="0" algn="ctr">
               <a:buNone/>
-              <a:defRPr sz="1200"/>
+              <a:defRPr sz="3464"/>
             </a:lvl6pPr>
-            <a:lvl7pPr marL="2057400" indent="0" algn="ctr">
+            <a:lvl7pPr marL="5939851" indent="0" algn="ctr">
               <a:buNone/>
-              <a:defRPr sz="1200"/>
+              <a:defRPr sz="3464"/>
             </a:lvl7pPr>
-            <a:lvl8pPr marL="2400300" indent="0" algn="ctr">
+            <a:lvl8pPr marL="6929826" indent="0" algn="ctr">
               <a:buNone/>
-              <a:defRPr sz="1200"/>
+              <a:defRPr sz="3464"/>
             </a:lvl8pPr>
-            <a:lvl9pPr marL="2743200" indent="0" algn="ctr">
+            <a:lvl9pPr marL="7919801" indent="0" algn="ctr">
               <a:buNone/>
-              <a:defRPr sz="1200"/>
+              <a:defRPr sz="3464"/>
             </a:lvl9pPr>
           </a:lstStyle>
           <a:p>
             <a:r>
-              <a:rPr lang="en-US"/>
-              <a:t>Click to edit Master subtitle style</a:t>
+              <a:rPr lang="he-IL"/>
+              <a:t>לחץ כדי לערוך סגנון כותרת משנה של תבנית בסיס</a:t>
             </a:r>
             <a:endParaRPr lang="en-US" dirty="0"/>
           </a:p>
@@ -294,7 +294,7 @@
     </p:spTree>
     <p:extLst>
       <p:ext uri="{BB962C8B-B14F-4D97-AF65-F5344CB8AC3E}">
-        <p14:creationId xmlns:p14="http://schemas.microsoft.com/office/powerpoint/2010/main" val="1318713073"/>
+        <p14:creationId xmlns:p14="http://schemas.microsoft.com/office/powerpoint/2010/main" val="3065125571"/>
       </p:ext>
     </p:extLst>
   </p:cSld>
@@ -306,7 +306,7 @@
 
 <file path=ppt/slideLayouts/slideLayout10.xml><?xml version="1.0" encoding="utf-8"?>
 <p:sldLayout xmlns:a="http://schemas.openxmlformats.org/drawingml/2006/main" xmlns:r="http://schemas.openxmlformats.org/officeDocument/2006/relationships" xmlns:p="http://schemas.openxmlformats.org/presentationml/2006/main" type="vertTx" preserve="1">
-  <p:cSld name="Title and Vertical Text">
+  <p:cSld name="כותרת וטקסט אנכי">
     <p:spTree>
       <p:nvGrpSpPr>
         <p:cNvPr id="1" name=""/>
@@ -337,8 +337,8 @@
           <a:lstStyle/>
           <a:p>
             <a:r>
-              <a:rPr lang="en-US"/>
-              <a:t>Click to edit Master title style</a:t>
+              <a:rPr lang="he-IL"/>
+              <a:t>לחץ כדי לערוך סגנון כותרת של תבנית בסיס</a:t>
             </a:r>
             <a:endParaRPr lang="en-US" dirty="0"/>
           </a:p>
@@ -361,36 +361,36 @@
           <a:p>
             <a:pPr lvl="0"/>
             <a:r>
-              <a:rPr lang="en-US"/>
-              <a:t>Click to edit Master text styles</a:t>
+              <a:rPr lang="he-IL"/>
+              <a:t>לחץ כדי לערוך סגנונות טקסט של תבנית בסיס</a:t>
             </a:r>
           </a:p>
           <a:p>
             <a:pPr lvl="1"/>
             <a:r>
-              <a:rPr lang="en-US"/>
-              <a:t>Second level</a:t>
+              <a:rPr lang="he-IL"/>
+              <a:t>רמה שנייה</a:t>
             </a:r>
           </a:p>
           <a:p>
             <a:pPr lvl="2"/>
             <a:r>
-              <a:rPr lang="en-US"/>
-              <a:t>Third level</a:t>
+              <a:rPr lang="he-IL"/>
+              <a:t>רמה שלישית</a:t>
             </a:r>
           </a:p>
           <a:p>
             <a:pPr lvl="3"/>
             <a:r>
-              <a:rPr lang="en-US"/>
-              <a:t>Fourth level</a:t>
+              <a:rPr lang="he-IL"/>
+              <a:t>רמה רביעית</a:t>
             </a:r>
           </a:p>
           <a:p>
             <a:pPr lvl="4"/>
             <a:r>
-              <a:rPr lang="en-US"/>
-              <a:t>Fifth level</a:t>
+              <a:rPr lang="he-IL"/>
+              <a:t>רמה חמישית</a:t>
             </a:r>
             <a:endParaRPr lang="en-US" dirty="0"/>
           </a:p>
@@ -464,7 +464,7 @@
     </p:spTree>
     <p:extLst>
       <p:ext uri="{BB962C8B-B14F-4D97-AF65-F5344CB8AC3E}">
-        <p14:creationId xmlns:p14="http://schemas.microsoft.com/office/powerpoint/2010/main" val="2402523370"/>
+        <p14:creationId xmlns:p14="http://schemas.microsoft.com/office/powerpoint/2010/main" val="622604280"/>
       </p:ext>
     </p:extLst>
   </p:cSld>
@@ -476,7 +476,7 @@
 
 <file path=ppt/slideLayouts/slideLayout11.xml><?xml version="1.0" encoding="utf-8"?>
 <p:sldLayout xmlns:a="http://schemas.openxmlformats.org/drawingml/2006/main" xmlns:r="http://schemas.openxmlformats.org/officeDocument/2006/relationships" xmlns:p="http://schemas.openxmlformats.org/presentationml/2006/main" type="vertTitleAndTx" preserve="1">
-  <p:cSld name="Vertical Title and Text">
+  <p:cSld name="כותרת אנכית וטקסט">
     <p:spTree>
       <p:nvGrpSpPr>
         <p:cNvPr id="1" name=""/>
@@ -503,8 +503,8 @@
         </p:nvSpPr>
         <p:spPr>
           <a:xfrm>
-            <a:off x="4907757" y="536700"/>
-            <a:ext cx="1478756" cy="8542864"/>
+            <a:off x="14168875" y="1724962"/>
+            <a:ext cx="4269224" cy="27456899"/>
           </a:xfrm>
         </p:spPr>
         <p:txBody>
@@ -512,8 +512,8 @@
           <a:lstStyle/>
           <a:p>
             <a:r>
-              <a:rPr lang="en-US"/>
-              <a:t>Click to edit Master title style</a:t>
+              <a:rPr lang="he-IL"/>
+              <a:t>לחץ כדי לערוך סגנון כותרת של תבנית בסיס</a:t>
             </a:r>
             <a:endParaRPr lang="en-US" dirty="0"/>
           </a:p>
@@ -531,8 +531,8 @@
         </p:nvSpPr>
         <p:spPr>
           <a:xfrm>
-            <a:off x="471488" y="536700"/>
-            <a:ext cx="4350544" cy="8542864"/>
+            <a:off x="1361203" y="1724962"/>
+            <a:ext cx="12560181" cy="27456899"/>
           </a:xfrm>
         </p:spPr>
         <p:txBody>
@@ -541,36 +541,36 @@
           <a:p>
             <a:pPr lvl="0"/>
             <a:r>
-              <a:rPr lang="en-US"/>
-              <a:t>Click to edit Master text styles</a:t>
+              <a:rPr lang="he-IL"/>
+              <a:t>לחץ כדי לערוך סגנונות טקסט של תבנית בסיס</a:t>
             </a:r>
           </a:p>
           <a:p>
             <a:pPr lvl="1"/>
             <a:r>
-              <a:rPr lang="en-US"/>
-              <a:t>Second level</a:t>
+              <a:rPr lang="he-IL"/>
+              <a:t>רמה שנייה</a:t>
             </a:r>
           </a:p>
           <a:p>
             <a:pPr lvl="2"/>
             <a:r>
-              <a:rPr lang="en-US"/>
-              <a:t>Third level</a:t>
+              <a:rPr lang="he-IL"/>
+              <a:t>רמה שלישית</a:t>
             </a:r>
           </a:p>
           <a:p>
             <a:pPr lvl="3"/>
             <a:r>
-              <a:rPr lang="en-US"/>
-              <a:t>Fourth level</a:t>
+              <a:rPr lang="he-IL"/>
+              <a:t>רמה רביעית</a:t>
             </a:r>
           </a:p>
           <a:p>
             <a:pPr lvl="4"/>
             <a:r>
-              <a:rPr lang="en-US"/>
-              <a:t>Fifth level</a:t>
+              <a:rPr lang="he-IL"/>
+              <a:t>רמה חמישית</a:t>
             </a:r>
             <a:endParaRPr lang="en-US" dirty="0"/>
           </a:p>
@@ -644,7 +644,7 @@
     </p:spTree>
     <p:extLst>
       <p:ext uri="{BB962C8B-B14F-4D97-AF65-F5344CB8AC3E}">
-        <p14:creationId xmlns:p14="http://schemas.microsoft.com/office/powerpoint/2010/main" val="1578248008"/>
+        <p14:creationId xmlns:p14="http://schemas.microsoft.com/office/powerpoint/2010/main" val="582155949"/>
       </p:ext>
     </p:extLst>
   </p:cSld>
@@ -656,7 +656,7 @@
 
 <file path=ppt/slideLayouts/slideLayout2.xml><?xml version="1.0" encoding="utf-8"?>
 <p:sldLayout xmlns:a="http://schemas.openxmlformats.org/drawingml/2006/main" xmlns:r="http://schemas.openxmlformats.org/officeDocument/2006/relationships" xmlns:p="http://schemas.openxmlformats.org/presentationml/2006/main" type="obj" preserve="1">
-  <p:cSld name="Title and Content">
+  <p:cSld name="כותרת ותוכן">
     <p:spTree>
       <p:nvGrpSpPr>
         <p:cNvPr id="1" name=""/>
@@ -687,8 +687,8 @@
           <a:lstStyle/>
           <a:p>
             <a:r>
-              <a:rPr lang="en-US"/>
-              <a:t>Click to edit Master title style</a:t>
+              <a:rPr lang="he-IL"/>
+              <a:t>לחץ כדי לערוך סגנון כותרת של תבנית בסיס</a:t>
             </a:r>
             <a:endParaRPr lang="en-US" dirty="0"/>
           </a:p>
@@ -711,36 +711,36 @@
           <a:p>
             <a:pPr lvl="0"/>
             <a:r>
-              <a:rPr lang="en-US"/>
-              <a:t>Click to edit Master text styles</a:t>
+              <a:rPr lang="he-IL"/>
+              <a:t>לחץ כדי לערוך סגנונות טקסט של תבנית בסיס</a:t>
             </a:r>
           </a:p>
           <a:p>
             <a:pPr lvl="1"/>
             <a:r>
-              <a:rPr lang="en-US"/>
-              <a:t>Second level</a:t>
+              <a:rPr lang="he-IL"/>
+              <a:t>רמה שנייה</a:t>
             </a:r>
           </a:p>
           <a:p>
             <a:pPr lvl="2"/>
             <a:r>
-              <a:rPr lang="en-US"/>
-              <a:t>Third level</a:t>
+              <a:rPr lang="he-IL"/>
+              <a:t>רמה שלישית</a:t>
             </a:r>
           </a:p>
           <a:p>
             <a:pPr lvl="3"/>
             <a:r>
-              <a:rPr lang="en-US"/>
-              <a:t>Fourth level</a:t>
+              <a:rPr lang="he-IL"/>
+              <a:t>רמה רביעית</a:t>
             </a:r>
           </a:p>
           <a:p>
             <a:pPr lvl="4"/>
             <a:r>
-              <a:rPr lang="en-US"/>
-              <a:t>Fifth level</a:t>
+              <a:rPr lang="he-IL"/>
+              <a:t>רמה חמישית</a:t>
             </a:r>
             <a:endParaRPr lang="en-US" dirty="0"/>
           </a:p>
@@ -814,7 +814,7 @@
     </p:spTree>
     <p:extLst>
       <p:ext uri="{BB962C8B-B14F-4D97-AF65-F5344CB8AC3E}">
-        <p14:creationId xmlns:p14="http://schemas.microsoft.com/office/powerpoint/2010/main" val="3590503884"/>
+        <p14:creationId xmlns:p14="http://schemas.microsoft.com/office/powerpoint/2010/main" val="3866463547"/>
       </p:ext>
     </p:extLst>
   </p:cSld>
@@ -826,7 +826,7 @@
 
 <file path=ppt/slideLayouts/slideLayout3.xml><?xml version="1.0" encoding="utf-8"?>
 <p:sldLayout xmlns:a="http://schemas.openxmlformats.org/drawingml/2006/main" xmlns:r="http://schemas.openxmlformats.org/officeDocument/2006/relationships" xmlns:p="http://schemas.openxmlformats.org/presentationml/2006/main" type="secHead" preserve="1">
-  <p:cSld name="Section Header">
+  <p:cSld name="כותרת מקטע עליונה">
     <p:spTree>
       <p:nvGrpSpPr>
         <p:cNvPr id="1" name=""/>
@@ -853,21 +853,21 @@
         </p:nvSpPr>
         <p:spPr>
           <a:xfrm>
-            <a:off x="467916" y="2513159"/>
-            <a:ext cx="5915025" cy="4193259"/>
+            <a:off x="1350891" y="8077332"/>
+            <a:ext cx="17076896" cy="13477201"/>
           </a:xfrm>
         </p:spPr>
         <p:txBody>
           <a:bodyPr anchor="b"/>
           <a:lstStyle>
             <a:lvl1pPr>
-              <a:defRPr sz="4500"/>
+              <a:defRPr sz="12992"/>
             </a:lvl1pPr>
           </a:lstStyle>
           <a:p>
             <a:r>
-              <a:rPr lang="en-US"/>
-              <a:t>Click to edit Master title style</a:t>
+              <a:rPr lang="he-IL"/>
+              <a:t>לחץ כדי לערוך סגנון כותרת של תבנית בסיס</a:t>
             </a:r>
             <a:endParaRPr lang="en-US" dirty="0"/>
           </a:p>
@@ -885,8 +885,8 @@
         </p:nvSpPr>
         <p:spPr>
           <a:xfrm>
-            <a:off x="467916" y="6746088"/>
-            <a:ext cx="5915025" cy="2205136"/>
+            <a:off x="1350891" y="21682033"/>
+            <a:ext cx="17076896" cy="7087342"/>
           </a:xfrm>
         </p:spPr>
         <p:txBody>
@@ -894,15 +894,15 @@
           <a:lstStyle>
             <a:lvl1pPr marL="0" indent="0">
               <a:buNone/>
-              <a:defRPr sz="1800">
+              <a:defRPr sz="5197">
                 <a:solidFill>
                   <a:schemeClr val="tx1"/>
                 </a:solidFill>
               </a:defRPr>
             </a:lvl1pPr>
-            <a:lvl2pPr marL="342900" indent="0">
+            <a:lvl2pPr marL="989975" indent="0">
               <a:buNone/>
-              <a:defRPr sz="1500">
+              <a:defRPr sz="4331">
                 <a:solidFill>
                   <a:schemeClr val="tx1">
                     <a:tint val="75000"/>
@@ -910,9 +910,9 @@
                 </a:solidFill>
               </a:defRPr>
             </a:lvl2pPr>
-            <a:lvl3pPr marL="685800" indent="0">
+            <a:lvl3pPr marL="1979950" indent="0">
               <a:buNone/>
-              <a:defRPr sz="1350">
+              <a:defRPr sz="3898">
                 <a:solidFill>
                   <a:schemeClr val="tx1">
                     <a:tint val="75000"/>
@@ -920,9 +920,9 @@
                 </a:solidFill>
               </a:defRPr>
             </a:lvl3pPr>
-            <a:lvl4pPr marL="1028700" indent="0">
+            <a:lvl4pPr marL="2969925" indent="0">
               <a:buNone/>
-              <a:defRPr sz="1200">
+              <a:defRPr sz="3464">
                 <a:solidFill>
                   <a:schemeClr val="tx1">
                     <a:tint val="75000"/>
@@ -930,9 +930,9 @@
                 </a:solidFill>
               </a:defRPr>
             </a:lvl4pPr>
-            <a:lvl5pPr marL="1371600" indent="0">
+            <a:lvl5pPr marL="3959901" indent="0">
               <a:buNone/>
-              <a:defRPr sz="1200">
+              <a:defRPr sz="3464">
                 <a:solidFill>
                   <a:schemeClr val="tx1">
                     <a:tint val="75000"/>
@@ -940,9 +940,9 @@
                 </a:solidFill>
               </a:defRPr>
             </a:lvl5pPr>
-            <a:lvl6pPr marL="1714500" indent="0">
+            <a:lvl6pPr marL="4949876" indent="0">
               <a:buNone/>
-              <a:defRPr sz="1200">
+              <a:defRPr sz="3464">
                 <a:solidFill>
                   <a:schemeClr val="tx1">
                     <a:tint val="75000"/>
@@ -950,9 +950,9 @@
                 </a:solidFill>
               </a:defRPr>
             </a:lvl6pPr>
-            <a:lvl7pPr marL="2057400" indent="0">
+            <a:lvl7pPr marL="5939851" indent="0">
               <a:buNone/>
-              <a:defRPr sz="1200">
+              <a:defRPr sz="3464">
                 <a:solidFill>
                   <a:schemeClr val="tx1">
                     <a:tint val="75000"/>
@@ -960,9 +960,9 @@
                 </a:solidFill>
               </a:defRPr>
             </a:lvl7pPr>
-            <a:lvl8pPr marL="2400300" indent="0">
+            <a:lvl8pPr marL="6929826" indent="0">
               <a:buNone/>
-              <a:defRPr sz="1200">
+              <a:defRPr sz="3464">
                 <a:solidFill>
                   <a:schemeClr val="tx1">
                     <a:tint val="75000"/>
@@ -970,9 +970,9 @@
                 </a:solidFill>
               </a:defRPr>
             </a:lvl8pPr>
-            <a:lvl9pPr marL="2743200" indent="0">
+            <a:lvl9pPr marL="7919801" indent="0">
               <a:buNone/>
-              <a:defRPr sz="1200">
+              <a:defRPr sz="3464">
                 <a:solidFill>
                   <a:schemeClr val="tx1">
                     <a:tint val="75000"/>
@@ -984,8 +984,8 @@
           <a:p>
             <a:pPr lvl="0"/>
             <a:r>
-              <a:rPr lang="en-US"/>
-              <a:t>Click to edit Master text styles</a:t>
+              <a:rPr lang="he-IL"/>
+              <a:t>לחץ כדי לערוך סגנונות טקסט של תבנית בסיס</a:t>
             </a:r>
           </a:p>
         </p:txBody>
@@ -1058,7 +1058,7 @@
     </p:spTree>
     <p:extLst>
       <p:ext uri="{BB962C8B-B14F-4D97-AF65-F5344CB8AC3E}">
-        <p14:creationId xmlns:p14="http://schemas.microsoft.com/office/powerpoint/2010/main" val="765025980"/>
+        <p14:creationId xmlns:p14="http://schemas.microsoft.com/office/powerpoint/2010/main" val="2152371635"/>
       </p:ext>
     </p:extLst>
   </p:cSld>
@@ -1070,7 +1070,7 @@
 
 <file path=ppt/slideLayouts/slideLayout4.xml><?xml version="1.0" encoding="utf-8"?>
 <p:sldLayout xmlns:a="http://schemas.openxmlformats.org/drawingml/2006/main" xmlns:r="http://schemas.openxmlformats.org/officeDocument/2006/relationships" xmlns:p="http://schemas.openxmlformats.org/presentationml/2006/main" type="twoObj" preserve="1">
-  <p:cSld name="Two Content">
+  <p:cSld name="שני תכנים">
     <p:spTree>
       <p:nvGrpSpPr>
         <p:cNvPr id="1" name=""/>
@@ -1101,8 +1101,8 @@
           <a:lstStyle/>
           <a:p>
             <a:r>
-              <a:rPr lang="en-US"/>
-              <a:t>Click to edit Master title style</a:t>
+              <a:rPr lang="he-IL"/>
+              <a:t>לחץ כדי לערוך סגנון כותרת של תבנית בסיס</a:t>
             </a:r>
             <a:endParaRPr lang="en-US" dirty="0"/>
           </a:p>
@@ -1120,8 +1120,8 @@
         </p:nvSpPr>
         <p:spPr>
           <a:xfrm>
-            <a:off x="471488" y="2683500"/>
-            <a:ext cx="2914650" cy="6396064"/>
+            <a:off x="1361202" y="8624810"/>
+            <a:ext cx="8414703" cy="20557051"/>
           </a:xfrm>
         </p:spPr>
         <p:txBody>
@@ -1130,36 +1130,36 @@
           <a:p>
             <a:pPr lvl="0"/>
             <a:r>
-              <a:rPr lang="en-US"/>
-              <a:t>Click to edit Master text styles</a:t>
+              <a:rPr lang="he-IL"/>
+              <a:t>לחץ כדי לערוך סגנונות טקסט של תבנית בסיס</a:t>
             </a:r>
           </a:p>
           <a:p>
             <a:pPr lvl="1"/>
             <a:r>
-              <a:rPr lang="en-US"/>
-              <a:t>Second level</a:t>
+              <a:rPr lang="he-IL"/>
+              <a:t>רמה שנייה</a:t>
             </a:r>
           </a:p>
           <a:p>
             <a:pPr lvl="2"/>
             <a:r>
-              <a:rPr lang="en-US"/>
-              <a:t>Third level</a:t>
+              <a:rPr lang="he-IL"/>
+              <a:t>רמה שלישית</a:t>
             </a:r>
           </a:p>
           <a:p>
             <a:pPr lvl="3"/>
             <a:r>
-              <a:rPr lang="en-US"/>
-              <a:t>Fourth level</a:t>
+              <a:rPr lang="he-IL"/>
+              <a:t>רמה רביעית</a:t>
             </a:r>
           </a:p>
           <a:p>
             <a:pPr lvl="4"/>
             <a:r>
-              <a:rPr lang="en-US"/>
-              <a:t>Fifth level</a:t>
+              <a:rPr lang="he-IL"/>
+              <a:t>רמה חמישית</a:t>
             </a:r>
             <a:endParaRPr lang="en-US" dirty="0"/>
           </a:p>
@@ -1177,8 +1177,8 @@
         </p:nvSpPr>
         <p:spPr>
           <a:xfrm>
-            <a:off x="3471863" y="2683500"/>
-            <a:ext cx="2914650" cy="6396064"/>
+            <a:off x="10023395" y="8624810"/>
+            <a:ext cx="8414703" cy="20557051"/>
           </a:xfrm>
         </p:spPr>
         <p:txBody>
@@ -1187,36 +1187,36 @@
           <a:p>
             <a:pPr lvl="0"/>
             <a:r>
-              <a:rPr lang="en-US"/>
-              <a:t>Click to edit Master text styles</a:t>
+              <a:rPr lang="he-IL"/>
+              <a:t>לחץ כדי לערוך סגנונות טקסט של תבנית בסיס</a:t>
             </a:r>
           </a:p>
           <a:p>
             <a:pPr lvl="1"/>
             <a:r>
-              <a:rPr lang="en-US"/>
-              <a:t>Second level</a:t>
+              <a:rPr lang="he-IL"/>
+              <a:t>רמה שנייה</a:t>
             </a:r>
           </a:p>
           <a:p>
             <a:pPr lvl="2"/>
             <a:r>
-              <a:rPr lang="en-US"/>
-              <a:t>Third level</a:t>
+              <a:rPr lang="he-IL"/>
+              <a:t>רמה שלישית</a:t>
             </a:r>
           </a:p>
           <a:p>
             <a:pPr lvl="3"/>
             <a:r>
-              <a:rPr lang="en-US"/>
-              <a:t>Fourth level</a:t>
+              <a:rPr lang="he-IL"/>
+              <a:t>רמה רביעית</a:t>
             </a:r>
           </a:p>
           <a:p>
             <a:pPr lvl="4"/>
             <a:r>
-              <a:rPr lang="en-US"/>
-              <a:t>Fifth level</a:t>
+              <a:rPr lang="he-IL"/>
+              <a:t>רמה חמישית</a:t>
             </a:r>
             <a:endParaRPr lang="en-US" dirty="0"/>
           </a:p>
@@ -1290,7 +1290,7 @@
     </p:spTree>
     <p:extLst>
       <p:ext uri="{BB962C8B-B14F-4D97-AF65-F5344CB8AC3E}">
-        <p14:creationId xmlns:p14="http://schemas.microsoft.com/office/powerpoint/2010/main" val="2333386593"/>
+        <p14:creationId xmlns:p14="http://schemas.microsoft.com/office/powerpoint/2010/main" val="3358862510"/>
       </p:ext>
     </p:extLst>
   </p:cSld>
@@ -1302,7 +1302,7 @@
 
 <file path=ppt/slideLayouts/slideLayout5.xml><?xml version="1.0" encoding="utf-8"?>
 <p:sldLayout xmlns:a="http://schemas.openxmlformats.org/drawingml/2006/main" xmlns:r="http://schemas.openxmlformats.org/officeDocument/2006/relationships" xmlns:p="http://schemas.openxmlformats.org/presentationml/2006/main" type="twoTxTwoObj" preserve="1">
-  <p:cSld name="Comparison">
+  <p:cSld name="השוואה">
     <p:spTree>
       <p:nvGrpSpPr>
         <p:cNvPr id="1" name=""/>
@@ -1329,8 +1329,8 @@
         </p:nvSpPr>
         <p:spPr>
           <a:xfrm>
-            <a:off x="472381" y="536702"/>
-            <a:ext cx="5915025" cy="1948455"/>
+            <a:off x="1363781" y="1724969"/>
+            <a:ext cx="17076896" cy="6262365"/>
           </a:xfrm>
         </p:spPr>
         <p:txBody>
@@ -1338,8 +1338,8 @@
           <a:lstStyle/>
           <a:p>
             <a:r>
-              <a:rPr lang="en-US"/>
-              <a:t>Click to edit Master title style</a:t>
+              <a:rPr lang="he-IL"/>
+              <a:t>לחץ כדי לערוך סגנון כותרת של תבנית בסיס</a:t>
             </a:r>
             <a:endParaRPr lang="en-US" dirty="0"/>
           </a:p>
@@ -1357,8 +1357,8 @@
         </p:nvSpPr>
         <p:spPr>
           <a:xfrm>
-            <a:off x="472381" y="2471154"/>
-            <a:ext cx="2901255" cy="1211074"/>
+            <a:off x="1363783" y="7942328"/>
+            <a:ext cx="8376031" cy="3892412"/>
           </a:xfrm>
         </p:spPr>
         <p:txBody>
@@ -1366,46 +1366,46 @@
           <a:lstStyle>
             <a:lvl1pPr marL="0" indent="0">
               <a:buNone/>
-              <a:defRPr sz="1800" b="1"/>
+              <a:defRPr sz="5197" b="1"/>
             </a:lvl1pPr>
-            <a:lvl2pPr marL="342900" indent="0">
+            <a:lvl2pPr marL="989975" indent="0">
               <a:buNone/>
-              <a:defRPr sz="1500" b="1"/>
+              <a:defRPr sz="4331" b="1"/>
             </a:lvl2pPr>
-            <a:lvl3pPr marL="685800" indent="0">
+            <a:lvl3pPr marL="1979950" indent="0">
               <a:buNone/>
-              <a:defRPr sz="1350" b="1"/>
+              <a:defRPr sz="3898" b="1"/>
             </a:lvl3pPr>
-            <a:lvl4pPr marL="1028700" indent="0">
+            <a:lvl4pPr marL="2969925" indent="0">
               <a:buNone/>
-              <a:defRPr sz="1200" b="1"/>
+              <a:defRPr sz="3464" b="1"/>
             </a:lvl4pPr>
-            <a:lvl5pPr marL="1371600" indent="0">
+            <a:lvl5pPr marL="3959901" indent="0">
               <a:buNone/>
-              <a:defRPr sz="1200" b="1"/>
+              <a:defRPr sz="3464" b="1"/>
             </a:lvl5pPr>
-            <a:lvl6pPr marL="1714500" indent="0">
+            <a:lvl6pPr marL="4949876" indent="0">
               <a:buNone/>
-              <a:defRPr sz="1200" b="1"/>
+              <a:defRPr sz="3464" b="1"/>
             </a:lvl6pPr>
-            <a:lvl7pPr marL="2057400" indent="0">
+            <a:lvl7pPr marL="5939851" indent="0">
               <a:buNone/>
-              <a:defRPr sz="1200" b="1"/>
+              <a:defRPr sz="3464" b="1"/>
             </a:lvl7pPr>
-            <a:lvl8pPr marL="2400300" indent="0">
+            <a:lvl8pPr marL="6929826" indent="0">
               <a:buNone/>
-              <a:defRPr sz="1200" b="1"/>
+              <a:defRPr sz="3464" b="1"/>
             </a:lvl8pPr>
-            <a:lvl9pPr marL="2743200" indent="0">
+            <a:lvl9pPr marL="7919801" indent="0">
               <a:buNone/>
-              <a:defRPr sz="1200" b="1"/>
+              <a:defRPr sz="3464" b="1"/>
             </a:lvl9pPr>
           </a:lstStyle>
           <a:p>
             <a:pPr lvl="0"/>
             <a:r>
-              <a:rPr lang="en-US"/>
-              <a:t>Click to edit Master text styles</a:t>
+              <a:rPr lang="he-IL"/>
+              <a:t>לחץ כדי לערוך סגנונות טקסט של תבנית בסיס</a:t>
             </a:r>
           </a:p>
         </p:txBody>
@@ -1422,8 +1422,8 @@
         </p:nvSpPr>
         <p:spPr>
           <a:xfrm>
-            <a:off x="472381" y="3682228"/>
-            <a:ext cx="2901255" cy="5416003"/>
+            <a:off x="1363783" y="11834740"/>
+            <a:ext cx="8376031" cy="17407120"/>
           </a:xfrm>
         </p:spPr>
         <p:txBody>
@@ -1432,36 +1432,36 @@
           <a:p>
             <a:pPr lvl="0"/>
             <a:r>
-              <a:rPr lang="en-US"/>
-              <a:t>Click to edit Master text styles</a:t>
+              <a:rPr lang="he-IL"/>
+              <a:t>לחץ כדי לערוך סגנונות טקסט של תבנית בסיס</a:t>
             </a:r>
           </a:p>
           <a:p>
             <a:pPr lvl="1"/>
             <a:r>
-              <a:rPr lang="en-US"/>
-              <a:t>Second level</a:t>
+              <a:rPr lang="he-IL"/>
+              <a:t>רמה שנייה</a:t>
             </a:r>
           </a:p>
           <a:p>
             <a:pPr lvl="2"/>
             <a:r>
-              <a:rPr lang="en-US"/>
-              <a:t>Third level</a:t>
+              <a:rPr lang="he-IL"/>
+              <a:t>רמה שלישית</a:t>
             </a:r>
           </a:p>
           <a:p>
             <a:pPr lvl="3"/>
             <a:r>
-              <a:rPr lang="en-US"/>
-              <a:t>Fourth level</a:t>
+              <a:rPr lang="he-IL"/>
+              <a:t>רמה רביעית</a:t>
             </a:r>
           </a:p>
           <a:p>
             <a:pPr lvl="4"/>
             <a:r>
-              <a:rPr lang="en-US"/>
-              <a:t>Fifth level</a:t>
+              <a:rPr lang="he-IL"/>
+              <a:t>רמה חמישית</a:t>
             </a:r>
             <a:endParaRPr lang="en-US" dirty="0"/>
           </a:p>
@@ -1479,8 +1479,8 @@
         </p:nvSpPr>
         <p:spPr>
           <a:xfrm>
-            <a:off x="3471863" y="2471154"/>
-            <a:ext cx="2915543" cy="1211074"/>
+            <a:off x="10023397" y="7942328"/>
+            <a:ext cx="8417281" cy="3892412"/>
           </a:xfrm>
         </p:spPr>
         <p:txBody>
@@ -1488,46 +1488,46 @@
           <a:lstStyle>
             <a:lvl1pPr marL="0" indent="0">
               <a:buNone/>
-              <a:defRPr sz="1800" b="1"/>
+              <a:defRPr sz="5197" b="1"/>
             </a:lvl1pPr>
-            <a:lvl2pPr marL="342900" indent="0">
+            <a:lvl2pPr marL="989975" indent="0">
               <a:buNone/>
-              <a:defRPr sz="1500" b="1"/>
+              <a:defRPr sz="4331" b="1"/>
             </a:lvl2pPr>
-            <a:lvl3pPr marL="685800" indent="0">
+            <a:lvl3pPr marL="1979950" indent="0">
               <a:buNone/>
-              <a:defRPr sz="1350" b="1"/>
+              <a:defRPr sz="3898" b="1"/>
             </a:lvl3pPr>
-            <a:lvl4pPr marL="1028700" indent="0">
+            <a:lvl4pPr marL="2969925" indent="0">
               <a:buNone/>
-              <a:defRPr sz="1200" b="1"/>
+              <a:defRPr sz="3464" b="1"/>
             </a:lvl4pPr>
-            <a:lvl5pPr marL="1371600" indent="0">
+            <a:lvl5pPr marL="3959901" indent="0">
               <a:buNone/>
-              <a:defRPr sz="1200" b="1"/>
+              <a:defRPr sz="3464" b="1"/>
             </a:lvl5pPr>
-            <a:lvl6pPr marL="1714500" indent="0">
+            <a:lvl6pPr marL="4949876" indent="0">
               <a:buNone/>
-              <a:defRPr sz="1200" b="1"/>
+              <a:defRPr sz="3464" b="1"/>
             </a:lvl6pPr>
-            <a:lvl7pPr marL="2057400" indent="0">
+            <a:lvl7pPr marL="5939851" indent="0">
               <a:buNone/>
-              <a:defRPr sz="1200" b="1"/>
+              <a:defRPr sz="3464" b="1"/>
             </a:lvl7pPr>
-            <a:lvl8pPr marL="2400300" indent="0">
+            <a:lvl8pPr marL="6929826" indent="0">
               <a:buNone/>
-              <a:defRPr sz="1200" b="1"/>
+              <a:defRPr sz="3464" b="1"/>
             </a:lvl8pPr>
-            <a:lvl9pPr marL="2743200" indent="0">
+            <a:lvl9pPr marL="7919801" indent="0">
               <a:buNone/>
-              <a:defRPr sz="1200" b="1"/>
+              <a:defRPr sz="3464" b="1"/>
             </a:lvl9pPr>
           </a:lstStyle>
           <a:p>
             <a:pPr lvl="0"/>
             <a:r>
-              <a:rPr lang="en-US"/>
-              <a:t>Click to edit Master text styles</a:t>
+              <a:rPr lang="he-IL"/>
+              <a:t>לחץ כדי לערוך סגנונות טקסט של תבנית בסיס</a:t>
             </a:r>
           </a:p>
         </p:txBody>
@@ -1544,8 +1544,8 @@
         </p:nvSpPr>
         <p:spPr>
           <a:xfrm>
-            <a:off x="3471863" y="3682228"/>
-            <a:ext cx="2915543" cy="5416003"/>
+            <a:off x="10023397" y="11834740"/>
+            <a:ext cx="8417281" cy="17407120"/>
           </a:xfrm>
         </p:spPr>
         <p:txBody>
@@ -1554,36 +1554,36 @@
           <a:p>
             <a:pPr lvl="0"/>
             <a:r>
-              <a:rPr lang="en-US"/>
-              <a:t>Click to edit Master text styles</a:t>
+              <a:rPr lang="he-IL"/>
+              <a:t>לחץ כדי לערוך סגנונות טקסט של תבנית בסיס</a:t>
             </a:r>
           </a:p>
           <a:p>
             <a:pPr lvl="1"/>
             <a:r>
-              <a:rPr lang="en-US"/>
-              <a:t>Second level</a:t>
+              <a:rPr lang="he-IL"/>
+              <a:t>רמה שנייה</a:t>
             </a:r>
           </a:p>
           <a:p>
             <a:pPr lvl="2"/>
             <a:r>
-              <a:rPr lang="en-US"/>
-              <a:t>Third level</a:t>
+              <a:rPr lang="he-IL"/>
+              <a:t>רמה שלישית</a:t>
             </a:r>
           </a:p>
           <a:p>
             <a:pPr lvl="3"/>
             <a:r>
-              <a:rPr lang="en-US"/>
-              <a:t>Fourth level</a:t>
+              <a:rPr lang="he-IL"/>
+              <a:t>רמה רביעית</a:t>
             </a:r>
           </a:p>
           <a:p>
             <a:pPr lvl="4"/>
             <a:r>
-              <a:rPr lang="en-US"/>
-              <a:t>Fifth level</a:t>
+              <a:rPr lang="he-IL"/>
+              <a:t>רמה חמישית</a:t>
             </a:r>
             <a:endParaRPr lang="en-US" dirty="0"/>
           </a:p>
@@ -1657,7 +1657,7 @@
     </p:spTree>
     <p:extLst>
       <p:ext uri="{BB962C8B-B14F-4D97-AF65-F5344CB8AC3E}">
-        <p14:creationId xmlns:p14="http://schemas.microsoft.com/office/powerpoint/2010/main" val="1535655424"/>
+        <p14:creationId xmlns:p14="http://schemas.microsoft.com/office/powerpoint/2010/main" val="2412248434"/>
       </p:ext>
     </p:extLst>
   </p:cSld>
@@ -1669,7 +1669,7 @@
 
 <file path=ppt/slideLayouts/slideLayout6.xml><?xml version="1.0" encoding="utf-8"?>
 <p:sldLayout xmlns:a="http://schemas.openxmlformats.org/drawingml/2006/main" xmlns:r="http://schemas.openxmlformats.org/officeDocument/2006/relationships" xmlns:p="http://schemas.openxmlformats.org/presentationml/2006/main" type="titleOnly" preserve="1">
-  <p:cSld name="Title Only">
+  <p:cSld name="כותרת בלבד">
     <p:spTree>
       <p:nvGrpSpPr>
         <p:cNvPr id="1" name=""/>
@@ -1700,8 +1700,8 @@
           <a:lstStyle/>
           <a:p>
             <a:r>
-              <a:rPr lang="en-US"/>
-              <a:t>Click to edit Master title style</a:t>
+              <a:rPr lang="he-IL"/>
+              <a:t>לחץ כדי לערוך סגנון כותרת של תבנית בסיס</a:t>
             </a:r>
             <a:endParaRPr lang="en-US" dirty="0"/>
           </a:p>
@@ -1775,7 +1775,7 @@
     </p:spTree>
     <p:extLst>
       <p:ext uri="{BB962C8B-B14F-4D97-AF65-F5344CB8AC3E}">
-        <p14:creationId xmlns:p14="http://schemas.microsoft.com/office/powerpoint/2010/main" val="650088679"/>
+        <p14:creationId xmlns:p14="http://schemas.microsoft.com/office/powerpoint/2010/main" val="2491300305"/>
       </p:ext>
     </p:extLst>
   </p:cSld>
@@ -1787,7 +1787,7 @@
 
 <file path=ppt/slideLayouts/slideLayout7.xml><?xml version="1.0" encoding="utf-8"?>
 <p:sldLayout xmlns:a="http://schemas.openxmlformats.org/drawingml/2006/main" xmlns:r="http://schemas.openxmlformats.org/officeDocument/2006/relationships" xmlns:p="http://schemas.openxmlformats.org/presentationml/2006/main" type="blank" preserve="1">
-  <p:cSld name="Blank">
+  <p:cSld name="ריק">
     <p:spTree>
       <p:nvGrpSpPr>
         <p:cNvPr id="1" name=""/>
@@ -1870,7 +1870,7 @@
     </p:spTree>
     <p:extLst>
       <p:ext uri="{BB962C8B-B14F-4D97-AF65-F5344CB8AC3E}">
-        <p14:creationId xmlns:p14="http://schemas.microsoft.com/office/powerpoint/2010/main" val="2184415739"/>
+        <p14:creationId xmlns:p14="http://schemas.microsoft.com/office/powerpoint/2010/main" val="1268303675"/>
       </p:ext>
     </p:extLst>
   </p:cSld>
@@ -1882,7 +1882,7 @@
 
 <file path=ppt/slideLayouts/slideLayout8.xml><?xml version="1.0" encoding="utf-8"?>
 <p:sldLayout xmlns:a="http://schemas.openxmlformats.org/drawingml/2006/main" xmlns:r="http://schemas.openxmlformats.org/officeDocument/2006/relationships" xmlns:p="http://schemas.openxmlformats.org/presentationml/2006/main" type="objTx" preserve="1">
-  <p:cSld name="Content with Caption">
+  <p:cSld name="תוכן עם כיתוב">
     <p:spTree>
       <p:nvGrpSpPr>
         <p:cNvPr id="1" name=""/>
@@ -1909,21 +1909,21 @@
         </p:nvSpPr>
         <p:spPr>
           <a:xfrm>
-            <a:off x="472381" y="672042"/>
-            <a:ext cx="2211884" cy="2352146"/>
+            <a:off x="1363781" y="2159952"/>
+            <a:ext cx="6385790" cy="7559834"/>
           </a:xfrm>
         </p:spPr>
         <p:txBody>
           <a:bodyPr anchor="b"/>
           <a:lstStyle>
             <a:lvl1pPr>
-              <a:defRPr sz="2400"/>
+              <a:defRPr sz="6929"/>
             </a:lvl1pPr>
           </a:lstStyle>
           <a:p>
             <a:r>
-              <a:rPr lang="en-US"/>
-              <a:t>Click to edit Master title style</a:t>
+              <a:rPr lang="he-IL"/>
+              <a:t>לחץ כדי לערוך סגנון כותרת של תבנית בסיס</a:t>
             </a:r>
             <a:endParaRPr lang="en-US" dirty="0"/>
           </a:p>
@@ -1941,74 +1941,74 @@
         </p:nvSpPr>
         <p:spPr>
           <a:xfrm>
-            <a:off x="2915543" y="1451426"/>
-            <a:ext cx="3471863" cy="7163777"/>
+            <a:off x="8417281" y="4664905"/>
+            <a:ext cx="10023396" cy="23024494"/>
           </a:xfrm>
         </p:spPr>
         <p:txBody>
           <a:bodyPr/>
           <a:lstStyle>
             <a:lvl1pPr>
-              <a:defRPr sz="2400"/>
+              <a:defRPr sz="6929"/>
             </a:lvl1pPr>
             <a:lvl2pPr>
-              <a:defRPr sz="2100"/>
+              <a:defRPr sz="6063"/>
             </a:lvl2pPr>
             <a:lvl3pPr>
-              <a:defRPr sz="1800"/>
+              <a:defRPr sz="5197"/>
             </a:lvl3pPr>
             <a:lvl4pPr>
-              <a:defRPr sz="1500"/>
+              <a:defRPr sz="4331"/>
             </a:lvl4pPr>
             <a:lvl5pPr>
-              <a:defRPr sz="1500"/>
+              <a:defRPr sz="4331"/>
             </a:lvl5pPr>
             <a:lvl6pPr>
-              <a:defRPr sz="1500"/>
+              <a:defRPr sz="4331"/>
             </a:lvl6pPr>
             <a:lvl7pPr>
-              <a:defRPr sz="1500"/>
+              <a:defRPr sz="4331"/>
             </a:lvl7pPr>
             <a:lvl8pPr>
-              <a:defRPr sz="1500"/>
+              <a:defRPr sz="4331"/>
             </a:lvl8pPr>
             <a:lvl9pPr>
-              <a:defRPr sz="1500"/>
+              <a:defRPr sz="4331"/>
             </a:lvl9pPr>
           </a:lstStyle>
           <a:p>
             <a:pPr lvl="0"/>
             <a:r>
-              <a:rPr lang="en-US"/>
-              <a:t>Click to edit Master text styles</a:t>
+              <a:rPr lang="he-IL"/>
+              <a:t>לחץ כדי לערוך סגנונות טקסט של תבנית בסיס</a:t>
             </a:r>
           </a:p>
           <a:p>
             <a:pPr lvl="1"/>
             <a:r>
-              <a:rPr lang="en-US"/>
-              <a:t>Second level</a:t>
+              <a:rPr lang="he-IL"/>
+              <a:t>רמה שנייה</a:t>
             </a:r>
           </a:p>
           <a:p>
             <a:pPr lvl="2"/>
             <a:r>
-              <a:rPr lang="en-US"/>
-              <a:t>Third level</a:t>
+              <a:rPr lang="he-IL"/>
+              <a:t>רמה שלישית</a:t>
             </a:r>
           </a:p>
           <a:p>
             <a:pPr lvl="3"/>
             <a:r>
-              <a:rPr lang="en-US"/>
-              <a:t>Fourth level</a:t>
+              <a:rPr lang="he-IL"/>
+              <a:t>רמה רביעית</a:t>
             </a:r>
           </a:p>
           <a:p>
             <a:pPr lvl="4"/>
             <a:r>
-              <a:rPr lang="en-US"/>
-              <a:t>Fifth level</a:t>
+              <a:rPr lang="he-IL"/>
+              <a:t>רמה חמישית</a:t>
             </a:r>
             <a:endParaRPr lang="en-US" dirty="0"/>
           </a:p>
@@ -2026,8 +2026,8 @@
         </p:nvSpPr>
         <p:spPr>
           <a:xfrm>
-            <a:off x="472381" y="3024188"/>
-            <a:ext cx="2211884" cy="5602681"/>
+            <a:off x="1363781" y="9719786"/>
+            <a:ext cx="6385790" cy="18007107"/>
           </a:xfrm>
         </p:spPr>
         <p:txBody>
@@ -2035,46 +2035,46 @@
           <a:lstStyle>
             <a:lvl1pPr marL="0" indent="0">
               <a:buNone/>
-              <a:defRPr sz="1200"/>
+              <a:defRPr sz="3464"/>
             </a:lvl1pPr>
-            <a:lvl2pPr marL="342900" indent="0">
+            <a:lvl2pPr marL="989975" indent="0">
               <a:buNone/>
-              <a:defRPr sz="1050"/>
+              <a:defRPr sz="3031"/>
             </a:lvl2pPr>
-            <a:lvl3pPr marL="685800" indent="0">
+            <a:lvl3pPr marL="1979950" indent="0">
               <a:buNone/>
-              <a:defRPr sz="900"/>
+              <a:defRPr sz="2598"/>
             </a:lvl3pPr>
-            <a:lvl4pPr marL="1028700" indent="0">
+            <a:lvl4pPr marL="2969925" indent="0">
               <a:buNone/>
-              <a:defRPr sz="750"/>
+              <a:defRPr sz="2165"/>
             </a:lvl4pPr>
-            <a:lvl5pPr marL="1371600" indent="0">
+            <a:lvl5pPr marL="3959901" indent="0">
               <a:buNone/>
-              <a:defRPr sz="750"/>
+              <a:defRPr sz="2165"/>
             </a:lvl5pPr>
-            <a:lvl6pPr marL="1714500" indent="0">
+            <a:lvl6pPr marL="4949876" indent="0">
               <a:buNone/>
-              <a:defRPr sz="750"/>
+              <a:defRPr sz="2165"/>
             </a:lvl6pPr>
-            <a:lvl7pPr marL="2057400" indent="0">
+            <a:lvl7pPr marL="5939851" indent="0">
               <a:buNone/>
-              <a:defRPr sz="750"/>
+              <a:defRPr sz="2165"/>
             </a:lvl7pPr>
-            <a:lvl8pPr marL="2400300" indent="0">
+            <a:lvl8pPr marL="6929826" indent="0">
               <a:buNone/>
-              <a:defRPr sz="750"/>
+              <a:defRPr sz="2165"/>
             </a:lvl8pPr>
-            <a:lvl9pPr marL="2743200" indent="0">
+            <a:lvl9pPr marL="7919801" indent="0">
               <a:buNone/>
-              <a:defRPr sz="750"/>
+              <a:defRPr sz="2165"/>
             </a:lvl9pPr>
           </a:lstStyle>
           <a:p>
             <a:pPr lvl="0"/>
             <a:r>
-              <a:rPr lang="en-US"/>
-              <a:t>Click to edit Master text styles</a:t>
+              <a:rPr lang="he-IL"/>
+              <a:t>לחץ כדי לערוך סגנונות טקסט של תבנית בסיס</a:t>
             </a:r>
           </a:p>
         </p:txBody>
@@ -2147,7 +2147,7 @@
     </p:spTree>
     <p:extLst>
       <p:ext uri="{BB962C8B-B14F-4D97-AF65-F5344CB8AC3E}">
-        <p14:creationId xmlns:p14="http://schemas.microsoft.com/office/powerpoint/2010/main" val="1142121308"/>
+        <p14:creationId xmlns:p14="http://schemas.microsoft.com/office/powerpoint/2010/main" val="106019350"/>
       </p:ext>
     </p:extLst>
   </p:cSld>
@@ -2159,7 +2159,7 @@
 
 <file path=ppt/slideLayouts/slideLayout9.xml><?xml version="1.0" encoding="utf-8"?>
 <p:sldLayout xmlns:a="http://schemas.openxmlformats.org/drawingml/2006/main" xmlns:r="http://schemas.openxmlformats.org/officeDocument/2006/relationships" xmlns:p="http://schemas.openxmlformats.org/presentationml/2006/main" type="picTx" preserve="1">
-  <p:cSld name="Picture with Caption">
+  <p:cSld name="תמונה עם כיתוב">
     <p:spTree>
       <p:nvGrpSpPr>
         <p:cNvPr id="1" name=""/>
@@ -2186,21 +2186,21 @@
         </p:nvSpPr>
         <p:spPr>
           <a:xfrm>
-            <a:off x="472381" y="672042"/>
-            <a:ext cx="2211884" cy="2352146"/>
+            <a:off x="1363781" y="2159952"/>
+            <a:ext cx="6385790" cy="7559834"/>
           </a:xfrm>
         </p:spPr>
         <p:txBody>
           <a:bodyPr anchor="b"/>
           <a:lstStyle>
             <a:lvl1pPr>
-              <a:defRPr sz="2400"/>
+              <a:defRPr sz="6929"/>
             </a:lvl1pPr>
           </a:lstStyle>
           <a:p>
             <a:r>
-              <a:rPr lang="en-US"/>
-              <a:t>Click to edit Master title style</a:t>
+              <a:rPr lang="he-IL"/>
+              <a:t>לחץ כדי לערוך סגנון כותרת של תבנית בסיס</a:t>
             </a:r>
             <a:endParaRPr lang="en-US" dirty="0"/>
           </a:p>
@@ -2218,8 +2218,8 @@
         </p:nvSpPr>
         <p:spPr>
           <a:xfrm>
-            <a:off x="2915543" y="1451426"/>
-            <a:ext cx="3471863" cy="7163777"/>
+            <a:off x="8417281" y="4664905"/>
+            <a:ext cx="10023396" cy="23024494"/>
           </a:xfrm>
         </p:spPr>
         <p:txBody>
@@ -2227,45 +2227,45 @@
           <a:lstStyle>
             <a:lvl1pPr marL="0" indent="0">
               <a:buNone/>
-              <a:defRPr sz="2400"/>
+              <a:defRPr sz="6929"/>
             </a:lvl1pPr>
-            <a:lvl2pPr marL="342900" indent="0">
+            <a:lvl2pPr marL="989975" indent="0">
               <a:buNone/>
-              <a:defRPr sz="2100"/>
+              <a:defRPr sz="6063"/>
             </a:lvl2pPr>
-            <a:lvl3pPr marL="685800" indent="0">
+            <a:lvl3pPr marL="1979950" indent="0">
               <a:buNone/>
-              <a:defRPr sz="1800"/>
+              <a:defRPr sz="5197"/>
             </a:lvl3pPr>
-            <a:lvl4pPr marL="1028700" indent="0">
+            <a:lvl4pPr marL="2969925" indent="0">
               <a:buNone/>
-              <a:defRPr sz="1500"/>
+              <a:defRPr sz="4331"/>
             </a:lvl4pPr>
-            <a:lvl5pPr marL="1371600" indent="0">
+            <a:lvl5pPr marL="3959901" indent="0">
               <a:buNone/>
-              <a:defRPr sz="1500"/>
+              <a:defRPr sz="4331"/>
             </a:lvl5pPr>
-            <a:lvl6pPr marL="1714500" indent="0">
+            <a:lvl6pPr marL="4949876" indent="0">
               <a:buNone/>
-              <a:defRPr sz="1500"/>
+              <a:defRPr sz="4331"/>
             </a:lvl6pPr>
-            <a:lvl7pPr marL="2057400" indent="0">
+            <a:lvl7pPr marL="5939851" indent="0">
               <a:buNone/>
-              <a:defRPr sz="1500"/>
+              <a:defRPr sz="4331"/>
             </a:lvl7pPr>
-            <a:lvl8pPr marL="2400300" indent="0">
+            <a:lvl8pPr marL="6929826" indent="0">
               <a:buNone/>
-              <a:defRPr sz="1500"/>
+              <a:defRPr sz="4331"/>
             </a:lvl8pPr>
-            <a:lvl9pPr marL="2743200" indent="0">
+            <a:lvl9pPr marL="7919801" indent="0">
               <a:buNone/>
-              <a:defRPr sz="1500"/>
+              <a:defRPr sz="4331"/>
             </a:lvl9pPr>
           </a:lstStyle>
           <a:p>
             <a:r>
-              <a:rPr lang="en-US"/>
-              <a:t>Click icon to add picture</a:t>
+              <a:rPr lang="he-IL"/>
+              <a:t>לחץ על הסמל כדי להוסיף תמונה</a:t>
             </a:r>
             <a:endParaRPr lang="en-US" dirty="0"/>
           </a:p>
@@ -2283,8 +2283,8 @@
         </p:nvSpPr>
         <p:spPr>
           <a:xfrm>
-            <a:off x="472381" y="3024188"/>
-            <a:ext cx="2211884" cy="5602681"/>
+            <a:off x="1363781" y="9719786"/>
+            <a:ext cx="6385790" cy="18007107"/>
           </a:xfrm>
         </p:spPr>
         <p:txBody>
@@ -2292,46 +2292,46 @@
           <a:lstStyle>
             <a:lvl1pPr marL="0" indent="0">
               <a:buNone/>
-              <a:defRPr sz="1200"/>
+              <a:defRPr sz="3464"/>
             </a:lvl1pPr>
-            <a:lvl2pPr marL="342900" indent="0">
+            <a:lvl2pPr marL="989975" indent="0">
               <a:buNone/>
-              <a:defRPr sz="1050"/>
+              <a:defRPr sz="3031"/>
             </a:lvl2pPr>
-            <a:lvl3pPr marL="685800" indent="0">
+            <a:lvl3pPr marL="1979950" indent="0">
               <a:buNone/>
-              <a:defRPr sz="900"/>
+              <a:defRPr sz="2598"/>
             </a:lvl3pPr>
-            <a:lvl4pPr marL="1028700" indent="0">
+            <a:lvl4pPr marL="2969925" indent="0">
               <a:buNone/>
-              <a:defRPr sz="750"/>
+              <a:defRPr sz="2165"/>
             </a:lvl4pPr>
-            <a:lvl5pPr marL="1371600" indent="0">
+            <a:lvl5pPr marL="3959901" indent="0">
               <a:buNone/>
-              <a:defRPr sz="750"/>
+              <a:defRPr sz="2165"/>
             </a:lvl5pPr>
-            <a:lvl6pPr marL="1714500" indent="0">
+            <a:lvl6pPr marL="4949876" indent="0">
               <a:buNone/>
-              <a:defRPr sz="750"/>
+              <a:defRPr sz="2165"/>
             </a:lvl6pPr>
-            <a:lvl7pPr marL="2057400" indent="0">
+            <a:lvl7pPr marL="5939851" indent="0">
               <a:buNone/>
-              <a:defRPr sz="750"/>
+              <a:defRPr sz="2165"/>
             </a:lvl7pPr>
-            <a:lvl8pPr marL="2400300" indent="0">
+            <a:lvl8pPr marL="6929826" indent="0">
               <a:buNone/>
-              <a:defRPr sz="750"/>
+              <a:defRPr sz="2165"/>
             </a:lvl8pPr>
-            <a:lvl9pPr marL="2743200" indent="0">
+            <a:lvl9pPr marL="7919801" indent="0">
               <a:buNone/>
-              <a:defRPr sz="750"/>
+              <a:defRPr sz="2165"/>
             </a:lvl9pPr>
           </a:lstStyle>
           <a:p>
             <a:pPr lvl="0"/>
             <a:r>
-              <a:rPr lang="en-US"/>
-              <a:t>Click to edit Master text styles</a:t>
+              <a:rPr lang="he-IL"/>
+              <a:t>לחץ כדי לערוך סגנונות טקסט של תבנית בסיס</a:t>
             </a:r>
           </a:p>
         </p:txBody>
@@ -2404,7 +2404,7 @@
     </p:spTree>
     <p:extLst>
       <p:ext uri="{BB962C8B-B14F-4D97-AF65-F5344CB8AC3E}">
-        <p14:creationId xmlns:p14="http://schemas.microsoft.com/office/powerpoint/2010/main" val="1138269149"/>
+        <p14:creationId xmlns:p14="http://schemas.microsoft.com/office/powerpoint/2010/main" val="3337316958"/>
       </p:ext>
     </p:extLst>
   </p:cSld>
@@ -2448,8 +2448,8 @@
         </p:nvSpPr>
         <p:spPr>
           <a:xfrm>
-            <a:off x="471488" y="536702"/>
-            <a:ext cx="5915025" cy="1948455"/>
+            <a:off x="1361202" y="1724969"/>
+            <a:ext cx="17076896" cy="6262365"/>
           </a:xfrm>
           <a:prstGeom prst="rect">
             <a:avLst/>
@@ -2462,8 +2462,8 @@
           <a:lstStyle/>
           <a:p>
             <a:r>
-              <a:rPr lang="en-US"/>
-              <a:t>Click to edit Master title style</a:t>
+              <a:rPr lang="he-IL"/>
+              <a:t>לחץ כדי לערוך סגנון כותרת של תבנית בסיס</a:t>
             </a:r>
             <a:endParaRPr lang="en-US" dirty="0"/>
           </a:p>
@@ -2481,8 +2481,8 @@
         </p:nvSpPr>
         <p:spPr>
           <a:xfrm>
-            <a:off x="471488" y="2683500"/>
-            <a:ext cx="5915025" cy="6396064"/>
+            <a:off x="1361202" y="8624810"/>
+            <a:ext cx="17076896" cy="20557051"/>
           </a:xfrm>
           <a:prstGeom prst="rect">
             <a:avLst/>
@@ -2496,36 +2496,36 @@
           <a:p>
             <a:pPr lvl="0"/>
             <a:r>
-              <a:rPr lang="en-US"/>
-              <a:t>Click to edit Master text styles</a:t>
+              <a:rPr lang="he-IL"/>
+              <a:t>לחץ כדי לערוך סגנונות טקסט של תבנית בסיס</a:t>
             </a:r>
           </a:p>
           <a:p>
             <a:pPr lvl="1"/>
             <a:r>
-              <a:rPr lang="en-US"/>
-              <a:t>Second level</a:t>
+              <a:rPr lang="he-IL"/>
+              <a:t>רמה שנייה</a:t>
             </a:r>
           </a:p>
           <a:p>
             <a:pPr lvl="2"/>
             <a:r>
-              <a:rPr lang="en-US"/>
-              <a:t>Third level</a:t>
+              <a:rPr lang="he-IL"/>
+              <a:t>רמה שלישית</a:t>
             </a:r>
           </a:p>
           <a:p>
             <a:pPr lvl="3"/>
             <a:r>
-              <a:rPr lang="en-US"/>
-              <a:t>Fourth level</a:t>
+              <a:rPr lang="he-IL"/>
+              <a:t>רמה רביעית</a:t>
             </a:r>
           </a:p>
           <a:p>
             <a:pPr lvl="4"/>
             <a:r>
-              <a:rPr lang="en-US"/>
-              <a:t>Fifth level</a:t>
+              <a:rPr lang="he-IL"/>
+              <a:t>רמה חמישית</a:t>
             </a:r>
             <a:endParaRPr lang="en-US" dirty="0"/>
           </a:p>
@@ -2543,8 +2543,8 @@
         </p:nvSpPr>
         <p:spPr>
           <a:xfrm>
-            <a:off x="471488" y="9343248"/>
-            <a:ext cx="1543050" cy="536700"/>
+            <a:off x="1361202" y="30029347"/>
+            <a:ext cx="4454843" cy="1724962"/>
           </a:xfrm>
           <a:prstGeom prst="rect">
             <a:avLst/>
@@ -2554,7 +2554,7 @@
           <a:bodyPr vert="horz" lIns="91440" tIns="45720" rIns="91440" bIns="45720" rtlCol="0" anchor="ctr"/>
           <a:lstStyle>
             <a:lvl1pPr algn="l">
-              <a:defRPr sz="900">
+              <a:defRPr sz="2598">
                 <a:solidFill>
                   <a:schemeClr val="tx1">
                     <a:tint val="75000"/>
@@ -2584,8 +2584,8 @@
         </p:nvSpPr>
         <p:spPr>
           <a:xfrm>
-            <a:off x="2271713" y="9343248"/>
-            <a:ext cx="2314575" cy="536700"/>
+            <a:off x="6558518" y="30029347"/>
+            <a:ext cx="6682264" cy="1724962"/>
           </a:xfrm>
           <a:prstGeom prst="rect">
             <a:avLst/>
@@ -2595,7 +2595,7 @@
           <a:bodyPr vert="horz" lIns="91440" tIns="45720" rIns="91440" bIns="45720" rtlCol="0" anchor="ctr"/>
           <a:lstStyle>
             <a:lvl1pPr algn="ctr">
-              <a:defRPr sz="900">
+              <a:defRPr sz="2598">
                 <a:solidFill>
                   <a:schemeClr val="tx1">
                     <a:tint val="75000"/>
@@ -2621,8 +2621,8 @@
         </p:nvSpPr>
         <p:spPr>
           <a:xfrm>
-            <a:off x="4843463" y="9343248"/>
-            <a:ext cx="1543050" cy="536700"/>
+            <a:off x="13983255" y="30029347"/>
+            <a:ext cx="4454843" cy="1724962"/>
           </a:xfrm>
           <a:prstGeom prst="rect">
             <a:avLst/>
@@ -2632,7 +2632,7 @@
           <a:bodyPr vert="horz" lIns="91440" tIns="45720" rIns="91440" bIns="45720" rtlCol="0" anchor="ctr"/>
           <a:lstStyle>
             <a:lvl1pPr algn="r">
-              <a:defRPr sz="900">
+              <a:defRPr sz="2598">
                 <a:solidFill>
                   <a:schemeClr val="tx1">
                     <a:tint val="75000"/>
@@ -2653,27 +2653,27 @@
     </p:spTree>
     <p:extLst>
       <p:ext uri="{BB962C8B-B14F-4D97-AF65-F5344CB8AC3E}">
-        <p14:creationId xmlns:p14="http://schemas.microsoft.com/office/powerpoint/2010/main" val="2619737010"/>
+        <p14:creationId xmlns:p14="http://schemas.microsoft.com/office/powerpoint/2010/main" val="3127466879"/>
       </p:ext>
     </p:extLst>
   </p:cSld>
   <p:clrMap bg1="lt1" tx1="dk1" bg2="lt2" tx2="dk2" accent1="accent1" accent2="accent2" accent3="accent3" accent4="accent4" accent5="accent5" accent6="accent6" hlink="hlink" folHlink="folHlink"/>
   <p:sldLayoutIdLst>
-    <p:sldLayoutId id="2147483697" r:id="rId1"/>
-    <p:sldLayoutId id="2147483698" r:id="rId2"/>
-    <p:sldLayoutId id="2147483699" r:id="rId3"/>
-    <p:sldLayoutId id="2147483700" r:id="rId4"/>
-    <p:sldLayoutId id="2147483701" r:id="rId5"/>
-    <p:sldLayoutId id="2147483702" r:id="rId6"/>
-    <p:sldLayoutId id="2147483703" r:id="rId7"/>
-    <p:sldLayoutId id="2147483704" r:id="rId8"/>
-    <p:sldLayoutId id="2147483705" r:id="rId9"/>
-    <p:sldLayoutId id="2147483706" r:id="rId10"/>
-    <p:sldLayoutId id="2147483707" r:id="rId11"/>
+    <p:sldLayoutId id="2147483709" r:id="rId1"/>
+    <p:sldLayoutId id="2147483710" r:id="rId2"/>
+    <p:sldLayoutId id="2147483711" r:id="rId3"/>
+    <p:sldLayoutId id="2147483712" r:id="rId4"/>
+    <p:sldLayoutId id="2147483713" r:id="rId5"/>
+    <p:sldLayoutId id="2147483714" r:id="rId6"/>
+    <p:sldLayoutId id="2147483715" r:id="rId7"/>
+    <p:sldLayoutId id="2147483716" r:id="rId8"/>
+    <p:sldLayoutId id="2147483717" r:id="rId9"/>
+    <p:sldLayoutId id="2147483718" r:id="rId10"/>
+    <p:sldLayoutId id="2147483719" r:id="rId11"/>
   </p:sldLayoutIdLst>
   <p:txStyles>
     <p:titleStyle>
-      <a:lvl1pPr algn="l" defTabSz="685800" rtl="0" eaLnBrk="1" latinLnBrk="0" hangingPunct="1">
+      <a:lvl1pPr algn="l" defTabSz="1979950" rtl="0" eaLnBrk="1" latinLnBrk="0" hangingPunct="1">
         <a:lnSpc>
           <a:spcPct val="90000"/>
         </a:lnSpc>
@@ -2681,7 +2681,7 @@
           <a:spcPct val="0"/>
         </a:spcBef>
         <a:buNone/>
-        <a:defRPr sz="3300" kern="1200">
+        <a:defRPr sz="9527" kern="1200">
           <a:solidFill>
             <a:schemeClr val="tx1"/>
           </a:solidFill>
@@ -2692,16 +2692,16 @@
       </a:lvl1pPr>
     </p:titleStyle>
     <p:bodyStyle>
-      <a:lvl1pPr marL="171450" indent="-171450" algn="l" defTabSz="685800" rtl="0" eaLnBrk="1" latinLnBrk="0" hangingPunct="1">
+      <a:lvl1pPr marL="494988" indent="-494988" algn="l" defTabSz="1979950" rtl="0" eaLnBrk="1" latinLnBrk="0" hangingPunct="1">
         <a:lnSpc>
           <a:spcPct val="90000"/>
         </a:lnSpc>
         <a:spcBef>
-          <a:spcPts val="750"/>
+          <a:spcPts val="2165"/>
         </a:spcBef>
         <a:buFont typeface="Arial" panose="020B0604020202020204" pitchFamily="34" charset="0"/>
         <a:buChar char="•"/>
-        <a:defRPr sz="2100" kern="1200">
+        <a:defRPr sz="6063" kern="1200">
           <a:solidFill>
             <a:schemeClr val="tx1"/>
           </a:solidFill>
@@ -2710,16 +2710,16 @@
           <a:cs typeface="+mn-cs"/>
         </a:defRPr>
       </a:lvl1pPr>
-      <a:lvl2pPr marL="514350" indent="-171450" algn="l" defTabSz="685800" rtl="0" eaLnBrk="1" latinLnBrk="0" hangingPunct="1">
+      <a:lvl2pPr marL="1484963" indent="-494988" algn="l" defTabSz="1979950" rtl="0" eaLnBrk="1" latinLnBrk="0" hangingPunct="1">
         <a:lnSpc>
           <a:spcPct val="90000"/>
         </a:lnSpc>
         <a:spcBef>
-          <a:spcPts val="375"/>
+          <a:spcPts val="1083"/>
         </a:spcBef>
         <a:buFont typeface="Arial" panose="020B0604020202020204" pitchFamily="34" charset="0"/>
         <a:buChar char="•"/>
-        <a:defRPr sz="1800" kern="1200">
+        <a:defRPr sz="5197" kern="1200">
           <a:solidFill>
             <a:schemeClr val="tx1"/>
           </a:solidFill>
@@ -2728,16 +2728,16 @@
           <a:cs typeface="+mn-cs"/>
         </a:defRPr>
       </a:lvl2pPr>
-      <a:lvl3pPr marL="857250" indent="-171450" algn="l" defTabSz="685800" rtl="0" eaLnBrk="1" latinLnBrk="0" hangingPunct="1">
+      <a:lvl3pPr marL="2474938" indent="-494988" algn="l" defTabSz="1979950" rtl="0" eaLnBrk="1" latinLnBrk="0" hangingPunct="1">
         <a:lnSpc>
           <a:spcPct val="90000"/>
         </a:lnSpc>
         <a:spcBef>
-          <a:spcPts val="375"/>
+          <a:spcPts val="1083"/>
         </a:spcBef>
         <a:buFont typeface="Arial" panose="020B0604020202020204" pitchFamily="34" charset="0"/>
         <a:buChar char="•"/>
-        <a:defRPr sz="1500" kern="1200">
+        <a:defRPr sz="4331" kern="1200">
           <a:solidFill>
             <a:schemeClr val="tx1"/>
           </a:solidFill>
@@ -2746,16 +2746,16 @@
           <a:cs typeface="+mn-cs"/>
         </a:defRPr>
       </a:lvl3pPr>
-      <a:lvl4pPr marL="1200150" indent="-171450" algn="l" defTabSz="685800" rtl="0" eaLnBrk="1" latinLnBrk="0" hangingPunct="1">
+      <a:lvl4pPr marL="3464913" indent="-494988" algn="l" defTabSz="1979950" rtl="0" eaLnBrk="1" latinLnBrk="0" hangingPunct="1">
         <a:lnSpc>
           <a:spcPct val="90000"/>
         </a:lnSpc>
         <a:spcBef>
-          <a:spcPts val="375"/>
+          <a:spcPts val="1083"/>
         </a:spcBef>
         <a:buFont typeface="Arial" panose="020B0604020202020204" pitchFamily="34" charset="0"/>
         <a:buChar char="•"/>
-        <a:defRPr sz="1350" kern="1200">
+        <a:defRPr sz="3898" kern="1200">
           <a:solidFill>
             <a:schemeClr val="tx1"/>
           </a:solidFill>
@@ -2764,16 +2764,16 @@
           <a:cs typeface="+mn-cs"/>
         </a:defRPr>
       </a:lvl4pPr>
-      <a:lvl5pPr marL="1543050" indent="-171450" algn="l" defTabSz="685800" rtl="0" eaLnBrk="1" latinLnBrk="0" hangingPunct="1">
+      <a:lvl5pPr marL="4454888" indent="-494988" algn="l" defTabSz="1979950" rtl="0" eaLnBrk="1" latinLnBrk="0" hangingPunct="1">
         <a:lnSpc>
           <a:spcPct val="90000"/>
         </a:lnSpc>
         <a:spcBef>
-          <a:spcPts val="375"/>
+          <a:spcPts val="1083"/>
         </a:spcBef>
         <a:buFont typeface="Arial" panose="020B0604020202020204" pitchFamily="34" charset="0"/>
         <a:buChar char="•"/>
-        <a:defRPr sz="1350" kern="1200">
+        <a:defRPr sz="3898" kern="1200">
           <a:solidFill>
             <a:schemeClr val="tx1"/>
           </a:solidFill>
@@ -2782,16 +2782,16 @@
           <a:cs typeface="+mn-cs"/>
         </a:defRPr>
       </a:lvl5pPr>
-      <a:lvl6pPr marL="1885950" indent="-171450" algn="l" defTabSz="685800" rtl="0" eaLnBrk="1" latinLnBrk="0" hangingPunct="1">
+      <a:lvl6pPr marL="5444863" indent="-494988" algn="l" defTabSz="1979950" rtl="0" eaLnBrk="1" latinLnBrk="0" hangingPunct="1">
         <a:lnSpc>
           <a:spcPct val="90000"/>
         </a:lnSpc>
         <a:spcBef>
-          <a:spcPts val="375"/>
+          <a:spcPts val="1083"/>
         </a:spcBef>
         <a:buFont typeface="Arial" panose="020B0604020202020204" pitchFamily="34" charset="0"/>
         <a:buChar char="•"/>
-        <a:defRPr sz="1350" kern="1200">
+        <a:defRPr sz="3898" kern="1200">
           <a:solidFill>
             <a:schemeClr val="tx1"/>
           </a:solidFill>
@@ -2800,16 +2800,16 @@
           <a:cs typeface="+mn-cs"/>
         </a:defRPr>
       </a:lvl6pPr>
-      <a:lvl7pPr marL="2228850" indent="-171450" algn="l" defTabSz="685800" rtl="0" eaLnBrk="1" latinLnBrk="0" hangingPunct="1">
+      <a:lvl7pPr marL="6434839" indent="-494988" algn="l" defTabSz="1979950" rtl="0" eaLnBrk="1" latinLnBrk="0" hangingPunct="1">
         <a:lnSpc>
           <a:spcPct val="90000"/>
         </a:lnSpc>
         <a:spcBef>
-          <a:spcPts val="375"/>
+          <a:spcPts val="1083"/>
         </a:spcBef>
         <a:buFont typeface="Arial" panose="020B0604020202020204" pitchFamily="34" charset="0"/>
         <a:buChar char="•"/>
-        <a:defRPr sz="1350" kern="1200">
+        <a:defRPr sz="3898" kern="1200">
           <a:solidFill>
             <a:schemeClr val="tx1"/>
           </a:solidFill>
@@ -2818,16 +2818,16 @@
           <a:cs typeface="+mn-cs"/>
         </a:defRPr>
       </a:lvl7pPr>
-      <a:lvl8pPr marL="2571750" indent="-171450" algn="l" defTabSz="685800" rtl="0" eaLnBrk="1" latinLnBrk="0" hangingPunct="1">
+      <a:lvl8pPr marL="7424814" indent="-494988" algn="l" defTabSz="1979950" rtl="0" eaLnBrk="1" latinLnBrk="0" hangingPunct="1">
         <a:lnSpc>
           <a:spcPct val="90000"/>
         </a:lnSpc>
         <a:spcBef>
-          <a:spcPts val="375"/>
+          <a:spcPts val="1083"/>
         </a:spcBef>
         <a:buFont typeface="Arial" panose="020B0604020202020204" pitchFamily="34" charset="0"/>
         <a:buChar char="•"/>
-        <a:defRPr sz="1350" kern="1200">
+        <a:defRPr sz="3898" kern="1200">
           <a:solidFill>
             <a:schemeClr val="tx1"/>
           </a:solidFill>
@@ -2836,16 +2836,16 @@
           <a:cs typeface="+mn-cs"/>
         </a:defRPr>
       </a:lvl8pPr>
-      <a:lvl9pPr marL="2914650" indent="-171450" algn="l" defTabSz="685800" rtl="0" eaLnBrk="1" latinLnBrk="0" hangingPunct="1">
+      <a:lvl9pPr marL="8414789" indent="-494988" algn="l" defTabSz="1979950" rtl="0" eaLnBrk="1" latinLnBrk="0" hangingPunct="1">
         <a:lnSpc>
           <a:spcPct val="90000"/>
         </a:lnSpc>
         <a:spcBef>
-          <a:spcPts val="375"/>
+          <a:spcPts val="1083"/>
         </a:spcBef>
         <a:buFont typeface="Arial" panose="020B0604020202020204" pitchFamily="34" charset="0"/>
         <a:buChar char="•"/>
-        <a:defRPr sz="1350" kern="1200">
+        <a:defRPr sz="3898" kern="1200">
           <a:solidFill>
             <a:schemeClr val="tx1"/>
           </a:solidFill>
@@ -2859,8 +2859,8 @@
       <a:defPPr>
         <a:defRPr lang="en-US"/>
       </a:defPPr>
-      <a:lvl1pPr marL="0" algn="l" defTabSz="685800" rtl="0" eaLnBrk="1" latinLnBrk="0" hangingPunct="1">
-        <a:defRPr sz="1350" kern="1200">
+      <a:lvl1pPr marL="0" algn="l" defTabSz="1979950" rtl="0" eaLnBrk="1" latinLnBrk="0" hangingPunct="1">
+        <a:defRPr sz="3898" kern="1200">
           <a:solidFill>
             <a:schemeClr val="tx1"/>
           </a:solidFill>
@@ -2869,8 +2869,8 @@
           <a:cs typeface="+mn-cs"/>
         </a:defRPr>
       </a:lvl1pPr>
-      <a:lvl2pPr marL="342900" algn="l" defTabSz="685800" rtl="0" eaLnBrk="1" latinLnBrk="0" hangingPunct="1">
-        <a:defRPr sz="1350" kern="1200">
+      <a:lvl2pPr marL="989975" algn="l" defTabSz="1979950" rtl="0" eaLnBrk="1" latinLnBrk="0" hangingPunct="1">
+        <a:defRPr sz="3898" kern="1200">
           <a:solidFill>
             <a:schemeClr val="tx1"/>
           </a:solidFill>
@@ -2879,8 +2879,8 @@
           <a:cs typeface="+mn-cs"/>
         </a:defRPr>
       </a:lvl2pPr>
-      <a:lvl3pPr marL="685800" algn="l" defTabSz="685800" rtl="0" eaLnBrk="1" latinLnBrk="0" hangingPunct="1">
-        <a:defRPr sz="1350" kern="1200">
+      <a:lvl3pPr marL="1979950" algn="l" defTabSz="1979950" rtl="0" eaLnBrk="1" latinLnBrk="0" hangingPunct="1">
+        <a:defRPr sz="3898" kern="1200">
           <a:solidFill>
             <a:schemeClr val="tx1"/>
           </a:solidFill>
@@ -2889,8 +2889,8 @@
           <a:cs typeface="+mn-cs"/>
         </a:defRPr>
       </a:lvl3pPr>
-      <a:lvl4pPr marL="1028700" algn="l" defTabSz="685800" rtl="0" eaLnBrk="1" latinLnBrk="0" hangingPunct="1">
-        <a:defRPr sz="1350" kern="1200">
+      <a:lvl4pPr marL="2969925" algn="l" defTabSz="1979950" rtl="0" eaLnBrk="1" latinLnBrk="0" hangingPunct="1">
+        <a:defRPr sz="3898" kern="1200">
           <a:solidFill>
             <a:schemeClr val="tx1"/>
           </a:solidFill>
@@ -2899,8 +2899,8 @@
           <a:cs typeface="+mn-cs"/>
         </a:defRPr>
       </a:lvl4pPr>
-      <a:lvl5pPr marL="1371600" algn="l" defTabSz="685800" rtl="0" eaLnBrk="1" latinLnBrk="0" hangingPunct="1">
-        <a:defRPr sz="1350" kern="1200">
+      <a:lvl5pPr marL="3959901" algn="l" defTabSz="1979950" rtl="0" eaLnBrk="1" latinLnBrk="0" hangingPunct="1">
+        <a:defRPr sz="3898" kern="1200">
           <a:solidFill>
             <a:schemeClr val="tx1"/>
           </a:solidFill>
@@ -2909,8 +2909,8 @@
           <a:cs typeface="+mn-cs"/>
         </a:defRPr>
       </a:lvl5pPr>
-      <a:lvl6pPr marL="1714500" algn="l" defTabSz="685800" rtl="0" eaLnBrk="1" latinLnBrk="0" hangingPunct="1">
-        <a:defRPr sz="1350" kern="1200">
+      <a:lvl6pPr marL="4949876" algn="l" defTabSz="1979950" rtl="0" eaLnBrk="1" latinLnBrk="0" hangingPunct="1">
+        <a:defRPr sz="3898" kern="1200">
           <a:solidFill>
             <a:schemeClr val="tx1"/>
           </a:solidFill>
@@ -2919,8 +2919,8 @@
           <a:cs typeface="+mn-cs"/>
         </a:defRPr>
       </a:lvl6pPr>
-      <a:lvl7pPr marL="2057400" algn="l" defTabSz="685800" rtl="0" eaLnBrk="1" latinLnBrk="0" hangingPunct="1">
-        <a:defRPr sz="1350" kern="1200">
+      <a:lvl7pPr marL="5939851" algn="l" defTabSz="1979950" rtl="0" eaLnBrk="1" latinLnBrk="0" hangingPunct="1">
+        <a:defRPr sz="3898" kern="1200">
           <a:solidFill>
             <a:schemeClr val="tx1"/>
           </a:solidFill>
@@ -2929,8 +2929,8 @@
           <a:cs typeface="+mn-cs"/>
         </a:defRPr>
       </a:lvl7pPr>
-      <a:lvl8pPr marL="2400300" algn="l" defTabSz="685800" rtl="0" eaLnBrk="1" latinLnBrk="0" hangingPunct="1">
-        <a:defRPr sz="1350" kern="1200">
+      <a:lvl8pPr marL="6929826" algn="l" defTabSz="1979950" rtl="0" eaLnBrk="1" latinLnBrk="0" hangingPunct="1">
+        <a:defRPr sz="3898" kern="1200">
           <a:solidFill>
             <a:schemeClr val="tx1"/>
           </a:solidFill>
@@ -2939,8 +2939,8 @@
           <a:cs typeface="+mn-cs"/>
         </a:defRPr>
       </a:lvl8pPr>
-      <a:lvl9pPr marL="2743200" algn="l" defTabSz="685800" rtl="0" eaLnBrk="1" latinLnBrk="0" hangingPunct="1">
-        <a:defRPr sz="1350" kern="1200">
+      <a:lvl9pPr marL="7919801" algn="l" defTabSz="1979950" rtl="0" eaLnBrk="1" latinLnBrk="0" hangingPunct="1">
+        <a:defRPr sz="3898" kern="1200">
           <a:solidFill>
             <a:schemeClr val="tx1"/>
           </a:solidFill>
@@ -2983,8 +2983,8 @@
         </p:nvSpPr>
         <p:spPr>
           <a:xfrm>
-            <a:off x="1" y="0"/>
-            <a:ext cx="6857999" cy="1283747"/>
+            <a:off x="4" y="1712156"/>
+            <a:ext cx="19799297" cy="3642147"/>
           </a:xfrm>
           <a:ln/>
         </p:spPr>
@@ -3008,9 +3008,9 @@
           </a:bodyPr>
           <a:lstStyle/>
           <a:p>
-            <a:pPr defTabSz="951583"/>
+            <a:pPr defTabSz="2747220"/>
             <a:br>
-              <a:rPr lang="en-US" sz="1307" b="1" dirty="0">
+              <a:rPr lang="en-US" sz="3773" b="1" dirty="0">
                 <a:solidFill>
                   <a:schemeClr val="tx1"/>
                 </a:solidFill>
@@ -3019,7 +3019,7 @@
               </a:rPr>
             </a:br>
             <a:br>
-              <a:rPr lang="en-US" sz="1307" b="1" dirty="0">
+              <a:rPr lang="en-US" sz="3773" b="1" dirty="0">
                 <a:solidFill>
                   <a:schemeClr val="tx1"/>
                 </a:solidFill>
@@ -3028,7 +3028,7 @@
               </a:rPr>
             </a:br>
             <a:r>
-              <a:rPr lang="en-US" sz="1307" b="1" dirty="0">
+              <a:rPr lang="en-US" sz="4900" b="1" dirty="0">
                 <a:solidFill>
                   <a:schemeClr val="tx1"/>
                 </a:solidFill>
@@ -3038,65 +3038,45 @@
               <a:t>       </a:t>
             </a:r>
             <a:r>
-              <a:rPr lang="en-US" sz="1900" b="1" dirty="0">
+              <a:rPr lang="en-US" sz="7200" b="1" dirty="0">
                 <a:solidFill>
                   <a:schemeClr val="tx1"/>
                 </a:solidFill>
                 <a:latin typeface="Calibri"/>
                 <a:cs typeface="Arial"/>
               </a:rPr>
-              <a:t>Data Compression – </a:t>
-            </a:r>
-            <a:r>
-              <a:rPr lang="en-US" b="1" dirty="0">
+              <a:t>Data Compression – Comparing </a:t>
+            </a:r>
+            <a:r>
+              <a:rPr lang="en-US" sz="7200" b="1" dirty="0" err="1">
                 <a:solidFill>
                   <a:schemeClr val="tx1"/>
                 </a:solidFill>
                 <a:latin typeface="Calibri"/>
                 <a:cs typeface="Arial"/>
               </a:rPr>
-              <a:t>Comparing</a:t>
-            </a:r>
-            <a:r>
-              <a:rPr lang="en-US" sz="1900" b="1" dirty="0">
+              <a:t>Haar’s</a:t>
+            </a:r>
+            <a:r>
+              <a:rPr lang="en-US" sz="7200" b="1" dirty="0">
                 <a:solidFill>
                   <a:schemeClr val="tx1"/>
                 </a:solidFill>
                 <a:latin typeface="Calibri"/>
                 <a:cs typeface="Arial"/>
               </a:rPr>
-              <a:t> </a:t>
-            </a:r>
-            <a:r>
-              <a:rPr lang="en-US" sz="1900" b="1" dirty="0" err="1">
+              <a:t> Algorithms</a:t>
+            </a:r>
+            <a:br>
+              <a:rPr lang="en-US" sz="3773" b="1" dirty="0">
                 <a:solidFill>
                   <a:schemeClr val="tx1"/>
                 </a:solidFill>
                 <a:latin typeface="Calibri"/>
                 <a:cs typeface="Arial"/>
               </a:rPr>
-              <a:t>Haar’s</a:t>
-            </a:r>
-            <a:r>
-              <a:rPr lang="en-US" sz="1900" b="1" dirty="0">
-                <a:solidFill>
-                  <a:schemeClr val="tx1"/>
-                </a:solidFill>
-                <a:latin typeface="Calibri"/>
-                <a:cs typeface="Arial"/>
-              </a:rPr>
-              <a:t> Algorithms</a:t>
-            </a:r>
-            <a:br>
-              <a:rPr lang="en-US" sz="1307" b="1" dirty="0">
-                <a:solidFill>
-                  <a:schemeClr val="tx1"/>
-                </a:solidFill>
-                <a:latin typeface="Calibri"/>
-                <a:cs typeface="Arial"/>
-              </a:rPr>
             </a:br>
-            <a:endParaRPr lang="en-US" sz="1307" b="1" dirty="0">
+            <a:endParaRPr lang="en-US" sz="3773" b="1" dirty="0">
               <a:solidFill>
                 <a:schemeClr val="tx1"/>
               </a:solidFill>
@@ -3105,9 +3085,9 @@
             </a:endParaRPr>
           </a:p>
           <a:p>
-            <a:pPr defTabSz="951583"/>
-            <a:r>
-              <a:rPr lang="en-US" sz="1307" b="1" dirty="0">
+            <a:pPr defTabSz="2747220"/>
+            <a:r>
+              <a:rPr lang="en-US" sz="3773" b="1" dirty="0">
                 <a:solidFill>
                   <a:schemeClr val="tx1"/>
                 </a:solidFill>
@@ -3117,7 +3097,7 @@
               <a:t>Presenters: </a:t>
             </a:r>
             <a:r>
-              <a:rPr lang="en-US" sz="1307" b="1" dirty="0" err="1">
+              <a:rPr lang="en-US" sz="3773" b="1" dirty="0" err="1">
                 <a:solidFill>
                   <a:schemeClr val="tx1"/>
                 </a:solidFill>
@@ -3127,7 +3107,7 @@
               <a:t>Liel</a:t>
             </a:r>
             <a:r>
-              <a:rPr lang="en-US" sz="1307" b="1" dirty="0">
+              <a:rPr lang="en-US" sz="3773" b="1" dirty="0">
                 <a:solidFill>
                   <a:schemeClr val="tx1"/>
                 </a:solidFill>
@@ -3137,7 +3117,7 @@
               <a:t> </a:t>
             </a:r>
             <a:r>
-              <a:rPr lang="en-US" sz="1307" b="1" dirty="0" err="1">
+              <a:rPr lang="en-US" sz="3773" b="1" dirty="0" err="1">
                 <a:solidFill>
                   <a:schemeClr val="tx1"/>
                 </a:solidFill>
@@ -3147,7 +3127,7 @@
               <a:t>Berniker</a:t>
             </a:r>
             <a:r>
-              <a:rPr lang="en-US" sz="1307" b="1" dirty="0">
+              <a:rPr lang="en-US" sz="3773" b="1" dirty="0">
                 <a:solidFill>
                   <a:schemeClr val="tx1"/>
                 </a:solidFill>
@@ -3157,7 +3137,7 @@
               <a:t>, Noy </a:t>
             </a:r>
             <a:r>
-              <a:rPr lang="en-US" sz="1307" b="1" dirty="0" err="1">
+              <a:rPr lang="en-US" sz="3773" b="1" dirty="0" err="1">
                 <a:solidFill>
                   <a:schemeClr val="tx1"/>
                 </a:solidFill>
@@ -3167,7 +3147,7 @@
               <a:t>Osi</a:t>
             </a:r>
             <a:r>
-              <a:rPr lang="en-US" sz="1307" b="1" dirty="0">
+              <a:rPr lang="en-US" sz="3773" b="1" dirty="0">
                 <a:solidFill>
                   <a:schemeClr val="tx1"/>
                 </a:solidFill>
@@ -3177,7 +3157,7 @@
               <a:t>, Dvir Segal</a:t>
             </a:r>
             <a:br>
-              <a:rPr lang="en-US" sz="1307" b="1" dirty="0">
+              <a:rPr lang="en-US" sz="3773" b="1" dirty="0">
                 <a:solidFill>
                   <a:schemeClr val="tx1"/>
                 </a:solidFill>
@@ -3186,7 +3166,7 @@
               </a:rPr>
             </a:br>
             <a:r>
-              <a:rPr lang="en-US" sz="1307" b="1" dirty="0">
+              <a:rPr lang="en-US" sz="3773" b="1" dirty="0">
                 <a:solidFill>
                   <a:schemeClr val="tx1"/>
                 </a:solidFill>
@@ -3196,7 +3176,7 @@
               <a:t>Instructor: Prof. Dana Shapira</a:t>
             </a:r>
             <a:br>
-              <a:rPr lang="en-US" sz="1307" b="1" dirty="0">
+              <a:rPr lang="en-US" sz="3773" b="1" dirty="0">
                 <a:solidFill>
                   <a:schemeClr val="tx1"/>
                 </a:solidFill>
@@ -3204,7 +3184,7 @@
                 <a:cs typeface="Arial"/>
               </a:rPr>
             </a:br>
-            <a:endParaRPr lang="he-IL" sz="1307" b="1" dirty="0">
+            <a:endParaRPr lang="he-IL" sz="3773" b="1" dirty="0">
               <a:solidFill>
                 <a:schemeClr val="tx1"/>
               </a:solidFill>
@@ -3222,8 +3202,8 @@
         </p:nvSpPr>
         <p:spPr>
           <a:xfrm>
-            <a:off x="-244880" y="5002000"/>
-            <a:ext cx="184730" cy="173766"/>
+            <a:off x="-358386" y="16089037"/>
+            <a:ext cx="184731" cy="310085"/>
           </a:xfrm>
           <a:prstGeom prst="rect">
             <a:avLst/>
@@ -3237,7 +3217,7 @@
           <a:lstStyle/>
           <a:p>
             <a:pPr algn="r" rtl="1"/>
-            <a:endParaRPr lang="he-IL" sz="490" dirty="0"/>
+            <a:endParaRPr lang="he-IL" sz="1415" dirty="0"/>
           </a:p>
         </p:txBody>
       </p:sp>
@@ -3249,8 +3229,8 @@
         </p:nvSpPr>
         <p:spPr>
           <a:xfrm>
-            <a:off x="3554669" y="1306525"/>
-            <a:ext cx="3230880" cy="2154928"/>
+            <a:off x="10262461" y="5420063"/>
+            <a:ext cx="9327670" cy="6221357"/>
           </a:xfrm>
           <a:prstGeom prst="roundRect">
             <a:avLst/>
@@ -3285,7 +3265,7 @@
               <a:defRPr/>
             </a:pPr>
             <a:r>
-              <a:rPr lang="en-US" sz="1210" dirty="0">
+              <a:rPr lang="en-US" sz="3493" dirty="0">
                 <a:solidFill>
                   <a:prstClr val="black"/>
                 </a:solidFill>
@@ -3296,7 +3276,7 @@
               <a:t>2</a:t>
             </a:r>
             <a:r>
-              <a:rPr lang="en-US" sz="1400" dirty="0">
+              <a:rPr lang="en-US" sz="4042" dirty="0">
                 <a:solidFill>
                   <a:prstClr val="black"/>
                 </a:solidFill>
@@ -3307,7 +3287,7 @@
               <a:t>. </a:t>
             </a:r>
             <a:r>
-              <a:rPr lang="en-US" sz="1200" u="sng" dirty="0">
+              <a:rPr lang="en-US" sz="3464" u="sng" dirty="0">
                 <a:solidFill>
                   <a:prstClr val="black"/>
                 </a:solidFill>
@@ -3318,7 +3298,7 @@
               <a:t>Introduction</a:t>
             </a:r>
             <a:r>
-              <a:rPr lang="en-US" sz="1400" u="sng" dirty="0">
+              <a:rPr lang="en-US" sz="4042" u="sng" dirty="0">
                 <a:solidFill>
                   <a:prstClr val="black"/>
                 </a:solidFill>
@@ -3328,7 +3308,7 @@
               </a:rPr>
               <a:t>:</a:t>
             </a:r>
-            <a:endParaRPr lang="en-US" sz="1250" u="sng" dirty="0">
+            <a:endParaRPr lang="en-US" sz="3609" u="sng" dirty="0">
               <a:solidFill>
                 <a:prstClr val="black"/>
               </a:solidFill>
@@ -3338,170 +3318,124 @@
             </a:endParaRPr>
           </a:p>
           <a:p>
-            <a:pPr marL="0" algn="l" rtl="0" latinLnBrk="0">
-              <a:spcBef>
-                <a:spcPts val="0"/>
-              </a:spcBef>
-              <a:spcAft>
-                <a:spcPts val="0"/>
-              </a:spcAft>
-            </a:pPr>
-            <a:r>
-              <a:rPr lang="en-US" sz="1050" b="0" i="0" dirty="0">
+            <a:r>
+              <a:rPr lang="en-US" sz="3031" dirty="0">
                 <a:solidFill>
                   <a:srgbClr val="202124"/>
                 </a:solidFill>
-                <a:effectLst/>
                 <a:latin typeface="Arial" panose="020B0604020202020204" pitchFamily="34" charset="0"/>
               </a:rPr>
               <a:t>Data compression is the process of encoding, restructuring, or otherwise modifying data in order to reduce its size</a:t>
             </a:r>
             <a:r>
-              <a:rPr lang="en-US" sz="1050" b="0" i="0" dirty="0">
+              <a:rPr lang="en-US" sz="3031" dirty="0">
                 <a:solidFill>
                   <a:srgbClr val="000000"/>
                 </a:solidFill>
-                <a:effectLst/>
                 <a:latin typeface="Arial" panose="020B0604020202020204" pitchFamily="34" charset="0"/>
               </a:rPr>
               <a:t>.</a:t>
             </a:r>
-            <a:endParaRPr lang="en-US" sz="1050" b="0" i="0" dirty="0">
+            <a:endParaRPr lang="en-US" sz="3031" dirty="0">
               <a:solidFill>
                 <a:srgbClr val="222222"/>
               </a:solidFill>
-              <a:effectLst/>
               <a:latin typeface="Arial" panose="020B0604020202020204" pitchFamily="34" charset="0"/>
             </a:endParaRPr>
           </a:p>
           <a:p>
-            <a:pPr marL="0" algn="l" rtl="0" latinLnBrk="0">
-              <a:spcBef>
-                <a:spcPts val="0"/>
-              </a:spcBef>
-              <a:spcAft>
-                <a:spcPts val="0"/>
-              </a:spcAft>
-            </a:pPr>
-            <a:r>
-              <a:rPr lang="en-US" sz="1050" b="0" i="0" dirty="0">
+            <a:r>
+              <a:rPr lang="en-US" sz="3031" dirty="0">
                 <a:solidFill>
                   <a:srgbClr val="000000"/>
                 </a:solidFill>
-                <a:effectLst/>
                 <a:latin typeface="Arial" panose="020B0604020202020204" pitchFamily="34" charset="0"/>
               </a:rPr>
               <a:t>In our </a:t>
             </a:r>
             <a:r>
-              <a:rPr lang="en-US" sz="1050" b="0" i="0" dirty="0">
+              <a:rPr lang="en-US" sz="3031" dirty="0">
                 <a:solidFill>
                   <a:srgbClr val="202124"/>
                 </a:solidFill>
-                <a:effectLst/>
                 <a:latin typeface="Arial" panose="020B0604020202020204" pitchFamily="34" charset="0"/>
               </a:rPr>
               <a:t>Data compression </a:t>
             </a:r>
             <a:r>
-              <a:rPr lang="en-US" sz="1050" b="0" i="0" dirty="0">
+              <a:rPr lang="en-US" sz="3031" dirty="0">
                 <a:solidFill>
                   <a:srgbClr val="000000"/>
                 </a:solidFill>
-                <a:effectLst/>
                 <a:latin typeface="Arial" panose="020B0604020202020204" pitchFamily="34" charset="0"/>
               </a:rPr>
               <a:t>research, we specified the Haar wavelet transform, which is a simple discrete transform.</a:t>
             </a:r>
-            <a:endParaRPr lang="en-US" sz="1050" b="0" i="0" dirty="0">
+            <a:endParaRPr lang="en-US" sz="3031" dirty="0">
               <a:solidFill>
                 <a:srgbClr val="222222"/>
               </a:solidFill>
-              <a:effectLst/>
               <a:latin typeface="Arial" panose="020B0604020202020204" pitchFamily="34" charset="0"/>
             </a:endParaRPr>
           </a:p>
           <a:p>
-            <a:pPr marL="0" algn="l" rtl="0" latinLnBrk="0">
-              <a:spcBef>
-                <a:spcPts val="0"/>
-              </a:spcBef>
-              <a:spcAft>
-                <a:spcPts val="0"/>
-              </a:spcAft>
-            </a:pPr>
-            <a:r>
-              <a:rPr lang="en-US" sz="1050" b="0" i="0" dirty="0">
+            <a:r>
+              <a:rPr lang="en-US" sz="3031" dirty="0">
                 <a:solidFill>
                   <a:srgbClr val="000000"/>
                 </a:solidFill>
-                <a:effectLst/>
                 <a:latin typeface="Arial" panose="020B0604020202020204" pitchFamily="34" charset="0"/>
               </a:rPr>
               <a:t>We compare the compression performance of two main Haar algorithms applied for lossless compression of integer sequences.</a:t>
             </a:r>
-            <a:endParaRPr lang="en-US" sz="1050" b="0" i="0" dirty="0">
+            <a:endParaRPr lang="en-US" sz="3031" dirty="0">
               <a:solidFill>
                 <a:srgbClr val="222222"/>
               </a:solidFill>
-              <a:effectLst/>
               <a:latin typeface="Arial" panose="020B0604020202020204" pitchFamily="34" charset="0"/>
             </a:endParaRPr>
           </a:p>
           <a:p>
-            <a:pPr marL="0" algn="l" rtl="0" latinLnBrk="0">
-              <a:spcBef>
-                <a:spcPts val="0"/>
-              </a:spcBef>
-              <a:spcAft>
-                <a:spcPts val="0"/>
-              </a:spcAft>
-            </a:pPr>
-            <a:r>
-              <a:rPr lang="en-US" sz="1050" b="0" i="1" dirty="0">
+            <a:r>
+              <a:rPr lang="en-US" sz="3031" i="1" dirty="0">
                 <a:solidFill>
                   <a:srgbClr val="000000"/>
                 </a:solidFill>
-                <a:effectLst/>
                 <a:latin typeface="Arial" panose="020B0604020202020204" pitchFamily="34" charset="0"/>
               </a:rPr>
               <a:t>Haar Integer </a:t>
             </a:r>
             <a:r>
-              <a:rPr lang="en-US" sz="1050" b="0" i="0" dirty="0">
+              <a:rPr lang="en-US" sz="3031" dirty="0">
                 <a:solidFill>
                   <a:srgbClr val="000000"/>
                 </a:solidFill>
-                <a:effectLst/>
                 <a:latin typeface="Arial" panose="020B0604020202020204" pitchFamily="34" charset="0"/>
               </a:rPr>
               <a:t>and </a:t>
             </a:r>
             <a:r>
-              <a:rPr lang="en-US" sz="1050" b="0" i="1" dirty="0">
+              <a:rPr lang="en-US" sz="3031" i="1" dirty="0">
                 <a:solidFill>
                   <a:srgbClr val="000000"/>
                 </a:solidFill>
-                <a:effectLst/>
                 <a:latin typeface="Arial" panose="020B0604020202020204" pitchFamily="34" charset="0"/>
               </a:rPr>
               <a:t>Haar New Transform</a:t>
             </a:r>
             <a:r>
-              <a:rPr lang="en-US" sz="1050" b="0" i="0" dirty="0">
+              <a:rPr lang="en-US" sz="3031" dirty="0">
                 <a:solidFill>
                   <a:srgbClr val="000000"/>
                 </a:solidFill>
-                <a:effectLst/>
                 <a:latin typeface="Arial" panose="020B0604020202020204" pitchFamily="34" charset="0"/>
               </a:rPr>
               <a:t>.</a:t>
             </a:r>
-            <a:endParaRPr lang="en-US" sz="1050" b="0" i="0" dirty="0">
+            <a:endParaRPr lang="en-US" sz="3031" dirty="0">
               <a:solidFill>
                 <a:srgbClr val="222222"/>
               </a:solidFill>
-              <a:effectLst/>
               <a:latin typeface="Arial" panose="020B0604020202020204" pitchFamily="34" charset="0"/>
             </a:endParaRPr>
           </a:p>
@@ -3515,8 +3449,8 @@
         </p:nvSpPr>
         <p:spPr>
           <a:xfrm>
-            <a:off x="79856" y="3318285"/>
-            <a:ext cx="2929204" cy="2517852"/>
+            <a:off x="230547" y="10957005"/>
+            <a:ext cx="8456720" cy="7540215"/>
           </a:xfrm>
           <a:prstGeom prst="roundRect">
             <a:avLst/>
@@ -3545,7 +3479,7 @@
               <a:defRPr/>
             </a:pPr>
             <a:r>
-              <a:rPr lang="he-IL" sz="1200" b="1" dirty="0">
+              <a:rPr lang="he-IL" sz="3464" b="1" dirty="0">
                 <a:latin typeface="Arial" panose="020B0604020202020204" pitchFamily="34" charset="0"/>
                 <a:ea typeface="Tahoma" pitchFamily="34" charset="0"/>
                 <a:cs typeface="Arial" pitchFamily="34" charset="0"/>
@@ -3553,7 +3487,7 @@
               <a:t>3</a:t>
             </a:r>
             <a:r>
-              <a:rPr lang="en-US" sz="1200" b="1" dirty="0">
+              <a:rPr lang="en-US" sz="3464" b="1" dirty="0">
                 <a:latin typeface="Arial" panose="020B0604020202020204" pitchFamily="34" charset="0"/>
                 <a:ea typeface="Tahoma" pitchFamily="34" charset="0"/>
                 <a:cs typeface="Arial" pitchFamily="34" charset="0"/>
@@ -3561,14 +3495,14 @@
               <a:t>. </a:t>
             </a:r>
             <a:r>
-              <a:rPr lang="en-US" sz="1200" u="sng" dirty="0">
+              <a:rPr lang="en-US" sz="3464" u="sng" dirty="0">
                 <a:latin typeface="Arial" panose="020B0604020202020204" pitchFamily="34" charset="0"/>
                 <a:cs typeface="Arial" panose="020B0604020202020204" pitchFamily="34" charset="0"/>
               </a:rPr>
               <a:t>Methods and </a:t>
             </a:r>
             <a:r>
-              <a:rPr lang="en-US" sz="1200" u="sng" dirty="0">
+              <a:rPr lang="en-US" sz="3464" u="sng" dirty="0">
                 <a:solidFill>
                   <a:prstClr val="black"/>
                 </a:solidFill>
@@ -3579,7 +3513,7 @@
               <a:t>Selected Approach </a:t>
             </a:r>
             <a:r>
-              <a:rPr lang="en-US" sz="1200" u="sng" dirty="0">
+              <a:rPr lang="en-US" sz="3464" u="sng" dirty="0">
                 <a:latin typeface="Arial" panose="020B0604020202020204" pitchFamily="34" charset="0"/>
                 <a:cs typeface="Arial" panose="020B0604020202020204" pitchFamily="34" charset="0"/>
               </a:rPr>
@@ -3587,89 +3521,36 @@
             </a:r>
           </a:p>
           <a:p>
-            <a:pPr marL="0" algn="l" rtl="0" latinLnBrk="0">
-              <a:spcBef>
-                <a:spcPts val="0"/>
-              </a:spcBef>
-              <a:spcAft>
-                <a:spcPts val="0"/>
-              </a:spcAft>
-            </a:pPr>
-            <a:r>
-              <a:rPr lang="en-US" sz="1100" b="0" i="0" dirty="0">
+            <a:r>
+              <a:rPr lang="en-US" sz="3176" dirty="0">
                 <a:solidFill>
                   <a:schemeClr val="tx1"/>
                 </a:solidFill>
-                <a:effectLst/>
                 <a:latin typeface="Arial" panose="020B0604020202020204" pitchFamily="34" charset="0"/>
               </a:rPr>
               <a:t>The method to compare the efficiency of the  algorithms was to measure the bit size compressed </a:t>
             </a:r>
             <a:r>
-              <a:rPr lang="he-IL" sz="1100" b="0" i="0" dirty="0">
+              <a:rPr lang="he-IL" sz="3176" dirty="0">
                 <a:solidFill>
                   <a:schemeClr val="tx1"/>
                 </a:solidFill>
-                <a:effectLst/>
                 <a:latin typeface="Arial" panose="020B0604020202020204" pitchFamily="34" charset="0"/>
               </a:rPr>
               <a:t> </a:t>
             </a:r>
             <a:r>
-              <a:rPr lang="en-US" sz="1100" b="0" i="0" dirty="0">
+              <a:rPr lang="en-US" sz="3176" dirty="0">
                 <a:solidFill>
                   <a:schemeClr val="tx1"/>
                 </a:solidFill>
-                <a:effectLst/>
                 <a:latin typeface="Arial" panose="020B0604020202020204" pitchFamily="34" charset="0"/>
               </a:rPr>
               <a:t>message. </a:t>
             </a:r>
           </a:p>
           <a:p>
-            <a:pPr marL="0" algn="l" rtl="0" latinLnBrk="0">
-              <a:spcBef>
-                <a:spcPts val="0"/>
-              </a:spcBef>
-              <a:spcAft>
-                <a:spcPts val="0"/>
-              </a:spcAft>
-            </a:pPr>
-            <a:endParaRPr lang="en-US" sz="1000" b="0" i="0" dirty="0">
-              <a:solidFill>
-                <a:schemeClr val="tx1"/>
-              </a:solidFill>
-              <a:effectLst/>
-              <a:latin typeface="Arial" panose="020B0604020202020204" pitchFamily="34" charset="0"/>
-            </a:endParaRPr>
-          </a:p>
-          <a:p>
-            <a:pPr marL="0" algn="l" rtl="0" latinLnBrk="0">
-              <a:spcBef>
-                <a:spcPts val="0"/>
-              </a:spcBef>
-              <a:spcAft>
-                <a:spcPts val="0"/>
-              </a:spcAft>
-            </a:pPr>
-            <a:endParaRPr lang="en-US" sz="1000" b="0" i="0" dirty="0">
-              <a:solidFill>
-                <a:schemeClr val="tx1"/>
-              </a:solidFill>
-              <a:effectLst/>
-              <a:latin typeface="Arial" panose="020B0604020202020204" pitchFamily="34" charset="0"/>
-            </a:endParaRPr>
-          </a:p>
-          <a:p>
-            <a:pPr marL="0" algn="l" rtl="0" latinLnBrk="0">
-              <a:spcBef>
-                <a:spcPts val="0"/>
-              </a:spcBef>
-              <a:spcAft>
-                <a:spcPts val="0"/>
-              </a:spcAft>
-            </a:pPr>
-            <a:endParaRPr lang="en-US" sz="1000" dirty="0">
+            <a:endParaRPr lang="en-US" sz="2887" dirty="0">
               <a:solidFill>
                 <a:schemeClr val="tx1"/>
               </a:solidFill>
@@ -3677,32 +3558,7 @@
             </a:endParaRPr>
           </a:p>
           <a:p>
-            <a:pPr marL="0" algn="l" rtl="0" latinLnBrk="0">
-              <a:spcBef>
-                <a:spcPts val="0"/>
-              </a:spcBef>
-              <a:spcAft>
-                <a:spcPts val="0"/>
-              </a:spcAft>
-            </a:pPr>
-            <a:endParaRPr lang="en-US" sz="1000" b="0" i="0" dirty="0">
-              <a:solidFill>
-                <a:schemeClr val="tx1"/>
-              </a:solidFill>
-              <a:effectLst/>
-              <a:latin typeface="Arial" panose="020B0604020202020204" pitchFamily="34" charset="0"/>
-            </a:endParaRPr>
-          </a:p>
-          <a:p>
-            <a:pPr marL="0" algn="l" rtl="0" latinLnBrk="0">
-              <a:spcBef>
-                <a:spcPts val="0"/>
-              </a:spcBef>
-              <a:spcAft>
-                <a:spcPts val="0"/>
-              </a:spcAft>
-            </a:pPr>
-            <a:endParaRPr lang="en-US" sz="1000" dirty="0">
+            <a:endParaRPr lang="en-US" sz="2887" dirty="0">
               <a:solidFill>
                 <a:schemeClr val="tx1"/>
               </a:solidFill>
@@ -3710,73 +3566,68 @@
             </a:endParaRPr>
           </a:p>
           <a:p>
-            <a:pPr marL="0" algn="l" rtl="0" latinLnBrk="0">
-              <a:spcBef>
-                <a:spcPts val="0"/>
-              </a:spcBef>
-              <a:spcAft>
-                <a:spcPts val="0"/>
-              </a:spcAft>
-            </a:pPr>
-            <a:endParaRPr lang="en-US" sz="1000" b="0" i="0" dirty="0">
+            <a:endParaRPr lang="en-US" sz="2887" dirty="0">
               <a:solidFill>
                 <a:schemeClr val="tx1"/>
               </a:solidFill>
-              <a:effectLst/>
               <a:latin typeface="Arial" panose="020B0604020202020204" pitchFamily="34" charset="0"/>
             </a:endParaRPr>
           </a:p>
           <a:p>
-            <a:pPr marL="0" algn="l" rtl="0" latinLnBrk="0">
-              <a:spcBef>
-                <a:spcPts val="0"/>
-              </a:spcBef>
-              <a:spcAft>
-                <a:spcPts val="0"/>
-              </a:spcAft>
-            </a:pPr>
-            <a:endParaRPr lang="en-US" sz="1000" b="0" i="0" dirty="0">
+            <a:endParaRPr lang="en-US" sz="2887" dirty="0">
               <a:solidFill>
                 <a:schemeClr val="tx1"/>
               </a:solidFill>
-              <a:effectLst/>
               <a:latin typeface="Arial" panose="020B0604020202020204" pitchFamily="34" charset="0"/>
             </a:endParaRPr>
           </a:p>
           <a:p>
-            <a:pPr marL="0" algn="l" rtl="0" latinLnBrk="0">
-              <a:spcBef>
-                <a:spcPts val="0"/>
-              </a:spcBef>
-              <a:spcAft>
-                <a:spcPts val="0"/>
-              </a:spcAft>
-            </a:pPr>
+            <a:endParaRPr lang="en-US" sz="2887" dirty="0">
+              <a:solidFill>
+                <a:schemeClr val="tx1"/>
+              </a:solidFill>
+              <a:latin typeface="Arial" panose="020B0604020202020204" pitchFamily="34" charset="0"/>
+            </a:endParaRPr>
+          </a:p>
+          <a:p>
+            <a:endParaRPr lang="en-US" sz="2887" dirty="0">
+              <a:solidFill>
+                <a:schemeClr val="tx1"/>
+              </a:solidFill>
+              <a:latin typeface="Arial" panose="020B0604020202020204" pitchFamily="34" charset="0"/>
+            </a:endParaRPr>
+          </a:p>
+          <a:p>
+            <a:endParaRPr lang="en-US" sz="2887" dirty="0">
+              <a:solidFill>
+                <a:schemeClr val="tx1"/>
+              </a:solidFill>
+              <a:latin typeface="Arial" panose="020B0604020202020204" pitchFamily="34" charset="0"/>
+            </a:endParaRPr>
+          </a:p>
+          <a:p>
             <a:br>
-              <a:rPr lang="en-US" sz="1000" b="0" i="0" dirty="0">
+              <a:rPr lang="en-US" sz="2887" dirty="0">
                 <a:solidFill>
                   <a:schemeClr val="tx1"/>
                 </a:solidFill>
-                <a:effectLst/>
                 <a:latin typeface="Arial" panose="020B0604020202020204" pitchFamily="34" charset="0"/>
               </a:rPr>
             </a:br>
             <a:r>
-              <a:rPr lang="en-US" sz="1000" b="0" i="0" dirty="0">
+              <a:rPr lang="en-US" sz="2887" dirty="0">
                 <a:solidFill>
                   <a:srgbClr val="000000"/>
                 </a:solidFill>
-                <a:effectLst/>
                 <a:latin typeface="Arial" panose="020B0604020202020204" pitchFamily="34" charset="0"/>
                 <a:cs typeface="Arial" panose="020B0604020202020204" pitchFamily="34" charset="0"/>
               </a:rPr>
               <a:t>All the implementations were made in C++ </a:t>
             </a:r>
-            <a:endParaRPr lang="en-US" sz="1000" b="0" i="0" dirty="0">
+            <a:endParaRPr lang="en-US" sz="2887" dirty="0">
               <a:solidFill>
                 <a:srgbClr val="222222"/>
               </a:solidFill>
-              <a:effectLst/>
               <a:latin typeface="Arial" panose="020B0604020202020204" pitchFamily="34" charset="0"/>
               <a:cs typeface="Arial" panose="020B0604020202020204" pitchFamily="34" charset="0"/>
             </a:endParaRPr>
@@ -3785,7 +3636,7 @@
             <a:pPr>
               <a:defRPr/>
             </a:pPr>
-            <a:endParaRPr lang="en-US" sz="1000" b="1" dirty="0">
+            <a:endParaRPr lang="en-US" sz="2887" b="1" dirty="0">
               <a:latin typeface="Arial" pitchFamily="34" charset="0"/>
               <a:ea typeface="Tahoma" pitchFamily="34" charset="0"/>
               <a:cs typeface="Arial" pitchFamily="34" charset="0"/>
@@ -3796,7 +3647,7 @@
               <a:defRPr/>
             </a:pPr>
             <a:r>
-              <a:rPr lang="en-US" sz="1000" b="1" dirty="0">
+              <a:rPr lang="en-US" sz="2887" b="1" dirty="0">
                 <a:latin typeface="Arial" pitchFamily="34" charset="0"/>
                 <a:ea typeface="Tahoma" pitchFamily="34" charset="0"/>
                 <a:cs typeface="Arial" pitchFamily="34" charset="0"/>
@@ -3804,21 +3655,21 @@
               <a:t>   </a:t>
             </a:r>
             <a:br>
-              <a:rPr lang="en-US" sz="1000" b="1" dirty="0">
+              <a:rPr lang="en-US" sz="2887" b="1" dirty="0">
                 <a:latin typeface="Arial" pitchFamily="34" charset="0"/>
                 <a:ea typeface="Tahoma" pitchFamily="34" charset="0"/>
                 <a:cs typeface="Arial" pitchFamily="34" charset="0"/>
               </a:rPr>
             </a:br>
             <a:r>
-              <a:rPr lang="he-IL" sz="1000" b="1" dirty="0">
+              <a:rPr lang="he-IL" sz="2887" b="1" dirty="0">
                 <a:latin typeface="Arial" pitchFamily="34" charset="0"/>
                 <a:ea typeface="Tahoma" pitchFamily="34" charset="0"/>
                 <a:cs typeface="Arial" pitchFamily="34" charset="0"/>
               </a:rPr>
               <a:t> </a:t>
             </a:r>
-            <a:endParaRPr lang="en-US" sz="1000" b="1" dirty="0">
+            <a:endParaRPr lang="en-US" sz="2887" b="1" dirty="0">
               <a:latin typeface="Arial" pitchFamily="34" charset="0"/>
               <a:ea typeface="Tahoma" pitchFamily="34" charset="0"/>
               <a:cs typeface="Arial" pitchFamily="34" charset="0"/>
@@ -3834,8 +3685,8 @@
         </p:nvSpPr>
         <p:spPr>
           <a:xfrm>
-            <a:off x="3141382" y="3681209"/>
-            <a:ext cx="3686927" cy="2154928"/>
+            <a:off x="9069288" y="12275863"/>
+            <a:ext cx="10644295" cy="6221357"/>
           </a:xfrm>
           <a:prstGeom prst="roundRect">
             <a:avLst/>
@@ -3870,7 +3721,7 @@
               <a:defRPr/>
             </a:pPr>
             <a:r>
-              <a:rPr lang="en-US" sz="1200" dirty="0">
+              <a:rPr lang="en-US" sz="3464" dirty="0">
                 <a:solidFill>
                   <a:prstClr val="black"/>
                 </a:solidFill>
@@ -3881,37 +3732,34 @@
               <a:t>4. </a:t>
             </a:r>
             <a:r>
-              <a:rPr lang="en-US" sz="1100" b="0" i="1" u="sng" dirty="0">
+              <a:rPr lang="en-US" sz="3176" i="1" u="sng" dirty="0">
                 <a:solidFill>
                   <a:srgbClr val="000000"/>
                 </a:solidFill>
-                <a:effectLst/>
                 <a:latin typeface="Arial" panose="020B0604020202020204" pitchFamily="34" charset="0"/>
               </a:rPr>
               <a:t>Haar Integer </a:t>
             </a:r>
             <a:r>
-              <a:rPr lang="en-US" sz="1100" b="0" i="0" u="sng" dirty="0">
+              <a:rPr lang="en-US" sz="3176" u="sng" dirty="0">
                 <a:solidFill>
                   <a:srgbClr val="000000"/>
                 </a:solidFill>
-                <a:effectLst/>
                 <a:latin typeface="Arial" panose="020B0604020202020204" pitchFamily="34" charset="0"/>
               </a:rPr>
               <a:t>and </a:t>
             </a:r>
             <a:r>
-              <a:rPr lang="en-US" sz="1100" b="0" i="1" u="sng" dirty="0">
+              <a:rPr lang="en-US" sz="3176" i="1" u="sng" dirty="0">
                 <a:solidFill>
                   <a:srgbClr val="000000"/>
                 </a:solidFill>
-                <a:effectLst/>
                 <a:latin typeface="Arial" panose="020B0604020202020204" pitchFamily="34" charset="0"/>
               </a:rPr>
               <a:t>Haar New Transform pseudo codes</a:t>
             </a:r>
             <a:r>
-              <a:rPr lang="en-US" sz="1100" u="sng" dirty="0">
+              <a:rPr lang="en-US" sz="3176" u="sng" dirty="0">
                 <a:solidFill>
                   <a:prstClr val="black"/>
                 </a:solidFill>
@@ -3922,7 +3770,7 @@
               <a:t>: </a:t>
             </a:r>
             <a:br>
-              <a:rPr lang="en-US" sz="1200" u="sng" dirty="0">
+              <a:rPr lang="en-US" sz="3464" u="sng" dirty="0">
                 <a:solidFill>
                   <a:prstClr val="black"/>
                 </a:solidFill>
@@ -3931,7 +3779,7 @@
                 <a:cs typeface="Arial" pitchFamily="34" charset="0"/>
               </a:rPr>
             </a:br>
-            <a:endParaRPr lang="en-US" sz="1200" u="sng" dirty="0">
+            <a:endParaRPr lang="en-US" sz="3464" u="sng" dirty="0">
               <a:solidFill>
                 <a:prstClr val="black"/>
               </a:solidFill>
@@ -3950,8 +3798,8 @@
         </p:nvSpPr>
         <p:spPr>
           <a:xfrm>
-            <a:off x="98323" y="5934943"/>
-            <a:ext cx="6729986" cy="4011486"/>
+            <a:off x="73694" y="19206304"/>
+            <a:ext cx="19393633" cy="13297723"/>
           </a:xfrm>
           <a:prstGeom prst="roundRect">
             <a:avLst/>
@@ -3980,7 +3828,7 @@
               <a:defRPr/>
             </a:pPr>
             <a:r>
-              <a:rPr lang="en-US" sz="1200" dirty="0">
+              <a:rPr lang="en-US" sz="3464" dirty="0">
                 <a:solidFill>
                   <a:prstClr val="black"/>
                 </a:solidFill>
@@ -3991,7 +3839,7 @@
               <a:t>5. </a:t>
             </a:r>
             <a:r>
-              <a:rPr lang="en-US" sz="1200" u="sng" dirty="0">
+              <a:rPr lang="en-US" sz="3464" u="sng" dirty="0">
                 <a:solidFill>
                   <a:prstClr val="black"/>
                 </a:solidFill>
@@ -4001,7 +3849,7 @@
               </a:rPr>
               <a:t>Solution Description:</a:t>
             </a:r>
-            <a:endParaRPr lang="he-IL" sz="1200" u="sng" dirty="0">
+            <a:endParaRPr lang="he-IL" sz="3464" u="sng" dirty="0">
               <a:solidFill>
                 <a:prstClr val="black"/>
               </a:solidFill>
@@ -4020,8 +3868,8 @@
         </p:nvSpPr>
         <p:spPr>
           <a:xfrm>
-            <a:off x="5695404" y="9276783"/>
-            <a:ext cx="750659" cy="209609"/>
+            <a:off x="16523339" y="29835670"/>
+            <a:ext cx="2167180" cy="430887"/>
           </a:xfrm>
           <a:prstGeom prst="rect">
             <a:avLst/>
@@ -4040,13 +3888,13 @@
           <a:p>
             <a:pPr algn="ctr"/>
             <a:r>
-              <a:rPr lang="en-US" sz="762" dirty="0">
+              <a:rPr lang="en-US" sz="2200" dirty="0">
                 <a:latin typeface="Arial" pitchFamily="34" charset="0"/>
                 <a:cs typeface="Arial" pitchFamily="34" charset="0"/>
               </a:rPr>
               <a:t>Visit Us</a:t>
             </a:r>
-            <a:endParaRPr lang="he-IL" sz="762" dirty="0">
+            <a:endParaRPr lang="he-IL" sz="2200" dirty="0">
               <a:latin typeface="Arial" pitchFamily="34" charset="0"/>
               <a:cs typeface="Arial" pitchFamily="34" charset="0"/>
             </a:endParaRPr>
@@ -4067,8 +3915,8 @@
         </p:nvSpPr>
         <p:spPr>
           <a:xfrm rot="10800000">
-            <a:off x="3141383" y="1911601"/>
-            <a:ext cx="397983" cy="241730"/>
+            <a:off x="9069290" y="7166940"/>
+            <a:ext cx="1148992" cy="697883"/>
           </a:xfrm>
           <a:prstGeom prst="leftArrow">
             <a:avLst/>
@@ -4091,7 +3939,7 @@
           </a:fontRef>
         </p:style>
         <p:txBody>
-          <a:bodyPr rot="0" spcFirstLastPara="0" vertOverflow="overflow" horzOverflow="overflow" vert="horz" wrap="square" lIns="24882" tIns="12440" rIns="24882" bIns="12440" numCol="1" spcCol="0" rtlCol="0" fromWordArt="0" anchor="ctr" anchorCtr="0" forceAA="0" compatLnSpc="1">
+          <a:bodyPr rot="0" spcFirstLastPara="0" vertOverflow="overflow" horzOverflow="overflow" vert="horz" wrap="square" lIns="71835" tIns="35915" rIns="71835" bIns="35915" numCol="1" spcCol="0" rtlCol="0" fromWordArt="0" anchor="ctr" anchorCtr="0" forceAA="0" compatLnSpc="1">
             <a:prstTxWarp prst="textNoShape">
               <a:avLst/>
             </a:prstTxWarp>
@@ -4100,7 +3948,7 @@
           <a:lstStyle/>
           <a:p>
             <a:pPr algn="r" rtl="1"/>
-            <a:endParaRPr lang="en-US" sz="490"/>
+            <a:endParaRPr lang="en-US" sz="1415"/>
           </a:p>
         </p:txBody>
       </p:sp>
@@ -4118,8 +3966,8 @@
         </p:nvSpPr>
         <p:spPr>
           <a:xfrm rot="10800000">
-            <a:off x="2877095" y="3135956"/>
-            <a:ext cx="677573" cy="336883"/>
+            <a:off x="8522370" y="10892927"/>
+            <a:ext cx="2221829" cy="972594"/>
           </a:xfrm>
           <a:prstGeom prst="rightArrow">
             <a:avLst/>
@@ -4142,7 +3990,7 @@
           </a:fontRef>
         </p:style>
         <p:txBody>
-          <a:bodyPr rot="0" spcFirstLastPara="0" vertOverflow="overflow" horzOverflow="overflow" vert="horz" wrap="square" lIns="24882" tIns="12440" rIns="24882" bIns="12440" numCol="1" spcCol="0" rtlCol="0" fromWordArt="0" anchor="ctr" anchorCtr="0" forceAA="0" compatLnSpc="1">
+          <a:bodyPr rot="0" spcFirstLastPara="0" vertOverflow="overflow" horzOverflow="overflow" vert="horz" wrap="square" lIns="71835" tIns="35915" rIns="71835" bIns="35915" numCol="1" spcCol="0" rtlCol="0" fromWordArt="0" anchor="ctr" anchorCtr="0" forceAA="0" compatLnSpc="1">
             <a:prstTxWarp prst="textNoShape">
               <a:avLst/>
             </a:prstTxWarp>
@@ -4151,7 +3999,7 @@
           <a:lstStyle/>
           <a:p>
             <a:pPr algn="r" rtl="1"/>
-            <a:endParaRPr lang="en-US" sz="490" dirty="0"/>
+            <a:endParaRPr lang="en-US" sz="1415" dirty="0"/>
           </a:p>
         </p:txBody>
       </p:sp>
@@ -4169,8 +4017,8 @@
         </p:nvSpPr>
         <p:spPr>
           <a:xfrm rot="16200000">
-            <a:off x="4773800" y="3429134"/>
-            <a:ext cx="200287" cy="260445"/>
+            <a:off x="13782139" y="11548115"/>
+            <a:ext cx="578236" cy="751914"/>
           </a:xfrm>
           <a:prstGeom prst="leftArrow">
             <a:avLst/>
@@ -4193,7 +4041,7 @@
           </a:fontRef>
         </p:style>
         <p:txBody>
-          <a:bodyPr rot="0" spcFirstLastPara="0" vertOverflow="overflow" horzOverflow="overflow" vert="horz" wrap="square" lIns="24882" tIns="12440" rIns="24882" bIns="12440" numCol="1" spcCol="0" rtlCol="0" fromWordArt="0" anchor="ctr" anchorCtr="0" forceAA="0" compatLnSpc="1">
+          <a:bodyPr rot="0" spcFirstLastPara="0" vertOverflow="overflow" horzOverflow="overflow" vert="horz" wrap="square" lIns="71835" tIns="35915" rIns="71835" bIns="35915" numCol="1" spcCol="0" rtlCol="0" fromWordArt="0" anchor="ctr" anchorCtr="0" forceAA="0" compatLnSpc="1">
             <a:prstTxWarp prst="textNoShape">
               <a:avLst/>
             </a:prstTxWarp>
@@ -4202,7 +4050,7 @@
           <a:lstStyle/>
           <a:p>
             <a:pPr algn="r" rtl="1"/>
-            <a:endParaRPr lang="en-US" sz="490"/>
+            <a:endParaRPr lang="en-US" sz="1415"/>
           </a:p>
         </p:txBody>
       </p:sp>
@@ -4220,8 +4068,8 @@
         </p:nvSpPr>
         <p:spPr>
           <a:xfrm>
-            <a:off x="1211580" y="5709488"/>
-            <a:ext cx="374849" cy="297016"/>
+            <a:off x="3497876" y="18510335"/>
+            <a:ext cx="1082203" cy="857496"/>
           </a:xfrm>
           <a:prstGeom prst="downArrow">
             <a:avLst/>
@@ -4244,7 +4092,7 @@
           </a:fontRef>
         </p:style>
         <p:txBody>
-          <a:bodyPr rot="0" spcFirstLastPara="0" vertOverflow="overflow" horzOverflow="overflow" vert="horz" wrap="square" lIns="24882" tIns="12440" rIns="24882" bIns="12440" numCol="1" spcCol="0" rtlCol="0" fromWordArt="0" anchor="ctr" anchorCtr="0" forceAA="0" compatLnSpc="1">
+          <a:bodyPr rot="0" spcFirstLastPara="0" vertOverflow="overflow" horzOverflow="overflow" vert="horz" wrap="square" lIns="71835" tIns="35915" rIns="71835" bIns="35915" numCol="1" spcCol="0" rtlCol="0" fromWordArt="0" anchor="ctr" anchorCtr="0" forceAA="0" compatLnSpc="1">
             <a:prstTxWarp prst="textNoShape">
               <a:avLst/>
             </a:prstTxWarp>
@@ -4253,7 +4101,7 @@
           <a:lstStyle/>
           <a:p>
             <a:pPr algn="r" rtl="1"/>
-            <a:endParaRPr lang="en-US" sz="490"/>
+            <a:endParaRPr lang="en-US" sz="1415"/>
           </a:p>
         </p:txBody>
       </p:sp>
@@ -4271,8 +4119,8 @@
         </p:nvSpPr>
         <p:spPr>
           <a:xfrm>
-            <a:off x="121537" y="1375549"/>
-            <a:ext cx="3004541" cy="1692730"/>
+            <a:off x="350883" y="5619338"/>
+            <a:ext cx="8674221" cy="4886974"/>
           </a:xfrm>
           <a:prstGeom prst="roundRect">
             <a:avLst/>
@@ -4303,7 +4151,7 @@
               <a:defRPr/>
             </a:pPr>
             <a:r>
-              <a:rPr lang="en-US" sz="1400" u="sng" dirty="0">
+              <a:rPr lang="en-US" sz="4042" u="sng" dirty="0">
                 <a:latin typeface="Arial" panose="020B0604020202020204" pitchFamily="34" charset="0"/>
                 <a:cs typeface="Arial" panose="020B0604020202020204" pitchFamily="34" charset="0"/>
               </a:rPr>
@@ -4315,36 +4163,33 @@
               <a:defRPr/>
             </a:pPr>
             <a:r>
-              <a:rPr lang="en-US" sz="1250" b="0" i="0" dirty="0">
+              <a:rPr lang="en-US" sz="3609" dirty="0">
                 <a:solidFill>
                   <a:srgbClr val="000000"/>
                 </a:solidFill>
-                <a:effectLst/>
                 <a:latin typeface="Arial" panose="020B0604020202020204" pitchFamily="34" charset="0"/>
               </a:rPr>
               <a:t>Analyze and compare different  algorithms presented in the paper </a:t>
             </a:r>
             <a:r>
-              <a:rPr lang="en-US" sz="1250" b="0" i="0" dirty="0">
+              <a:rPr lang="en-US" sz="3609" dirty="0">
                 <a:solidFill>
                   <a:schemeClr val="tx1"/>
                 </a:solidFill>
-                <a:effectLst/>
                 <a:latin typeface="Arial" panose="020B0604020202020204" pitchFamily="34" charset="0"/>
               </a:rPr>
               <a:t> “New Compression Schemes for Natural Number Sequences” ,</a:t>
             </a:r>
             <a:r>
-              <a:rPr lang="en-US" sz="1250" b="0" i="0" dirty="0">
+              <a:rPr lang="en-US" sz="3609" dirty="0">
                 <a:solidFill>
                   <a:srgbClr val="000000"/>
                 </a:solidFill>
-                <a:effectLst/>
                 <a:latin typeface="Arial" panose="020B0604020202020204" pitchFamily="34" charset="0"/>
               </a:rPr>
               <a:t> that use the Haar transform for data compression. </a:t>
             </a:r>
-            <a:endParaRPr lang="en-US" sz="1250" dirty="0"/>
+            <a:endParaRPr lang="en-US" sz="3609" dirty="0"/>
           </a:p>
         </p:txBody>
       </p:sp>
@@ -4364,8 +4209,8 @@
         </p:nvCxnSpPr>
         <p:spPr>
           <a:xfrm>
-            <a:off x="5331699" y="9669471"/>
-            <a:ext cx="437261" cy="0"/>
+            <a:off x="15588674" y="30859597"/>
+            <a:ext cx="1262389" cy="0"/>
           </a:xfrm>
           <a:prstGeom prst="straightConnector1">
             <a:avLst/>
@@ -4403,8 +4248,8 @@
         </p:nvSpPr>
         <p:spPr>
           <a:xfrm>
-            <a:off x="5940055" y="240873"/>
-            <a:ext cx="845495" cy="727874"/>
+            <a:off x="17981142" y="124402"/>
+            <a:ext cx="1732441" cy="1500914"/>
           </a:xfrm>
           <a:prstGeom prst="rect">
             <a:avLst/>
@@ -4432,7 +4277,7 @@
           <a:p>
             <a:pPr algn="ctr"/>
             <a:r>
-              <a:rPr lang="en-US" sz="6000" dirty="0"/>
+              <a:rPr lang="en-US" sz="17322" dirty="0"/>
               <a:t>6</a:t>
             </a:r>
           </a:p>
@@ -4452,8 +4297,8 @@
         </p:nvSpPr>
         <p:spPr>
           <a:xfrm>
-            <a:off x="-1717547" y="-4645382"/>
-            <a:ext cx="62858" cy="159586"/>
+            <a:off x="-4958621" y="-13411390"/>
+            <a:ext cx="181473" cy="460731"/>
           </a:xfrm>
           <a:prstGeom prst="rect">
             <a:avLst/>
@@ -4482,7 +4327,7 @@
           </a:fontRef>
         </p:style>
         <p:txBody>
-          <a:bodyPr rot="0" spcFirstLastPara="0" vertOverflow="overflow" horzOverflow="overflow" vert="horz" wrap="square" lIns="24882" tIns="12440" rIns="24882" bIns="12440" numCol="1" spcCol="0" rtlCol="0" fromWordArt="0" anchor="ctr" anchorCtr="0" forceAA="0" compatLnSpc="1">
+          <a:bodyPr rot="0" spcFirstLastPara="0" vertOverflow="overflow" horzOverflow="overflow" vert="horz" wrap="square" lIns="71835" tIns="35915" rIns="71835" bIns="35915" numCol="1" spcCol="0" rtlCol="0" fromWordArt="0" anchor="ctr" anchorCtr="0" forceAA="0" compatLnSpc="1">
             <a:prstTxWarp prst="textNoShape">
               <a:avLst/>
             </a:prstTxWarp>
@@ -4491,7 +4336,7 @@
           <a:lstStyle/>
           <a:p>
             <a:pPr algn="ctr"/>
-            <a:endParaRPr lang="en-US" sz="2800" dirty="0"/>
+            <a:endParaRPr lang="en-US" sz="8084" dirty="0"/>
           </a:p>
         </p:txBody>
       </p:sp>
@@ -4523,8 +4368,8 @@
         </p:blipFill>
         <p:spPr>
           <a:xfrm>
-            <a:off x="5836802" y="9454826"/>
-            <a:ext cx="467864" cy="467864"/>
+            <a:off x="17018906" y="30373769"/>
+            <a:ext cx="1350741" cy="1350741"/>
           </a:xfrm>
           <a:prstGeom prst="rect">
             <a:avLst/>
@@ -4553,8 +4398,8 @@
         </p:blipFill>
         <p:spPr>
           <a:xfrm>
-            <a:off x="3173486" y="4191126"/>
-            <a:ext cx="1912862" cy="1469906"/>
+            <a:off x="9161972" y="13748013"/>
+            <a:ext cx="5522503" cy="4243673"/>
           </a:xfrm>
           <a:prstGeom prst="rect">
             <a:avLst/>
@@ -4583,8 +4428,8 @@
         </p:blipFill>
         <p:spPr>
           <a:xfrm>
-            <a:off x="4933643" y="4188912"/>
-            <a:ext cx="1851906" cy="1450419"/>
+            <a:off x="14243610" y="13741622"/>
+            <a:ext cx="5346521" cy="4187413"/>
           </a:xfrm>
           <a:prstGeom prst="rect">
             <a:avLst/>
@@ -4605,8 +4450,8 @@
         </p:nvSpPr>
         <p:spPr>
           <a:xfrm>
-            <a:off x="2611788" y="9565287"/>
-            <a:ext cx="2670402" cy="208367"/>
+            <a:off x="7786255" y="30486976"/>
+            <a:ext cx="7709549" cy="601563"/>
           </a:xfrm>
           <a:prstGeom prst="rect">
             <a:avLst/>
@@ -4647,7 +4492,7 @@
           <a:lstStyle/>
           <a:p>
             <a:pPr algn="ctr"/>
-            <a:endParaRPr lang="en-US">
+            <a:endParaRPr lang="en-US" sz="16014">
               <a:ln w="0"/>
               <a:solidFill>
                 <a:schemeClr val="tx1"/>
@@ -4677,8 +4522,8 @@
         </p:nvSpPr>
         <p:spPr>
           <a:xfrm>
-            <a:off x="2603290" y="9542513"/>
-            <a:ext cx="2687397" cy="253916"/>
+            <a:off x="7403692" y="30529796"/>
+            <a:ext cx="7758615" cy="558743"/>
           </a:xfrm>
           <a:prstGeom prst="rect">
             <a:avLst/>
@@ -4693,23 +4538,23 @@
           <a:p>
             <a:pPr algn="r" rtl="1"/>
             <a:r>
-              <a:rPr lang="en-US" sz="1050" dirty="0"/>
+              <a:rPr lang="en-US" sz="3031" dirty="0"/>
               <a:t>Scan </a:t>
             </a:r>
             <a:r>
-              <a:rPr lang="en-US" sz="1050" dirty="0" err="1"/>
+              <a:rPr lang="en-US" sz="3031" dirty="0" err="1"/>
               <a:t>QRCode</a:t>
             </a:r>
             <a:r>
-              <a:rPr lang="en-US" sz="1050" dirty="0"/>
+              <a:rPr lang="en-US" sz="3031" dirty="0"/>
               <a:t> for full Instructions(</a:t>
             </a:r>
             <a:r>
-              <a:rPr lang="en-US" sz="1050" dirty="0" err="1"/>
+              <a:rPr lang="en-US" sz="3031" dirty="0" err="1"/>
               <a:t>github</a:t>
             </a:r>
             <a:r>
-              <a:rPr lang="en-US" sz="1050" dirty="0"/>
+              <a:rPr lang="en-US" sz="3031" dirty="0"/>
               <a:t>)</a:t>
             </a:r>
           </a:p>
@@ -4743,8 +4588,8 @@
         </p:blipFill>
         <p:spPr>
           <a:xfrm>
-            <a:off x="0" y="210867"/>
-            <a:ext cx="1211580" cy="680080"/>
+            <a:off x="230548" y="-14469"/>
+            <a:ext cx="3818938" cy="1662547"/>
           </a:xfrm>
           <a:prstGeom prst="rect">
             <a:avLst/>
@@ -4766,14 +4611,14 @@
           <p:nvPr>
             <p:extLst>
               <p:ext uri="{D42A27DB-BD31-4B8C-83A1-F6EECF244321}">
-                <p14:modId xmlns:p14="http://schemas.microsoft.com/office/powerpoint/2010/main" val="3880125943"/>
+                <p14:modId xmlns:p14="http://schemas.microsoft.com/office/powerpoint/2010/main" val="2669493667"/>
               </p:ext>
             </p:extLst>
           </p:nvPr>
         </p:nvGraphicFramePr>
         <p:xfrm>
-          <a:off x="119440" y="4270756"/>
-          <a:ext cx="2817788" cy="1007677"/>
+          <a:off x="387312" y="13598812"/>
+          <a:ext cx="8135059" cy="2924780"/>
         </p:xfrm>
         <a:graphic>
           <a:graphicData uri="http://schemas.openxmlformats.org/drawingml/2006/table">
@@ -4782,14 +4627,14 @@
                 <a:tableStyleId>{5C22544A-7EE6-4342-B048-85BDC9FD1C3A}</a:tableStyleId>
               </a:tblPr>
               <a:tblGrid>
-                <a:gridCol w="1180185">
+                <a:gridCol w="3407238">
                   <a:extLst>
                     <a:ext uri="{9D8B030D-6E8A-4147-A177-3AD203B41FA5}">
                       <a16:colId xmlns:a16="http://schemas.microsoft.com/office/drawing/2014/main" val="399169425"/>
                     </a:ext>
                   </a:extLst>
                 </a:gridCol>
-                <a:gridCol w="1637603">
+                <a:gridCol w="4727821">
                   <a:extLst>
                     <a:ext uri="{9D8B030D-6E8A-4147-A177-3AD203B41FA5}">
                       <a16:colId xmlns:a16="http://schemas.microsoft.com/office/drawing/2014/main" val="2319214804"/>
@@ -4797,7 +4642,7 @@
                   </a:extLst>
                 </a:gridCol>
               </a:tblGrid>
-              <a:tr h="298064">
+              <a:tr h="860522">
                 <a:tc>
                   <a:txBody>
                     <a:bodyPr/>
@@ -4815,12 +4660,12 @@
                         </a:spcAft>
                       </a:pPr>
                       <a:r>
-                        <a:rPr lang="en-US" sz="1100" dirty="0">
+                        <a:rPr lang="en-US" sz="3200" dirty="0">
                           <a:effectLst/>
                         </a:rPr>
                         <a:t>Algorithms:</a:t>
                       </a:r>
-                      <a:endParaRPr lang="en-US" sz="1100" dirty="0">
+                      <a:endParaRPr lang="en-US" sz="3200" dirty="0">
                         <a:effectLst/>
                         <a:latin typeface="Calibri" panose="020F0502020204030204" pitchFamily="34" charset="0"/>
                         <a:ea typeface="Calibri" panose="020F0502020204030204" pitchFamily="34" charset="0"/>
@@ -4828,7 +4673,7 @@
                       </a:endParaRPr>
                     </a:p>
                   </a:txBody>
-                  <a:tcPr marL="68580" marR="68580" marT="0" marB="0"/>
+                  <a:tcPr marL="197993" marR="197993" marT="0" marB="0"/>
                 </a:tc>
                 <a:tc>
                   <a:txBody>
@@ -4847,12 +4692,12 @@
                         </a:spcAft>
                       </a:pPr>
                       <a:r>
-                        <a:rPr lang="en-US" sz="1100" dirty="0">
+                        <a:rPr lang="en-US" sz="3200" dirty="0">
                           <a:effectLst/>
                         </a:rPr>
                         <a:t>compression algorithms :</a:t>
                       </a:r>
-                      <a:endParaRPr lang="en-US" sz="1100" dirty="0">
+                      <a:endParaRPr lang="en-US" sz="3200" dirty="0">
                         <a:effectLst/>
                         <a:latin typeface="Calibri" panose="020F0502020204030204" pitchFamily="34" charset="0"/>
                         <a:ea typeface="Calibri" panose="020F0502020204030204" pitchFamily="34" charset="0"/>
@@ -4860,7 +4705,7 @@
                       </a:endParaRPr>
                     </a:p>
                   </a:txBody>
-                  <a:tcPr marL="68580" marR="68580" marT="0" marB="0"/>
+                  <a:tcPr marL="197993" marR="197993" marT="0" marB="0"/>
                 </a:tc>
                 <a:extLst>
                   <a:ext uri="{0D108BD9-81ED-4DB2-BD59-A6C34878D82A}">
@@ -4868,7 +4713,7 @@
                   </a:ext>
                 </a:extLst>
               </a:tr>
-              <a:tr h="145660">
+              <a:tr h="494982">
                 <a:tc>
                   <a:txBody>
                     <a:bodyPr/>
@@ -4886,12 +4731,12 @@
                         </a:spcAft>
                       </a:pPr>
                       <a:r>
-                        <a:rPr lang="en-US" sz="1100">
+                        <a:rPr lang="en-US" sz="3200">
                           <a:effectLst/>
                         </a:rPr>
                         <a:t>Haar integer </a:t>
                       </a:r>
-                      <a:endParaRPr lang="en-US" sz="1100">
+                      <a:endParaRPr lang="en-US" sz="3200">
                         <a:effectLst/>
                         <a:latin typeface="Calibri" panose="020F0502020204030204" pitchFamily="34" charset="0"/>
                         <a:ea typeface="Calibri" panose="020F0502020204030204" pitchFamily="34" charset="0"/>
@@ -4899,7 +4744,7 @@
                       </a:endParaRPr>
                     </a:p>
                   </a:txBody>
-                  <a:tcPr marL="68580" marR="68580" marT="0" marB="0"/>
+                  <a:tcPr marL="197993" marR="197993" marT="0" marB="0"/>
                 </a:tc>
                 <a:tc rowSpan="2">
                   <a:txBody>
@@ -4918,29 +4763,29 @@
                         </a:spcAft>
                       </a:pPr>
                       <a:r>
-                        <a:rPr lang="en-US" sz="1100" dirty="0">
+                        <a:rPr lang="en-US" sz="3200" dirty="0">
                           <a:effectLst/>
                         </a:rPr>
                         <a:t> *Elias code 𝑪𝜹</a:t>
                       </a:r>
                       <a:br>
-                        <a:rPr lang="en-US" sz="1100" dirty="0">
+                        <a:rPr lang="en-US" sz="3200" dirty="0">
                           <a:effectLst/>
                         </a:rPr>
                       </a:br>
                       <a:r>
-                        <a:rPr lang="en-US" sz="1100" dirty="0">
+                        <a:rPr lang="en-US" sz="3200" dirty="0">
                           <a:effectLst/>
                         </a:rPr>
                         <a:t>* binary coding</a:t>
                       </a:r>
                       <a:br>
-                        <a:rPr lang="en-US" sz="1100" dirty="0">
+                        <a:rPr lang="en-US" sz="3200" dirty="0">
                           <a:effectLst/>
                         </a:rPr>
                       </a:br>
                       <a:r>
-                        <a:rPr lang="en-US" sz="1100" dirty="0">
+                        <a:rPr lang="en-US" sz="3200" dirty="0">
                           <a:effectLst/>
                         </a:rPr>
                         <a:t>* unary coding.</a:t>
@@ -4959,12 +4804,12 @@
                         </a:spcAft>
                       </a:pPr>
                       <a:r>
-                        <a:rPr lang="en-US" sz="1100" dirty="0">
+                        <a:rPr lang="en-US" sz="3200" dirty="0">
                           <a:effectLst/>
                         </a:rPr>
                         <a:t> </a:t>
                       </a:r>
-                      <a:endParaRPr lang="en-US" sz="1100" dirty="0">
+                      <a:endParaRPr lang="en-US" sz="3200" dirty="0">
                         <a:effectLst/>
                         <a:latin typeface="Calibri" panose="020F0502020204030204" pitchFamily="34" charset="0"/>
                         <a:ea typeface="Calibri" panose="020F0502020204030204" pitchFamily="34" charset="0"/>
@@ -4972,7 +4817,7 @@
                       </a:endParaRPr>
                     </a:p>
                   </a:txBody>
-                  <a:tcPr marL="68580" marR="68580" marT="0" marB="0"/>
+                  <a:tcPr marL="197993" marR="197993" marT="0" marB="0"/>
                 </a:tc>
                 <a:extLst>
                   <a:ext uri="{0D108BD9-81ED-4DB2-BD59-A6C34878D82A}">
@@ -4980,7 +4825,7 @@
                   </a:ext>
                 </a:extLst>
               </a:tr>
-              <a:tr h="457212">
+              <a:tr h="1553697">
                 <a:tc>
                   <a:txBody>
                     <a:bodyPr/>
@@ -4998,12 +4843,12 @@
                         </a:spcAft>
                       </a:pPr>
                       <a:r>
-                        <a:rPr lang="en-US" sz="1100" u="none" dirty="0">
+                        <a:rPr lang="en-US" sz="3200" u="none" dirty="0">
                           <a:effectLst/>
                         </a:rPr>
                         <a:t>Haar New Transform</a:t>
                       </a:r>
-                      <a:endParaRPr lang="en-US" sz="1100" u="none" dirty="0">
+                      <a:endParaRPr lang="en-US" sz="3200" u="none" dirty="0">
                         <a:effectLst/>
                         <a:latin typeface="Calibri" panose="020F0502020204030204" pitchFamily="34" charset="0"/>
                         <a:ea typeface="Calibri" panose="020F0502020204030204" pitchFamily="34" charset="0"/>
@@ -5011,7 +4856,7 @@
                       </a:endParaRPr>
                     </a:p>
                   </a:txBody>
-                  <a:tcPr marL="68580" marR="68580" marT="0" marB="0"/>
+                  <a:tcPr marL="197993" marR="197993" marT="0" marB="0"/>
                 </a:tc>
                 <a:tc vMerge="1">
                   <a:txBody>
@@ -5055,8 +4900,8 @@
         </p:blipFill>
         <p:spPr>
           <a:xfrm>
-            <a:off x="437143" y="7150526"/>
-            <a:ext cx="1475463" cy="118787"/>
+            <a:off x="1262050" y="22291912"/>
+            <a:ext cx="4259716" cy="342942"/>
           </a:xfrm>
           <a:prstGeom prst="rect">
             <a:avLst/>
@@ -5077,8 +4922,8 @@
         </p:nvSpPr>
         <p:spPr>
           <a:xfrm>
-            <a:off x="437143" y="7136618"/>
-            <a:ext cx="1457302" cy="154244"/>
+            <a:off x="1262048" y="22251757"/>
+            <a:ext cx="4221615" cy="533644"/>
           </a:xfrm>
           <a:prstGeom prst="rect">
             <a:avLst/>
@@ -5096,7 +4941,7 @@
           </a:bodyPr>
           <a:lstStyle/>
           <a:p>
-            <a:endParaRPr lang="en-US" dirty="0"/>
+            <a:endParaRPr lang="en-US" sz="16014" dirty="0"/>
           </a:p>
         </p:txBody>
       </p:sp>
@@ -5114,8 +4959,8 @@
         </p:nvSpPr>
         <p:spPr>
           <a:xfrm>
-            <a:off x="1980540" y="7176078"/>
-            <a:ext cx="639316" cy="145381"/>
+            <a:off x="5717892" y="22365681"/>
+            <a:ext cx="1845729" cy="419720"/>
           </a:xfrm>
           <a:prstGeom prst="rightArrow">
             <a:avLst/>
@@ -5142,7 +4987,7 @@
           <a:lstStyle/>
           <a:p>
             <a:pPr algn="ctr"/>
-            <a:endParaRPr lang="en-US"/>
+            <a:endParaRPr lang="en-US" sz="16014"/>
           </a:p>
         </p:txBody>
       </p:sp>
@@ -5168,8 +5013,8 @@
         </p:blipFill>
         <p:spPr>
           <a:xfrm>
-            <a:off x="2699775" y="7242313"/>
-            <a:ext cx="1976233" cy="660155"/>
+            <a:off x="7794352" y="22556904"/>
+            <a:ext cx="5705458" cy="1905892"/>
           </a:xfrm>
           <a:prstGeom prst="rect">
             <a:avLst/>
@@ -5198,8 +5043,8 @@
         </p:blipFill>
         <p:spPr>
           <a:xfrm>
-            <a:off x="4661084" y="7150637"/>
-            <a:ext cx="2052546" cy="689968"/>
+            <a:off x="13456722" y="22292231"/>
+            <a:ext cx="5925776" cy="1991963"/>
           </a:xfrm>
           <a:prstGeom prst="rect">
             <a:avLst/>
@@ -5220,8 +5065,8 @@
         </p:nvSpPr>
         <p:spPr>
           <a:xfrm>
-            <a:off x="4699155" y="6996834"/>
-            <a:ext cx="988202" cy="184666"/>
+            <a:off x="13566634" y="21848195"/>
+            <a:ext cx="2852976" cy="358881"/>
           </a:xfrm>
           <a:prstGeom prst="rect">
             <a:avLst/>
@@ -5235,27 +5080,25 @@
           <a:lstStyle/>
           <a:p>
             <a:r>
-              <a:rPr lang="en-US" sz="600" b="1" i="1" dirty="0" err="1">
+              <a:rPr lang="en-US" sz="1732" b="1" i="1" dirty="0" err="1">
                 <a:solidFill>
                   <a:schemeClr val="accent1"/>
                 </a:solidFill>
-                <a:effectLst/>
                 <a:latin typeface="Arial" panose="020B0604020202020204" pitchFamily="34" charset="0"/>
               </a:rPr>
               <a:t>Haar</a:t>
             </a:r>
             <a:r>
-              <a:rPr lang="en-US" sz="600" b="1" i="1" dirty="0">
+              <a:rPr lang="en-US" sz="1732" b="1" i="1" dirty="0">
                 <a:solidFill>
                   <a:schemeClr val="accent1"/>
                 </a:solidFill>
-                <a:effectLst/>
                 <a:latin typeface="Arial" panose="020B0604020202020204" pitchFamily="34" charset="0"/>
               </a:rPr>
               <a:t> New Transform</a:t>
             </a:r>
             <a:r>
-              <a:rPr lang="en-US" sz="600" b="1" i="0" strike="noStrike" baseline="0" dirty="0">
+              <a:rPr lang="en-US" sz="1732" b="1" dirty="0">
                 <a:solidFill>
                   <a:schemeClr val="accent1"/>
                 </a:solidFill>
@@ -5263,7 +5106,7 @@
               </a:rPr>
               <a:t>:</a:t>
             </a:r>
-            <a:endParaRPr lang="en-US" sz="600" b="1" dirty="0">
+            <a:endParaRPr lang="en-US" sz="1732" b="1" dirty="0">
               <a:solidFill>
                 <a:schemeClr val="accent1"/>
               </a:solidFill>
@@ -5285,8 +5128,8 @@
         </p:nvSpPr>
         <p:spPr>
           <a:xfrm>
-            <a:off x="2707080" y="7083312"/>
-            <a:ext cx="696050" cy="184666"/>
+            <a:off x="7815440" y="22097862"/>
+            <a:ext cx="2009522" cy="358881"/>
           </a:xfrm>
           <a:prstGeom prst="rect">
             <a:avLst/>
@@ -5300,7 +5143,7 @@
           <a:lstStyle/>
           <a:p>
             <a:r>
-              <a:rPr lang="en-US" sz="600" b="1" i="0" strike="noStrike" baseline="0" dirty="0">
+              <a:rPr lang="en-US" sz="1732" b="1" dirty="0">
                 <a:solidFill>
                   <a:schemeClr val="accent1"/>
                 </a:solidFill>
@@ -5309,7 +5152,7 @@
               <a:t>Integer-</a:t>
             </a:r>
             <a:r>
-              <a:rPr lang="en-US" sz="600" b="1" i="0" strike="noStrike" baseline="0" dirty="0" err="1">
+              <a:rPr lang="en-US" sz="1732" b="1" dirty="0" err="1">
                 <a:solidFill>
                   <a:schemeClr val="accent1"/>
                 </a:solidFill>
@@ -5318,7 +5161,7 @@
               <a:t>Haar</a:t>
             </a:r>
             <a:r>
-              <a:rPr lang="en-US" sz="600" b="1" i="0" strike="noStrike" baseline="0" dirty="0">
+              <a:rPr lang="en-US" sz="1732" b="1" dirty="0">
                 <a:solidFill>
                   <a:schemeClr val="accent1"/>
                 </a:solidFill>
@@ -5326,7 +5169,7 @@
               </a:rPr>
               <a:t>:</a:t>
             </a:r>
-            <a:endParaRPr lang="en-US" sz="600" b="1" dirty="0">
+            <a:endParaRPr lang="en-US" sz="1732" b="1" dirty="0">
               <a:solidFill>
                 <a:schemeClr val="accent1"/>
               </a:solidFill>
@@ -5348,8 +5191,8 @@
         </p:nvSpPr>
         <p:spPr>
           <a:xfrm>
-            <a:off x="2511290" y="9180722"/>
-            <a:ext cx="3841829" cy="769130"/>
+            <a:off x="7563621" y="29472847"/>
+            <a:ext cx="11091503" cy="2556726"/>
           </a:xfrm>
           <a:prstGeom prst="rect">
             <a:avLst/>
@@ -5367,7 +5210,7 @@
           </a:bodyPr>
           <a:lstStyle/>
           <a:p>
-            <a:endParaRPr lang="en-US" dirty="0"/>
+            <a:endParaRPr lang="en-US" sz="16014" dirty="0"/>
           </a:p>
         </p:txBody>
       </p:sp>
@@ -5385,8 +5228,8 @@
         </p:nvSpPr>
         <p:spPr>
           <a:xfrm>
-            <a:off x="2680473" y="7067927"/>
-            <a:ext cx="2018682" cy="794637"/>
+            <a:off x="7700858" y="21900248"/>
+            <a:ext cx="5828010" cy="2556726"/>
           </a:xfrm>
           <a:prstGeom prst="rect">
             <a:avLst/>
@@ -5404,7 +5247,7 @@
           </a:bodyPr>
           <a:lstStyle/>
           <a:p>
-            <a:endParaRPr lang="en-US" dirty="0"/>
+            <a:endParaRPr lang="en-US" sz="16014" dirty="0"/>
           </a:p>
         </p:txBody>
       </p:sp>
@@ -5422,8 +5265,8 @@
         </p:nvSpPr>
         <p:spPr>
           <a:xfrm>
-            <a:off x="4706460" y="7010454"/>
-            <a:ext cx="2040717" cy="879852"/>
+            <a:off x="13587726" y="21887517"/>
+            <a:ext cx="5891626" cy="2556726"/>
           </a:xfrm>
           <a:prstGeom prst="rect">
             <a:avLst/>
@@ -5441,7 +5284,7 @@
           </a:bodyPr>
           <a:lstStyle/>
           <a:p>
-            <a:endParaRPr lang="en-US" dirty="0"/>
+            <a:endParaRPr lang="en-US" sz="16014" dirty="0"/>
           </a:p>
         </p:txBody>
       </p:sp>
@@ -5459,8 +5302,8 @@
         </p:nvSpPr>
         <p:spPr>
           <a:xfrm>
-            <a:off x="5768960" y="7903926"/>
-            <a:ext cx="171095" cy="267711"/>
+            <a:off x="16655202" y="24467005"/>
+            <a:ext cx="493958" cy="1236108"/>
           </a:xfrm>
           <a:prstGeom prst="downArrow">
             <a:avLst/>
@@ -5487,7 +5330,7 @@
           <a:lstStyle/>
           <a:p>
             <a:pPr algn="ctr"/>
-            <a:endParaRPr lang="en-US"/>
+            <a:endParaRPr lang="en-US" sz="16014"/>
           </a:p>
         </p:txBody>
       </p:sp>
@@ -5505,8 +5348,8 @@
         </p:nvSpPr>
         <p:spPr>
           <a:xfrm>
-            <a:off x="2659125" y="6988259"/>
-            <a:ext cx="4143313" cy="926443"/>
+            <a:off x="7676994" y="21823439"/>
+            <a:ext cx="11961898" cy="2556726"/>
           </a:xfrm>
           <a:prstGeom prst="rect">
             <a:avLst/>
@@ -5524,7 +5367,7 @@
           </a:bodyPr>
           <a:lstStyle/>
           <a:p>
-            <a:endParaRPr lang="en-US" dirty="0"/>
+            <a:endParaRPr lang="en-US" sz="16014" dirty="0"/>
           </a:p>
         </p:txBody>
       </p:sp>
@@ -5543,14 +5386,14 @@
           <p:nvPr>
             <p:extLst>
               <p:ext uri="{D42A27DB-BD31-4B8C-83A1-F6EECF244321}">
-                <p14:modId xmlns:p14="http://schemas.microsoft.com/office/powerpoint/2010/main" val="1127495892"/>
+                <p14:modId xmlns:p14="http://schemas.microsoft.com/office/powerpoint/2010/main" val="3176435735"/>
               </p:ext>
             </p:extLst>
           </p:nvPr>
         </p:nvGraphicFramePr>
         <p:xfrm>
-          <a:off x="4141450" y="8199267"/>
-          <a:ext cx="2519810" cy="895994"/>
+          <a:off x="12041879" y="25810325"/>
+          <a:ext cx="7263831" cy="3055996"/>
         </p:xfrm>
         <a:graphic>
           <a:graphicData uri="http://schemas.openxmlformats.org/drawingml/2006/table">
@@ -5559,28 +5402,28 @@
                 <a:tableStyleId>{5C22544A-7EE6-4342-B048-85BDC9FD1C3A}</a:tableStyleId>
               </a:tblPr>
               <a:tblGrid>
-                <a:gridCol w="1006299">
+                <a:gridCol w="2900848">
                   <a:extLst>
                     <a:ext uri="{9D8B030D-6E8A-4147-A177-3AD203B41FA5}">
                       <a16:colId xmlns:a16="http://schemas.microsoft.com/office/drawing/2014/main" val="4031532458"/>
                     </a:ext>
                   </a:extLst>
                 </a:gridCol>
-                <a:gridCol w="586096">
+                <a:gridCol w="1689533">
                   <a:extLst>
                     <a:ext uri="{9D8B030D-6E8A-4147-A177-3AD203B41FA5}">
                       <a16:colId xmlns:a16="http://schemas.microsoft.com/office/drawing/2014/main" val="1457485924"/>
                     </a:ext>
                   </a:extLst>
                 </a:gridCol>
-                <a:gridCol w="358140">
+                <a:gridCol w="1032406">
                   <a:extLst>
                     <a:ext uri="{9D8B030D-6E8A-4147-A177-3AD203B41FA5}">
                       <a16:colId xmlns:a16="http://schemas.microsoft.com/office/drawing/2014/main" val="1973839703"/>
                     </a:ext>
                   </a:extLst>
                 </a:gridCol>
-                <a:gridCol w="569275">
+                <a:gridCol w="1641044">
                   <a:extLst>
                     <a:ext uri="{9D8B030D-6E8A-4147-A177-3AD203B41FA5}">
                       <a16:colId xmlns:a16="http://schemas.microsoft.com/office/drawing/2014/main" val="1906404286"/>
@@ -5588,7 +5431,7 @@
                   </a:extLst>
                 </a:gridCol>
               </a:tblGrid>
-              <a:tr h="387806">
+              <a:tr h="1322702">
                 <a:tc>
                   <a:txBody>
                     <a:bodyPr/>
@@ -5606,13 +5449,13 @@
                         </a:spcAft>
                       </a:pPr>
                       <a:r>
-                        <a:rPr lang="en-US" sz="900" dirty="0">
+                        <a:rPr lang="en-US" sz="2600" dirty="0">
                           <a:effectLst/>
                         </a:rPr>
                         <a:t>         </a:t>
                       </a:r>
                       <a:r>
-                        <a:rPr lang="en-US" sz="500" dirty="0">
+                        <a:rPr lang="en-US" sz="1400" dirty="0">
                           <a:effectLst/>
                         </a:rPr>
                         <a:t>Compression algorithm</a:t>
@@ -5631,23 +5474,23 @@
                         </a:spcAft>
                       </a:pPr>
                       <a:br>
-                        <a:rPr lang="en-US" sz="500" dirty="0">
+                        <a:rPr lang="en-US" sz="1400" dirty="0">
                           <a:effectLst/>
                         </a:rPr>
                       </a:br>
                       <a:r>
-                        <a:rPr lang="en-US" sz="500" dirty="0" err="1">
+                        <a:rPr lang="en-US" sz="1400" dirty="0" err="1">
                           <a:effectLst/>
                         </a:rPr>
                         <a:t>Haar</a:t>
                       </a:r>
                       <a:r>
-                        <a:rPr lang="en-US" sz="500" dirty="0">
+                        <a:rPr lang="en-US" sz="1400" dirty="0">
                           <a:effectLst/>
                         </a:rPr>
                         <a:t> algorithm</a:t>
                       </a:r>
-                      <a:endParaRPr lang="en-US" sz="500" dirty="0">
+                      <a:endParaRPr lang="en-US" sz="1400" dirty="0">
                         <a:effectLst/>
                         <a:latin typeface="Calibri" panose="020F0502020204030204" pitchFamily="34" charset="0"/>
                         <a:ea typeface="Calibri" panose="020F0502020204030204" pitchFamily="34" charset="0"/>
@@ -5655,7 +5498,7 @@
                       </a:endParaRPr>
                     </a:p>
                   </a:txBody>
-                  <a:tcPr marL="68580" marR="68580" marT="0" marB="0"/>
+                  <a:tcPr marL="197993" marR="197993" marT="0" marB="0"/>
                 </a:tc>
                 <a:tc>
                   <a:txBody>
@@ -5674,17 +5517,17 @@
                         </a:spcAft>
                       </a:pPr>
                       <a:br>
-                        <a:rPr lang="en-US" sz="900" dirty="0">
+                        <a:rPr lang="en-US" sz="2600" dirty="0">
                           <a:effectLst/>
                         </a:rPr>
                       </a:br>
                       <a:r>
-                        <a:rPr lang="en-US" sz="600" dirty="0">
+                        <a:rPr lang="en-US" sz="1700" dirty="0">
                           <a:effectLst/>
                         </a:rPr>
                         <a:t>Elias code 𝑪𝜹  </a:t>
                       </a:r>
-                      <a:endParaRPr lang="en-US" sz="600" dirty="0">
+                      <a:endParaRPr lang="en-US" sz="1700" dirty="0">
                         <a:effectLst/>
                         <a:latin typeface="Calibri" panose="020F0502020204030204" pitchFamily="34" charset="0"/>
                         <a:ea typeface="Calibri" panose="020F0502020204030204" pitchFamily="34" charset="0"/>
@@ -5692,7 +5535,7 @@
                       </a:endParaRPr>
                     </a:p>
                   </a:txBody>
-                  <a:tcPr marL="68580" marR="68580" marT="0" marB="0"/>
+                  <a:tcPr marL="197993" marR="197993" marT="0" marB="0"/>
                 </a:tc>
                 <a:tc>
                   <a:txBody>
@@ -5711,17 +5554,17 @@
                         </a:spcAft>
                       </a:pPr>
                       <a:br>
-                        <a:rPr lang="en-US" sz="900" dirty="0">
+                        <a:rPr lang="en-US" sz="2600" dirty="0">
                           <a:effectLst/>
                         </a:rPr>
                       </a:br>
                       <a:r>
-                        <a:rPr lang="en-US" sz="600" dirty="0">
+                        <a:rPr lang="en-US" sz="1700" dirty="0">
                           <a:effectLst/>
                         </a:rPr>
                         <a:t>binary coding</a:t>
                       </a:r>
-                      <a:endParaRPr lang="en-US" sz="600" dirty="0">
+                      <a:endParaRPr lang="en-US" sz="1700" dirty="0">
                         <a:effectLst/>
                         <a:latin typeface="Calibri" panose="020F0502020204030204" pitchFamily="34" charset="0"/>
                         <a:ea typeface="Calibri" panose="020F0502020204030204" pitchFamily="34" charset="0"/>
@@ -5729,7 +5572,7 @@
                       </a:endParaRPr>
                     </a:p>
                   </a:txBody>
-                  <a:tcPr marL="68580" marR="68580" marT="0" marB="0"/>
+                  <a:tcPr marL="197993" marR="197993" marT="0" marB="0"/>
                 </a:tc>
                 <a:tc>
                   <a:txBody>
@@ -5748,17 +5591,17 @@
                         </a:spcAft>
                       </a:pPr>
                       <a:br>
-                        <a:rPr lang="en-US" sz="900" dirty="0">
+                        <a:rPr lang="en-US" sz="2600" dirty="0">
                           <a:effectLst/>
                         </a:rPr>
                       </a:br>
                       <a:r>
-                        <a:rPr lang="en-US" sz="600" dirty="0">
+                        <a:rPr lang="en-US" sz="1700" dirty="0">
                           <a:effectLst/>
                         </a:rPr>
                         <a:t>unary coding</a:t>
                       </a:r>
-                      <a:endParaRPr lang="en-US" sz="600" dirty="0">
+                      <a:endParaRPr lang="en-US" sz="1700" dirty="0">
                         <a:effectLst/>
                         <a:latin typeface="Calibri" panose="020F0502020204030204" pitchFamily="34" charset="0"/>
                         <a:ea typeface="Calibri" panose="020F0502020204030204" pitchFamily="34" charset="0"/>
@@ -5766,7 +5609,7 @@
                       </a:endParaRPr>
                     </a:p>
                   </a:txBody>
-                  <a:tcPr marL="68580" marR="68580" marT="0" marB="0"/>
+                  <a:tcPr marL="197993" marR="197993" marT="0" marB="0"/>
                 </a:tc>
                 <a:extLst>
                   <a:ext uri="{0D108BD9-81ED-4DB2-BD59-A6C34878D82A}">
@@ -5774,7 +5617,7 @@
                   </a:ext>
                 </a:extLst>
               </a:tr>
-              <a:tr h="192204">
+              <a:tr h="761719">
                 <a:tc>
                   <a:txBody>
                     <a:bodyPr/>
@@ -5792,29 +5635,29 @@
                         </a:spcAft>
                       </a:pPr>
                       <a:r>
-                        <a:rPr lang="en-US" sz="700" dirty="0" err="1">
+                        <a:rPr lang="en-US" sz="2000" dirty="0" err="1">
                           <a:effectLst/>
                         </a:rPr>
                         <a:t>Haar</a:t>
                       </a:r>
                       <a:r>
-                        <a:rPr lang="en-US" sz="700" dirty="0">
+                        <a:rPr lang="en-US" sz="2000" dirty="0">
                           <a:effectLst/>
                         </a:rPr>
                         <a:t> integer: </a:t>
                       </a:r>
                       <a:br>
-                        <a:rPr lang="en-US" sz="700" dirty="0">
+                        <a:rPr lang="en-US" sz="2000" dirty="0">
                           <a:effectLst/>
                         </a:rPr>
                       </a:br>
                       <a:r>
-                        <a:rPr lang="en-US" sz="700" dirty="0">
+                        <a:rPr lang="en-US" sz="2000" dirty="0">
                           <a:effectLst/>
                         </a:rPr>
                         <a:t>bit size</a:t>
                       </a:r>
-                      <a:endParaRPr lang="en-US" sz="700" dirty="0">
+                      <a:endParaRPr lang="en-US" sz="2000" dirty="0">
                         <a:effectLst/>
                         <a:latin typeface="Calibri" panose="020F0502020204030204" pitchFamily="34" charset="0"/>
                         <a:ea typeface="Calibri" panose="020F0502020204030204" pitchFamily="34" charset="0"/>
@@ -5822,7 +5665,7 @@
                       </a:endParaRPr>
                     </a:p>
                   </a:txBody>
-                  <a:tcPr marL="68580" marR="68580" marT="0" marB="0"/>
+                  <a:tcPr marL="197993" marR="197993" marT="0" marB="0"/>
                 </a:tc>
                 <a:tc>
                   <a:txBody>
@@ -5841,12 +5684,12 @@
                         </a:spcAft>
                       </a:pPr>
                       <a:r>
-                        <a:rPr lang="en-US" sz="900" dirty="0">
+                        <a:rPr lang="en-US" sz="2600" dirty="0">
                           <a:effectLst/>
                         </a:rPr>
                         <a:t>97</a:t>
                       </a:r>
-                      <a:endParaRPr lang="en-US" sz="1100" dirty="0">
+                      <a:endParaRPr lang="en-US" sz="3200" dirty="0">
                         <a:effectLst/>
                         <a:latin typeface="Calibri" panose="020F0502020204030204" pitchFamily="34" charset="0"/>
                         <a:ea typeface="Calibri" panose="020F0502020204030204" pitchFamily="34" charset="0"/>
@@ -5854,7 +5697,7 @@
                       </a:endParaRPr>
                     </a:p>
                   </a:txBody>
-                  <a:tcPr marL="68580" marR="68580" marT="0" marB="0"/>
+                  <a:tcPr marL="197993" marR="197993" marT="0" marB="0"/>
                 </a:tc>
                 <a:tc>
                   <a:txBody>
@@ -5873,12 +5716,12 @@
                         </a:spcAft>
                       </a:pPr>
                       <a:r>
-                        <a:rPr lang="en-US" sz="900">
+                        <a:rPr lang="en-US" sz="2600">
                           <a:effectLst/>
                         </a:rPr>
                         <a:t>51</a:t>
                       </a:r>
-                      <a:endParaRPr lang="en-US" sz="1100">
+                      <a:endParaRPr lang="en-US" sz="3200">
                         <a:effectLst/>
                         <a:latin typeface="Calibri" panose="020F0502020204030204" pitchFamily="34" charset="0"/>
                         <a:ea typeface="Calibri" panose="020F0502020204030204" pitchFamily="34" charset="0"/>
@@ -5886,7 +5729,7 @@
                       </a:endParaRPr>
                     </a:p>
                   </a:txBody>
-                  <a:tcPr marL="68580" marR="68580" marT="0" marB="0"/>
+                  <a:tcPr marL="197993" marR="197993" marT="0" marB="0"/>
                 </a:tc>
                 <a:tc>
                   <a:txBody>
@@ -5905,12 +5748,12 @@
                         </a:spcAft>
                       </a:pPr>
                       <a:r>
-                        <a:rPr lang="en-US" sz="900" dirty="0">
+                        <a:rPr lang="en-US" sz="2600" dirty="0">
                           <a:effectLst/>
                         </a:rPr>
                         <a:t>2,062</a:t>
                       </a:r>
-                      <a:endParaRPr lang="en-US" sz="1100" dirty="0">
+                      <a:endParaRPr lang="en-US" sz="3200" dirty="0">
                         <a:effectLst/>
                         <a:latin typeface="Calibri" panose="020F0502020204030204" pitchFamily="34" charset="0"/>
                         <a:ea typeface="Calibri" panose="020F0502020204030204" pitchFamily="34" charset="0"/>
@@ -5918,7 +5761,7 @@
                       </a:endParaRPr>
                     </a:p>
                   </a:txBody>
-                  <a:tcPr marL="68580" marR="68580" marT="0" marB="0"/>
+                  <a:tcPr marL="197993" marR="197993" marT="0" marB="0"/>
                 </a:tc>
                 <a:extLst>
                   <a:ext uri="{0D108BD9-81ED-4DB2-BD59-A6C34878D82A}">
@@ -5926,7 +5769,7 @@
                   </a:ext>
                 </a:extLst>
               </a:tr>
-              <a:tr h="284858">
+              <a:tr h="971575">
                 <a:tc>
                   <a:txBody>
                     <a:bodyPr/>
@@ -5944,29 +5787,29 @@
                         </a:spcAft>
                       </a:pPr>
                       <a:r>
-                        <a:rPr lang="en-US" sz="700" u="sng" dirty="0" err="1">
+                        <a:rPr lang="en-US" sz="2000" u="sng" dirty="0" err="1">
                           <a:effectLst/>
                         </a:rPr>
                         <a:t>Haar</a:t>
                       </a:r>
                       <a:r>
-                        <a:rPr lang="en-US" sz="700" u="sng" dirty="0">
+                        <a:rPr lang="en-US" sz="2000" u="sng" dirty="0">
                           <a:effectLst/>
                         </a:rPr>
                         <a:t> New Transform:</a:t>
                       </a:r>
                       <a:br>
-                        <a:rPr lang="en-US" sz="700" u="sng" dirty="0">
+                        <a:rPr lang="en-US" sz="2000" u="sng" dirty="0">
                           <a:effectLst/>
                         </a:rPr>
                       </a:br>
                       <a:r>
-                        <a:rPr lang="en-US" sz="700" u="sng" dirty="0">
+                        <a:rPr lang="en-US" sz="2000" u="sng" dirty="0">
                           <a:effectLst/>
                         </a:rPr>
                         <a:t> bit size</a:t>
                       </a:r>
-                      <a:endParaRPr lang="en-US" sz="700" dirty="0">
+                      <a:endParaRPr lang="en-US" sz="2000" dirty="0">
                         <a:effectLst/>
                         <a:latin typeface="Calibri" panose="020F0502020204030204" pitchFamily="34" charset="0"/>
                         <a:ea typeface="Calibri" panose="020F0502020204030204" pitchFamily="34" charset="0"/>
@@ -5974,7 +5817,7 @@
                       </a:endParaRPr>
                     </a:p>
                   </a:txBody>
-                  <a:tcPr marL="68580" marR="68580" marT="0" marB="0"/>
+                  <a:tcPr marL="197993" marR="197993" marT="0" marB="0"/>
                 </a:tc>
                 <a:tc>
                   <a:txBody>
@@ -5993,12 +5836,12 @@
                         </a:spcAft>
                       </a:pPr>
                       <a:r>
-                        <a:rPr lang="en-US" sz="900">
+                        <a:rPr lang="en-US" sz="2600">
                           <a:effectLst/>
                         </a:rPr>
                         <a:t>87</a:t>
                       </a:r>
-                      <a:endParaRPr lang="en-US" sz="1100">
+                      <a:endParaRPr lang="en-US" sz="3200">
                         <a:effectLst/>
                         <a:latin typeface="Calibri" panose="020F0502020204030204" pitchFamily="34" charset="0"/>
                         <a:ea typeface="Calibri" panose="020F0502020204030204" pitchFamily="34" charset="0"/>
@@ -6006,7 +5849,7 @@
                       </a:endParaRPr>
                     </a:p>
                   </a:txBody>
-                  <a:tcPr marL="68580" marR="68580" marT="0" marB="0"/>
+                  <a:tcPr marL="197993" marR="197993" marT="0" marB="0"/>
                 </a:tc>
                 <a:tc>
                   <a:txBody>
@@ -6025,12 +5868,12 @@
                         </a:spcAft>
                       </a:pPr>
                       <a:r>
-                        <a:rPr lang="en-US" sz="900" dirty="0">
+                        <a:rPr lang="en-US" sz="2600" dirty="0">
                           <a:effectLst/>
                         </a:rPr>
                         <a:t>51</a:t>
                       </a:r>
-                      <a:endParaRPr lang="en-US" sz="1100" dirty="0">
+                      <a:endParaRPr lang="en-US" sz="3200" dirty="0">
                         <a:effectLst/>
                         <a:latin typeface="Calibri" panose="020F0502020204030204" pitchFamily="34" charset="0"/>
                         <a:ea typeface="Calibri" panose="020F0502020204030204" pitchFamily="34" charset="0"/>
@@ -6038,7 +5881,7 @@
                       </a:endParaRPr>
                     </a:p>
                   </a:txBody>
-                  <a:tcPr marL="68580" marR="68580" marT="0" marB="0"/>
+                  <a:tcPr marL="197993" marR="197993" marT="0" marB="0"/>
                 </a:tc>
                 <a:tc>
                   <a:txBody>
@@ -6057,12 +5900,12 @@
                         </a:spcAft>
                       </a:pPr>
                       <a:r>
-                        <a:rPr lang="en-US" sz="900" dirty="0">
+                        <a:rPr lang="en-US" sz="2600" dirty="0">
                           <a:effectLst/>
                         </a:rPr>
                         <a:t>14,386</a:t>
                       </a:r>
-                      <a:endParaRPr lang="en-US" sz="1100" dirty="0">
+                      <a:endParaRPr lang="en-US" sz="3200" dirty="0">
                         <a:effectLst/>
                         <a:latin typeface="Calibri" panose="020F0502020204030204" pitchFamily="34" charset="0"/>
                         <a:ea typeface="Calibri" panose="020F0502020204030204" pitchFamily="34" charset="0"/>
@@ -6070,7 +5913,7 @@
                       </a:endParaRPr>
                     </a:p>
                   </a:txBody>
-                  <a:tcPr marL="68580" marR="68580" marT="0" marB="0"/>
+                  <a:tcPr marL="197993" marR="197993" marT="0" marB="0"/>
                 </a:tc>
                 <a:extLst>
                   <a:ext uri="{0D108BD9-81ED-4DB2-BD59-A6C34878D82A}">
@@ -6098,8 +5941,8 @@
         </p:nvCxnSpPr>
         <p:spPr>
           <a:xfrm>
-            <a:off x="4145243" y="8222861"/>
-            <a:ext cx="1036357" cy="345206"/>
+            <a:off x="11967472" y="25387781"/>
+            <a:ext cx="2992001" cy="996623"/>
           </a:xfrm>
           <a:prstGeom prst="line">
             <a:avLst/>
@@ -6147,8 +5990,8 @@
         </p:blipFill>
         <p:spPr>
           <a:xfrm>
-            <a:off x="266485" y="7845427"/>
-            <a:ext cx="1591928" cy="920384"/>
+            <a:off x="546290" y="25582286"/>
+            <a:ext cx="4595955" cy="2657183"/>
           </a:xfrm>
           <a:prstGeom prst="rect">
             <a:avLst/>
@@ -6177,8 +6020,8 @@
         </p:blipFill>
         <p:spPr>
           <a:xfrm>
-            <a:off x="1907674" y="8171637"/>
-            <a:ext cx="1591909" cy="929012"/>
+            <a:off x="5505222" y="25453121"/>
+            <a:ext cx="4595900" cy="2760300"/>
           </a:xfrm>
           <a:prstGeom prst="rect">
             <a:avLst/>
@@ -6207,8 +6050,8 @@
         </p:blipFill>
         <p:spPr>
           <a:xfrm>
-            <a:off x="196740" y="8813433"/>
-            <a:ext cx="1682717" cy="1036228"/>
+            <a:off x="415235" y="28252584"/>
+            <a:ext cx="4858066" cy="2991629"/>
           </a:xfrm>
           <a:prstGeom prst="rect">
             <a:avLst/>
@@ -6229,8 +6072,8 @@
         </p:nvSpPr>
         <p:spPr>
           <a:xfrm>
-            <a:off x="240783" y="7827542"/>
-            <a:ext cx="1666891" cy="945935"/>
+            <a:off x="477896" y="25444868"/>
+            <a:ext cx="4858066" cy="2841983"/>
           </a:xfrm>
           <a:prstGeom prst="rect">
             <a:avLst/>
@@ -6248,7 +6091,7 @@
           </a:bodyPr>
           <a:lstStyle/>
           <a:p>
-            <a:endParaRPr lang="en-US" dirty="0"/>
+            <a:endParaRPr lang="en-US" sz="16014" dirty="0"/>
           </a:p>
         </p:txBody>
       </p:sp>
@@ -6266,8 +6109,8 @@
         </p:nvSpPr>
         <p:spPr>
           <a:xfrm>
-            <a:off x="1904548" y="8143344"/>
-            <a:ext cx="1627306" cy="985597"/>
+            <a:off x="5354627" y="25413738"/>
+            <a:ext cx="4719782" cy="2937643"/>
           </a:xfrm>
           <a:prstGeom prst="rect">
             <a:avLst/>
@@ -6285,7 +6128,7 @@
           </a:bodyPr>
           <a:lstStyle/>
           <a:p>
-            <a:endParaRPr lang="en-US" dirty="0"/>
+            <a:endParaRPr lang="en-US" sz="16014" dirty="0"/>
           </a:p>
         </p:txBody>
       </p:sp>
@@ -6303,8 +6146,8 @@
         </p:nvSpPr>
         <p:spPr>
           <a:xfrm>
-            <a:off x="217165" y="8791362"/>
-            <a:ext cx="1690509" cy="1072346"/>
+            <a:off x="478614" y="28265700"/>
+            <a:ext cx="4858066" cy="2991628"/>
           </a:xfrm>
           <a:prstGeom prst="rect">
             <a:avLst/>
@@ -6322,7 +6165,7 @@
           </a:bodyPr>
           <a:lstStyle/>
           <a:p>
-            <a:endParaRPr lang="en-US" dirty="0"/>
+            <a:endParaRPr lang="en-US" sz="16014" dirty="0"/>
           </a:p>
         </p:txBody>
       </p:sp>
@@ -6340,8 +6183,8 @@
         </p:nvSpPr>
         <p:spPr>
           <a:xfrm>
-            <a:off x="3623292" y="8488610"/>
-            <a:ext cx="426720" cy="168007"/>
+            <a:off x="10460578" y="26155010"/>
+            <a:ext cx="1231956" cy="485042"/>
           </a:xfrm>
           <a:prstGeom prst="leftRightArrow">
             <a:avLst/>
@@ -6368,7 +6211,7 @@
           <a:lstStyle/>
           <a:p>
             <a:pPr algn="ctr"/>
-            <a:endParaRPr lang="en-US"/>
+            <a:endParaRPr lang="en-US" sz="16014"/>
           </a:p>
         </p:txBody>
       </p:sp>
@@ -6386,8 +6229,8 @@
         </p:nvSpPr>
         <p:spPr>
           <a:xfrm>
-            <a:off x="539784" y="6877981"/>
-            <a:ext cx="1093068" cy="276999"/>
+            <a:off x="1558376" y="21505064"/>
+            <a:ext cx="3155728" cy="625428"/>
           </a:xfrm>
           <a:prstGeom prst="rect">
             <a:avLst/>
@@ -6406,7 +6249,7 @@
           <a:lstStyle/>
           <a:p>
             <a:r>
-              <a:rPr lang="en-US" sz="1200" dirty="0">
+              <a:rPr lang="en-US" sz="3464" dirty="0">
                 <a:solidFill>
                   <a:schemeClr val="accent1"/>
                 </a:solidFill>
@@ -6414,7 +6257,7 @@
               <a:t>(1)</a:t>
             </a:r>
             <a:r>
-              <a:rPr lang="en-US" sz="900" dirty="0">
+              <a:rPr lang="en-US" sz="2598" dirty="0">
                 <a:solidFill>
                   <a:schemeClr val="accent1"/>
                 </a:solidFill>
@@ -6438,8 +6281,8 @@
         </p:nvSpPr>
         <p:spPr>
           <a:xfrm>
-            <a:off x="266485" y="7557225"/>
-            <a:ext cx="2055560" cy="276999"/>
+            <a:off x="518150" y="24704024"/>
+            <a:ext cx="5934478" cy="625428"/>
           </a:xfrm>
           <a:prstGeom prst="rect">
             <a:avLst/>
@@ -6458,7 +6301,7 @@
           <a:lstStyle/>
           <a:p>
             <a:r>
-              <a:rPr lang="en-US" sz="1200" dirty="0">
+              <a:rPr lang="en-US" sz="3464" dirty="0">
                 <a:solidFill>
                   <a:schemeClr val="accent1"/>
                 </a:solidFill>
@@ -6466,7 +6309,7 @@
               <a:t>(4)</a:t>
             </a:r>
             <a:r>
-              <a:rPr lang="en-US" sz="700" dirty="0">
+              <a:rPr lang="en-US" sz="2021" dirty="0">
                 <a:solidFill>
                   <a:schemeClr val="accent1"/>
                 </a:solidFill>
@@ -6474,7 +6317,7 @@
               <a:t>-100K Array(2^3 </a:t>
             </a:r>
             <a:r>
-              <a:rPr lang="en-US" sz="700" dirty="0">
+              <a:rPr lang="en-US" sz="2021" dirty="0">
                 <a:solidFill>
                   <a:schemeClr val="accent1"/>
                 </a:solidFill>
@@ -6484,7 +6327,7 @@
               <a:t>variables)</a:t>
             </a:r>
             <a:r>
-              <a:rPr lang="en-US" sz="700" dirty="0">
+              <a:rPr lang="en-US" sz="2021" dirty="0">
                 <a:solidFill>
                   <a:schemeClr val="accent1"/>
                 </a:solidFill>
@@ -6508,8 +6351,8 @@
         </p:nvSpPr>
         <p:spPr>
           <a:xfrm>
-            <a:off x="1980540" y="9224783"/>
-            <a:ext cx="127660" cy="131099"/>
+            <a:off x="5821980" y="29823042"/>
+            <a:ext cx="368559" cy="378488"/>
           </a:xfrm>
           <a:prstGeom prst="rect">
             <a:avLst/>
@@ -6544,7 +6387,7 @@
           <a:lstStyle/>
           <a:p>
             <a:pPr algn="ctr"/>
-            <a:endParaRPr lang="en-US"/>
+            <a:endParaRPr lang="en-US" sz="16014"/>
           </a:p>
         </p:txBody>
       </p:sp>
@@ -6562,8 +6405,8 @@
         </p:nvSpPr>
         <p:spPr>
           <a:xfrm>
-            <a:off x="1980540" y="9384174"/>
-            <a:ext cx="127660" cy="131099"/>
+            <a:off x="5821980" y="30373769"/>
+            <a:ext cx="368559" cy="378488"/>
           </a:xfrm>
           <a:prstGeom prst="rect">
             <a:avLst/>
@@ -6598,7 +6441,7 @@
           <a:lstStyle/>
           <a:p>
             <a:pPr algn="ctr"/>
-            <a:endParaRPr lang="en-US"/>
+            <a:endParaRPr lang="en-US" sz="16014"/>
           </a:p>
         </p:txBody>
       </p:sp>
@@ -6616,8 +6459,8 @@
         </p:nvSpPr>
         <p:spPr>
           <a:xfrm>
-            <a:off x="1980540" y="9548209"/>
-            <a:ext cx="127660" cy="121262"/>
+            <a:off x="5833933" y="30907240"/>
+            <a:ext cx="368559" cy="350088"/>
           </a:xfrm>
           <a:prstGeom prst="rect">
             <a:avLst/>
@@ -6652,7 +6495,7 @@
           <a:lstStyle/>
           <a:p>
             <a:pPr algn="ctr"/>
-            <a:endParaRPr lang="en-US"/>
+            <a:endParaRPr lang="en-US" sz="16014"/>
           </a:p>
         </p:txBody>
       </p:sp>
@@ -6670,8 +6513,8 @@
         </p:nvSpPr>
         <p:spPr>
           <a:xfrm>
-            <a:off x="2022909" y="9367085"/>
-            <a:ext cx="424252" cy="169277"/>
+            <a:off x="6228863" y="30386075"/>
+            <a:ext cx="1224831" cy="314573"/>
           </a:xfrm>
           <a:prstGeom prst="rect">
             <a:avLst/>
@@ -6685,11 +6528,11 @@
           <a:lstStyle/>
           <a:p>
             <a:r>
-              <a:rPr lang="en-US" sz="500" dirty="0"/>
+              <a:rPr lang="en-US" sz="1444" dirty="0"/>
               <a:t> </a:t>
             </a:r>
             <a:r>
-              <a:rPr lang="en-US" sz="400" dirty="0"/>
+              <a:rPr lang="en-US" sz="1155" dirty="0"/>
               <a:t>- Equals</a:t>
             </a:r>
           </a:p>
@@ -6709,8 +6552,8 @@
         </p:nvSpPr>
         <p:spPr>
           <a:xfrm>
-            <a:off x="2028852" y="9193808"/>
-            <a:ext cx="539871" cy="169277"/>
+            <a:off x="6202492" y="29864037"/>
+            <a:ext cx="1558628" cy="314573"/>
           </a:xfrm>
           <a:prstGeom prst="rect">
             <a:avLst/>
@@ -6724,19 +6567,19 @@
           <a:lstStyle/>
           <a:p>
             <a:r>
-              <a:rPr lang="en-US" sz="500" dirty="0"/>
+              <a:rPr lang="en-US" sz="1444" dirty="0"/>
               <a:t> </a:t>
             </a:r>
             <a:r>
-              <a:rPr lang="en-US" sz="400" dirty="0"/>
+              <a:rPr lang="en-US" sz="1155" dirty="0"/>
               <a:t>- </a:t>
             </a:r>
             <a:r>
-              <a:rPr lang="en-US" sz="400" dirty="0" err="1"/>
+              <a:rPr lang="en-US" sz="1155" dirty="0" err="1"/>
               <a:t>Haar</a:t>
             </a:r>
             <a:r>
-              <a:rPr lang="en-US" sz="400" dirty="0"/>
+              <a:rPr lang="en-US" sz="1155" dirty="0"/>
               <a:t> Integer</a:t>
             </a:r>
           </a:p>
@@ -6756,8 +6599,8 @@
         </p:nvSpPr>
         <p:spPr>
           <a:xfrm>
-            <a:off x="2044701" y="9515273"/>
-            <a:ext cx="668947" cy="230832"/>
+            <a:off x="6227641" y="30871500"/>
+            <a:ext cx="1931275" cy="492314"/>
           </a:xfrm>
           <a:prstGeom prst="rect">
             <a:avLst/>
@@ -6771,26 +6614,26 @@
           <a:lstStyle/>
           <a:p>
             <a:r>
-              <a:rPr lang="en-US" sz="500" dirty="0"/>
+              <a:rPr lang="en-US" sz="1444" dirty="0"/>
               <a:t> </a:t>
             </a:r>
             <a:r>
-              <a:rPr lang="en-US" sz="400" dirty="0"/>
+              <a:rPr lang="en-US" sz="1155" dirty="0"/>
               <a:t>- </a:t>
             </a:r>
             <a:r>
-              <a:rPr lang="en-US" sz="400" dirty="0" err="1"/>
+              <a:rPr lang="en-US" sz="1155" dirty="0" err="1"/>
               <a:t>Haar</a:t>
             </a:r>
             <a:r>
-              <a:rPr lang="en-US" sz="400" dirty="0"/>
+              <a:rPr lang="en-US" sz="1155" dirty="0"/>
               <a:t> New</a:t>
             </a:r>
             <a:br>
-              <a:rPr lang="en-US" sz="400" dirty="0"/>
+              <a:rPr lang="en-US" sz="1155" dirty="0"/>
             </a:br>
             <a:r>
-              <a:rPr lang="en-US" sz="400" dirty="0"/>
+              <a:rPr lang="en-US" sz="1155" dirty="0"/>
               <a:t> Transform</a:t>
             </a:r>
           </a:p>
@@ -6810,8 +6653,8 @@
         </p:nvSpPr>
         <p:spPr>
           <a:xfrm>
-            <a:off x="3968459" y="6726168"/>
-            <a:ext cx="1213141" cy="276999"/>
+            <a:off x="11457090" y="21066774"/>
+            <a:ext cx="3502383" cy="625428"/>
           </a:xfrm>
           <a:prstGeom prst="rect">
             <a:avLst/>
@@ -6830,7 +6673,7 @@
           <a:lstStyle/>
           <a:p>
             <a:r>
-              <a:rPr lang="en-US" sz="1200" dirty="0">
+              <a:rPr lang="en-US" sz="3464" dirty="0">
                 <a:solidFill>
                   <a:schemeClr val="accent1"/>
                 </a:solidFill>
@@ -6838,7 +6681,7 @@
               <a:t>(2)</a:t>
             </a:r>
             <a:r>
-              <a:rPr lang="en-US" sz="900" dirty="0">
+              <a:rPr lang="en-US" sz="2598" dirty="0">
                 <a:solidFill>
                   <a:schemeClr val="accent1"/>
                 </a:solidFill>
@@ -6846,7 +6689,7 @@
               <a:t>-</a:t>
             </a:r>
             <a:r>
-              <a:rPr lang="en-US" sz="900" dirty="0" err="1">
+              <a:rPr lang="en-US" sz="2598" dirty="0" err="1">
                 <a:solidFill>
                   <a:schemeClr val="accent1"/>
                 </a:solidFill>
@@ -6854,7 +6697,7 @@
               <a:t>Haar</a:t>
             </a:r>
             <a:r>
-              <a:rPr lang="en-US" sz="900" dirty="0">
+              <a:rPr lang="en-US" sz="2598" dirty="0">
                 <a:solidFill>
                   <a:schemeClr val="accent1"/>
                 </a:solidFill>
@@ -6878,8 +6721,8 @@
         </p:nvSpPr>
         <p:spPr>
           <a:xfrm>
-            <a:off x="4644871" y="7971394"/>
-            <a:ext cx="1096769" cy="276999"/>
+            <a:off x="12901127" y="25194348"/>
+            <a:ext cx="3166413" cy="625428"/>
           </a:xfrm>
           <a:prstGeom prst="rect">
             <a:avLst/>
@@ -6898,7 +6741,7 @@
           <a:lstStyle/>
           <a:p>
             <a:r>
-              <a:rPr lang="en-US" sz="1200" dirty="0">
+              <a:rPr lang="en-US" sz="3464" dirty="0">
                 <a:solidFill>
                   <a:schemeClr val="accent1"/>
                 </a:solidFill>
@@ -6906,7 +6749,7 @@
               <a:t>(3)</a:t>
             </a:r>
             <a:r>
-              <a:rPr lang="en-US" sz="700" dirty="0">
+              <a:rPr lang="en-US" sz="2021" dirty="0">
                 <a:solidFill>
                   <a:schemeClr val="accent1"/>
                 </a:solidFill>
@@ -6930,8 +6773,8 @@
         </p:nvSpPr>
         <p:spPr>
           <a:xfrm>
-            <a:off x="2070978" y="6097499"/>
-            <a:ext cx="4085981" cy="461665"/>
+            <a:off x="5558901" y="19631239"/>
+            <a:ext cx="11796378" cy="1158779"/>
           </a:xfrm>
           <a:prstGeom prst="rect">
             <a:avLst/>
@@ -6950,51 +6793,51 @@
           <a:lstStyle/>
           <a:p>
             <a:r>
-              <a:rPr lang="en-US" sz="800" b="1" dirty="0"/>
+              <a:rPr lang="en-US" sz="2310" b="1" dirty="0"/>
               <a:t>(1) </a:t>
             </a:r>
             <a:r>
-              <a:rPr lang="en-US" sz="800" dirty="0"/>
+              <a:rPr lang="en-US" sz="2310" dirty="0"/>
               <a:t>Is a example of an array </a:t>
             </a:r>
             <a:r>
-              <a:rPr lang="en-US" sz="800" b="1" dirty="0"/>
+              <a:rPr lang="en-US" sz="2310" b="1" dirty="0"/>
               <a:t>,(2) </a:t>
             </a:r>
             <a:r>
-              <a:rPr lang="en-US" sz="800" dirty="0"/>
+              <a:rPr lang="en-US" sz="2310" dirty="0"/>
               <a:t>is the changes that each </a:t>
             </a:r>
             <a:r>
-              <a:rPr lang="en-US" sz="800" dirty="0" err="1"/>
+              <a:rPr lang="en-US" sz="2310" dirty="0" err="1"/>
               <a:t>haar</a:t>
             </a:r>
             <a:r>
-              <a:rPr lang="en-US" sz="800" dirty="0"/>
+              <a:rPr lang="en-US" sz="2310" dirty="0"/>
               <a:t> algorithm performs on the array variables,</a:t>
             </a:r>
             <a:r>
-              <a:rPr lang="en-US" sz="800" b="1" dirty="0"/>
+              <a:rPr lang="en-US" sz="2310" b="1" dirty="0"/>
               <a:t> (3) </a:t>
             </a:r>
             <a:r>
-              <a:rPr lang="en-US" sz="800" dirty="0"/>
+              <a:rPr lang="en-US" sz="2310" dirty="0"/>
               <a:t>a table contain the size of the compressed massage for each algorithm ,</a:t>
             </a:r>
             <a:r>
-              <a:rPr lang="en-US" sz="800" b="1" dirty="0"/>
+              <a:rPr lang="en-US" sz="2310" b="1" dirty="0"/>
               <a:t>(4) </a:t>
             </a:r>
             <a:r>
-              <a:rPr lang="en-US" sz="800" dirty="0"/>
+              <a:rPr lang="en-US" sz="2310" dirty="0"/>
               <a:t>contain the result of the better </a:t>
             </a:r>
             <a:r>
-              <a:rPr lang="en-US" sz="800" dirty="0" err="1"/>
+              <a:rPr lang="en-US" sz="2310" dirty="0" err="1"/>
               <a:t>Haar</a:t>
             </a:r>
             <a:r>
-              <a:rPr lang="en-US" sz="800" dirty="0"/>
+              <a:rPr lang="en-US" sz="2310" dirty="0"/>
               <a:t> algorithm for each compression in a 100k random arrays</a:t>
             </a:r>
           </a:p>
@@ -7016,7 +6859,7 @@
 <file path=ppt/theme/theme1.xml><?xml version="1.0" encoding="utf-8"?>
 <a:theme xmlns:a="http://schemas.openxmlformats.org/drawingml/2006/main" name="Office Theme">
   <a:themeElements>
-    <a:clrScheme name="Office Theme">
+    <a:clrScheme name="ערכת נושא Office">
       <a:dk1>
         <a:sysClr val="windowText" lastClr="000000"/>
       </a:dk1>
@@ -7054,7 +6897,7 @@
         <a:srgbClr val="954F72"/>
       </a:folHlink>
     </a:clrScheme>
-    <a:fontScheme name="Office Theme">
+    <a:fontScheme name="ערכת נושא Office">
       <a:majorFont>
         <a:latin typeface="Calibri Light" panose="020F0302020204030204"/>
         <a:ea typeface=""/>
@@ -7126,7 +6969,7 @@
         <a:font script="Geor" typeface="Sylfaen"/>
       </a:minorFont>
     </a:fontScheme>
-    <a:fmtScheme name="Office Theme">
+    <a:fmtScheme name="ערכת נושא Office">
       <a:fillStyleLst>
         <a:solidFill>
           <a:schemeClr val="phClr"/>

--- a/files/Poster Final Project 2022.pptx
+++ b/files/Poster Final Project 2022.pptx
@@ -243,7 +243,7 @@
           <a:p>
             <a:fld id="{73EE89F4-C31D-45E3-BFAA-D8E8790DFB86}" type="datetimeFigureOut">
               <a:rPr lang="en-US" smtClean="0"/>
-              <a:t>5/26/2022</a:t>
+              <a:t>5/28/2022</a:t>
             </a:fld>
             <a:endParaRPr lang="en-US"/>
           </a:p>
@@ -413,7 +413,7 @@
           <a:p>
             <a:fld id="{73EE89F4-C31D-45E3-BFAA-D8E8790DFB86}" type="datetimeFigureOut">
               <a:rPr lang="en-US" smtClean="0"/>
-              <a:t>5/26/2022</a:t>
+              <a:t>5/28/2022</a:t>
             </a:fld>
             <a:endParaRPr lang="en-US"/>
           </a:p>
@@ -593,7 +593,7 @@
           <a:p>
             <a:fld id="{73EE89F4-C31D-45E3-BFAA-D8E8790DFB86}" type="datetimeFigureOut">
               <a:rPr lang="en-US" smtClean="0"/>
-              <a:t>5/26/2022</a:t>
+              <a:t>5/28/2022</a:t>
             </a:fld>
             <a:endParaRPr lang="en-US"/>
           </a:p>
@@ -763,7 +763,7 @@
           <a:p>
             <a:fld id="{73EE89F4-C31D-45E3-BFAA-D8E8790DFB86}" type="datetimeFigureOut">
               <a:rPr lang="en-US" smtClean="0"/>
-              <a:t>5/26/2022</a:t>
+              <a:t>5/28/2022</a:t>
             </a:fld>
             <a:endParaRPr lang="en-US"/>
           </a:p>
@@ -1007,7 +1007,7 @@
           <a:p>
             <a:fld id="{73EE89F4-C31D-45E3-BFAA-D8E8790DFB86}" type="datetimeFigureOut">
               <a:rPr lang="en-US" smtClean="0"/>
-              <a:t>5/26/2022</a:t>
+              <a:t>5/28/2022</a:t>
             </a:fld>
             <a:endParaRPr lang="en-US"/>
           </a:p>
@@ -1239,7 +1239,7 @@
           <a:p>
             <a:fld id="{73EE89F4-C31D-45E3-BFAA-D8E8790DFB86}" type="datetimeFigureOut">
               <a:rPr lang="en-US" smtClean="0"/>
-              <a:t>5/26/2022</a:t>
+              <a:t>5/28/2022</a:t>
             </a:fld>
             <a:endParaRPr lang="en-US"/>
           </a:p>
@@ -1606,7 +1606,7 @@
           <a:p>
             <a:fld id="{73EE89F4-C31D-45E3-BFAA-D8E8790DFB86}" type="datetimeFigureOut">
               <a:rPr lang="en-US" smtClean="0"/>
-              <a:t>5/26/2022</a:t>
+              <a:t>5/28/2022</a:t>
             </a:fld>
             <a:endParaRPr lang="en-US"/>
           </a:p>
@@ -1724,7 +1724,7 @@
           <a:p>
             <a:fld id="{73EE89F4-C31D-45E3-BFAA-D8E8790DFB86}" type="datetimeFigureOut">
               <a:rPr lang="en-US" smtClean="0"/>
-              <a:t>5/26/2022</a:t>
+              <a:t>5/28/2022</a:t>
             </a:fld>
             <a:endParaRPr lang="en-US"/>
           </a:p>
@@ -1819,7 +1819,7 @@
           <a:p>
             <a:fld id="{73EE89F4-C31D-45E3-BFAA-D8E8790DFB86}" type="datetimeFigureOut">
               <a:rPr lang="en-US" smtClean="0"/>
-              <a:t>5/26/2022</a:t>
+              <a:t>5/28/2022</a:t>
             </a:fld>
             <a:endParaRPr lang="en-US"/>
           </a:p>
@@ -2096,7 +2096,7 @@
           <a:p>
             <a:fld id="{73EE89F4-C31D-45E3-BFAA-D8E8790DFB86}" type="datetimeFigureOut">
               <a:rPr lang="en-US" smtClean="0"/>
-              <a:t>5/26/2022</a:t>
+              <a:t>5/28/2022</a:t>
             </a:fld>
             <a:endParaRPr lang="en-US"/>
           </a:p>
@@ -2353,7 +2353,7 @@
           <a:p>
             <a:fld id="{73EE89F4-C31D-45E3-BFAA-D8E8790DFB86}" type="datetimeFigureOut">
               <a:rPr lang="en-US" smtClean="0"/>
-              <a:t>5/26/2022</a:t>
+              <a:t>5/28/2022</a:t>
             </a:fld>
             <a:endParaRPr lang="en-US"/>
           </a:p>
@@ -2566,7 +2566,7 @@
           <a:p>
             <a:fld id="{73EE89F4-C31D-45E3-BFAA-D8E8790DFB86}" type="datetimeFigureOut">
               <a:rPr lang="en-US" smtClean="0"/>
-              <a:t>5/26/2022</a:t>
+              <a:t>5/28/2022</a:t>
             </a:fld>
             <a:endParaRPr lang="en-US"/>
           </a:p>
@@ -2957,6 +2957,40 @@
 <file path=ppt/slides/slide1.xml><?xml version="1.0" encoding="utf-8"?>
 <p:sld xmlns:a="http://schemas.openxmlformats.org/drawingml/2006/main" xmlns:r="http://schemas.openxmlformats.org/officeDocument/2006/relationships" xmlns:p="http://schemas.openxmlformats.org/presentationml/2006/main">
   <p:cSld>
+    <p:bg>
+      <p:bgPr>
+        <a:blipFill>
+          <a:blip r:embed="rId2">
+            <a:duotone>
+              <a:prstClr val="black"/>
+              <a:schemeClr val="accent5">
+                <a:tint val="45000"/>
+                <a:satMod val="400000"/>
+              </a:schemeClr>
+            </a:duotone>
+            <a:extLst>
+              <a:ext uri="{BEBA8EAE-BF5A-486C-A8C5-ECC9F3942E4B}">
+                <a14:imgProps xmlns:a14="http://schemas.microsoft.com/office/drawing/2010/main">
+                  <a14:imgLayer r:embed="rId3">
+                    <a14:imgEffect>
+                      <a14:artisticGlass scaling="33"/>
+                    </a14:imgEffect>
+                    <a14:imgEffect>
+                      <a14:colorTemperature colorTemp="7200"/>
+                    </a14:imgEffect>
+                    <a14:imgEffect>
+                      <a14:saturation sat="210000"/>
+                    </a14:imgEffect>
+                  </a14:imgLayer>
+                </a14:imgProps>
+              </a:ext>
+            </a:extLst>
+          </a:blip>
+          <a:tile tx="0" ty="0" sx="100000" sy="100000" flip="none" algn="tl"/>
+        </a:blipFill>
+        <a:effectLst/>
+      </p:bgPr>
+    </p:bg>
     <p:spTree>
       <p:nvGrpSpPr>
         <p:cNvPr id="1" name=""/>
@@ -2971,229 +3005,6 @@
           <a:chExt cx="0" cy="0"/>
         </a:xfrm>
       </p:grpSpPr>
-      <p:sp>
-        <p:nvSpPr>
-          <p:cNvPr id="3" name="כותרת משנה 2"/>
-          <p:cNvSpPr>
-            <a:spLocks noGrp="1"/>
-          </p:cNvSpPr>
-          <p:nvPr>
-            <p:ph type="subTitle" idx="1"/>
-          </p:nvPr>
-        </p:nvSpPr>
-        <p:spPr>
-          <a:xfrm>
-            <a:off x="4" y="1712156"/>
-            <a:ext cx="19799297" cy="3642147"/>
-          </a:xfrm>
-          <a:ln/>
-        </p:spPr>
-        <p:style>
-          <a:lnRef idx="2">
-            <a:schemeClr val="accent4"/>
-          </a:lnRef>
-          <a:fillRef idx="1">
-            <a:schemeClr val="lt1"/>
-          </a:fillRef>
-          <a:effectRef idx="0">
-            <a:schemeClr val="accent4"/>
-          </a:effectRef>
-          <a:fontRef idx="minor">
-            <a:schemeClr val="dk1"/>
-          </a:fontRef>
-        </p:style>
-        <p:txBody>
-          <a:bodyPr>
-            <a:normAutofit fontScale="92500" lnSpcReduction="20000"/>
-          </a:bodyPr>
-          <a:lstStyle/>
-          <a:p>
-            <a:pPr defTabSz="2747220"/>
-            <a:br>
-              <a:rPr lang="en-US" sz="3773" b="1" dirty="0">
-                <a:solidFill>
-                  <a:schemeClr val="tx1"/>
-                </a:solidFill>
-                <a:latin typeface="Calibri"/>
-                <a:cs typeface="Arial"/>
-              </a:rPr>
-            </a:br>
-            <a:br>
-              <a:rPr lang="en-US" sz="3773" b="1" dirty="0">
-                <a:solidFill>
-                  <a:schemeClr val="tx1"/>
-                </a:solidFill>
-                <a:latin typeface="Calibri"/>
-                <a:cs typeface="Arial"/>
-              </a:rPr>
-            </a:br>
-            <a:r>
-              <a:rPr lang="en-US" sz="4900" b="1" dirty="0">
-                <a:solidFill>
-                  <a:schemeClr val="tx1"/>
-                </a:solidFill>
-                <a:latin typeface="Calibri"/>
-                <a:cs typeface="Arial"/>
-              </a:rPr>
-              <a:t>       </a:t>
-            </a:r>
-            <a:r>
-              <a:rPr lang="en-US" sz="7200" b="1" dirty="0">
-                <a:solidFill>
-                  <a:schemeClr val="tx1"/>
-                </a:solidFill>
-                <a:latin typeface="Calibri"/>
-                <a:cs typeface="Arial"/>
-              </a:rPr>
-              <a:t>Data Compression – Comparing </a:t>
-            </a:r>
-            <a:r>
-              <a:rPr lang="en-US" sz="7200" b="1" dirty="0" err="1">
-                <a:solidFill>
-                  <a:schemeClr val="tx1"/>
-                </a:solidFill>
-                <a:latin typeface="Calibri"/>
-                <a:cs typeface="Arial"/>
-              </a:rPr>
-              <a:t>Haar’s</a:t>
-            </a:r>
-            <a:r>
-              <a:rPr lang="en-US" sz="7200" b="1" dirty="0">
-                <a:solidFill>
-                  <a:schemeClr val="tx1"/>
-                </a:solidFill>
-                <a:latin typeface="Calibri"/>
-                <a:cs typeface="Arial"/>
-              </a:rPr>
-              <a:t> Algorithms</a:t>
-            </a:r>
-            <a:br>
-              <a:rPr lang="en-US" sz="3773" b="1" dirty="0">
-                <a:solidFill>
-                  <a:schemeClr val="tx1"/>
-                </a:solidFill>
-                <a:latin typeface="Calibri"/>
-                <a:cs typeface="Arial"/>
-              </a:rPr>
-            </a:br>
-            <a:endParaRPr lang="en-US" sz="3773" b="1" dirty="0">
-              <a:solidFill>
-                <a:schemeClr val="tx1"/>
-              </a:solidFill>
-              <a:latin typeface="Calibri"/>
-              <a:cs typeface="Arial"/>
-            </a:endParaRPr>
-          </a:p>
-          <a:p>
-            <a:pPr defTabSz="2747220"/>
-            <a:r>
-              <a:rPr lang="en-US" sz="3773" b="1" dirty="0">
-                <a:solidFill>
-                  <a:schemeClr val="tx1"/>
-                </a:solidFill>
-                <a:latin typeface="Calibri"/>
-                <a:cs typeface="Arial"/>
-              </a:rPr>
-              <a:t>Presenters: </a:t>
-            </a:r>
-            <a:r>
-              <a:rPr lang="en-US" sz="3773" b="1" dirty="0" err="1">
-                <a:solidFill>
-                  <a:schemeClr val="tx1"/>
-                </a:solidFill>
-                <a:latin typeface="Calibri"/>
-                <a:cs typeface="Arial"/>
-              </a:rPr>
-              <a:t>Liel</a:t>
-            </a:r>
-            <a:r>
-              <a:rPr lang="en-US" sz="3773" b="1" dirty="0">
-                <a:solidFill>
-                  <a:schemeClr val="tx1"/>
-                </a:solidFill>
-                <a:latin typeface="Calibri"/>
-                <a:cs typeface="Arial"/>
-              </a:rPr>
-              <a:t> </a:t>
-            </a:r>
-            <a:r>
-              <a:rPr lang="en-US" sz="3773" b="1" dirty="0" err="1">
-                <a:solidFill>
-                  <a:schemeClr val="tx1"/>
-                </a:solidFill>
-                <a:latin typeface="Calibri"/>
-                <a:cs typeface="Arial"/>
-              </a:rPr>
-              <a:t>Berniker</a:t>
-            </a:r>
-            <a:r>
-              <a:rPr lang="en-US" sz="3773" b="1" dirty="0">
-                <a:solidFill>
-                  <a:schemeClr val="tx1"/>
-                </a:solidFill>
-                <a:latin typeface="Calibri"/>
-                <a:cs typeface="Arial"/>
-              </a:rPr>
-              <a:t>, Noy </a:t>
-            </a:r>
-            <a:r>
-              <a:rPr lang="en-US" sz="3773" b="1" dirty="0" err="1">
-                <a:solidFill>
-                  <a:schemeClr val="tx1"/>
-                </a:solidFill>
-                <a:latin typeface="Calibri"/>
-                <a:cs typeface="Arial"/>
-              </a:rPr>
-              <a:t>Osi</a:t>
-            </a:r>
-            <a:r>
-              <a:rPr lang="en-US" sz="3773" b="1" dirty="0">
-                <a:solidFill>
-                  <a:schemeClr val="tx1"/>
-                </a:solidFill>
-                <a:latin typeface="Calibri"/>
-                <a:cs typeface="Arial"/>
-              </a:rPr>
-              <a:t>, Dvir Segal</a:t>
-            </a:r>
-            <a:br>
-              <a:rPr lang="en-US" sz="3773" b="1" dirty="0">
-                <a:solidFill>
-                  <a:schemeClr val="tx1"/>
-                </a:solidFill>
-                <a:latin typeface="Calibri"/>
-                <a:cs typeface="Arial"/>
-              </a:rPr>
-            </a:br>
-            <a:r>
-              <a:rPr lang="en-US" sz="3773" b="1" dirty="0">
-                <a:solidFill>
-                  <a:schemeClr val="tx1"/>
-                </a:solidFill>
-                <a:latin typeface="Calibri"/>
-                <a:cs typeface="Arial"/>
-              </a:rPr>
-              <a:t>Instructor: Prof. Dana Shapira</a:t>
-            </a:r>
-            <a:br>
-              <a:rPr lang="en-US" sz="3773" b="1" dirty="0">
-                <a:solidFill>
-                  <a:schemeClr val="tx1"/>
-                </a:solidFill>
-                <a:latin typeface="Calibri"/>
-                <a:cs typeface="Arial"/>
-              </a:rPr>
-            </a:br>
-            <a:endParaRPr lang="he-IL" sz="3773" b="1" dirty="0">
-              <a:solidFill>
-                <a:schemeClr val="tx1"/>
-              </a:solidFill>
-              <a:latin typeface="Calibri"/>
-              <a:cs typeface="Arial"/>
-            </a:endParaRPr>
-          </a:p>
-        </p:txBody>
-      </p:sp>
       <p:sp>
         <p:nvSpPr>
           <p:cNvPr id="8" name="TextBox 7"/>
@@ -4248,7 +4059,7 @@
         </p:nvSpPr>
         <p:spPr>
           <a:xfrm>
-            <a:off x="17981142" y="124402"/>
+            <a:off x="17606929" y="624887"/>
             <a:ext cx="1732441" cy="1500914"/>
           </a:xfrm>
           <a:prstGeom prst="rect">
@@ -4355,7 +4166,7 @@
           <p:nvPr/>
         </p:nvPicPr>
         <p:blipFill>
-          <a:blip r:embed="rId2">
+          <a:blip r:embed="rId4">
             <a:extLst>
               <a:ext uri="{28A0092B-C50C-407E-A947-70E740481C1C}">
                 <a14:useLocalDpi xmlns:a14="http://schemas.microsoft.com/office/drawing/2010/main" val="0"/>
@@ -4391,7 +4202,7 @@
           <p:nvPr/>
         </p:nvPicPr>
         <p:blipFill>
-          <a:blip r:embed="rId3"/>
+          <a:blip r:embed="rId5"/>
           <a:stretch>
             <a:fillRect/>
           </a:stretch>
@@ -4421,7 +4232,7 @@
           <p:nvPr/>
         </p:nvPicPr>
         <p:blipFill>
-          <a:blip r:embed="rId4"/>
+          <a:blip r:embed="rId6"/>
           <a:stretch>
             <a:fillRect/>
           </a:stretch>
@@ -4575,7 +4386,7 @@
           <p:nvPr/>
         </p:nvPicPr>
         <p:blipFill>
-          <a:blip r:embed="rId5">
+          <a:blip r:embed="rId7">
             <a:extLst>
               <a:ext uri="{28A0092B-C50C-407E-A947-70E740481C1C}">
                 <a14:useLocalDpi xmlns:a14="http://schemas.microsoft.com/office/drawing/2010/main" val="0"/>
@@ -4588,8 +4399,8 @@
         </p:blipFill>
         <p:spPr>
           <a:xfrm>
-            <a:off x="230548" y="-14469"/>
-            <a:ext cx="3818938" cy="1662547"/>
+            <a:off x="-60493" y="-16119"/>
+            <a:ext cx="4666036" cy="2031325"/>
           </a:xfrm>
           <a:prstGeom prst="rect">
             <a:avLst/>
@@ -4893,7 +4704,7 @@
           <p:nvPr/>
         </p:nvPicPr>
         <p:blipFill>
-          <a:blip r:embed="rId6"/>
+          <a:blip r:embed="rId8"/>
           <a:stretch>
             <a:fillRect/>
           </a:stretch>
@@ -5006,7 +4817,7 @@
           <p:nvPr/>
         </p:nvPicPr>
         <p:blipFill>
-          <a:blip r:embed="rId7"/>
+          <a:blip r:embed="rId9"/>
           <a:stretch>
             <a:fillRect/>
           </a:stretch>
@@ -5036,7 +4847,7 @@
           <p:nvPr/>
         </p:nvPicPr>
         <p:blipFill>
-          <a:blip r:embed="rId8"/>
+          <a:blip r:embed="rId10"/>
           <a:stretch>
             <a:fillRect/>
           </a:stretch>
@@ -5941,7 +5752,7 @@
         </p:nvCxnSpPr>
         <p:spPr>
           <a:xfrm>
-            <a:off x="11967472" y="25387781"/>
+            <a:off x="11946280" y="25899219"/>
             <a:ext cx="2992001" cy="996623"/>
           </a:xfrm>
           <a:prstGeom prst="line">
@@ -5983,7 +5794,7 @@
           <p:nvPr/>
         </p:nvPicPr>
         <p:blipFill>
-          <a:blip r:embed="rId9"/>
+          <a:blip r:embed="rId11"/>
           <a:stretch>
             <a:fillRect/>
           </a:stretch>
@@ -6013,7 +5824,7 @@
           <p:nvPr/>
         </p:nvPicPr>
         <p:blipFill>
-          <a:blip r:embed="rId10"/>
+          <a:blip r:embed="rId12"/>
           <a:stretch>
             <a:fillRect/>
           </a:stretch>
@@ -6043,7 +5854,7 @@
           <p:nvPr/>
         </p:nvPicPr>
         <p:blipFill>
-          <a:blip r:embed="rId11"/>
+          <a:blip r:embed="rId13"/>
           <a:stretch>
             <a:fillRect/>
           </a:stretch>
@@ -6840,6 +6651,172 @@
               <a:rPr lang="en-US" sz="2310" dirty="0"/>
               <a:t> algorithm for each compression in a 100k random arrays</a:t>
             </a:r>
+          </a:p>
+        </p:txBody>
+      </p:sp>
+      <p:sp>
+        <p:nvSpPr>
+          <p:cNvPr id="24" name="תיבת טקסט 23">
+            <a:extLst>
+              <a:ext uri="{FF2B5EF4-FFF2-40B4-BE49-F238E27FC236}">
+                <a16:creationId xmlns:a16="http://schemas.microsoft.com/office/drawing/2014/main" id="{30BEB8BC-B0BF-7152-405B-5369413D0415}"/>
+              </a:ext>
+            </a:extLst>
+          </p:cNvPr>
+          <p:cNvSpPr txBox="1"/>
+          <p:nvPr/>
+        </p:nvSpPr>
+        <p:spPr>
+          <a:xfrm>
+            <a:off x="972444" y="2522270"/>
+            <a:ext cx="17008698" cy="2215991"/>
+          </a:xfrm>
+          <a:prstGeom prst="rect">
+            <a:avLst/>
+          </a:prstGeom>
+          <a:noFill/>
+        </p:spPr>
+        <p:txBody>
+          <a:bodyPr wrap="square" rtlCol="0">
+            <a:spAutoFit/>
+          </a:bodyPr>
+          <a:lstStyle/>
+          <a:p>
+            <a:pPr algn="ctr" defTabSz="2747220"/>
+            <a:r>
+              <a:rPr lang="en-US" sz="5400" b="1" dirty="0">
+                <a:solidFill>
+                  <a:schemeClr val="tx1"/>
+                </a:solidFill>
+                <a:latin typeface="Arial" panose="020B0604020202020204" pitchFamily="34" charset="0"/>
+                <a:cs typeface="Arial" panose="020B0604020202020204" pitchFamily="34" charset="0"/>
+              </a:rPr>
+              <a:t>Data Compression – Comparing </a:t>
+            </a:r>
+            <a:r>
+              <a:rPr lang="en-US" sz="5400" b="1" dirty="0" err="1">
+                <a:solidFill>
+                  <a:schemeClr val="tx1"/>
+                </a:solidFill>
+                <a:latin typeface="Arial" panose="020B0604020202020204" pitchFamily="34" charset="0"/>
+                <a:cs typeface="Arial" panose="020B0604020202020204" pitchFamily="34" charset="0"/>
+              </a:rPr>
+              <a:t>Haar’s</a:t>
+            </a:r>
+            <a:r>
+              <a:rPr lang="en-US" sz="5400" b="1" dirty="0">
+                <a:solidFill>
+                  <a:schemeClr val="tx1"/>
+                </a:solidFill>
+                <a:latin typeface="Arial" panose="020B0604020202020204" pitchFamily="34" charset="0"/>
+                <a:cs typeface="Arial" panose="020B0604020202020204" pitchFamily="34" charset="0"/>
+              </a:rPr>
+              <a:t> Algorithms</a:t>
+            </a:r>
+            <a:br>
+              <a:rPr lang="en-US" sz="1800" b="1" dirty="0">
+                <a:solidFill>
+                  <a:schemeClr val="tx1"/>
+                </a:solidFill>
+                <a:latin typeface="Arial" panose="020B0604020202020204" pitchFamily="34" charset="0"/>
+                <a:cs typeface="Arial" panose="020B0604020202020204" pitchFamily="34" charset="0"/>
+              </a:rPr>
+            </a:br>
+            <a:endParaRPr lang="en-US" sz="1800" b="1" dirty="0">
+              <a:solidFill>
+                <a:schemeClr val="tx1"/>
+              </a:solidFill>
+              <a:latin typeface="Arial" panose="020B0604020202020204" pitchFamily="34" charset="0"/>
+              <a:cs typeface="Arial" panose="020B0604020202020204" pitchFamily="34" charset="0"/>
+            </a:endParaRPr>
+          </a:p>
+          <a:p>
+            <a:pPr algn="ctr" defTabSz="2747220"/>
+            <a:r>
+              <a:rPr lang="en-US" sz="2400" b="1" dirty="0">
+                <a:solidFill>
+                  <a:schemeClr val="tx1"/>
+                </a:solidFill>
+                <a:latin typeface="Arial" panose="020B0604020202020204" pitchFamily="34" charset="0"/>
+                <a:cs typeface="Arial" panose="020B0604020202020204" pitchFamily="34" charset="0"/>
+              </a:rPr>
+              <a:t>Presenters: Liel Berniker, Noy </a:t>
+            </a:r>
+            <a:r>
+              <a:rPr lang="en-US" sz="2400" b="1" dirty="0" err="1">
+                <a:solidFill>
+                  <a:schemeClr val="tx1"/>
+                </a:solidFill>
+                <a:latin typeface="Arial" panose="020B0604020202020204" pitchFamily="34" charset="0"/>
+                <a:cs typeface="Arial" panose="020B0604020202020204" pitchFamily="34" charset="0"/>
+              </a:rPr>
+              <a:t>Osi</a:t>
+            </a:r>
+            <a:r>
+              <a:rPr lang="en-US" sz="2400" b="1" dirty="0">
+                <a:solidFill>
+                  <a:schemeClr val="tx1"/>
+                </a:solidFill>
+                <a:latin typeface="Arial" panose="020B0604020202020204" pitchFamily="34" charset="0"/>
+                <a:cs typeface="Arial" panose="020B0604020202020204" pitchFamily="34" charset="0"/>
+              </a:rPr>
+              <a:t>, </a:t>
+            </a:r>
+            <a:r>
+              <a:rPr lang="en-US" sz="2400" b="1" dirty="0" err="1">
+                <a:solidFill>
+                  <a:schemeClr val="tx1"/>
+                </a:solidFill>
+                <a:latin typeface="Arial" panose="020B0604020202020204" pitchFamily="34" charset="0"/>
+                <a:cs typeface="Arial" panose="020B0604020202020204" pitchFamily="34" charset="0"/>
+              </a:rPr>
+              <a:t>Dvir</a:t>
+            </a:r>
+            <a:r>
+              <a:rPr lang="en-US" sz="2400" b="1" dirty="0">
+                <a:solidFill>
+                  <a:schemeClr val="tx1"/>
+                </a:solidFill>
+                <a:latin typeface="Arial" panose="020B0604020202020204" pitchFamily="34" charset="0"/>
+                <a:cs typeface="Arial" panose="020B0604020202020204" pitchFamily="34" charset="0"/>
+              </a:rPr>
+              <a:t> Segal</a:t>
+            </a:r>
+            <a:br>
+              <a:rPr lang="en-US" sz="2400" b="1" dirty="0">
+                <a:solidFill>
+                  <a:schemeClr val="tx1"/>
+                </a:solidFill>
+                <a:latin typeface="Arial" panose="020B0604020202020204" pitchFamily="34" charset="0"/>
+                <a:cs typeface="Arial" panose="020B0604020202020204" pitchFamily="34" charset="0"/>
+              </a:rPr>
+            </a:br>
+            <a:r>
+              <a:rPr lang="en-US" sz="2400" b="1" dirty="0">
+                <a:solidFill>
+                  <a:schemeClr val="tx1"/>
+                </a:solidFill>
+                <a:latin typeface="Arial" panose="020B0604020202020204" pitchFamily="34" charset="0"/>
+                <a:cs typeface="Arial" panose="020B0604020202020204" pitchFamily="34" charset="0"/>
+              </a:rPr>
+              <a:t>Instructor: Prof. Dana Shapira</a:t>
+            </a:r>
+            <a:br>
+              <a:rPr lang="en-US" sz="1800" b="1" dirty="0">
+                <a:solidFill>
+                  <a:schemeClr val="tx1"/>
+                </a:solidFill>
+                <a:latin typeface="Calibri"/>
+                <a:cs typeface="Arial"/>
+              </a:rPr>
+            </a:br>
+            <a:endParaRPr lang="he-IL" sz="1800" b="1" dirty="0">
+              <a:solidFill>
+                <a:schemeClr val="tx1"/>
+              </a:solidFill>
+              <a:latin typeface="Calibri"/>
+              <a:cs typeface="Arial"/>
+            </a:endParaRPr>
           </a:p>
         </p:txBody>
       </p:sp>
